--- a/docs/SGX Enclave Programming - Common Mistakes.pptx
+++ b/docs/SGX Enclave Programming - Common Mistakes.pptx
@@ -5,7 +5,7 @@
     <p:sldMasterId id="2147483696" r:id="rId1"/>
   </p:sldMasterIdLst>
   <p:notesMasterIdLst>
-    <p:notesMasterId r:id="rId52"/>
+    <p:notesMasterId r:id="rId53"/>
   </p:notesMasterIdLst>
   <p:sldIdLst>
     <p:sldId id="256" r:id="rId2"/>
@@ -56,8 +56,9 @@
     <p:sldId id="282" r:id="rId47"/>
     <p:sldId id="307" r:id="rId48"/>
     <p:sldId id="291" r:id="rId49"/>
-    <p:sldId id="269" r:id="rId50"/>
-    <p:sldId id="265" r:id="rId51"/>
+    <p:sldId id="315" r:id="rId50"/>
+    <p:sldId id="269" r:id="rId51"/>
+    <p:sldId id="265" r:id="rId52"/>
   </p:sldIdLst>
   <p:sldSz cx="12192000" cy="6858000"/>
   <p:notesSz cx="6858000" cy="9144000"/>
@@ -162,10 +163,6 @@
     </p:ext>
   </p:extLst>
 </p:presentation>
-</file>
-
-<file path=ppt/revisionInfo.xml><?xml version="1.0" encoding="utf-8"?>
-<p1510:revInfo xmlns:a="http://schemas.openxmlformats.org/drawingml/2006/main" xmlns:r="http://schemas.openxmlformats.org/officeDocument/2006/relationships" xmlns:p1510="http://schemas.microsoft.com/office/powerpoint/2015/10/main"/>
 </file>
 
 <file path=ppt/notesMasters/notesMaster1.xml><?xml version="1.0" encoding="utf-8"?>
@@ -5475,7 +5472,7 @@
           <a:p>
             <a:fld id="{CD8728AD-2EC3-CF45-89B7-24476471A0CA}" type="slidenum">
               <a:rPr lang="ru-RU" smtClean="0"/>
-              <a:t>49</a:t>
+              <a:t>50</a:t>
             </a:fld>
             <a:endParaRPr lang="ru-RU"/>
           </a:p>
@@ -5569,7 +5566,7 @@
           <a:p>
             <a:fld id="{CD8728AD-2EC3-CF45-89B7-24476471A0CA}" type="slidenum">
               <a:rPr lang="ru-RU" smtClean="0"/>
-              <a:t>50</a:t>
+              <a:t>51</a:t>
             </a:fld>
             <a:endParaRPr lang="ru-RU"/>
           </a:p>
@@ -30443,9 +30440,15 @@
           </a:p>
           <a:p>
             <a:r>
-              <a:rPr lang="en-US" dirty="0"/>
-              <a:t>[insert links]</a:t>
-            </a:r>
+              <a:rPr lang="en-US" dirty="0">
+                <a:hlinkClick r:id="rId3"/>
+              </a:rPr>
+              <a:t>https://github.com/wireshrink/RECONMTL-2017</a:t>
+            </a:r>
+            <a:endParaRPr lang="en-US" dirty="0"/>
+          </a:p>
+          <a:p>
+            <a:endParaRPr lang="en-US" dirty="0"/>
           </a:p>
         </p:txBody>
       </p:sp>
@@ -35036,7 +35039,7 @@
       </p:grpSpPr>
       <p:sp>
         <p:nvSpPr>
-          <p:cNvPr id="2" name="Title 1"/>
+          <p:cNvPr id="2" name="כותרת 1"/>
           <p:cNvSpPr>
             <a:spLocks noGrp="1"/>
           </p:cNvSpPr>
@@ -35051,14 +35054,14 @@
           <a:p>
             <a:r>
               <a:rPr lang="en-US" dirty="0"/>
-              <a:t>Note on involved crypto</a:t>
-            </a:r>
-          </a:p>
-        </p:txBody>
-      </p:sp>
-      <p:sp>
-        <p:nvSpPr>
-          <p:cNvPr id="3" name="Content Placeholder 2"/>
+              <a:t>Why can’t I sign it myself</a:t>
+            </a:r>
+          </a:p>
+        </p:txBody>
+      </p:sp>
+      <p:sp>
+        <p:nvSpPr>
+          <p:cNvPr id="3" name="מציין מיקום תוכן 2"/>
           <p:cNvSpPr>
             <a:spLocks noGrp="1"/>
           </p:cNvSpPr>
@@ -35068,19 +35071,83 @@
         </p:nvSpPr>
         <p:spPr/>
         <p:txBody>
-          <a:bodyPr/>
+          <a:bodyPr>
+            <a:normAutofit fontScale="47500" lnSpcReduction="20000"/>
+          </a:bodyPr>
           <a:lstStyle/>
           <a:p>
             <a:r>
-              <a:rPr lang="en-US" dirty="0"/>
-              <a:t>AES GCM is used for sealing data</a:t>
-            </a:r>
-          </a:p>
-          <a:p>
-            <a:r>
-              <a:rPr lang="en-US" dirty="0"/>
-              <a:t>EPID and other things are out of scope</a:t>
-            </a:r>
+              <a:rPr lang="en-US" dirty="0">
+                <a:hlinkClick r:id="rId2"/>
+              </a:rPr>
+              <a:t>https://software.intel.com/en-us/license/intel-software-guard-extensions-licensee-guide</a:t>
+            </a:r>
+            <a:endParaRPr lang="en-US" dirty="0"/>
+          </a:p>
+          <a:p>
+            <a:r>
+              <a:rPr lang="en-US" dirty="0"/>
+              <a:t>“ In addition, Licensees should:</a:t>
+            </a:r>
+          </a:p>
+          <a:p>
+            <a:r>
+              <a:rPr lang="en-US" dirty="0"/>
+              <a:t>Observe industry secure coding best practices for software development to avoid vulnerabilities (such practices might include a secure software development framework, coding standards, data input validation, least access possible, secure logging, and so on).</a:t>
+            </a:r>
+          </a:p>
+          <a:p>
+            <a:r>
+              <a:rPr lang="en-US" dirty="0"/>
+              <a:t>Address and fix significant security vulnerabilities within a reasonable time, or within a time frame established under existing disclosure arrangements between Intel and the Licensee, after becoming aware of the vulnerability.</a:t>
+            </a:r>
+          </a:p>
+          <a:p>
+            <a:r>
+              <a:rPr lang="en-US" dirty="0"/>
+              <a:t>Ensure that the licensed application installer, or the operating environment in which the application resides, includes the most current Platform Software (PSW) Installer for Intel SGX.</a:t>
+            </a:r>
+          </a:p>
+          <a:p>
+            <a:r>
+              <a:rPr lang="en-US" dirty="0"/>
+              <a:t>Ensure that end-users receive PSW updates via application update mechanism, or via the operating environment in which the application resides.</a:t>
+            </a:r>
+          </a:p>
+          <a:p>
+            <a:r>
+              <a:rPr lang="en-US" dirty="0"/>
+              <a:t>Observe best industry practices to: (</a:t>
+            </a:r>
+            <a:r>
+              <a:rPr lang="en-US" dirty="0" err="1"/>
+              <a:t>i</a:t>
+            </a:r>
+            <a:r>
+              <a:rPr lang="en-US" dirty="0"/>
+              <a:t>) not write malware, spyware or other nuisance software; (ii) </a:t>
+            </a:r>
+            <a:r>
+              <a:rPr lang="en-US" b="1" u="sng" dirty="0">
+                <a:solidFill>
+                  <a:srgbClr val="FF0000"/>
+                </a:solidFill>
+              </a:rPr>
+              <a:t>not write poorly designed software that contains significant security vulnerabilities or that fails to deliver its security promise</a:t>
+            </a:r>
+            <a:r>
+              <a:rPr lang="en-US" dirty="0"/>
+              <a:t>.</a:t>
+            </a:r>
+          </a:p>
+          <a:p>
+            <a:r>
+              <a:rPr lang="en-US" dirty="0"/>
+              <a:t>Construct Licensed Software Applications to enable complete removal on end user request, including removal of any sealed data.”</a:t>
+            </a:r>
+          </a:p>
+          <a:p>
+            <a:endParaRPr lang="en-US" dirty="0"/>
           </a:p>
         </p:txBody>
       </p:sp>
@@ -35110,7 +35177,7 @@
     </p:spTree>
     <p:extLst>
       <p:ext uri="{BB962C8B-B14F-4D97-AF65-F5344CB8AC3E}">
-        <p14:creationId xmlns:p14="http://schemas.microsoft.com/office/powerpoint/2010/main" val="2498105173"/>
+        <p14:creationId xmlns:p14="http://schemas.microsoft.com/office/powerpoint/2010/main" val="994950159"/>
       </p:ext>
     </p:extLst>
   </p:cSld>
@@ -35257,6 +35324,109 @@
           <a:p>
             <a:r>
               <a:rPr lang="en-US" dirty="0"/>
+              <a:t>Note on involved crypto</a:t>
+            </a:r>
+          </a:p>
+        </p:txBody>
+      </p:sp>
+      <p:sp>
+        <p:nvSpPr>
+          <p:cNvPr id="3" name="Content Placeholder 2"/>
+          <p:cNvSpPr>
+            <a:spLocks noGrp="1"/>
+          </p:cNvSpPr>
+          <p:nvPr>
+            <p:ph idx="1"/>
+          </p:nvPr>
+        </p:nvSpPr>
+        <p:spPr/>
+        <p:txBody>
+          <a:bodyPr/>
+          <a:lstStyle/>
+          <a:p>
+            <a:r>
+              <a:rPr lang="en-US" dirty="0"/>
+              <a:t>AES GCM is used for sealing data</a:t>
+            </a:r>
+          </a:p>
+          <a:p>
+            <a:r>
+              <a:rPr lang="en-US" dirty="0"/>
+              <a:t>EPID and other things are out of scope</a:t>
+            </a:r>
+          </a:p>
+        </p:txBody>
+      </p:sp>
+      <p:sp>
+        <p:nvSpPr>
+          <p:cNvPr id="4" name="מציין מיקום של מספר שקופית 3"/>
+          <p:cNvSpPr>
+            <a:spLocks noGrp="1"/>
+          </p:cNvSpPr>
+          <p:nvPr>
+            <p:ph type="sldNum" sz="quarter" idx="12"/>
+          </p:nvPr>
+        </p:nvSpPr>
+        <p:spPr/>
+        <p:txBody>
+          <a:bodyPr/>
+          <a:lstStyle/>
+          <a:p>
+            <a:fld id="{E49B20E1-BFBC-4C97-821D-580820242ED4}" type="slidenum">
+              <a:rPr lang="en-US" smtClean="0"/>
+              <a:t>50</a:t>
+            </a:fld>
+            <a:endParaRPr lang="en-US"/>
+          </a:p>
+        </p:txBody>
+      </p:sp>
+    </p:spTree>
+    <p:extLst>
+      <p:ext uri="{BB962C8B-B14F-4D97-AF65-F5344CB8AC3E}">
+        <p14:creationId xmlns:p14="http://schemas.microsoft.com/office/powerpoint/2010/main" val="2498105173"/>
+      </p:ext>
+    </p:extLst>
+  </p:cSld>
+  <p:clrMapOvr>
+    <a:masterClrMapping/>
+  </p:clrMapOvr>
+</p:sld>
+</file>
+
+<file path=ppt/slides/slide51.xml><?xml version="1.0" encoding="utf-8"?>
+<p:sld xmlns:a="http://schemas.openxmlformats.org/drawingml/2006/main" xmlns:r="http://schemas.openxmlformats.org/officeDocument/2006/relationships" xmlns:p="http://schemas.openxmlformats.org/presentationml/2006/main">
+  <p:cSld>
+    <p:spTree>
+      <p:nvGrpSpPr>
+        <p:cNvPr id="1" name=""/>
+        <p:cNvGrpSpPr/>
+        <p:nvPr/>
+      </p:nvGrpSpPr>
+      <p:grpSpPr>
+        <a:xfrm>
+          <a:off x="0" y="0"/>
+          <a:ext cx="0" cy="0"/>
+          <a:chOff x="0" y="0"/>
+          <a:chExt cx="0" cy="0"/>
+        </a:xfrm>
+      </p:grpSpPr>
+      <p:sp>
+        <p:nvSpPr>
+          <p:cNvPr id="2" name="Title 1"/>
+          <p:cNvSpPr>
+            <a:spLocks noGrp="1"/>
+          </p:cNvSpPr>
+          <p:nvPr>
+            <p:ph type="title"/>
+          </p:nvPr>
+        </p:nvSpPr>
+        <p:spPr/>
+        <p:txBody>
+          <a:bodyPr/>
+          <a:lstStyle/>
+          <a:p>
+            <a:r>
+              <a:rPr lang="en-US" dirty="0"/>
               <a:t>SGX instructions</a:t>
             </a:r>
           </a:p>
@@ -35472,7 +35642,7 @@
           <a:p>
             <a:fld id="{E49B20E1-BFBC-4C97-821D-580820242ED4}" type="slidenum">
               <a:rPr lang="en-US" smtClean="0"/>
-              <a:t>50</a:t>
+              <a:t>51</a:t>
             </a:fld>
             <a:endParaRPr lang="en-US"/>
           </a:p>

--- a/docs/SGX Enclave Programming - Common Mistakes.pptx
+++ b/docs/SGX Enclave Programming - Common Mistakes.pptx
@@ -31784,7 +31784,15 @@
             <a:pPr lvl="1"/>
             <a:r>
               <a:rPr lang="en-US" dirty="0"/>
-              <a:t>AES GCM IV exhaustion with sealing </a:t>
+              <a:t>Key </a:t>
+            </a:r>
+            <a:r>
+              <a:rPr lang="en-US"/>
+              <a:t>material and AES </a:t>
+            </a:r>
+            <a:r>
+              <a:rPr lang="en-US" dirty="0"/>
+              <a:t>GCM IV exhaustion with sealing </a:t>
             </a:r>
           </a:p>
           <a:p>

--- a/docs/SGX Enclave Programming - Common Mistakes.pptx
+++ b/docs/SGX Enclave Programming - Common Mistakes.pptx
@@ -561,13 +561,13 @@
           <a:p>
             <a:r>
               <a:rPr lang="en-GB" dirty="0"/>
-              <a:t>Each organization has its own dialect of English. That’s why there are 2 probably not too much understandable words on this slide: SGX and WKM. SGX is a software guard extensions of Intel. WKM is an opposite of BKM ( best known methods) and means, of course , worst known methods.</a:t>
+              <a:t>Each organization has its own dialect of English. That’s why there are 2 probably not too much understandable abbreviations on this slide: SGX and WKM. SGX is a software guard extensions of Intel. WKM is an opposite of BKM ( best known methods) and means, of course , worst known methods.</a:t>
             </a:r>
           </a:p>
           <a:p>
             <a:r>
               <a:rPr lang="en-GB" dirty="0"/>
-              <a:t>Today I going to talk about mistakes that can be done (and usually done) with SGX programming.</a:t>
+              <a:t>Today I going to talk about mistakes that can be done (and usually done) with SGX programming – and going to present a training target for hacking SGX enclaved software.</a:t>
             </a:r>
             <a:endParaRPr lang="en-US" dirty="0"/>
           </a:p>
@@ -31784,15 +31784,7 @@
             <a:pPr lvl="1"/>
             <a:r>
               <a:rPr lang="en-US" dirty="0"/>
-              <a:t>Key </a:t>
-            </a:r>
-            <a:r>
-              <a:rPr lang="en-US"/>
-              <a:t>material and AES </a:t>
-            </a:r>
-            <a:r>
-              <a:rPr lang="en-US" dirty="0"/>
-              <a:t>GCM IV exhaustion with sealing </a:t>
+              <a:t>Key material and AES GCM IV exhaustion with sealing </a:t>
             </a:r>
           </a:p>
           <a:p>

--- a/docs/SGX Enclave Programming - Common Mistakes.pptx
+++ b/docs/SGX Enclave Programming - Common Mistakes.pptx
@@ -5,7 +5,7 @@
     <p:sldMasterId id="2147483696" r:id="rId1"/>
   </p:sldMasterIdLst>
   <p:notesMasterIdLst>
-    <p:notesMasterId r:id="rId53"/>
+    <p:notesMasterId r:id="rId54"/>
   </p:notesMasterIdLst>
   <p:sldIdLst>
     <p:sldId id="256" r:id="rId2"/>
@@ -51,14 +51,15 @@
     <p:sldId id="280" r:id="rId42"/>
     <p:sldId id="281" r:id="rId43"/>
     <p:sldId id="283" r:id="rId44"/>
-    <p:sldId id="284" r:id="rId45"/>
-    <p:sldId id="261" r:id="rId46"/>
-    <p:sldId id="282" r:id="rId47"/>
-    <p:sldId id="307" r:id="rId48"/>
-    <p:sldId id="291" r:id="rId49"/>
-    <p:sldId id="315" r:id="rId50"/>
-    <p:sldId id="269" r:id="rId51"/>
-    <p:sldId id="265" r:id="rId52"/>
+    <p:sldId id="316" r:id="rId45"/>
+    <p:sldId id="284" r:id="rId46"/>
+    <p:sldId id="261" r:id="rId47"/>
+    <p:sldId id="282" r:id="rId48"/>
+    <p:sldId id="307" r:id="rId49"/>
+    <p:sldId id="291" r:id="rId50"/>
+    <p:sldId id="315" r:id="rId51"/>
+    <p:sldId id="269" r:id="rId52"/>
+    <p:sldId id="265" r:id="rId53"/>
   </p:sldIdLst>
   <p:sldSz cx="12192000" cy="6858000"/>
   <p:notesSz cx="6858000" cy="9144000"/>
@@ -165,6 +166,10 @@
 </p:presentation>
 </file>
 
+<file path=ppt/revisionInfo.xml><?xml version="1.0" encoding="utf-8"?>
+<p1510:revInfo xmlns:a="http://schemas.openxmlformats.org/drawingml/2006/main" xmlns:r="http://schemas.openxmlformats.org/officeDocument/2006/relationships" xmlns:p1510="http://schemas.microsoft.com/office/powerpoint/2015/10/main"/>
+</file>
+
 <file path=ppt/notesMasters/notesMaster1.xml><?xml version="1.0" encoding="utf-8"?>
 <p:notesMaster xmlns:a="http://schemas.openxmlformats.org/drawingml/2006/main" xmlns:r="http://schemas.openxmlformats.org/officeDocument/2006/relationships" xmlns:p="http://schemas.openxmlformats.org/presentationml/2006/main">
   <p:cSld>
@@ -247,7 +252,7 @@
           <a:p>
             <a:fld id="{7A0F84C6-4B66-FC4F-9BD6-6F53B9E68AE3}" type="datetimeFigureOut">
               <a:rPr lang="ru-RU" smtClean="0"/>
-              <a:t>26.05.2017</a:t>
+              <a:t>10.06.2017</a:t>
             </a:fld>
             <a:endParaRPr lang="ru-RU"/>
           </a:p>
@@ -5272,7 +5277,7 @@
           <a:p>
             <a:fld id="{CD8728AD-2EC3-CF45-89B7-24476471A0CA}" type="slidenum">
               <a:rPr lang="ru-RU" smtClean="0"/>
-              <a:t>45</a:t>
+              <a:t>46</a:t>
             </a:fld>
             <a:endParaRPr lang="ru-RU"/>
           </a:p>
@@ -5368,7 +5373,7 @@
           <a:p>
             <a:fld id="{CD8728AD-2EC3-CF45-89B7-24476471A0CA}" type="slidenum">
               <a:rPr lang="ru-RU" smtClean="0"/>
-              <a:t>48</a:t>
+              <a:t>49</a:t>
             </a:fld>
             <a:endParaRPr lang="ru-RU"/>
           </a:p>
@@ -5472,7 +5477,7 @@
           <a:p>
             <a:fld id="{CD8728AD-2EC3-CF45-89B7-24476471A0CA}" type="slidenum">
               <a:rPr lang="ru-RU" smtClean="0"/>
-              <a:t>50</a:t>
+              <a:t>51</a:t>
             </a:fld>
             <a:endParaRPr lang="ru-RU"/>
           </a:p>
@@ -5566,7 +5571,7 @@
           <a:p>
             <a:fld id="{CD8728AD-2EC3-CF45-89B7-24476471A0CA}" type="slidenum">
               <a:rPr lang="ru-RU" smtClean="0"/>
-              <a:t>51</a:t>
+              <a:t>52</a:t>
             </a:fld>
             <a:endParaRPr lang="ru-RU"/>
           </a:p>
@@ -10468,7 +10473,7 @@
           <a:p>
             <a:fld id="{41DCBB70-9A08-4AA5-A271-721B6525CB9F}" type="datetime1">
               <a:rPr lang="en-US" smtClean="0"/>
-              <a:t>5/26/2017</a:t>
+              <a:t>6/10/2017</a:t>
             </a:fld>
             <a:endParaRPr lang="en-US"/>
           </a:p>
@@ -10735,7 +10740,7 @@
           <a:p>
             <a:fld id="{9E661AA1-C993-49F4-84DE-675C7065B200}" type="datetime1">
               <a:rPr lang="en-US" smtClean="0"/>
-              <a:t>5/26/2017</a:t>
+              <a:t>6/10/2017</a:t>
             </a:fld>
             <a:endParaRPr lang="en-US"/>
           </a:p>
@@ -10931,7 +10936,7 @@
           <a:p>
             <a:fld id="{35ED3023-723E-443F-8079-577C9EEE921C}" type="datetime1">
               <a:rPr lang="en-US" smtClean="0"/>
-              <a:t>5/26/2017</a:t>
+              <a:t>6/10/2017</a:t>
             </a:fld>
             <a:endParaRPr lang="en-US"/>
           </a:p>
@@ -11194,7 +11199,7 @@
           <a:p>
             <a:fld id="{6B73FD1C-B51A-48F7-AC02-2F0D97D814F7}" type="datetime1">
               <a:rPr lang="en-US" smtClean="0"/>
-              <a:t>5/26/2017</a:t>
+              <a:t>6/10/2017</a:t>
             </a:fld>
             <a:endParaRPr lang="en-US"/>
           </a:p>
@@ -11628,7 +11633,7 @@
           <a:p>
             <a:fld id="{FB8D9E83-F75A-43AD-B2ED-7E8CAF48F668}" type="datetime1">
               <a:rPr lang="en-US" smtClean="0"/>
-              <a:t>5/26/2017</a:t>
+              <a:t>6/10/2017</a:t>
             </a:fld>
             <a:endParaRPr lang="en-US"/>
           </a:p>
@@ -12174,7 +12179,7 @@
           <a:p>
             <a:fld id="{768A83B0-3BAE-4E53-B5B7-0FF7FE737D64}" type="datetime1">
               <a:rPr lang="en-US" smtClean="0"/>
-              <a:t>5/26/2017</a:t>
+              <a:t>6/10/2017</a:t>
             </a:fld>
             <a:endParaRPr lang="en-US"/>
           </a:p>
@@ -12894,7 +12899,7 @@
           <a:p>
             <a:fld id="{B16730D7-1777-41F9-B918-BBBB96CD566E}" type="datetime1">
               <a:rPr lang="en-US" smtClean="0"/>
-              <a:t>5/26/2017</a:t>
+              <a:t>6/10/2017</a:t>
             </a:fld>
             <a:endParaRPr lang="en-US"/>
           </a:p>
@@ -13064,7 +13069,7 @@
           <a:p>
             <a:fld id="{6D09EAFD-48A8-461E-BE3C-44687419BF39}" type="datetime1">
               <a:rPr lang="en-US" smtClean="0"/>
-              <a:t>5/26/2017</a:t>
+              <a:t>6/10/2017</a:t>
             </a:fld>
             <a:endParaRPr lang="en-US"/>
           </a:p>
@@ -13244,7 +13249,7 @@
           <a:p>
             <a:fld id="{8FD3B498-F311-4C43-B1BB-5A8293E0A9A4}" type="datetime1">
               <a:rPr lang="en-US" smtClean="0"/>
-              <a:t>5/26/2017</a:t>
+              <a:t>6/10/2017</a:t>
             </a:fld>
             <a:endParaRPr lang="en-US"/>
           </a:p>
@@ -13414,7 +13419,7 @@
           <a:p>
             <a:fld id="{883771BF-CA23-432F-8D8B-D4805A2FDC25}" type="datetime1">
               <a:rPr lang="en-US" smtClean="0"/>
-              <a:t>5/26/2017</a:t>
+              <a:t>6/10/2017</a:t>
             </a:fld>
             <a:endParaRPr lang="en-US"/>
           </a:p>
@@ -13664,7 +13669,7 @@
           <a:p>
             <a:fld id="{1D68C36A-6259-4E5A-A049-3DCA1D14583C}" type="datetime1">
               <a:rPr lang="en-US" smtClean="0"/>
-              <a:t>5/26/2017</a:t>
+              <a:t>6/10/2017</a:t>
             </a:fld>
             <a:endParaRPr lang="en-US"/>
           </a:p>
@@ -13896,7 +13901,7 @@
           <a:p>
             <a:fld id="{F34191F4-FB8B-48CA-AE1C-459EE9927C52}" type="datetime1">
               <a:rPr lang="en-US" smtClean="0"/>
-              <a:t>5/26/2017</a:t>
+              <a:t>6/10/2017</a:t>
             </a:fld>
             <a:endParaRPr lang="en-US"/>
           </a:p>
@@ -14277,7 +14282,7 @@
           <a:p>
             <a:fld id="{1A00DB3D-0C93-46F0-85AD-FA7B3F55FC09}" type="datetime1">
               <a:rPr lang="en-US" smtClean="0"/>
-              <a:t>5/26/2017</a:t>
+              <a:t>6/10/2017</a:t>
             </a:fld>
             <a:endParaRPr lang="en-US"/>
           </a:p>
@@ -14395,7 +14400,7 @@
           <a:p>
             <a:fld id="{497B238E-31D3-4B1F-B348-185C972FE44A}" type="datetime1">
               <a:rPr lang="en-US" smtClean="0"/>
-              <a:t>5/26/2017</a:t>
+              <a:t>6/10/2017</a:t>
             </a:fld>
             <a:endParaRPr lang="en-US"/>
           </a:p>
@@ -14490,7 +14495,7 @@
           <a:p>
             <a:fld id="{19582FB6-8FF1-4BD0-8894-95577FB7710C}" type="datetime1">
               <a:rPr lang="en-US" smtClean="0"/>
-              <a:t>5/26/2017</a:t>
+              <a:t>6/10/2017</a:t>
             </a:fld>
             <a:endParaRPr lang="en-US"/>
           </a:p>
@@ -14739,7 +14744,7 @@
           <a:p>
             <a:fld id="{4DA5B7C6-DBC3-44D3-B529-A12A76EAA082}" type="datetime1">
               <a:rPr lang="en-US" smtClean="0"/>
-              <a:t>5/26/2017</a:t>
+              <a:t>6/10/2017</a:t>
             </a:fld>
             <a:endParaRPr lang="en-US"/>
           </a:p>
@@ -15019,7 +15024,7 @@
           <a:p>
             <a:fld id="{A5E04D17-1D2A-4495-A1D2-AEA6C5658C0F}" type="datetime1">
               <a:rPr lang="en-US" smtClean="0"/>
-              <a:t>5/26/2017</a:t>
+              <a:t>6/10/2017</a:t>
             </a:fld>
             <a:endParaRPr lang="en-US"/>
           </a:p>
@@ -18096,7 +18101,7 @@
           <a:p>
             <a:fld id="{0780C3C2-E360-4074-89B7-939D42F4D217}" type="datetime1">
               <a:rPr lang="en-US" smtClean="0"/>
-              <a:t>5/26/2017</a:t>
+              <a:t>6/10/2017</a:t>
             </a:fld>
             <a:endParaRPr lang="en-US"/>
           </a:p>
@@ -20668,7 +20673,14 @@
             <a:pPr lvl="1"/>
             <a:r>
               <a:rPr lang="en-US" dirty="0"/>
-              <a:t>Predefined enclaves (quoting, licensing, provisioning)	</a:t>
+              <a:t>Predefined enclaves (quoting, licensing, provisioning)</a:t>
+            </a:r>
+          </a:p>
+          <a:p>
+            <a:pPr lvl="1"/>
+            <a:r>
+              <a:rPr lang="en-US" dirty="0"/>
+              <a:t>Driver	</a:t>
             </a:r>
           </a:p>
           <a:p>
@@ -30435,7 +30447,7 @@
           <a:p>
             <a:r>
               <a:rPr lang="en-US" dirty="0"/>
-              <a:t>If you can sign the enclave – try to break in pre-release mode</a:t>
+              <a:t>If you cannot sign the enclave – try to break in pre-release mode</a:t>
             </a:r>
           </a:p>
           <a:p>
@@ -30544,7 +30556,7 @@
           <a:p>
             <a:r>
               <a:rPr lang="en-US" dirty="0"/>
-              <a:t>All mistakes deliberately inserted to “DVSE” were observed in real life in “finished” or “near to production” quality code</a:t>
+              <a:t>All mistakes deliberately inserted to “DVSE” were observed in real life in “finished” or “near to production” quality code more than one time</a:t>
             </a:r>
           </a:p>
           <a:p>
@@ -31282,7 +31294,7 @@
             <a:pPr lvl="1"/>
             <a:r>
               <a:rPr lang="en-US" dirty="0"/>
-              <a:t>Assumed to be protected with obfuscation and anti-debugging</a:t>
+              <a:t>Assumed to be protected with obfuscation and anti-debugging in the real life target </a:t>
             </a:r>
           </a:p>
           <a:p>
@@ -31293,17 +31305,31 @@
             </a:r>
           </a:p>
           <a:p>
+            <a:pPr lvl="2"/>
+            <a:r>
+              <a:rPr lang="en-US" dirty="0"/>
+              <a:t>Not used here: it is an exercise </a:t>
+            </a:r>
+          </a:p>
+          <a:p>
             <a:pPr lvl="1"/>
             <a:r>
               <a:rPr lang="en-US" dirty="0"/>
-              <a:t>Secure channel between the application and the enclave is established for DRM defense simulation (random AES key inside an enclave)</a:t>
+              <a:t>Assumed to be protected with remote attestation</a:t>
+            </a:r>
+          </a:p>
+          <a:p>
+            <a:pPr lvl="2"/>
+            <a:r>
+              <a:rPr lang="en-US" dirty="0"/>
+              <a:t>Not used here: it is an exercise </a:t>
             </a:r>
           </a:p>
           <a:p>
             <a:pPr lvl="1"/>
             <a:r>
               <a:rPr lang="en-US" u="sng" dirty="0"/>
-              <a:t>The goal is not to hack the application, but to hack the SGX enclave</a:t>
+              <a:t>The goal is not to hack the application, but to hack the badly written SGX enclave</a:t>
             </a:r>
           </a:p>
           <a:p>
@@ -31421,6 +31447,13 @@
             </a:r>
           </a:p>
           <a:p>
+            <a:pPr lvl="1"/>
+            <a:r>
+              <a:rPr lang="en-US" dirty="0"/>
+              <a:t>SSL with self-signed certificates (sha1 of the certificate is checked inside the enclave)</a:t>
+            </a:r>
+          </a:p>
+          <a:p>
             <a:endParaRPr lang="en-US" dirty="0"/>
           </a:p>
         </p:txBody>
@@ -31529,7 +31562,7 @@
           <a:p>
             <a:r>
               <a:rPr lang="en-US" dirty="0"/>
-              <a:t>Run server on a local machine, add media to the media folder</a:t>
+              <a:t>Run server on a local machine(media is already inside, public domain cartoons)</a:t>
             </a:r>
           </a:p>
           <a:p>
@@ -31791,7 +31824,7 @@
             <a:pPr lvl="1"/>
             <a:r>
               <a:rPr lang="en-US" dirty="0"/>
-              <a:t>Not constant time crypto-algorithms</a:t>
+              <a:t>Not constant time crypto and other sensitive algorithms</a:t>
             </a:r>
           </a:p>
           <a:p>
@@ -34360,7 +34393,13 @@
       </p:grpSpPr>
       <p:sp>
         <p:nvSpPr>
-          <p:cNvPr id="2" name="Title 1"/>
+          <p:cNvPr id="2" name="כותרת 1">
+            <a:extLst>
+              <a:ext uri="{FF2B5EF4-FFF2-40B4-BE49-F238E27FC236}">
+                <a16:creationId xmlns:a16="http://schemas.microsoft.com/office/drawing/2014/main" id="{2441E693-AAC6-490E-AAB9-F3263105878D}"/>
+              </a:ext>
+            </a:extLst>
+          </p:cNvPr>
           <p:cNvSpPr>
             <a:spLocks noGrp="1"/>
           </p:cNvSpPr>
@@ -34375,21 +34414,20 @@
           <a:p>
             <a:r>
               <a:rPr lang="en-US" dirty="0"/>
-              <a:t>BTW, Intel opened a bug bounty program </a:t>
-            </a:r>
-            <a:r>
-              <a:rPr lang="en-US" dirty="0">
-                <a:sym typeface="Wingdings" panose="05000000000000000000" pitchFamily="2" charset="2"/>
-              </a:rPr>
-              <a:t></a:t>
-            </a:r>
-            <a:endParaRPr lang="en-US" dirty="0"/>
-          </a:p>
-        </p:txBody>
-      </p:sp>
-      <p:sp>
-        <p:nvSpPr>
-          <p:cNvPr id="3" name="Content Placeholder 2"/>
+              <a:t>Future work</a:t>
+            </a:r>
+          </a:p>
+        </p:txBody>
+      </p:sp>
+      <p:sp>
+        <p:nvSpPr>
+          <p:cNvPr id="3" name="מציין מיקום תוכן 2">
+            <a:extLst>
+              <a:ext uri="{FF2B5EF4-FFF2-40B4-BE49-F238E27FC236}">
+                <a16:creationId xmlns:a16="http://schemas.microsoft.com/office/drawing/2014/main" id="{40D7FADA-349C-4F46-A92A-84063BD0ED85}"/>
+              </a:ext>
+            </a:extLst>
+          </p:cNvPr>
           <p:cNvSpPr>
             <a:spLocks noGrp="1"/>
           </p:cNvSpPr>
@@ -34403,37 +34441,33 @@
           <a:lstStyle/>
           <a:p>
             <a:r>
-              <a:rPr lang="en-US" dirty="0">
-                <a:hlinkClick r:id="rId2"/>
-              </a:rPr>
-              <a:t>https://security-center.intel.com/BugBountyProgram.aspx</a:t>
-            </a:r>
-            <a:endParaRPr lang="en-US" dirty="0"/>
-          </a:p>
-          <a:p>
-            <a:r>
-              <a:rPr lang="en-US" dirty="0"/>
-              <a:t>All the PSW is a critical part of the infrastructure</a:t>
-            </a:r>
-          </a:p>
-          <a:p>
-            <a:pPr lvl="1"/>
-            <a:r>
-              <a:rPr lang="en-US" dirty="0"/>
-              <a:t>Bugs which are found sooner are easier to cure</a:t>
-            </a:r>
-          </a:p>
-          <a:p>
-            <a:pPr marL="0" indent="0">
-              <a:buNone/>
-            </a:pPr>
-            <a:endParaRPr lang="en-US" dirty="0"/>
-          </a:p>
-        </p:txBody>
-      </p:sp>
-      <p:sp>
-        <p:nvSpPr>
-          <p:cNvPr id="4" name="מציין מיקום של מספר שקופית 3"/>
+              <a:rPr lang="en-US" dirty="0"/>
+              <a:t>Porting it to Linux</a:t>
+            </a:r>
+          </a:p>
+          <a:p>
+            <a:r>
+              <a:rPr lang="en-US" dirty="0"/>
+              <a:t>Publishing exploits</a:t>
+            </a:r>
+          </a:p>
+          <a:p>
+            <a:r>
+              <a:rPr lang="en-US" dirty="0"/>
+              <a:t>Automatic deduction of the enclave ECALLs/OCALLs from binary analysis</a:t>
+            </a:r>
+          </a:p>
+        </p:txBody>
+      </p:sp>
+      <p:sp>
+        <p:nvSpPr>
+          <p:cNvPr id="4" name="מציין מיקום של מספר שקופית 3">
+            <a:extLst>
+              <a:ext uri="{FF2B5EF4-FFF2-40B4-BE49-F238E27FC236}">
+                <a16:creationId xmlns:a16="http://schemas.microsoft.com/office/drawing/2014/main" id="{DCC7083C-F067-4A46-953F-24D561884803}"/>
+              </a:ext>
+            </a:extLst>
+          </p:cNvPr>
           <p:cNvSpPr>
             <a:spLocks noGrp="1"/>
           </p:cNvSpPr>
@@ -34457,7 +34491,7 @@
     </p:spTree>
     <p:extLst>
       <p:ext uri="{BB962C8B-B14F-4D97-AF65-F5344CB8AC3E}">
-        <p14:creationId xmlns:p14="http://schemas.microsoft.com/office/powerpoint/2010/main" val="2106738480"/>
+        <p14:creationId xmlns:p14="http://schemas.microsoft.com/office/powerpoint/2010/main" val="2338012447"/>
       </p:ext>
     </p:extLst>
   </p:cSld>
@@ -34501,8 +34535,15 @@
           <a:p>
             <a:r>
               <a:rPr lang="en-US" dirty="0"/>
-              <a:t>enclave – USEFUL links</a:t>
-            </a:r>
+              <a:t>BTW, Intel opened a bug bounty program </a:t>
+            </a:r>
+            <a:r>
+              <a:rPr lang="en-US" dirty="0">
+                <a:sym typeface="Wingdings" panose="05000000000000000000" pitchFamily="2" charset="2"/>
+              </a:rPr>
+              <a:t></a:t>
+            </a:r>
+            <a:endParaRPr lang="en-US" dirty="0"/>
           </a:p>
         </p:txBody>
       </p:sp>
@@ -34518,120 +34559,34 @@
         </p:nvSpPr>
         <p:spPr/>
         <p:txBody>
-          <a:bodyPr>
-            <a:normAutofit fontScale="62500" lnSpcReduction="20000"/>
-          </a:bodyPr>
-          <a:lstStyle/>
-          <a:p>
-            <a:r>
-              <a:rPr lang="en-US" dirty="0"/>
-              <a:t>Where to start : </a:t>
-            </a:r>
+          <a:bodyPr/>
+          <a:lstStyle/>
+          <a:p>
             <a:r>
               <a:rPr lang="en-US" dirty="0">
-                <a:hlinkClick r:id="rId3"/>
+                <a:hlinkClick r:id="rId2"/>
               </a:rPr>
-              <a:t>https://software.intel.com/en-us/sgx</a:t>
-            </a:r>
-            <a:r>
-              <a:rPr lang="en-US" dirty="0"/>
-              <a:t> </a:t>
-            </a:r>
-          </a:p>
-          <a:p>
-            <a:r>
-              <a:rPr lang="en-US" dirty="0"/>
-              <a:t>ISCA 2015 SGX tutorial: </a:t>
-            </a:r>
-            <a:r>
-              <a:rPr lang="en-US" dirty="0">
-                <a:hlinkClick r:id="rId4"/>
-              </a:rPr>
-              <a:t>https://software.intel.com/sites/default/files/332680-002.pdf</a:t>
+              <a:t>https://security-center.intel.com/BugBountyProgram.aspx</a:t>
             </a:r>
             <a:endParaRPr lang="en-US" dirty="0"/>
           </a:p>
           <a:p>
             <a:r>
               <a:rPr lang="en-US" dirty="0"/>
-              <a:t>Good external analysis: </a:t>
-            </a:r>
-            <a:r>
-              <a:rPr lang="en-US" dirty="0">
-                <a:hlinkClick r:id="rId5"/>
-              </a:rPr>
-              <a:t>http://eprint.iacr.org/2016/086.pdf</a:t>
-            </a:r>
-            <a:r>
-              <a:rPr lang="en-US" dirty="0"/>
-              <a:t> </a:t>
-            </a:r>
-          </a:p>
-          <a:p>
-            <a:r>
-              <a:rPr lang="en-US" dirty="0"/>
-              <a:t>For HW - SDM is the best: Vol. 3D : </a:t>
-            </a:r>
-            <a:r>
-              <a:rPr lang="en-US" dirty="0">
-                <a:hlinkClick r:id="rId6"/>
-              </a:rPr>
-              <a:t>http://www.intel.com/content/dam/www/public/us/en/documents/manuals/64-ia-32-architectures-software-developer-manual-325462.pdf</a:t>
-            </a:r>
-            <a:r>
-              <a:rPr lang="en-US" dirty="0"/>
-              <a:t> </a:t>
-            </a:r>
-          </a:p>
-          <a:p>
-            <a:r>
-              <a:rPr lang="en-US" dirty="0"/>
-              <a:t>Linux SDK and platform software</a:t>
+              <a:t>All the PSW is a critical part of the infrastructure</a:t>
             </a:r>
           </a:p>
           <a:p>
             <a:pPr lvl="1"/>
             <a:r>
-              <a:rPr lang="en-US" dirty="0">
-                <a:hlinkClick r:id="rId7"/>
-              </a:rPr>
-              <a:t>https://01.org/intel-softwareguard-extensions</a:t>
-            </a:r>
-            <a:r>
-              <a:rPr lang="en-US" dirty="0"/>
-              <a:t>  </a:t>
-            </a:r>
-          </a:p>
-          <a:p>
-            <a:pPr lvl="1"/>
-            <a:r>
-              <a:rPr lang="en-US" dirty="0">
-                <a:hlinkClick r:id="rId8"/>
-              </a:rPr>
-              <a:t>https://github.com/01org/linux-sgx</a:t>
-            </a:r>
-            <a:r>
-              <a:rPr lang="en-US" dirty="0"/>
-              <a:t> </a:t>
-            </a:r>
-          </a:p>
-          <a:p>
-            <a:r>
-              <a:rPr lang="en-US" dirty="0"/>
-              <a:t>Enclave writers guide </a:t>
-            </a:r>
-            <a:r>
-              <a:rPr lang="en-US" dirty="0">
-                <a:hlinkClick r:id="rId9"/>
-              </a:rPr>
-              <a:t>https://software.intel.com/sites/default/files/managed/ae/48/Software-Guard-Extensions-Enclave-Writers-Guide.pdf</a:t>
-            </a:r>
-            <a:r>
-              <a:rPr lang="en-US" dirty="0"/>
-              <a:t>   </a:t>
-            </a:r>
-          </a:p>
-          <a:p>
+              <a:rPr lang="en-US" dirty="0"/>
+              <a:t>Bugs which are found sooner are easier to cure</a:t>
+            </a:r>
+          </a:p>
+          <a:p>
+            <a:pPr marL="0" indent="0">
+              <a:buNone/>
+            </a:pPr>
             <a:endParaRPr lang="en-US" dirty="0"/>
           </a:p>
         </p:txBody>
@@ -34662,7 +34617,7 @@
     </p:spTree>
     <p:extLst>
       <p:ext uri="{BB962C8B-B14F-4D97-AF65-F5344CB8AC3E}">
-        <p14:creationId xmlns:p14="http://schemas.microsoft.com/office/powerpoint/2010/main" val="3255152671"/>
+        <p14:creationId xmlns:p14="http://schemas.microsoft.com/office/powerpoint/2010/main" val="2106738480"/>
       </p:ext>
     </p:extLst>
   </p:cSld>
@@ -34706,7 +34661,7 @@
           <a:p>
             <a:r>
               <a:rPr lang="en-US" dirty="0"/>
-              <a:t>Questions</a:t>
+              <a:t>enclave – USEFUL links</a:t>
             </a:r>
           </a:p>
         </p:txBody>
@@ -34723,13 +34678,121 @@
         </p:nvSpPr>
         <p:spPr/>
         <p:txBody>
-          <a:bodyPr/>
-          <a:lstStyle/>
-          <a:p>
-            <a:r>
-              <a:rPr lang="en-US" dirty="0"/>
-              <a:t>Please ?</a:t>
-            </a:r>
+          <a:bodyPr>
+            <a:normAutofit fontScale="62500" lnSpcReduction="20000"/>
+          </a:bodyPr>
+          <a:lstStyle/>
+          <a:p>
+            <a:r>
+              <a:rPr lang="en-US" dirty="0"/>
+              <a:t>Where to start : </a:t>
+            </a:r>
+            <a:r>
+              <a:rPr lang="en-US" dirty="0">
+                <a:hlinkClick r:id="rId3"/>
+              </a:rPr>
+              <a:t>https://software.intel.com/en-us/sgx</a:t>
+            </a:r>
+            <a:r>
+              <a:rPr lang="en-US" dirty="0"/>
+              <a:t> </a:t>
+            </a:r>
+          </a:p>
+          <a:p>
+            <a:r>
+              <a:rPr lang="en-US" dirty="0"/>
+              <a:t>ISCA 2015 SGX tutorial: </a:t>
+            </a:r>
+            <a:r>
+              <a:rPr lang="en-US" dirty="0">
+                <a:hlinkClick r:id="rId4"/>
+              </a:rPr>
+              <a:t>https://software.intel.com/sites/default/files/332680-002.pdf</a:t>
+            </a:r>
+            <a:endParaRPr lang="en-US" dirty="0"/>
+          </a:p>
+          <a:p>
+            <a:r>
+              <a:rPr lang="en-US" dirty="0"/>
+              <a:t>Good external analysis: </a:t>
+            </a:r>
+            <a:r>
+              <a:rPr lang="en-US" dirty="0">
+                <a:hlinkClick r:id="rId5"/>
+              </a:rPr>
+              <a:t>http://eprint.iacr.org/2016/086.pdf</a:t>
+            </a:r>
+            <a:r>
+              <a:rPr lang="en-US" dirty="0"/>
+              <a:t> </a:t>
+            </a:r>
+          </a:p>
+          <a:p>
+            <a:r>
+              <a:rPr lang="en-US" dirty="0"/>
+              <a:t>For HW - SDM is the best: Vol. 3D : </a:t>
+            </a:r>
+            <a:r>
+              <a:rPr lang="en-US" dirty="0">
+                <a:hlinkClick r:id="rId6"/>
+              </a:rPr>
+              <a:t>http://www.intel.com/content/dam/www/public/us/en/documents/manuals/64-ia-32-architectures-software-developer-manual-325462.pdf</a:t>
+            </a:r>
+            <a:r>
+              <a:rPr lang="en-US" dirty="0"/>
+              <a:t> </a:t>
+            </a:r>
+          </a:p>
+          <a:p>
+            <a:r>
+              <a:rPr lang="en-US" dirty="0"/>
+              <a:t>Linux SDK and platform software</a:t>
+            </a:r>
+          </a:p>
+          <a:p>
+            <a:pPr lvl="1"/>
+            <a:r>
+              <a:rPr lang="en-US" dirty="0">
+                <a:hlinkClick r:id="rId7"/>
+              </a:rPr>
+              <a:t>https://01.org/intel-softwareguard-extensions</a:t>
+            </a:r>
+            <a:r>
+              <a:rPr lang="en-US" dirty="0"/>
+              <a:t>  </a:t>
+            </a:r>
+          </a:p>
+          <a:p>
+            <a:pPr lvl="1"/>
+            <a:r>
+              <a:rPr lang="en-US" dirty="0">
+                <a:hlinkClick r:id="rId8"/>
+              </a:rPr>
+              <a:t>https://github.com/01org/linux-sgx</a:t>
+            </a:r>
+            <a:r>
+              <a:rPr lang="en-US" dirty="0"/>
+              <a:t> </a:t>
+            </a:r>
+          </a:p>
+          <a:p>
+            <a:r>
+              <a:rPr lang="en-US" dirty="0"/>
+              <a:t>Enclave writers guide </a:t>
+            </a:r>
+            <a:r>
+              <a:rPr lang="en-US" dirty="0">
+                <a:hlinkClick r:id="rId9"/>
+              </a:rPr>
+              <a:t>https://software.intel.com/sites/default/files/managed/ae/48/Software-Guard-Extensions-Enclave-Writers-Guide.pdf</a:t>
+            </a:r>
+            <a:r>
+              <a:rPr lang="en-US" dirty="0"/>
+              <a:t>   </a:t>
+            </a:r>
+          </a:p>
+          <a:p>
+            <a:endParaRPr lang="en-US" dirty="0"/>
           </a:p>
         </p:txBody>
       </p:sp>
@@ -34759,7 +34822,7 @@
     </p:spTree>
     <p:extLst>
       <p:ext uri="{BB962C8B-B14F-4D97-AF65-F5344CB8AC3E}">
-        <p14:creationId xmlns:p14="http://schemas.microsoft.com/office/powerpoint/2010/main" val="3073879730"/>
+        <p14:creationId xmlns:p14="http://schemas.microsoft.com/office/powerpoint/2010/main" val="3255152671"/>
       </p:ext>
     </p:extLst>
   </p:cSld>
@@ -34803,7 +34866,7 @@
           <a:p>
             <a:r>
               <a:rPr lang="en-US" dirty="0"/>
-              <a:t>backup</a:t>
+              <a:t>Questions</a:t>
             </a:r>
           </a:p>
         </p:txBody>
@@ -34823,7 +34886,10 @@
           <a:bodyPr/>
           <a:lstStyle/>
           <a:p>
-            <a:endParaRPr lang="en-US"/>
+            <a:r>
+              <a:rPr lang="en-US" dirty="0"/>
+              <a:t>Please ?</a:t>
+            </a:r>
           </a:p>
         </p:txBody>
       </p:sp>
@@ -34853,7 +34919,7 @@
     </p:spTree>
     <p:extLst>
       <p:ext uri="{BB962C8B-B14F-4D97-AF65-F5344CB8AC3E}">
-        <p14:creationId xmlns:p14="http://schemas.microsoft.com/office/powerpoint/2010/main" val="811180702"/>
+        <p14:creationId xmlns:p14="http://schemas.microsoft.com/office/powerpoint/2010/main" val="3073879730"/>
       </p:ext>
     </p:extLst>
   </p:cSld>
@@ -34882,7 +34948,7 @@
       </p:grpSpPr>
       <p:sp>
         <p:nvSpPr>
-          <p:cNvPr id="2" name="Заголовок 1"/>
+          <p:cNvPr id="2" name="Title 1"/>
           <p:cNvSpPr>
             <a:spLocks noGrp="1"/>
           </p:cNvSpPr>
@@ -34897,96 +34963,33 @@
           <a:p>
             <a:r>
               <a:rPr lang="en-US" dirty="0"/>
-              <a:t>Note on SGX sealing key derivation material</a:t>
-            </a:r>
-            <a:endParaRPr lang="ru-RU" dirty="0"/>
-          </a:p>
-        </p:txBody>
-      </p:sp>
-      <p:pic>
-        <p:nvPicPr>
-          <p:cNvPr id="5" name="Рисунок 4"/>
-          <p:cNvPicPr>
-            <a:picLocks noChangeAspect="1"/>
-          </p:cNvPicPr>
-          <p:nvPr/>
-        </p:nvPicPr>
-        <p:blipFill rotWithShape="1">
-          <a:blip r:embed="rId3"/>
-          <a:srcRect l="20086" t="38769" r="24273" b="24513"/>
-          <a:stretch/>
-        </p:blipFill>
-        <p:spPr>
-          <a:xfrm>
-            <a:off x="684212" y="2128104"/>
-            <a:ext cx="8534400" cy="3615267"/>
-          </a:xfrm>
-          <a:prstGeom prst="rect">
-            <a:avLst/>
-          </a:prstGeom>
-        </p:spPr>
-      </p:pic>
-      <p:sp>
-        <p:nvSpPr>
-          <p:cNvPr id="6" name="TextBox 5"/>
-          <p:cNvSpPr txBox="1"/>
-          <p:nvPr/>
-        </p:nvSpPr>
-        <p:spPr>
-          <a:xfrm>
-            <a:off x="9556749" y="2249487"/>
-            <a:ext cx="2489982" cy="2585323"/>
-          </a:xfrm>
-          <a:prstGeom prst="rect">
-            <a:avLst/>
-          </a:prstGeom>
-          <a:noFill/>
-        </p:spPr>
-        <p:txBody>
-          <a:bodyPr wrap="square" rtlCol="0">
-            <a:spAutoFit/>
-          </a:bodyPr>
-          <a:lstStyle/>
-          <a:p>
-            <a:pPr marL="285750" indent="-285750">
-              <a:buFont typeface="Arial" charset="0"/>
-              <a:buChar char="•"/>
-            </a:pPr>
-            <a:r>
-              <a:rPr lang="en-US" dirty="0"/>
-              <a:t>+ Fuses, of course (CR_SEAL_FUSES in terms of SDM, the screenshot is from there)</a:t>
-            </a:r>
-          </a:p>
-          <a:p>
-            <a:pPr marL="285750" indent="-285750">
-              <a:buFont typeface="Arial" charset="0"/>
-              <a:buChar char="•"/>
-            </a:pPr>
-            <a:r>
-              <a:rPr lang="en-US" dirty="0"/>
-              <a:t>Note Sealing key </a:t>
-            </a:r>
-            <a:r>
-              <a:rPr lang="mr-IN" dirty="0"/>
-              <a:t>–</a:t>
-            </a:r>
-            <a:r>
-              <a:rPr lang="en-US" dirty="0"/>
-              <a:t> it is enclave or signer specific</a:t>
-            </a:r>
-          </a:p>
-          <a:p>
-            <a:pPr marL="285750" indent="-285750">
-              <a:buFont typeface="Arial" charset="0"/>
-              <a:buChar char="•"/>
-            </a:pPr>
-            <a:endParaRPr lang="ru-RU" dirty="0"/>
-          </a:p>
-        </p:txBody>
-      </p:sp>
-      <p:sp>
-        <p:nvSpPr>
-          <p:cNvPr id="3" name="מציין מיקום של מספר שקופית 2"/>
+              <a:t>backup</a:t>
+            </a:r>
+          </a:p>
+        </p:txBody>
+      </p:sp>
+      <p:sp>
+        <p:nvSpPr>
+          <p:cNvPr id="3" name="Content Placeholder 2"/>
+          <p:cNvSpPr>
+            <a:spLocks noGrp="1"/>
+          </p:cNvSpPr>
+          <p:nvPr>
+            <p:ph idx="1"/>
+          </p:nvPr>
+        </p:nvSpPr>
+        <p:spPr/>
+        <p:txBody>
+          <a:bodyPr/>
+          <a:lstStyle/>
+          <a:p>
+            <a:endParaRPr lang="en-US"/>
+          </a:p>
+        </p:txBody>
+      </p:sp>
+      <p:sp>
+        <p:nvSpPr>
+          <p:cNvPr id="4" name="מציין מיקום של מספר שקופית 3"/>
           <p:cNvSpPr>
             <a:spLocks noGrp="1"/>
           </p:cNvSpPr>
@@ -35010,7 +35013,7 @@
     </p:spTree>
     <p:extLst>
       <p:ext uri="{BB962C8B-B14F-4D97-AF65-F5344CB8AC3E}">
-        <p14:creationId xmlns:p14="http://schemas.microsoft.com/office/powerpoint/2010/main" val="1130062494"/>
+        <p14:creationId xmlns:p14="http://schemas.microsoft.com/office/powerpoint/2010/main" val="811180702"/>
       </p:ext>
     </p:extLst>
   </p:cSld>
@@ -35039,7 +35042,7 @@
       </p:grpSpPr>
       <p:sp>
         <p:nvSpPr>
-          <p:cNvPr id="2" name="כותרת 1"/>
+          <p:cNvPr id="2" name="Заголовок 1"/>
           <p:cNvSpPr>
             <a:spLocks noGrp="1"/>
           </p:cNvSpPr>
@@ -35054,106 +35057,96 @@
           <a:p>
             <a:r>
               <a:rPr lang="en-US" dirty="0"/>
-              <a:t>Why can’t I sign it myself</a:t>
-            </a:r>
-          </a:p>
-        </p:txBody>
-      </p:sp>
-      <p:sp>
-        <p:nvSpPr>
-          <p:cNvPr id="3" name="מציין מיקום תוכן 2"/>
-          <p:cNvSpPr>
-            <a:spLocks noGrp="1"/>
-          </p:cNvSpPr>
-          <p:nvPr>
-            <p:ph idx="1"/>
-          </p:nvPr>
-        </p:nvSpPr>
-        <p:spPr/>
-        <p:txBody>
-          <a:bodyPr>
-            <a:normAutofit fontScale="47500" lnSpcReduction="20000"/>
+              <a:t>Note on SGX sealing key derivation material</a:t>
+            </a:r>
+            <a:endParaRPr lang="ru-RU" dirty="0"/>
+          </a:p>
+        </p:txBody>
+      </p:sp>
+      <p:pic>
+        <p:nvPicPr>
+          <p:cNvPr id="5" name="Рисунок 4"/>
+          <p:cNvPicPr>
+            <a:picLocks noChangeAspect="1"/>
+          </p:cNvPicPr>
+          <p:nvPr/>
+        </p:nvPicPr>
+        <p:blipFill rotWithShape="1">
+          <a:blip r:embed="rId3"/>
+          <a:srcRect l="20086" t="38769" r="24273" b="24513"/>
+          <a:stretch/>
+        </p:blipFill>
+        <p:spPr>
+          <a:xfrm>
+            <a:off x="684212" y="2128104"/>
+            <a:ext cx="8534400" cy="3615267"/>
+          </a:xfrm>
+          <a:prstGeom prst="rect">
+            <a:avLst/>
+          </a:prstGeom>
+        </p:spPr>
+      </p:pic>
+      <p:sp>
+        <p:nvSpPr>
+          <p:cNvPr id="6" name="TextBox 5"/>
+          <p:cNvSpPr txBox="1"/>
+          <p:nvPr/>
+        </p:nvSpPr>
+        <p:spPr>
+          <a:xfrm>
+            <a:off x="9556749" y="2249487"/>
+            <a:ext cx="2489982" cy="2585323"/>
+          </a:xfrm>
+          <a:prstGeom prst="rect">
+            <a:avLst/>
+          </a:prstGeom>
+          <a:noFill/>
+        </p:spPr>
+        <p:txBody>
+          <a:bodyPr wrap="square" rtlCol="0">
+            <a:spAutoFit/>
           </a:bodyPr>
           <a:lstStyle/>
           <a:p>
-            <a:r>
-              <a:rPr lang="en-US" dirty="0">
-                <a:hlinkClick r:id="rId2"/>
-              </a:rPr>
-              <a:t>https://software.intel.com/en-us/license/intel-software-guard-extensions-licensee-guide</a:t>
-            </a:r>
-            <a:endParaRPr lang="en-US" dirty="0"/>
-          </a:p>
-          <a:p>
-            <a:r>
-              <a:rPr lang="en-US" dirty="0"/>
-              <a:t>“ In addition, Licensees should:</a:t>
-            </a:r>
-          </a:p>
-          <a:p>
-            <a:r>
-              <a:rPr lang="en-US" dirty="0"/>
-              <a:t>Observe industry secure coding best practices for software development to avoid vulnerabilities (such practices might include a secure software development framework, coding standards, data input validation, least access possible, secure logging, and so on).</a:t>
-            </a:r>
-          </a:p>
-          <a:p>
-            <a:r>
-              <a:rPr lang="en-US" dirty="0"/>
-              <a:t>Address and fix significant security vulnerabilities within a reasonable time, or within a time frame established under existing disclosure arrangements between Intel and the Licensee, after becoming aware of the vulnerability.</a:t>
-            </a:r>
-          </a:p>
-          <a:p>
-            <a:r>
-              <a:rPr lang="en-US" dirty="0"/>
-              <a:t>Ensure that the licensed application installer, or the operating environment in which the application resides, includes the most current Platform Software (PSW) Installer for Intel SGX.</a:t>
-            </a:r>
-          </a:p>
-          <a:p>
-            <a:r>
-              <a:rPr lang="en-US" dirty="0"/>
-              <a:t>Ensure that end-users receive PSW updates via application update mechanism, or via the operating environment in which the application resides.</a:t>
-            </a:r>
-          </a:p>
-          <a:p>
-            <a:r>
-              <a:rPr lang="en-US" dirty="0"/>
-              <a:t>Observe best industry practices to: (</a:t>
-            </a:r>
-            <a:r>
-              <a:rPr lang="en-US" dirty="0" err="1"/>
-              <a:t>i</a:t>
-            </a:r>
-            <a:r>
-              <a:rPr lang="en-US" dirty="0"/>
-              <a:t>) not write malware, spyware or other nuisance software; (ii) </a:t>
-            </a:r>
-            <a:r>
-              <a:rPr lang="en-US" b="1" u="sng" dirty="0">
-                <a:solidFill>
-                  <a:srgbClr val="FF0000"/>
-                </a:solidFill>
-              </a:rPr>
-              <a:t>not write poorly designed software that contains significant security vulnerabilities or that fails to deliver its security promise</a:t>
-            </a:r>
-            <a:r>
-              <a:rPr lang="en-US" dirty="0"/>
-              <a:t>.</a:t>
-            </a:r>
-          </a:p>
-          <a:p>
-            <a:r>
-              <a:rPr lang="en-US" dirty="0"/>
-              <a:t>Construct Licensed Software Applications to enable complete removal on end user request, including removal of any sealed data.”</a:t>
-            </a:r>
-          </a:p>
-          <a:p>
-            <a:endParaRPr lang="en-US" dirty="0"/>
-          </a:p>
-        </p:txBody>
-      </p:sp>
-      <p:sp>
-        <p:nvSpPr>
-          <p:cNvPr id="4" name="מציין מיקום של מספר שקופית 3"/>
+            <a:pPr marL="285750" indent="-285750">
+              <a:buFont typeface="Arial" charset="0"/>
+              <a:buChar char="•"/>
+            </a:pPr>
+            <a:r>
+              <a:rPr lang="en-US" dirty="0"/>
+              <a:t>+ Fuses, of course (CR_SEAL_FUSES in terms of SDM, the screenshot is from there)</a:t>
+            </a:r>
+          </a:p>
+          <a:p>
+            <a:pPr marL="285750" indent="-285750">
+              <a:buFont typeface="Arial" charset="0"/>
+              <a:buChar char="•"/>
+            </a:pPr>
+            <a:r>
+              <a:rPr lang="en-US" dirty="0"/>
+              <a:t>Note Sealing key </a:t>
+            </a:r>
+            <a:r>
+              <a:rPr lang="mr-IN" dirty="0"/>
+              <a:t>–</a:t>
+            </a:r>
+            <a:r>
+              <a:rPr lang="en-US" dirty="0"/>
+              <a:t> it is enclave or signer specific</a:t>
+            </a:r>
+          </a:p>
+          <a:p>
+            <a:pPr marL="285750" indent="-285750">
+              <a:buFont typeface="Arial" charset="0"/>
+              <a:buChar char="•"/>
+            </a:pPr>
+            <a:endParaRPr lang="ru-RU" dirty="0"/>
+          </a:p>
+        </p:txBody>
+      </p:sp>
+      <p:sp>
+        <p:nvSpPr>
+          <p:cNvPr id="3" name="מציין מיקום של מספר שקופית 2"/>
           <p:cNvSpPr>
             <a:spLocks noGrp="1"/>
           </p:cNvSpPr>
@@ -35177,7 +35170,7 @@
     </p:spTree>
     <p:extLst>
       <p:ext uri="{BB962C8B-B14F-4D97-AF65-F5344CB8AC3E}">
-        <p14:creationId xmlns:p14="http://schemas.microsoft.com/office/powerpoint/2010/main" val="994950159"/>
+        <p14:creationId xmlns:p14="http://schemas.microsoft.com/office/powerpoint/2010/main" val="1130062494"/>
       </p:ext>
     </p:extLst>
   </p:cSld>
@@ -35309,7 +35302,7 @@
       </p:grpSpPr>
       <p:sp>
         <p:nvSpPr>
-          <p:cNvPr id="2" name="Title 1"/>
+          <p:cNvPr id="2" name="כותרת 1"/>
           <p:cNvSpPr>
             <a:spLocks noGrp="1"/>
           </p:cNvSpPr>
@@ -35324,14 +35317,14 @@
           <a:p>
             <a:r>
               <a:rPr lang="en-US" dirty="0"/>
-              <a:t>Note on involved crypto</a:t>
-            </a:r>
-          </a:p>
-        </p:txBody>
-      </p:sp>
-      <p:sp>
-        <p:nvSpPr>
-          <p:cNvPr id="3" name="Content Placeholder 2"/>
+              <a:t>Why can’t I sign it myself</a:t>
+            </a:r>
+          </a:p>
+        </p:txBody>
+      </p:sp>
+      <p:sp>
+        <p:nvSpPr>
+          <p:cNvPr id="3" name="מציין מיקום תוכן 2"/>
           <p:cNvSpPr>
             <a:spLocks noGrp="1"/>
           </p:cNvSpPr>
@@ -35341,19 +35334,83 @@
         </p:nvSpPr>
         <p:spPr/>
         <p:txBody>
-          <a:bodyPr/>
-          <a:lstStyle/>
-          <a:p>
-            <a:r>
-              <a:rPr lang="en-US" dirty="0"/>
-              <a:t>AES GCM is used for sealing data</a:t>
-            </a:r>
-          </a:p>
-          <a:p>
-            <a:r>
-              <a:rPr lang="en-US" dirty="0"/>
-              <a:t>EPID and other things are out of scope</a:t>
-            </a:r>
+          <a:bodyPr>
+            <a:normAutofit fontScale="47500" lnSpcReduction="20000"/>
+          </a:bodyPr>
+          <a:lstStyle/>
+          <a:p>
+            <a:r>
+              <a:rPr lang="en-US" dirty="0">
+                <a:hlinkClick r:id="rId2"/>
+              </a:rPr>
+              <a:t>https://software.intel.com/en-us/license/intel-software-guard-extensions-licensee-guide</a:t>
+            </a:r>
+            <a:endParaRPr lang="en-US" dirty="0"/>
+          </a:p>
+          <a:p>
+            <a:r>
+              <a:rPr lang="en-US" dirty="0"/>
+              <a:t>“ In addition, Licensees should:</a:t>
+            </a:r>
+          </a:p>
+          <a:p>
+            <a:r>
+              <a:rPr lang="en-US" dirty="0"/>
+              <a:t>Observe industry secure coding best practices for software development to avoid vulnerabilities (such practices might include a secure software development framework, coding standards, data input validation, least access possible, secure logging, and so on).</a:t>
+            </a:r>
+          </a:p>
+          <a:p>
+            <a:r>
+              <a:rPr lang="en-US" dirty="0"/>
+              <a:t>Address and fix significant security vulnerabilities within a reasonable time, or within a time frame established under existing disclosure arrangements between Intel and the Licensee, after becoming aware of the vulnerability.</a:t>
+            </a:r>
+          </a:p>
+          <a:p>
+            <a:r>
+              <a:rPr lang="en-US" dirty="0"/>
+              <a:t>Ensure that the licensed application installer, or the operating environment in which the application resides, includes the most current Platform Software (PSW) Installer for Intel SGX.</a:t>
+            </a:r>
+          </a:p>
+          <a:p>
+            <a:r>
+              <a:rPr lang="en-US" dirty="0"/>
+              <a:t>Ensure that end-users receive PSW updates via application update mechanism, or via the operating environment in which the application resides.</a:t>
+            </a:r>
+          </a:p>
+          <a:p>
+            <a:r>
+              <a:rPr lang="en-US" dirty="0"/>
+              <a:t>Observe best industry practices to: (</a:t>
+            </a:r>
+            <a:r>
+              <a:rPr lang="en-US" dirty="0" err="1"/>
+              <a:t>i</a:t>
+            </a:r>
+            <a:r>
+              <a:rPr lang="en-US" dirty="0"/>
+              <a:t>) not write malware, spyware or other nuisance software; (ii) </a:t>
+            </a:r>
+            <a:r>
+              <a:rPr lang="en-US" b="1" u="sng" dirty="0">
+                <a:solidFill>
+                  <a:srgbClr val="FF0000"/>
+                </a:solidFill>
+              </a:rPr>
+              <a:t>not write poorly designed software that contains significant security vulnerabilities or that fails to deliver its security promise</a:t>
+            </a:r>
+            <a:r>
+              <a:rPr lang="en-US" dirty="0"/>
+              <a:t>.</a:t>
+            </a:r>
+          </a:p>
+          <a:p>
+            <a:r>
+              <a:rPr lang="en-US" dirty="0"/>
+              <a:t>Construct Licensed Software Applications to enable complete removal on end user request, including removal of any sealed data.”</a:t>
+            </a:r>
+          </a:p>
+          <a:p>
+            <a:endParaRPr lang="en-US" dirty="0"/>
           </a:p>
         </p:txBody>
       </p:sp>
@@ -35383,7 +35440,7 @@
     </p:spTree>
     <p:extLst>
       <p:ext uri="{BB962C8B-B14F-4D97-AF65-F5344CB8AC3E}">
-        <p14:creationId xmlns:p14="http://schemas.microsoft.com/office/powerpoint/2010/main" val="2498105173"/>
+        <p14:creationId xmlns:p14="http://schemas.microsoft.com/office/powerpoint/2010/main" val="994950159"/>
       </p:ext>
     </p:extLst>
   </p:cSld>
@@ -35427,6 +35484,109 @@
           <a:p>
             <a:r>
               <a:rPr lang="en-US" dirty="0"/>
+              <a:t>Note on involved crypto</a:t>
+            </a:r>
+          </a:p>
+        </p:txBody>
+      </p:sp>
+      <p:sp>
+        <p:nvSpPr>
+          <p:cNvPr id="3" name="Content Placeholder 2"/>
+          <p:cNvSpPr>
+            <a:spLocks noGrp="1"/>
+          </p:cNvSpPr>
+          <p:nvPr>
+            <p:ph idx="1"/>
+          </p:nvPr>
+        </p:nvSpPr>
+        <p:spPr/>
+        <p:txBody>
+          <a:bodyPr/>
+          <a:lstStyle/>
+          <a:p>
+            <a:r>
+              <a:rPr lang="en-US" dirty="0"/>
+              <a:t>AES GCM is used for sealing data</a:t>
+            </a:r>
+          </a:p>
+          <a:p>
+            <a:r>
+              <a:rPr lang="en-US" dirty="0"/>
+              <a:t>EPID and other things are out of scope</a:t>
+            </a:r>
+          </a:p>
+        </p:txBody>
+      </p:sp>
+      <p:sp>
+        <p:nvSpPr>
+          <p:cNvPr id="4" name="מציין מיקום של מספר שקופית 3"/>
+          <p:cNvSpPr>
+            <a:spLocks noGrp="1"/>
+          </p:cNvSpPr>
+          <p:nvPr>
+            <p:ph type="sldNum" sz="quarter" idx="12"/>
+          </p:nvPr>
+        </p:nvSpPr>
+        <p:spPr/>
+        <p:txBody>
+          <a:bodyPr/>
+          <a:lstStyle/>
+          <a:p>
+            <a:fld id="{E49B20E1-BFBC-4C97-821D-580820242ED4}" type="slidenum">
+              <a:rPr lang="en-US" smtClean="0"/>
+              <a:t>51</a:t>
+            </a:fld>
+            <a:endParaRPr lang="en-US"/>
+          </a:p>
+        </p:txBody>
+      </p:sp>
+    </p:spTree>
+    <p:extLst>
+      <p:ext uri="{BB962C8B-B14F-4D97-AF65-F5344CB8AC3E}">
+        <p14:creationId xmlns:p14="http://schemas.microsoft.com/office/powerpoint/2010/main" val="2498105173"/>
+      </p:ext>
+    </p:extLst>
+  </p:cSld>
+  <p:clrMapOvr>
+    <a:masterClrMapping/>
+  </p:clrMapOvr>
+</p:sld>
+</file>
+
+<file path=ppt/slides/slide52.xml><?xml version="1.0" encoding="utf-8"?>
+<p:sld xmlns:a="http://schemas.openxmlformats.org/drawingml/2006/main" xmlns:r="http://schemas.openxmlformats.org/officeDocument/2006/relationships" xmlns:p="http://schemas.openxmlformats.org/presentationml/2006/main">
+  <p:cSld>
+    <p:spTree>
+      <p:nvGrpSpPr>
+        <p:cNvPr id="1" name=""/>
+        <p:cNvGrpSpPr/>
+        <p:nvPr/>
+      </p:nvGrpSpPr>
+      <p:grpSpPr>
+        <a:xfrm>
+          <a:off x="0" y="0"/>
+          <a:ext cx="0" cy="0"/>
+          <a:chOff x="0" y="0"/>
+          <a:chExt cx="0" cy="0"/>
+        </a:xfrm>
+      </p:grpSpPr>
+      <p:sp>
+        <p:nvSpPr>
+          <p:cNvPr id="2" name="Title 1"/>
+          <p:cNvSpPr>
+            <a:spLocks noGrp="1"/>
+          </p:cNvSpPr>
+          <p:nvPr>
+            <p:ph type="title"/>
+          </p:nvPr>
+        </p:nvSpPr>
+        <p:spPr/>
+        <p:txBody>
+          <a:bodyPr/>
+          <a:lstStyle/>
+          <a:p>
+            <a:r>
+              <a:rPr lang="en-US" dirty="0"/>
               <a:t>SGX instructions</a:t>
             </a:r>
           </a:p>
@@ -35642,7 +35802,7 @@
           <a:p>
             <a:fld id="{E49B20E1-BFBC-4C97-821D-580820242ED4}" type="slidenum">
               <a:rPr lang="en-US" smtClean="0"/>
-              <a:t>51</a:t>
+              <a:t>52</a:t>
             </a:fld>
             <a:endParaRPr lang="en-US"/>
           </a:p>

--- a/docs/SGX Enclave Programming - Common Mistakes.pptx
+++ b/docs/SGX Enclave Programming - Common Mistakes.pptx
@@ -21158,7 +21158,7 @@
               <a:rPr lang="en-US" smtClean="0"/>
               <a:t>2</a:t>
             </a:fld>
-            <a:endParaRPr lang="en-US"/>
+            <a:endParaRPr lang="en-US" dirty="0"/>
           </a:p>
         </p:txBody>
       </p:sp>
@@ -31189,14 +31189,7 @@
             <a:pPr lvl="2"/>
             <a:r>
               <a:rPr lang="en-US" dirty="0"/>
-              <a:t>“Secure” subscription management</a:t>
-            </a:r>
-          </a:p>
-          <a:p>
-            <a:pPr lvl="2"/>
-            <a:r>
-              <a:rPr lang="en-US" dirty="0"/>
-              <a:t>“Secure” local library management</a:t>
+              <a:t>“Secure” local media library</a:t>
             </a:r>
           </a:p>
         </p:txBody>
@@ -31545,7 +31538,9 @@
         </p:nvSpPr>
         <p:spPr/>
         <p:txBody>
-          <a:bodyPr/>
+          <a:bodyPr>
+            <a:normAutofit lnSpcReduction="10000"/>
+          </a:bodyPr>
           <a:lstStyle/>
           <a:p>
             <a:r>
@@ -31556,7 +31551,14 @@
           <a:p>
             <a:r>
               <a:rPr lang="en-US" dirty="0"/>
-              <a:t>Compile the code</a:t>
+              <a:t>Clone and compile the code</a:t>
+            </a:r>
+          </a:p>
+          <a:p>
+            <a:pPr lvl="1"/>
+            <a:r>
+              <a:rPr lang="en-US" dirty="0"/>
+              <a:t>Write me if you have problems (wireshrink@gmail.com)</a:t>
             </a:r>
           </a:p>
           <a:p>
@@ -32251,18 +32253,7 @@
             <a:pPr lvl="1"/>
             <a:r>
               <a:rPr lang="en-US" dirty="0"/>
-              <a:t>Custom random numbers generation</a:t>
-            </a:r>
-          </a:p>
-          <a:p>
-            <a:pPr lvl="1"/>
-            <a:r>
-              <a:rPr lang="en-US" dirty="0" err="1"/>
-              <a:t>sgx_read_rand</a:t>
-            </a:r>
-            <a:r>
-              <a:rPr lang="en-US" dirty="0"/>
-              <a:t> uses RDRAND instruction </a:t>
+              <a:t>Custom random numbers generation </a:t>
             </a:r>
           </a:p>
           <a:p>
@@ -32408,15 +32399,33 @@
                                   </p:childTnLst>
                                 </p:cTn>
                               </p:par>
+                            </p:childTnLst>
+                          </p:cTn>
+                        </p:par>
+                      </p:childTnLst>
+                    </p:cTn>
+                  </p:par>
+                  <p:par>
+                    <p:cTn id="9" fill="hold">
+                      <p:stCondLst>
+                        <p:cond delay="indefinite"/>
+                      </p:stCondLst>
+                      <p:childTnLst>
+                        <p:par>
+                          <p:cTn id="10" fill="hold">
+                            <p:stCondLst>
+                              <p:cond delay="0"/>
+                            </p:stCondLst>
+                            <p:childTnLst>
                               <p:par>
-                                <p:cTn id="9" presetID="1" presetClass="entr" presetSubtype="0" fill="hold" nodeType="withEffect">
+                                <p:cTn id="11" presetID="1" presetClass="entr" presetSubtype="0" fill="hold" nodeType="clickEffect">
                                   <p:stCondLst>
                                     <p:cond delay="0"/>
                                   </p:stCondLst>
                                   <p:childTnLst>
                                     <p:set>
                                       <p:cBhvr>
-                                        <p:cTn id="10" dur="1" fill="hold">
+                                        <p:cTn id="12" dur="1" fill="hold">
                                           <p:stCondLst>
                                             <p:cond delay="0"/>
                                           </p:stCondLst>
@@ -32439,26 +32448,8 @@
                                   </p:childTnLst>
                                 </p:cTn>
                               </p:par>
-                            </p:childTnLst>
-                          </p:cTn>
-                        </p:par>
-                      </p:childTnLst>
-                    </p:cTn>
-                  </p:par>
-                  <p:par>
-                    <p:cTn id="11" fill="hold">
-                      <p:stCondLst>
-                        <p:cond delay="indefinite"/>
-                      </p:stCondLst>
-                      <p:childTnLst>
-                        <p:par>
-                          <p:cTn id="12" fill="hold">
-                            <p:stCondLst>
-                              <p:cond delay="0"/>
-                            </p:stCondLst>
-                            <p:childTnLst>
                               <p:par>
-                                <p:cTn id="13" presetID="1" presetClass="entr" presetSubtype="0" fill="hold" nodeType="clickEffect">
+                                <p:cTn id="13" presetID="1" presetClass="entr" presetSubtype="0" fill="hold" nodeType="withEffect">
                                   <p:stCondLst>
                                     <p:cond delay="0"/>
                                   </p:stCondLst>
@@ -32488,15 +32479,33 @@
                                   </p:childTnLst>
                                 </p:cTn>
                               </p:par>
+                            </p:childTnLst>
+                          </p:cTn>
+                        </p:par>
+                      </p:childTnLst>
+                    </p:cTn>
+                  </p:par>
+                  <p:par>
+                    <p:cTn id="15" fill="hold">
+                      <p:stCondLst>
+                        <p:cond delay="indefinite"/>
+                      </p:stCondLst>
+                      <p:childTnLst>
+                        <p:par>
+                          <p:cTn id="16" fill="hold">
+                            <p:stCondLst>
+                              <p:cond delay="0"/>
+                            </p:stCondLst>
+                            <p:childTnLst>
                               <p:par>
-                                <p:cTn id="15" presetID="1" presetClass="entr" presetSubtype="0" fill="hold" nodeType="withEffect">
+                                <p:cTn id="17" presetID="1" presetClass="entr" presetSubtype="0" fill="hold" nodeType="clickEffect">
                                   <p:stCondLst>
                                     <p:cond delay="0"/>
                                   </p:stCondLst>
                                   <p:childTnLst>
                                     <p:set>
                                       <p:cBhvr>
-                                        <p:cTn id="16" dur="1" fill="hold">
+                                        <p:cTn id="18" dur="1" fill="hold">
                                           <p:stCondLst>
                                             <p:cond delay="0"/>
                                           </p:stCondLst>
@@ -32526,26 +32535,26 @@
                     </p:cTn>
                   </p:par>
                   <p:par>
-                    <p:cTn id="17" fill="hold">
+                    <p:cTn id="19" fill="hold">
                       <p:stCondLst>
                         <p:cond delay="indefinite"/>
                       </p:stCondLst>
                       <p:childTnLst>
                         <p:par>
-                          <p:cTn id="18" fill="hold">
+                          <p:cTn id="20" fill="hold">
                             <p:stCondLst>
                               <p:cond delay="0"/>
                             </p:stCondLst>
                             <p:childTnLst>
                               <p:par>
-                                <p:cTn id="19" presetID="1" presetClass="entr" presetSubtype="0" fill="hold" nodeType="clickEffect">
+                                <p:cTn id="21" presetID="1" presetClass="entr" presetSubtype="0" fill="hold" nodeType="clickEffect">
                                   <p:stCondLst>
                                     <p:cond delay="0"/>
                                   </p:stCondLst>
                                   <p:childTnLst>
                                     <p:set>
                                       <p:cBhvr>
-                                        <p:cTn id="20" dur="1" fill="hold">
+                                        <p:cTn id="22" dur="1" fill="hold">
                                           <p:stCondLst>
                                             <p:cond delay="0"/>
                                           </p:stCondLst>
@@ -32554,55 +32563,6 @@
                                           <p:spTgt spid="3">
                                             <p:txEl>
                                               <p:pRg st="5" end="5"/>
-                                            </p:txEl>
-                                          </p:spTgt>
-                                        </p:tgtEl>
-                                        <p:attrNameLst>
-                                          <p:attrName>style.visibility</p:attrName>
-                                        </p:attrNameLst>
-                                      </p:cBhvr>
-                                      <p:to>
-                                        <p:strVal val="visible"/>
-                                      </p:to>
-                                    </p:set>
-                                  </p:childTnLst>
-                                </p:cTn>
-                              </p:par>
-                            </p:childTnLst>
-                          </p:cTn>
-                        </p:par>
-                      </p:childTnLst>
-                    </p:cTn>
-                  </p:par>
-                  <p:par>
-                    <p:cTn id="21" fill="hold">
-                      <p:stCondLst>
-                        <p:cond delay="indefinite"/>
-                      </p:stCondLst>
-                      <p:childTnLst>
-                        <p:par>
-                          <p:cTn id="22" fill="hold">
-                            <p:stCondLst>
-                              <p:cond delay="0"/>
-                            </p:stCondLst>
-                            <p:childTnLst>
-                              <p:par>
-                                <p:cTn id="23" presetID="1" presetClass="entr" presetSubtype="0" fill="hold" nodeType="clickEffect">
-                                  <p:stCondLst>
-                                    <p:cond delay="0"/>
-                                  </p:stCondLst>
-                                  <p:childTnLst>
-                                    <p:set>
-                                      <p:cBhvr>
-                                        <p:cTn id="24" dur="1" fill="hold">
-                                          <p:stCondLst>
-                                            <p:cond delay="0"/>
-                                          </p:stCondLst>
-                                        </p:cTn>
-                                        <p:tgtEl>
-                                          <p:spTgt spid="3">
-                                            <p:txEl>
-                                              <p:pRg st="6" end="6"/>
                                             </p:txEl>
                                           </p:spTgt>
                                         </p:tgtEl>
@@ -34090,13 +34050,13 @@
           <a:p>
             <a:r>
               <a:rPr lang="en-US" dirty="0"/>
-              <a:t>Let’s find secret exfiltration by mistake (used tools – IDA pro)</a:t>
-            </a:r>
-          </a:p>
-          <a:p>
-            <a:r>
-              <a:rPr lang="en-US" dirty="0"/>
-              <a:t>I’d be glad to help you to find all the rest (wireshrink@gmail.com) </a:t>
+              <a:t>Let’s find secret exfiltration by mistake </a:t>
+            </a:r>
+          </a:p>
+          <a:p>
+            <a:r>
+              <a:rPr lang="en-US" dirty="0"/>
+              <a:t>I’d be glad to help you to find all the rest</a:t>
             </a:r>
           </a:p>
           <a:p>
@@ -34448,7 +34408,7 @@
           <a:p>
             <a:r>
               <a:rPr lang="en-US" dirty="0"/>
-              <a:t>Publishing exploits</a:t>
+              <a:t>Publishing walkthrough and exploits </a:t>
             </a:r>
           </a:p>
           <a:p>
@@ -35903,7 +35863,7 @@
           <a:p>
             <a:r>
               <a:rPr lang="en-US" dirty="0"/>
-              <a:t>Enclave is distributed in .</a:t>
+              <a:t>SGX Enclave is distributed in .</a:t>
             </a:r>
             <a:r>
               <a:rPr lang="en-US" dirty="0" err="1"/>

--- a/docs/SGX Enclave Programming - Common Mistakes.pptx
+++ b/docs/SGX Enclave Programming - Common Mistakes.pptx
@@ -252,7 +252,7 @@
           <a:p>
             <a:fld id="{7A0F84C6-4B66-FC4F-9BD6-6F53B9E68AE3}" type="datetimeFigureOut">
               <a:rPr lang="ru-RU" smtClean="0"/>
-              <a:t>10.06.2017</a:t>
+              <a:t>11.06.2017</a:t>
             </a:fld>
             <a:endParaRPr lang="ru-RU"/>
           </a:p>
@@ -5255,8 +5255,15 @@
           <a:p>
             <a:r>
               <a:rPr lang="en-US" dirty="0"/>
-              <a:t>Some useful links for the concerned fellow citizens</a:t>
-            </a:r>
+              <a:t>If you are reading these presenter notes – thank you very much </a:t>
+            </a:r>
+            <a:r>
+              <a:rPr lang="en-US" dirty="0">
+                <a:sym typeface="Wingdings" panose="05000000000000000000" pitchFamily="2" charset="2"/>
+              </a:rPr>
+              <a:t></a:t>
+            </a:r>
+            <a:endParaRPr lang="en-US" dirty="0"/>
           </a:p>
         </p:txBody>
       </p:sp>
@@ -5277,7 +5284,7 @@
           <a:p>
             <a:fld id="{CD8728AD-2EC3-CF45-89B7-24476471A0CA}" type="slidenum">
               <a:rPr lang="ru-RU" smtClean="0"/>
-              <a:t>46</a:t>
+              <a:t>45</a:t>
             </a:fld>
             <a:endParaRPr lang="ru-RU"/>
           </a:p>
@@ -5286,7 +5293,7 @@
     </p:spTree>
     <p:extLst>
       <p:ext uri="{BB962C8B-B14F-4D97-AF65-F5344CB8AC3E}">
-        <p14:creationId xmlns:p14="http://schemas.microsoft.com/office/powerpoint/2010/main" val="1902725040"/>
+        <p14:creationId xmlns:p14="http://schemas.microsoft.com/office/powerpoint/2010/main" val="2145637075"/>
       </p:ext>
     </p:extLst>
   </p:cSld>
@@ -5315,7 +5322,7 @@
       </p:grpSpPr>
       <p:sp>
         <p:nvSpPr>
-          <p:cNvPr id="2" name="Slide Image Placeholder 1"/>
+          <p:cNvPr id="2" name="מציין מיקום של תמונת שקופית 1"/>
           <p:cNvSpPr>
             <a:spLocks noGrp="1" noRot="1" noChangeAspect="1"/>
           </p:cNvSpPr>
@@ -5327,7 +5334,7 @@
       </p:sp>
       <p:sp>
         <p:nvSpPr>
-          <p:cNvPr id="3" name="Notes Placeholder 2"/>
+          <p:cNvPr id="3" name="מציין מיקום של הערות 2"/>
           <p:cNvSpPr>
             <a:spLocks noGrp="1"/>
           </p:cNvSpPr>
@@ -5342,23 +5349,14 @@
           <a:p>
             <a:r>
               <a:rPr lang="en-US" dirty="0"/>
-              <a:t>One more note</a:t>
-            </a:r>
-            <a:r>
-              <a:rPr lang="en-US" baseline="0" dirty="0"/>
-              <a:t> for history – key derivation material. This table actually shows that each enclave will have its own key, depending on a lot of parameters including debug state, enclave content or enclave certificate and </a:t>
-            </a:r>
-            <a:r>
-              <a:rPr lang="en-US" baseline="0" dirty="0" err="1"/>
-              <a:t>fuzez</a:t>
-            </a:r>
-            <a:endParaRPr lang="en-US" dirty="0"/>
-          </a:p>
-        </p:txBody>
-      </p:sp>
-      <p:sp>
-        <p:nvSpPr>
-          <p:cNvPr id="4" name="Slide Number Placeholder 3"/>
+              <a:t>Some useful links for the concerned fellow citizens</a:t>
+            </a:r>
+          </a:p>
+        </p:txBody>
+      </p:sp>
+      <p:sp>
+        <p:nvSpPr>
+          <p:cNvPr id="4" name="מציין מיקום של מספר שקופית 3"/>
           <p:cNvSpPr>
             <a:spLocks noGrp="1"/>
           </p:cNvSpPr>
@@ -5373,7 +5371,7 @@
           <a:p>
             <a:fld id="{CD8728AD-2EC3-CF45-89B7-24476471A0CA}" type="slidenum">
               <a:rPr lang="ru-RU" smtClean="0"/>
-              <a:t>49</a:t>
+              <a:t>46</a:t>
             </a:fld>
             <a:endParaRPr lang="ru-RU"/>
           </a:p>
@@ -5382,7 +5380,7 @@
     </p:spTree>
     <p:extLst>
       <p:ext uri="{BB962C8B-B14F-4D97-AF65-F5344CB8AC3E}">
-        <p14:creationId xmlns:p14="http://schemas.microsoft.com/office/powerpoint/2010/main" val="41471257"/>
+        <p14:creationId xmlns:p14="http://schemas.microsoft.com/office/powerpoint/2010/main" val="1902725040"/>
       </p:ext>
     </p:extLst>
   </p:cSld>
@@ -5438,6 +5436,102 @@
           <a:p>
             <a:r>
               <a:rPr lang="en-US" dirty="0"/>
+              <a:t>One more note</a:t>
+            </a:r>
+            <a:r>
+              <a:rPr lang="en-US" baseline="0" dirty="0"/>
+              <a:t> for history – key derivation material. This table actually shows that each enclave will have its own key, depending on a lot of parameters including debug state, enclave content or enclave certificate and </a:t>
+            </a:r>
+            <a:r>
+              <a:rPr lang="en-US" baseline="0" dirty="0" err="1"/>
+              <a:t>fuzez</a:t>
+            </a:r>
+            <a:endParaRPr lang="en-US" dirty="0"/>
+          </a:p>
+        </p:txBody>
+      </p:sp>
+      <p:sp>
+        <p:nvSpPr>
+          <p:cNvPr id="4" name="Slide Number Placeholder 3"/>
+          <p:cNvSpPr>
+            <a:spLocks noGrp="1"/>
+          </p:cNvSpPr>
+          <p:nvPr>
+            <p:ph type="sldNum" sz="quarter" idx="10"/>
+          </p:nvPr>
+        </p:nvSpPr>
+        <p:spPr/>
+        <p:txBody>
+          <a:bodyPr/>
+          <a:lstStyle/>
+          <a:p>
+            <a:fld id="{CD8728AD-2EC3-CF45-89B7-24476471A0CA}" type="slidenum">
+              <a:rPr lang="ru-RU" smtClean="0"/>
+              <a:t>49</a:t>
+            </a:fld>
+            <a:endParaRPr lang="ru-RU"/>
+          </a:p>
+        </p:txBody>
+      </p:sp>
+    </p:spTree>
+    <p:extLst>
+      <p:ext uri="{BB962C8B-B14F-4D97-AF65-F5344CB8AC3E}">
+        <p14:creationId xmlns:p14="http://schemas.microsoft.com/office/powerpoint/2010/main" val="41471257"/>
+      </p:ext>
+    </p:extLst>
+  </p:cSld>
+  <p:clrMapOvr>
+    <a:masterClrMapping/>
+  </p:clrMapOvr>
+</p:notes>
+</file>
+
+<file path=ppt/notesSlides/notesSlide47.xml><?xml version="1.0" encoding="utf-8"?>
+<p:notes xmlns:a="http://schemas.openxmlformats.org/drawingml/2006/main" xmlns:r="http://schemas.openxmlformats.org/officeDocument/2006/relationships" xmlns:p="http://schemas.openxmlformats.org/presentationml/2006/main">
+  <p:cSld>
+    <p:spTree>
+      <p:nvGrpSpPr>
+        <p:cNvPr id="1" name=""/>
+        <p:cNvGrpSpPr/>
+        <p:nvPr/>
+      </p:nvGrpSpPr>
+      <p:grpSpPr>
+        <a:xfrm>
+          <a:off x="0" y="0"/>
+          <a:ext cx="0" cy="0"/>
+          <a:chOff x="0" y="0"/>
+          <a:chExt cx="0" cy="0"/>
+        </a:xfrm>
+      </p:grpSpPr>
+      <p:sp>
+        <p:nvSpPr>
+          <p:cNvPr id="2" name="Slide Image Placeholder 1"/>
+          <p:cNvSpPr>
+            <a:spLocks noGrp="1" noRot="1" noChangeAspect="1"/>
+          </p:cNvSpPr>
+          <p:nvPr>
+            <p:ph type="sldImg"/>
+          </p:nvPr>
+        </p:nvSpPr>
+        <p:spPr/>
+      </p:sp>
+      <p:sp>
+        <p:nvSpPr>
+          <p:cNvPr id="3" name="Notes Placeholder 2"/>
+          <p:cNvSpPr>
+            <a:spLocks noGrp="1"/>
+          </p:cNvSpPr>
+          <p:nvPr>
+            <p:ph type="body" idx="1"/>
+          </p:nvPr>
+        </p:nvSpPr>
+        <p:spPr/>
+        <p:txBody>
+          <a:bodyPr/>
+          <a:lstStyle/>
+          <a:p>
+            <a:r>
+              <a:rPr lang="en-US" dirty="0"/>
               <a:t>If we are not speaking about local/remote attestation </a:t>
             </a:r>
             <a:r>
@@ -5496,7 +5590,7 @@
 </p:notes>
 </file>
 
-<file path=ppt/notesSlides/notesSlide47.xml><?xml version="1.0" encoding="utf-8"?>
+<file path=ppt/notesSlides/notesSlide48.xml><?xml version="1.0" encoding="utf-8"?>
 <p:notes xmlns:a="http://schemas.openxmlformats.org/drawingml/2006/main" xmlns:r="http://schemas.openxmlformats.org/officeDocument/2006/relationships" xmlns:p="http://schemas.openxmlformats.org/presentationml/2006/main">
   <p:cSld>
     <p:spTree>
@@ -6247,7 +6341,7 @@
           <a:noFill/>
           <a:extLst>
             <a:ext uri="{909E8E84-426E-40dd-AFC4-6F175D3DCCD1}">
-              <a14:hiddenFill xmlns:a14="http://schemas.microsoft.com/office/drawing/2010/main" xmlns="">
+              <a14:hiddenFill xmlns="" xmlns:a14="http://schemas.microsoft.com/office/drawing/2010/main">
                 <a:solidFill>
                   <a:srgbClr val="FFFFFF"/>
                 </a:solidFill>
@@ -6307,7 +6401,7 @@
             </a:ln>
             <a:extLst>
               <a:ext uri="{91240B29-F687-4f45-9708-019B960494DF}">
-                <a14:hiddenLine xmlns:a14="http://schemas.microsoft.com/office/drawing/2010/main" xmlns="" w="9525">
+                <a14:hiddenLine xmlns="" xmlns:a14="http://schemas.microsoft.com/office/drawing/2010/main" w="9525">
                   <a:solidFill>
                     <a:srgbClr val="000000"/>
                   </a:solidFill>
@@ -6397,7 +6491,7 @@
             </a:ln>
             <a:extLst>
               <a:ext uri="{91240B29-F687-4f45-9708-019B960494DF}">
-                <a14:hiddenLine xmlns:a14="http://schemas.microsoft.com/office/drawing/2010/main" xmlns="" w="9525">
+                <a14:hiddenLine xmlns="" xmlns:a14="http://schemas.microsoft.com/office/drawing/2010/main" w="9525">
                   <a:solidFill>
                     <a:srgbClr val="000000"/>
                   </a:solidFill>
@@ -6487,7 +6581,7 @@
             </a:ln>
             <a:extLst>
               <a:ext uri="{91240B29-F687-4f45-9708-019B960494DF}">
-                <a14:hiddenLine xmlns:a14="http://schemas.microsoft.com/office/drawing/2010/main" xmlns="" w="9525">
+                <a14:hiddenLine xmlns="" xmlns:a14="http://schemas.microsoft.com/office/drawing/2010/main" w="9525">
                   <a:solidFill>
                     <a:srgbClr val="000000"/>
                   </a:solidFill>
@@ -6521,7 +6615,7 @@
             </a:ln>
             <a:extLst>
               <a:ext uri="{91240B29-F687-4f45-9708-019B960494DF}">
-                <a14:hiddenLine xmlns:a14="http://schemas.microsoft.com/office/drawing/2010/main" xmlns="" w="9525">
+                <a14:hiddenLine xmlns="" xmlns:a14="http://schemas.microsoft.com/office/drawing/2010/main" w="9525">
                   <a:solidFill>
                     <a:srgbClr val="000000"/>
                   </a:solidFill>
@@ -6611,7 +6705,7 @@
             </a:ln>
             <a:extLst>
               <a:ext uri="{91240B29-F687-4f45-9708-019B960494DF}">
-                <a14:hiddenLine xmlns:a14="http://schemas.microsoft.com/office/drawing/2010/main" xmlns="" w="9525">
+                <a14:hiddenLine xmlns="" xmlns:a14="http://schemas.microsoft.com/office/drawing/2010/main" w="9525">
                   <a:solidFill>
                     <a:srgbClr val="000000"/>
                   </a:solidFill>
@@ -6673,7 +6767,7 @@
             </a:ln>
             <a:extLst>
               <a:ext uri="{91240B29-F687-4f45-9708-019B960494DF}">
-                <a14:hiddenLine xmlns:a14="http://schemas.microsoft.com/office/drawing/2010/main" xmlns="" w="9525">
+                <a14:hiddenLine xmlns="" xmlns:a14="http://schemas.microsoft.com/office/drawing/2010/main" w="9525">
                   <a:solidFill>
                     <a:srgbClr val="000000"/>
                   </a:solidFill>
@@ -6735,7 +6829,7 @@
             </a:ln>
             <a:extLst>
               <a:ext uri="{91240B29-F687-4f45-9708-019B960494DF}">
-                <a14:hiddenLine xmlns:a14="http://schemas.microsoft.com/office/drawing/2010/main" xmlns="" w="9525">
+                <a14:hiddenLine xmlns="" xmlns:a14="http://schemas.microsoft.com/office/drawing/2010/main" w="9525">
                   <a:solidFill>
                     <a:srgbClr val="000000"/>
                   </a:solidFill>
@@ -6825,7 +6919,7 @@
             </a:ln>
             <a:extLst>
               <a:ext uri="{91240B29-F687-4f45-9708-019B960494DF}">
-                <a14:hiddenLine xmlns:a14="http://schemas.microsoft.com/office/drawing/2010/main" xmlns="" w="9525">
+                <a14:hiddenLine xmlns="" xmlns:a14="http://schemas.microsoft.com/office/drawing/2010/main" w="9525">
                   <a:solidFill>
                     <a:srgbClr val="000000"/>
                   </a:solidFill>
@@ -6887,7 +6981,7 @@
             </a:ln>
             <a:extLst>
               <a:ext uri="{91240B29-F687-4f45-9708-019B960494DF}">
-                <a14:hiddenLine xmlns:a14="http://schemas.microsoft.com/office/drawing/2010/main" xmlns="" w="9525">
+                <a14:hiddenLine xmlns="" xmlns:a14="http://schemas.microsoft.com/office/drawing/2010/main" w="9525">
                   <a:solidFill>
                     <a:srgbClr val="000000"/>
                   </a:solidFill>
@@ -6949,7 +7043,7 @@
             </a:ln>
             <a:extLst>
               <a:ext uri="{91240B29-F687-4f45-9708-019B960494DF}">
-                <a14:hiddenLine xmlns:a14="http://schemas.microsoft.com/office/drawing/2010/main" xmlns="" w="9525">
+                <a14:hiddenLine xmlns="" xmlns:a14="http://schemas.microsoft.com/office/drawing/2010/main" w="9525">
                   <a:solidFill>
                     <a:srgbClr val="000000"/>
                   </a:solidFill>
@@ -7039,7 +7133,7 @@
             </a:ln>
             <a:extLst>
               <a:ext uri="{91240B29-F687-4f45-9708-019B960494DF}">
-                <a14:hiddenLine xmlns:a14="http://schemas.microsoft.com/office/drawing/2010/main" xmlns="" w="9525">
+                <a14:hiddenLine xmlns="" xmlns:a14="http://schemas.microsoft.com/office/drawing/2010/main" w="9525">
                   <a:solidFill>
                     <a:srgbClr val="000000"/>
                   </a:solidFill>
@@ -7129,7 +7223,7 @@
             </a:ln>
             <a:extLst>
               <a:ext uri="{91240B29-F687-4f45-9708-019B960494DF}">
-                <a14:hiddenLine xmlns:a14="http://schemas.microsoft.com/office/drawing/2010/main" xmlns="" w="9525">
+                <a14:hiddenLine xmlns="" xmlns:a14="http://schemas.microsoft.com/office/drawing/2010/main" w="9525">
                   <a:solidFill>
                     <a:srgbClr val="000000"/>
                   </a:solidFill>
@@ -7191,7 +7285,7 @@
             </a:ln>
             <a:extLst>
               <a:ext uri="{91240B29-F687-4f45-9708-019B960494DF}">
-                <a14:hiddenLine xmlns:a14="http://schemas.microsoft.com/office/drawing/2010/main" xmlns="" w="9525">
+                <a14:hiddenLine xmlns="" xmlns:a14="http://schemas.microsoft.com/office/drawing/2010/main" w="9525">
                   <a:solidFill>
                     <a:srgbClr val="000000"/>
                   </a:solidFill>
@@ -7301,7 +7395,7 @@
             </a:ln>
             <a:extLst>
               <a:ext uri="{91240B29-F687-4f45-9708-019B960494DF}">
-                <a14:hiddenLine xmlns:a14="http://schemas.microsoft.com/office/drawing/2010/main" xmlns="" w="9525">
+                <a14:hiddenLine xmlns="" xmlns:a14="http://schemas.microsoft.com/office/drawing/2010/main" w="9525">
                   <a:solidFill>
                     <a:srgbClr val="000000"/>
                   </a:solidFill>
@@ -7363,7 +7457,7 @@
             </a:ln>
             <a:extLst>
               <a:ext uri="{91240B29-F687-4f45-9708-019B960494DF}">
-                <a14:hiddenLine xmlns:a14="http://schemas.microsoft.com/office/drawing/2010/main" xmlns="" w="9525">
+                <a14:hiddenLine xmlns="" xmlns:a14="http://schemas.microsoft.com/office/drawing/2010/main" w="9525">
                   <a:solidFill>
                     <a:srgbClr val="000000"/>
                   </a:solidFill>
@@ -7453,7 +7547,7 @@
             </a:ln>
             <a:extLst>
               <a:ext uri="{91240B29-F687-4f45-9708-019B960494DF}">
-                <a14:hiddenLine xmlns:a14="http://schemas.microsoft.com/office/drawing/2010/main" xmlns="" w="9525">
+                <a14:hiddenLine xmlns="" xmlns:a14="http://schemas.microsoft.com/office/drawing/2010/main" w="9525">
                   <a:solidFill>
                     <a:srgbClr val="000000"/>
                   </a:solidFill>
@@ -7543,7 +7637,7 @@
             </a:ln>
             <a:extLst>
               <a:ext uri="{91240B29-F687-4f45-9708-019B960494DF}">
-                <a14:hiddenLine xmlns:a14="http://schemas.microsoft.com/office/drawing/2010/main" xmlns="" w="9525">
+                <a14:hiddenLine xmlns="" xmlns:a14="http://schemas.microsoft.com/office/drawing/2010/main" w="9525">
                   <a:solidFill>
                     <a:srgbClr val="000000"/>
                   </a:solidFill>
@@ -7605,7 +7699,7 @@
             </a:ln>
             <a:extLst>
               <a:ext uri="{91240B29-F687-4f45-9708-019B960494DF}">
-                <a14:hiddenLine xmlns:a14="http://schemas.microsoft.com/office/drawing/2010/main" xmlns="" w="9525">
+                <a14:hiddenLine xmlns="" xmlns:a14="http://schemas.microsoft.com/office/drawing/2010/main" w="9525">
                   <a:solidFill>
                     <a:srgbClr val="000000"/>
                   </a:solidFill>
@@ -7695,7 +7789,7 @@
             </a:ln>
             <a:extLst>
               <a:ext uri="{91240B29-F687-4f45-9708-019B960494DF}">
-                <a14:hiddenLine xmlns:a14="http://schemas.microsoft.com/office/drawing/2010/main" xmlns="" w="9525">
+                <a14:hiddenLine xmlns="" xmlns:a14="http://schemas.microsoft.com/office/drawing/2010/main" w="9525">
                   <a:solidFill>
                     <a:srgbClr val="000000"/>
                   </a:solidFill>
@@ -7785,7 +7879,7 @@
             </a:ln>
             <a:extLst>
               <a:ext uri="{91240B29-F687-4f45-9708-019B960494DF}">
-                <a14:hiddenLine xmlns:a14="http://schemas.microsoft.com/office/drawing/2010/main" xmlns="" w="9525">
+                <a14:hiddenLine xmlns="" xmlns:a14="http://schemas.microsoft.com/office/drawing/2010/main" w="9525">
                   <a:solidFill>
                     <a:srgbClr val="000000"/>
                   </a:solidFill>
@@ -7841,7 +7935,7 @@
             </a:ln>
             <a:extLst>
               <a:ext uri="{91240B29-F687-4f45-9708-019B960494DF}">
-                <a14:hiddenLine xmlns:a14="http://schemas.microsoft.com/office/drawing/2010/main" xmlns="" w="9525">
+                <a14:hiddenLine xmlns="" xmlns:a14="http://schemas.microsoft.com/office/drawing/2010/main" w="9525">
                   <a:solidFill>
                     <a:srgbClr val="000000"/>
                   </a:solidFill>
@@ -7931,7 +8025,7 @@
             </a:ln>
             <a:extLst>
               <a:ext uri="{91240B29-F687-4f45-9708-019B960494DF}">
-                <a14:hiddenLine xmlns:a14="http://schemas.microsoft.com/office/drawing/2010/main" xmlns="" w="9525">
+                <a14:hiddenLine xmlns="" xmlns:a14="http://schemas.microsoft.com/office/drawing/2010/main" w="9525">
                   <a:solidFill>
                     <a:srgbClr val="000000"/>
                   </a:solidFill>
@@ -7987,7 +8081,7 @@
             </a:ln>
             <a:extLst>
               <a:ext uri="{91240B29-F687-4f45-9708-019B960494DF}">
-                <a14:hiddenLine xmlns:a14="http://schemas.microsoft.com/office/drawing/2010/main" xmlns="" w="9525">
+                <a14:hiddenLine xmlns="" xmlns:a14="http://schemas.microsoft.com/office/drawing/2010/main" w="9525">
                   <a:solidFill>
                     <a:srgbClr val="000000"/>
                   </a:solidFill>
@@ -8077,7 +8171,7 @@
             </a:ln>
             <a:extLst>
               <a:ext uri="{91240B29-F687-4f45-9708-019B960494DF}">
-                <a14:hiddenLine xmlns:a14="http://schemas.microsoft.com/office/drawing/2010/main" xmlns="" w="9525">
+                <a14:hiddenLine xmlns="" xmlns:a14="http://schemas.microsoft.com/office/drawing/2010/main" w="9525">
                   <a:solidFill>
                     <a:srgbClr val="000000"/>
                   </a:solidFill>
@@ -8145,7 +8239,7 @@
             </a:ln>
             <a:extLst>
               <a:ext uri="{91240B29-F687-4f45-9708-019B960494DF}">
-                <a14:hiddenLine xmlns:a14="http://schemas.microsoft.com/office/drawing/2010/main" xmlns="" w="9525">
+                <a14:hiddenLine xmlns="" xmlns:a14="http://schemas.microsoft.com/office/drawing/2010/main" w="9525">
                   <a:solidFill>
                     <a:srgbClr val="000000"/>
                   </a:solidFill>
@@ -8235,7 +8329,7 @@
             </a:ln>
             <a:extLst>
               <a:ext uri="{91240B29-F687-4f45-9708-019B960494DF}">
-                <a14:hiddenLine xmlns:a14="http://schemas.microsoft.com/office/drawing/2010/main" xmlns="" w="9525">
+                <a14:hiddenLine xmlns="" xmlns:a14="http://schemas.microsoft.com/office/drawing/2010/main" w="9525">
                   <a:solidFill>
                     <a:srgbClr val="000000"/>
                   </a:solidFill>
@@ -8303,7 +8397,7 @@
             </a:ln>
             <a:extLst>
               <a:ext uri="{91240B29-F687-4f45-9708-019B960494DF}">
-                <a14:hiddenLine xmlns:a14="http://schemas.microsoft.com/office/drawing/2010/main" xmlns="" w="9525">
+                <a14:hiddenLine xmlns="" xmlns:a14="http://schemas.microsoft.com/office/drawing/2010/main" w="9525">
                   <a:solidFill>
                     <a:srgbClr val="000000"/>
                   </a:solidFill>
@@ -8393,7 +8487,7 @@
             </a:ln>
             <a:extLst>
               <a:ext uri="{91240B29-F687-4f45-9708-019B960494DF}">
-                <a14:hiddenLine xmlns:a14="http://schemas.microsoft.com/office/drawing/2010/main" xmlns="" w="9525">
+                <a14:hiddenLine xmlns="" xmlns:a14="http://schemas.microsoft.com/office/drawing/2010/main" w="9525">
                   <a:solidFill>
                     <a:srgbClr val="000000"/>
                   </a:solidFill>
@@ -8427,7 +8521,7 @@
             </a:ln>
             <a:extLst>
               <a:ext uri="{91240B29-F687-4f45-9708-019B960494DF}">
-                <a14:hiddenLine xmlns:a14="http://schemas.microsoft.com/office/drawing/2010/main" xmlns="" w="9525">
+                <a14:hiddenLine xmlns="" xmlns:a14="http://schemas.microsoft.com/office/drawing/2010/main" w="9525">
                   <a:solidFill>
                     <a:srgbClr val="000000"/>
                   </a:solidFill>
@@ -8517,7 +8611,7 @@
             </a:ln>
             <a:extLst>
               <a:ext uri="{91240B29-F687-4f45-9708-019B960494DF}">
-                <a14:hiddenLine xmlns:a14="http://schemas.microsoft.com/office/drawing/2010/main" xmlns="" w="9525">
+                <a14:hiddenLine xmlns="" xmlns:a14="http://schemas.microsoft.com/office/drawing/2010/main" w="9525">
                   <a:solidFill>
                     <a:srgbClr val="000000"/>
                   </a:solidFill>
@@ -8579,7 +8673,7 @@
             </a:ln>
             <a:extLst>
               <a:ext uri="{91240B29-F687-4f45-9708-019B960494DF}">
-                <a14:hiddenLine xmlns:a14="http://schemas.microsoft.com/office/drawing/2010/main" xmlns="" w="9525">
+                <a14:hiddenLine xmlns="" xmlns:a14="http://schemas.microsoft.com/office/drawing/2010/main" w="9525">
                   <a:solidFill>
                     <a:srgbClr val="000000"/>
                   </a:solidFill>
@@ -8641,7 +8735,7 @@
             </a:ln>
             <a:extLst>
               <a:ext uri="{91240B29-F687-4f45-9708-019B960494DF}">
-                <a14:hiddenLine xmlns:a14="http://schemas.microsoft.com/office/drawing/2010/main" xmlns="" w="9525">
+                <a14:hiddenLine xmlns="" xmlns:a14="http://schemas.microsoft.com/office/drawing/2010/main" w="9525">
                   <a:solidFill>
                     <a:srgbClr val="000000"/>
                   </a:solidFill>
@@ -8731,7 +8825,7 @@
             </a:ln>
             <a:extLst>
               <a:ext uri="{91240B29-F687-4f45-9708-019B960494DF}">
-                <a14:hiddenLine xmlns:a14="http://schemas.microsoft.com/office/drawing/2010/main" xmlns="" w="9525">
+                <a14:hiddenLine xmlns="" xmlns:a14="http://schemas.microsoft.com/office/drawing/2010/main" w="9525">
                   <a:solidFill>
                     <a:srgbClr val="000000"/>
                   </a:solidFill>
@@ -8799,7 +8893,7 @@
             </a:ln>
             <a:extLst>
               <a:ext uri="{91240B29-F687-4f45-9708-019B960494DF}">
-                <a14:hiddenLine xmlns:a14="http://schemas.microsoft.com/office/drawing/2010/main" xmlns="" w="9525">
+                <a14:hiddenLine xmlns="" xmlns:a14="http://schemas.microsoft.com/office/drawing/2010/main" w="9525">
                   <a:solidFill>
                     <a:srgbClr val="000000"/>
                   </a:solidFill>
@@ -8861,7 +8955,7 @@
             </a:ln>
             <a:extLst>
               <a:ext uri="{91240B29-F687-4f45-9708-019B960494DF}">
-                <a14:hiddenLine xmlns:a14="http://schemas.microsoft.com/office/drawing/2010/main" xmlns="" w="9525">
+                <a14:hiddenLine xmlns="" xmlns:a14="http://schemas.microsoft.com/office/drawing/2010/main" w="9525">
                   <a:solidFill>
                     <a:srgbClr val="000000"/>
                   </a:solidFill>
@@ -8951,7 +9045,7 @@
             </a:ln>
             <a:extLst>
               <a:ext uri="{91240B29-F687-4f45-9708-019B960494DF}">
-                <a14:hiddenLine xmlns:a14="http://schemas.microsoft.com/office/drawing/2010/main" xmlns="" w="9525">
+                <a14:hiddenLine xmlns="" xmlns:a14="http://schemas.microsoft.com/office/drawing/2010/main" w="9525">
                   <a:solidFill>
                     <a:srgbClr val="000000"/>
                   </a:solidFill>
@@ -9013,7 +9107,7 @@
             </a:ln>
             <a:extLst>
               <a:ext uri="{91240B29-F687-4f45-9708-019B960494DF}">
-                <a14:hiddenLine xmlns:a14="http://schemas.microsoft.com/office/drawing/2010/main" xmlns="" w="9525">
+                <a14:hiddenLine xmlns="" xmlns:a14="http://schemas.microsoft.com/office/drawing/2010/main" w="9525">
                   <a:solidFill>
                     <a:srgbClr val="000000"/>
                   </a:solidFill>
@@ -9103,7 +9197,7 @@
             </a:ln>
             <a:extLst>
               <a:ext uri="{91240B29-F687-4f45-9708-019B960494DF}">
-                <a14:hiddenLine xmlns:a14="http://schemas.microsoft.com/office/drawing/2010/main" xmlns="" w="9525">
+                <a14:hiddenLine xmlns="" xmlns:a14="http://schemas.microsoft.com/office/drawing/2010/main" w="9525">
                   <a:solidFill>
                     <a:srgbClr val="000000"/>
                   </a:solidFill>
@@ -9165,7 +9259,7 @@
             </a:ln>
             <a:extLst>
               <a:ext uri="{91240B29-F687-4f45-9708-019B960494DF}">
-                <a14:hiddenLine xmlns:a14="http://schemas.microsoft.com/office/drawing/2010/main" xmlns="" w="9525">
+                <a14:hiddenLine xmlns="" xmlns:a14="http://schemas.microsoft.com/office/drawing/2010/main" w="9525">
                   <a:solidFill>
                     <a:srgbClr val="000000"/>
                   </a:solidFill>
@@ -9255,7 +9349,7 @@
             </a:ln>
             <a:extLst>
               <a:ext uri="{91240B29-F687-4f45-9708-019B960494DF}">
-                <a14:hiddenLine xmlns:a14="http://schemas.microsoft.com/office/drawing/2010/main" xmlns="" w="9525">
+                <a14:hiddenLine xmlns="" xmlns:a14="http://schemas.microsoft.com/office/drawing/2010/main" w="9525">
                   <a:solidFill>
                     <a:srgbClr val="000000"/>
                   </a:solidFill>
@@ -9289,7 +9383,7 @@
             </a:ln>
             <a:extLst>
               <a:ext uri="{91240B29-F687-4f45-9708-019B960494DF}">
-                <a14:hiddenLine xmlns:a14="http://schemas.microsoft.com/office/drawing/2010/main" xmlns="" w="9525">
+                <a14:hiddenLine xmlns="" xmlns:a14="http://schemas.microsoft.com/office/drawing/2010/main" w="9525">
                   <a:solidFill>
                     <a:srgbClr val="000000"/>
                   </a:solidFill>
@@ -9354,7 +9448,7 @@
             </a:ln>
             <a:extLst>
               <a:ext uri="{91240B29-F687-4f45-9708-019B960494DF}">
-                <a14:hiddenLine xmlns:a14="http://schemas.microsoft.com/office/drawing/2010/main" xmlns="" w="9525">
+                <a14:hiddenLine xmlns="" xmlns:a14="http://schemas.microsoft.com/office/drawing/2010/main" w="9525">
                   <a:solidFill>
                     <a:srgbClr val="000000"/>
                   </a:solidFill>
@@ -9444,7 +9538,7 @@
             </a:ln>
             <a:extLst>
               <a:ext uri="{91240B29-F687-4f45-9708-019B960494DF}">
-                <a14:hiddenLine xmlns:a14="http://schemas.microsoft.com/office/drawing/2010/main" xmlns="" w="9525">
+                <a14:hiddenLine xmlns="" xmlns:a14="http://schemas.microsoft.com/office/drawing/2010/main" w="9525">
                   <a:solidFill>
                     <a:srgbClr val="000000"/>
                   </a:solidFill>
@@ -9506,7 +9600,7 @@
             </a:ln>
             <a:extLst>
               <a:ext uri="{91240B29-F687-4f45-9708-019B960494DF}">
-                <a14:hiddenLine xmlns:a14="http://schemas.microsoft.com/office/drawing/2010/main" xmlns="" w="9525">
+                <a14:hiddenLine xmlns="" xmlns:a14="http://schemas.microsoft.com/office/drawing/2010/main" w="9525">
                   <a:solidFill>
                     <a:srgbClr val="000000"/>
                   </a:solidFill>
@@ -9596,7 +9690,7 @@
             </a:ln>
             <a:extLst>
               <a:ext uri="{91240B29-F687-4f45-9708-019B960494DF}">
-                <a14:hiddenLine xmlns:a14="http://schemas.microsoft.com/office/drawing/2010/main" xmlns="" w="9525">
+                <a14:hiddenLine xmlns="" xmlns:a14="http://schemas.microsoft.com/office/drawing/2010/main" w="9525">
                   <a:solidFill>
                     <a:srgbClr val="000000"/>
                   </a:solidFill>
@@ -9686,7 +9780,7 @@
             </a:ln>
             <a:extLst>
               <a:ext uri="{91240B29-F687-4f45-9708-019B960494DF}">
-                <a14:hiddenLine xmlns:a14="http://schemas.microsoft.com/office/drawing/2010/main" xmlns="" w="9525">
+                <a14:hiddenLine xmlns="" xmlns:a14="http://schemas.microsoft.com/office/drawing/2010/main" w="9525">
                   <a:solidFill>
                     <a:srgbClr val="000000"/>
                   </a:solidFill>
@@ -9751,7 +9845,7 @@
             </a:ln>
             <a:extLst>
               <a:ext uri="{91240B29-F687-4f45-9708-019B960494DF}">
-                <a14:hiddenLine xmlns:a14="http://schemas.microsoft.com/office/drawing/2010/main" xmlns="" w="9525">
+                <a14:hiddenLine xmlns="" xmlns:a14="http://schemas.microsoft.com/office/drawing/2010/main" w="9525">
                   <a:solidFill>
                     <a:srgbClr val="000000"/>
                   </a:solidFill>
@@ -9813,7 +9907,7 @@
             </a:ln>
             <a:extLst>
               <a:ext uri="{91240B29-F687-4f45-9708-019B960494DF}">
-                <a14:hiddenLine xmlns:a14="http://schemas.microsoft.com/office/drawing/2010/main" xmlns="" w="9525">
+                <a14:hiddenLine xmlns="" xmlns:a14="http://schemas.microsoft.com/office/drawing/2010/main" w="9525">
                   <a:solidFill>
                     <a:srgbClr val="000000"/>
                   </a:solidFill>
@@ -9903,7 +9997,7 @@
             </a:ln>
             <a:extLst>
               <a:ext uri="{91240B29-F687-4f45-9708-019B960494DF}">
-                <a14:hiddenLine xmlns:a14="http://schemas.microsoft.com/office/drawing/2010/main" xmlns="" w="9525">
+                <a14:hiddenLine xmlns="" xmlns:a14="http://schemas.microsoft.com/office/drawing/2010/main" w="9525">
                   <a:solidFill>
                     <a:srgbClr val="000000"/>
                   </a:solidFill>
@@ -9993,7 +10087,7 @@
             </a:ln>
             <a:extLst>
               <a:ext uri="{91240B29-F687-4f45-9708-019B960494DF}">
-                <a14:hiddenLine xmlns:a14="http://schemas.microsoft.com/office/drawing/2010/main" xmlns="" w="9525">
+                <a14:hiddenLine xmlns="" xmlns:a14="http://schemas.microsoft.com/office/drawing/2010/main" w="9525">
                   <a:solidFill>
                     <a:srgbClr val="000000"/>
                   </a:solidFill>
@@ -10055,7 +10149,7 @@
             </a:ln>
             <a:extLst>
               <a:ext uri="{91240B29-F687-4f45-9708-019B960494DF}">
-                <a14:hiddenLine xmlns:a14="http://schemas.microsoft.com/office/drawing/2010/main" xmlns="" w="9525">
+                <a14:hiddenLine xmlns="" xmlns:a14="http://schemas.microsoft.com/office/drawing/2010/main" w="9525">
                   <a:solidFill>
                     <a:srgbClr val="000000"/>
                   </a:solidFill>
@@ -10175,7 +10269,7 @@
             </a:ln>
             <a:extLst>
               <a:ext uri="{91240B29-F687-4f45-9708-019B960494DF}">
-                <a14:hiddenLine xmlns:a14="http://schemas.microsoft.com/office/drawing/2010/main" xmlns="" w="9525">
+                <a14:hiddenLine xmlns="" xmlns:a14="http://schemas.microsoft.com/office/drawing/2010/main" w="9525">
                   <a:solidFill>
                     <a:srgbClr val="000000"/>
                   </a:solidFill>
@@ -10243,7 +10337,7 @@
             </a:ln>
             <a:extLst>
               <a:ext uri="{91240B29-F687-4f45-9708-019B960494DF}">
-                <a14:hiddenLine xmlns:a14="http://schemas.microsoft.com/office/drawing/2010/main" xmlns="" w="9525">
+                <a14:hiddenLine xmlns="" xmlns:a14="http://schemas.microsoft.com/office/drawing/2010/main" w="9525">
                   <a:solidFill>
                     <a:srgbClr val="000000"/>
                   </a:solidFill>
@@ -10333,7 +10427,7 @@
             </a:ln>
             <a:extLst>
               <a:ext uri="{91240B29-F687-4f45-9708-019B960494DF}">
-                <a14:hiddenLine xmlns:a14="http://schemas.microsoft.com/office/drawing/2010/main" xmlns="" w="9525">
+                <a14:hiddenLine xmlns="" xmlns:a14="http://schemas.microsoft.com/office/drawing/2010/main" w="9525">
                   <a:solidFill>
                     <a:srgbClr val="000000"/>
                   </a:solidFill>
@@ -10473,7 +10567,7 @@
           <a:p>
             <a:fld id="{41DCBB70-9A08-4AA5-A271-721B6525CB9F}" type="datetime1">
               <a:rPr lang="en-US" smtClean="0"/>
-              <a:t>6/10/2017</a:t>
+              <a:t>6/11/2017</a:t>
             </a:fld>
             <a:endParaRPr lang="en-US"/>
           </a:p>
@@ -10740,7 +10834,7 @@
           <a:p>
             <a:fld id="{9E661AA1-C993-49F4-84DE-675C7065B200}" type="datetime1">
               <a:rPr lang="en-US" smtClean="0"/>
-              <a:t>6/10/2017</a:t>
+              <a:t>6/11/2017</a:t>
             </a:fld>
             <a:endParaRPr lang="en-US"/>
           </a:p>
@@ -10936,7 +11030,7 @@
           <a:p>
             <a:fld id="{35ED3023-723E-443F-8079-577C9EEE921C}" type="datetime1">
               <a:rPr lang="en-US" smtClean="0"/>
-              <a:t>6/10/2017</a:t>
+              <a:t>6/11/2017</a:t>
             </a:fld>
             <a:endParaRPr lang="en-US"/>
           </a:p>
@@ -11199,7 +11293,7 @@
           <a:p>
             <a:fld id="{6B73FD1C-B51A-48F7-AC02-2F0D97D814F7}" type="datetime1">
               <a:rPr lang="en-US" smtClean="0"/>
-              <a:t>6/10/2017</a:t>
+              <a:t>6/11/2017</a:t>
             </a:fld>
             <a:endParaRPr lang="en-US"/>
           </a:p>
@@ -11633,7 +11727,7 @@
           <a:p>
             <a:fld id="{FB8D9E83-F75A-43AD-B2ED-7E8CAF48F668}" type="datetime1">
               <a:rPr lang="en-US" smtClean="0"/>
-              <a:t>6/10/2017</a:t>
+              <a:t>6/11/2017</a:t>
             </a:fld>
             <a:endParaRPr lang="en-US"/>
           </a:p>
@@ -12179,7 +12273,7 @@
           <a:p>
             <a:fld id="{768A83B0-3BAE-4E53-B5B7-0FF7FE737D64}" type="datetime1">
               <a:rPr lang="en-US" smtClean="0"/>
-              <a:t>6/10/2017</a:t>
+              <a:t>6/11/2017</a:t>
             </a:fld>
             <a:endParaRPr lang="en-US"/>
           </a:p>
@@ -12899,7 +12993,7 @@
           <a:p>
             <a:fld id="{B16730D7-1777-41F9-B918-BBBB96CD566E}" type="datetime1">
               <a:rPr lang="en-US" smtClean="0"/>
-              <a:t>6/10/2017</a:t>
+              <a:t>6/11/2017</a:t>
             </a:fld>
             <a:endParaRPr lang="en-US"/>
           </a:p>
@@ -13069,7 +13163,7 @@
           <a:p>
             <a:fld id="{6D09EAFD-48A8-461E-BE3C-44687419BF39}" type="datetime1">
               <a:rPr lang="en-US" smtClean="0"/>
-              <a:t>6/10/2017</a:t>
+              <a:t>6/11/2017</a:t>
             </a:fld>
             <a:endParaRPr lang="en-US"/>
           </a:p>
@@ -13249,7 +13343,7 @@
           <a:p>
             <a:fld id="{8FD3B498-F311-4C43-B1BB-5A8293E0A9A4}" type="datetime1">
               <a:rPr lang="en-US" smtClean="0"/>
-              <a:t>6/10/2017</a:t>
+              <a:t>6/11/2017</a:t>
             </a:fld>
             <a:endParaRPr lang="en-US"/>
           </a:p>
@@ -13419,7 +13513,7 @@
           <a:p>
             <a:fld id="{883771BF-CA23-432F-8D8B-D4805A2FDC25}" type="datetime1">
               <a:rPr lang="en-US" smtClean="0"/>
-              <a:t>6/10/2017</a:t>
+              <a:t>6/11/2017</a:t>
             </a:fld>
             <a:endParaRPr lang="en-US"/>
           </a:p>
@@ -13669,7 +13763,7 @@
           <a:p>
             <a:fld id="{1D68C36A-6259-4E5A-A049-3DCA1D14583C}" type="datetime1">
               <a:rPr lang="en-US" smtClean="0"/>
-              <a:t>6/10/2017</a:t>
+              <a:t>6/11/2017</a:t>
             </a:fld>
             <a:endParaRPr lang="en-US"/>
           </a:p>
@@ -13901,7 +13995,7 @@
           <a:p>
             <a:fld id="{F34191F4-FB8B-48CA-AE1C-459EE9927C52}" type="datetime1">
               <a:rPr lang="en-US" smtClean="0"/>
-              <a:t>6/10/2017</a:t>
+              <a:t>6/11/2017</a:t>
             </a:fld>
             <a:endParaRPr lang="en-US"/>
           </a:p>
@@ -14282,7 +14376,7 @@
           <a:p>
             <a:fld id="{1A00DB3D-0C93-46F0-85AD-FA7B3F55FC09}" type="datetime1">
               <a:rPr lang="en-US" smtClean="0"/>
-              <a:t>6/10/2017</a:t>
+              <a:t>6/11/2017</a:t>
             </a:fld>
             <a:endParaRPr lang="en-US"/>
           </a:p>
@@ -14400,7 +14494,7 @@
           <a:p>
             <a:fld id="{497B238E-31D3-4B1F-B348-185C972FE44A}" type="datetime1">
               <a:rPr lang="en-US" smtClean="0"/>
-              <a:t>6/10/2017</a:t>
+              <a:t>6/11/2017</a:t>
             </a:fld>
             <a:endParaRPr lang="en-US"/>
           </a:p>
@@ -14495,7 +14589,7 @@
           <a:p>
             <a:fld id="{19582FB6-8FF1-4BD0-8894-95577FB7710C}" type="datetime1">
               <a:rPr lang="en-US" smtClean="0"/>
-              <a:t>6/10/2017</a:t>
+              <a:t>6/11/2017</a:t>
             </a:fld>
             <a:endParaRPr lang="en-US"/>
           </a:p>
@@ -14744,7 +14838,7 @@
           <a:p>
             <a:fld id="{4DA5B7C6-DBC3-44D3-B529-A12A76EAA082}" type="datetime1">
               <a:rPr lang="en-US" smtClean="0"/>
-              <a:t>6/10/2017</a:t>
+              <a:t>6/11/2017</a:t>
             </a:fld>
             <a:endParaRPr lang="en-US"/>
           </a:p>
@@ -15024,7 +15118,7 @@
           <a:p>
             <a:fld id="{A5E04D17-1D2A-4495-A1D2-AEA6C5658C0F}" type="datetime1">
               <a:rPr lang="en-US" smtClean="0"/>
-              <a:t>6/10/2017</a:t>
+              <a:t>6/11/2017</a:t>
             </a:fld>
             <a:endParaRPr lang="en-US"/>
           </a:p>
@@ -15140,7 +15234,7 @@
           <a:noFill/>
           <a:extLst>
             <a:ext uri="{909E8E84-426E-40dd-AFC4-6F175D3DCCD1}">
-              <a14:hiddenFill xmlns:a14="http://schemas.microsoft.com/office/drawing/2010/main" xmlns="">
+              <a14:hiddenFill xmlns="" xmlns:a14="http://schemas.microsoft.com/office/drawing/2010/main">
                 <a:solidFill>
                   <a:srgbClr val="FFFFFF"/>
                 </a:solidFill>
@@ -15214,7 +15308,7 @@
               </a:ln>
               <a:extLst>
                 <a:ext uri="{91240B29-F687-4f45-9708-019B960494DF}">
-                  <a14:hiddenLine xmlns:a14="http://schemas.microsoft.com/office/drawing/2010/main" xmlns="" w="9525">
+                  <a14:hiddenLine xmlns="" xmlns:a14="http://schemas.microsoft.com/office/drawing/2010/main" w="9525">
                     <a:solidFill>
                       <a:srgbClr val="000000"/>
                     </a:solidFill>
@@ -15304,7 +15398,7 @@
               </a:ln>
               <a:extLst>
                 <a:ext uri="{91240B29-F687-4f45-9708-019B960494DF}">
-                  <a14:hiddenLine xmlns:a14="http://schemas.microsoft.com/office/drawing/2010/main" xmlns="" w="9525">
+                  <a14:hiddenLine xmlns="" xmlns:a14="http://schemas.microsoft.com/office/drawing/2010/main" w="9525">
                     <a:solidFill>
                       <a:srgbClr val="000000"/>
                     </a:solidFill>
@@ -15394,7 +15488,7 @@
               </a:ln>
               <a:extLst>
                 <a:ext uri="{91240B29-F687-4f45-9708-019B960494DF}">
-                  <a14:hiddenLine xmlns:a14="http://schemas.microsoft.com/office/drawing/2010/main" xmlns="" w="9525">
+                  <a14:hiddenLine xmlns="" xmlns:a14="http://schemas.microsoft.com/office/drawing/2010/main" w="9525">
                     <a:solidFill>
                       <a:srgbClr val="000000"/>
                     </a:solidFill>
@@ -15456,7 +15550,7 @@
               </a:ln>
               <a:extLst>
                 <a:ext uri="{91240B29-F687-4f45-9708-019B960494DF}">
-                  <a14:hiddenLine xmlns:a14="http://schemas.microsoft.com/office/drawing/2010/main" xmlns="" w="9525">
+                  <a14:hiddenLine xmlns="" xmlns:a14="http://schemas.microsoft.com/office/drawing/2010/main" w="9525">
                     <a:solidFill>
                       <a:srgbClr val="000000"/>
                     </a:solidFill>
@@ -15546,7 +15640,7 @@
               </a:ln>
               <a:extLst>
                 <a:ext uri="{91240B29-F687-4f45-9708-019B960494DF}">
-                  <a14:hiddenLine xmlns:a14="http://schemas.microsoft.com/office/drawing/2010/main" xmlns="" w="9525">
+                  <a14:hiddenLine xmlns="" xmlns:a14="http://schemas.microsoft.com/office/drawing/2010/main" w="9525">
                     <a:solidFill>
                       <a:srgbClr val="000000"/>
                     </a:solidFill>
@@ -15608,7 +15702,7 @@
               </a:ln>
               <a:extLst>
                 <a:ext uri="{91240B29-F687-4f45-9708-019B960494DF}">
-                  <a14:hiddenLine xmlns:a14="http://schemas.microsoft.com/office/drawing/2010/main" xmlns="" w="9525">
+                  <a14:hiddenLine xmlns="" xmlns:a14="http://schemas.microsoft.com/office/drawing/2010/main" w="9525">
                     <a:solidFill>
                       <a:srgbClr val="000000"/>
                     </a:solidFill>
@@ -15670,7 +15764,7 @@
               </a:ln>
               <a:extLst>
                 <a:ext uri="{91240B29-F687-4f45-9708-019B960494DF}">
-                  <a14:hiddenLine xmlns:a14="http://schemas.microsoft.com/office/drawing/2010/main" xmlns="" w="9525">
+                  <a14:hiddenLine xmlns="" xmlns:a14="http://schemas.microsoft.com/office/drawing/2010/main" w="9525">
                     <a:solidFill>
                       <a:srgbClr val="000000"/>
                     </a:solidFill>
@@ -15760,7 +15854,7 @@
               </a:ln>
               <a:extLst>
                 <a:ext uri="{91240B29-F687-4f45-9708-019B960494DF}">
-                  <a14:hiddenLine xmlns:a14="http://schemas.microsoft.com/office/drawing/2010/main" xmlns="" w="9525">
+                  <a14:hiddenLine xmlns="" xmlns:a14="http://schemas.microsoft.com/office/drawing/2010/main" w="9525">
                     <a:solidFill>
                       <a:srgbClr val="000000"/>
                     </a:solidFill>
@@ -15850,7 +15944,7 @@
               </a:ln>
               <a:extLst>
                 <a:ext uri="{91240B29-F687-4f45-9708-019B960494DF}">
-                  <a14:hiddenLine xmlns:a14="http://schemas.microsoft.com/office/drawing/2010/main" xmlns="" w="9525">
+                  <a14:hiddenLine xmlns="" xmlns:a14="http://schemas.microsoft.com/office/drawing/2010/main" w="9525">
                     <a:solidFill>
                       <a:srgbClr val="000000"/>
                     </a:solidFill>
@@ -15912,7 +16006,7 @@
               </a:ln>
               <a:extLst>
                 <a:ext uri="{91240B29-F687-4f45-9708-019B960494DF}">
-                  <a14:hiddenLine xmlns:a14="http://schemas.microsoft.com/office/drawing/2010/main" xmlns="" w="9525">
+                  <a14:hiddenLine xmlns="" xmlns:a14="http://schemas.microsoft.com/office/drawing/2010/main" w="9525">
                     <a:solidFill>
                       <a:srgbClr val="000000"/>
                     </a:solidFill>
@@ -16022,7 +16116,7 @@
               </a:ln>
               <a:extLst>
                 <a:ext uri="{91240B29-F687-4f45-9708-019B960494DF}">
-                  <a14:hiddenLine xmlns:a14="http://schemas.microsoft.com/office/drawing/2010/main" xmlns="" w="9525">
+                  <a14:hiddenLine xmlns="" xmlns:a14="http://schemas.microsoft.com/office/drawing/2010/main" w="9525">
                     <a:solidFill>
                       <a:srgbClr val="000000"/>
                     </a:solidFill>
@@ -16106,7 +16200,7 @@
               </a:ln>
               <a:extLst>
                 <a:ext uri="{91240B29-F687-4f45-9708-019B960494DF}">
-                  <a14:hiddenLine xmlns:a14="http://schemas.microsoft.com/office/drawing/2010/main" xmlns="" w="9525">
+                  <a14:hiddenLine xmlns="" xmlns:a14="http://schemas.microsoft.com/office/drawing/2010/main" w="9525">
                     <a:solidFill>
                       <a:srgbClr val="000000"/>
                     </a:solidFill>
@@ -16168,7 +16262,7 @@
               </a:ln>
               <a:extLst>
                 <a:ext uri="{91240B29-F687-4f45-9708-019B960494DF}">
-                  <a14:hiddenLine xmlns:a14="http://schemas.microsoft.com/office/drawing/2010/main" xmlns="" w="9525">
+                  <a14:hiddenLine xmlns="" xmlns:a14="http://schemas.microsoft.com/office/drawing/2010/main" w="9525">
                     <a:solidFill>
                       <a:srgbClr val="000000"/>
                     </a:solidFill>
@@ -16230,7 +16324,7 @@
               </a:ln>
               <a:extLst>
                 <a:ext uri="{91240B29-F687-4f45-9708-019B960494DF}">
-                  <a14:hiddenLine xmlns:a14="http://schemas.microsoft.com/office/drawing/2010/main" xmlns="" w="9525">
+                  <a14:hiddenLine xmlns="" xmlns:a14="http://schemas.microsoft.com/office/drawing/2010/main" w="9525">
                     <a:solidFill>
                       <a:srgbClr val="000000"/>
                     </a:solidFill>
@@ -16320,7 +16414,7 @@
               </a:ln>
               <a:extLst>
                 <a:ext uri="{91240B29-F687-4f45-9708-019B960494DF}">
-                  <a14:hiddenLine xmlns:a14="http://schemas.microsoft.com/office/drawing/2010/main" xmlns="" w="9525">
+                  <a14:hiddenLine xmlns="" xmlns:a14="http://schemas.microsoft.com/office/drawing/2010/main" w="9525">
                     <a:solidFill>
                       <a:srgbClr val="000000"/>
                     </a:solidFill>
@@ -16354,7 +16448,7 @@
               </a:ln>
               <a:extLst>
                 <a:ext uri="{91240B29-F687-4f45-9708-019B960494DF}">
-                  <a14:hiddenLine xmlns:a14="http://schemas.microsoft.com/office/drawing/2010/main" xmlns="" w="9525">
+                  <a14:hiddenLine xmlns="" xmlns:a14="http://schemas.microsoft.com/office/drawing/2010/main" w="9525">
                     <a:solidFill>
                       <a:srgbClr val="000000"/>
                     </a:solidFill>
@@ -16419,7 +16513,7 @@
               </a:ln>
               <a:extLst>
                 <a:ext uri="{91240B29-F687-4f45-9708-019B960494DF}">
-                  <a14:hiddenLine xmlns:a14="http://schemas.microsoft.com/office/drawing/2010/main" xmlns="" w="9525">
+                  <a14:hiddenLine xmlns="" xmlns:a14="http://schemas.microsoft.com/office/drawing/2010/main" w="9525">
                     <a:solidFill>
                       <a:srgbClr val="000000"/>
                     </a:solidFill>
@@ -16509,7 +16603,7 @@
               </a:ln>
               <a:extLst>
                 <a:ext uri="{91240B29-F687-4f45-9708-019B960494DF}">
-                  <a14:hiddenLine xmlns:a14="http://schemas.microsoft.com/office/drawing/2010/main" xmlns="" w="9525">
+                  <a14:hiddenLine xmlns="" xmlns:a14="http://schemas.microsoft.com/office/drawing/2010/main" w="9525">
                     <a:solidFill>
                       <a:srgbClr val="000000"/>
                     </a:solidFill>
@@ -16571,7 +16665,7 @@
               </a:ln>
               <a:extLst>
                 <a:ext uri="{91240B29-F687-4f45-9708-019B960494DF}">
-                  <a14:hiddenLine xmlns:a14="http://schemas.microsoft.com/office/drawing/2010/main" xmlns="" w="9525">
+                  <a14:hiddenLine xmlns="" xmlns:a14="http://schemas.microsoft.com/office/drawing/2010/main" w="9525">
                     <a:solidFill>
                       <a:srgbClr val="000000"/>
                     </a:solidFill>
@@ -16661,7 +16755,7 @@
               </a:ln>
               <a:extLst>
                 <a:ext uri="{91240B29-F687-4f45-9708-019B960494DF}">
-                  <a14:hiddenLine xmlns:a14="http://schemas.microsoft.com/office/drawing/2010/main" xmlns="" w="9525">
+                  <a14:hiddenLine xmlns="" xmlns:a14="http://schemas.microsoft.com/office/drawing/2010/main" w="9525">
                     <a:solidFill>
                       <a:srgbClr val="000000"/>
                     </a:solidFill>
@@ -16726,7 +16820,7 @@
               </a:ln>
               <a:extLst>
                 <a:ext uri="{91240B29-F687-4f45-9708-019B960494DF}">
-                  <a14:hiddenLine xmlns:a14="http://schemas.microsoft.com/office/drawing/2010/main" xmlns="" w="9525">
+                  <a14:hiddenLine xmlns="" xmlns:a14="http://schemas.microsoft.com/office/drawing/2010/main" w="9525">
                     <a:solidFill>
                       <a:srgbClr val="000000"/>
                     </a:solidFill>
@@ -16788,7 +16882,7 @@
               </a:ln>
               <a:extLst>
                 <a:ext uri="{91240B29-F687-4f45-9708-019B960494DF}">
-                  <a14:hiddenLine xmlns:a14="http://schemas.microsoft.com/office/drawing/2010/main" xmlns="" w="9525">
+                  <a14:hiddenLine xmlns="" xmlns:a14="http://schemas.microsoft.com/office/drawing/2010/main" w="9525">
                     <a:solidFill>
                       <a:srgbClr val="000000"/>
                     </a:solidFill>
@@ -16878,7 +16972,7 @@
               </a:ln>
               <a:extLst>
                 <a:ext uri="{91240B29-F687-4f45-9708-019B960494DF}">
-                  <a14:hiddenLine xmlns:a14="http://schemas.microsoft.com/office/drawing/2010/main" xmlns="" w="9525">
+                  <a14:hiddenLine xmlns="" xmlns:a14="http://schemas.microsoft.com/office/drawing/2010/main" w="9525">
                     <a:solidFill>
                       <a:srgbClr val="000000"/>
                     </a:solidFill>
@@ -16968,7 +17062,7 @@
               </a:ln>
               <a:extLst>
                 <a:ext uri="{91240B29-F687-4f45-9708-019B960494DF}">
-                  <a14:hiddenLine xmlns:a14="http://schemas.microsoft.com/office/drawing/2010/main" xmlns="" w="9525">
+                  <a14:hiddenLine xmlns="" xmlns:a14="http://schemas.microsoft.com/office/drawing/2010/main" w="9525">
                     <a:solidFill>
                       <a:srgbClr val="000000"/>
                     </a:solidFill>
@@ -17033,7 +17127,7 @@
               </a:ln>
               <a:extLst>
                 <a:ext uri="{91240B29-F687-4f45-9708-019B960494DF}">
-                  <a14:hiddenLine xmlns:a14="http://schemas.microsoft.com/office/drawing/2010/main" xmlns="" w="9525">
+                  <a14:hiddenLine xmlns="" xmlns:a14="http://schemas.microsoft.com/office/drawing/2010/main" w="9525">
                     <a:solidFill>
                       <a:srgbClr val="000000"/>
                     </a:solidFill>
@@ -17153,7 +17247,7 @@
               </a:ln>
               <a:extLst>
                 <a:ext uri="{91240B29-F687-4f45-9708-019B960494DF}">
-                  <a14:hiddenLine xmlns:a14="http://schemas.microsoft.com/office/drawing/2010/main" xmlns="" w="9525">
+                  <a14:hiddenLine xmlns="" xmlns:a14="http://schemas.microsoft.com/office/drawing/2010/main" w="9525">
                     <a:solidFill>
                       <a:srgbClr val="000000"/>
                     </a:solidFill>
@@ -17251,7 +17345,7 @@
               </a:ln>
               <a:extLst>
                 <a:ext uri="{91240B29-F687-4f45-9708-019B960494DF}">
-                  <a14:hiddenLine xmlns:a14="http://schemas.microsoft.com/office/drawing/2010/main" xmlns="" w="9525">
+                  <a14:hiddenLine xmlns="" xmlns:a14="http://schemas.microsoft.com/office/drawing/2010/main" w="9525">
                     <a:solidFill>
                       <a:srgbClr val="000000"/>
                     </a:solidFill>
@@ -17366,7 +17460,7 @@
               </a:ln>
               <a:extLst>
                 <a:ext uri="{91240B29-F687-4f45-9708-019B960494DF}">
-                  <a14:hiddenLine xmlns:a14="http://schemas.microsoft.com/office/drawing/2010/main" xmlns="" w="9525">
+                  <a14:hiddenLine xmlns="" xmlns:a14="http://schemas.microsoft.com/office/drawing/2010/main" w="9525">
                     <a:solidFill>
                       <a:srgbClr val="000000"/>
                     </a:solidFill>
@@ -17456,7 +17550,7 @@
               </a:ln>
               <a:extLst>
                 <a:ext uri="{91240B29-F687-4f45-9708-019B960494DF}">
-                  <a14:hiddenLine xmlns:a14="http://schemas.microsoft.com/office/drawing/2010/main" xmlns="" w="9525">
+                  <a14:hiddenLine xmlns="" xmlns:a14="http://schemas.microsoft.com/office/drawing/2010/main" w="9525">
                     <a:solidFill>
                       <a:srgbClr val="000000"/>
                     </a:solidFill>
@@ -17521,7 +17615,7 @@
               </a:ln>
               <a:extLst>
                 <a:ext uri="{91240B29-F687-4f45-9708-019B960494DF}">
-                  <a14:hiddenLine xmlns:a14="http://schemas.microsoft.com/office/drawing/2010/main" xmlns="" w="9525">
+                  <a14:hiddenLine xmlns="" xmlns:a14="http://schemas.microsoft.com/office/drawing/2010/main" w="9525">
                     <a:solidFill>
                       <a:srgbClr val="000000"/>
                     </a:solidFill>
@@ -17611,7 +17705,7 @@
               </a:ln>
               <a:extLst>
                 <a:ext uri="{91240B29-F687-4f45-9708-019B960494DF}">
-                  <a14:hiddenLine xmlns:a14="http://schemas.microsoft.com/office/drawing/2010/main" xmlns="" w="9525">
+                  <a14:hiddenLine xmlns="" xmlns:a14="http://schemas.microsoft.com/office/drawing/2010/main" w="9525">
                     <a:solidFill>
                       <a:srgbClr val="000000"/>
                     </a:solidFill>
@@ -17679,7 +17773,7 @@
               </a:ln>
               <a:extLst>
                 <a:ext uri="{91240B29-F687-4f45-9708-019B960494DF}">
-                  <a14:hiddenLine xmlns:a14="http://schemas.microsoft.com/office/drawing/2010/main" xmlns="" w="9525">
+                  <a14:hiddenLine xmlns="" xmlns:a14="http://schemas.microsoft.com/office/drawing/2010/main" w="9525">
                     <a:solidFill>
                       <a:srgbClr val="000000"/>
                     </a:solidFill>
@@ -17769,7 +17863,7 @@
               </a:ln>
               <a:extLst>
                 <a:ext uri="{91240B29-F687-4f45-9708-019B960494DF}">
-                  <a14:hiddenLine xmlns:a14="http://schemas.microsoft.com/office/drawing/2010/main" xmlns="" w="9525">
+                  <a14:hiddenLine xmlns="" xmlns:a14="http://schemas.microsoft.com/office/drawing/2010/main" w="9525">
                     <a:solidFill>
                       <a:srgbClr val="000000"/>
                     </a:solidFill>
@@ -17837,7 +17931,7 @@
               </a:ln>
               <a:extLst>
                 <a:ext uri="{91240B29-F687-4f45-9708-019B960494DF}">
-                  <a14:hiddenLine xmlns:a14="http://schemas.microsoft.com/office/drawing/2010/main" xmlns="" w="9525">
+                  <a14:hiddenLine xmlns="" xmlns:a14="http://schemas.microsoft.com/office/drawing/2010/main" w="9525">
                     <a:solidFill>
                       <a:srgbClr val="000000"/>
                     </a:solidFill>
@@ -17927,7 +18021,7 @@
               </a:ln>
               <a:extLst>
                 <a:ext uri="{91240B29-F687-4f45-9708-019B960494DF}">
-                  <a14:hiddenLine xmlns:a14="http://schemas.microsoft.com/office/drawing/2010/main" xmlns="" w="9525">
+                  <a14:hiddenLine xmlns="" xmlns:a14="http://schemas.microsoft.com/office/drawing/2010/main" w="9525">
                     <a:solidFill>
                       <a:srgbClr val="000000"/>
                     </a:solidFill>
@@ -17961,7 +18055,7 @@
               </a:ln>
               <a:extLst>
                 <a:ext uri="{91240B29-F687-4f45-9708-019B960494DF}">
-                  <a14:hiddenLine xmlns:a14="http://schemas.microsoft.com/office/drawing/2010/main" xmlns="" w="9525">
+                  <a14:hiddenLine xmlns="" xmlns:a14="http://schemas.microsoft.com/office/drawing/2010/main" w="9525">
                     <a:solidFill>
                       <a:srgbClr val="000000"/>
                     </a:solidFill>
@@ -18101,7 +18195,7 @@
           <a:p>
             <a:fld id="{0780C3C2-E360-4074-89B7-939D42F4D217}" type="datetime1">
               <a:rPr lang="en-US" smtClean="0"/>
-              <a:t>6/10/2017</a:t>
+              <a:t>6/11/2017</a:t>
             </a:fld>
             <a:endParaRPr lang="en-US"/>
           </a:p>
@@ -34524,7 +34618,7 @@
           <a:p>
             <a:r>
               <a:rPr lang="en-US" dirty="0">
-                <a:hlinkClick r:id="rId2"/>
+                <a:hlinkClick r:id="rId3"/>
               </a:rPr>
               <a:t>https://security-center.intel.com/BugBountyProgram.aspx</a:t>
             </a:r>
@@ -35295,7 +35389,7 @@
         <p:spPr/>
         <p:txBody>
           <a:bodyPr>
-            <a:normAutofit fontScale="47500" lnSpcReduction="20000"/>
+            <a:normAutofit fontScale="55000" lnSpcReduction="20000"/>
           </a:bodyPr>
           <a:lstStyle/>
           <a:p>
@@ -35308,36 +35402,54 @@
             <a:endParaRPr lang="en-US" dirty="0"/>
           </a:p>
           <a:p>
+            <a:pPr marL="0" indent="0">
+              <a:buNone/>
+            </a:pPr>
             <a:r>
               <a:rPr lang="en-US" dirty="0"/>
               <a:t>“ In addition, Licensees should:</a:t>
             </a:r>
           </a:p>
           <a:p>
+            <a:pPr marL="0" indent="0">
+              <a:buNone/>
+            </a:pPr>
             <a:r>
               <a:rPr lang="en-US" dirty="0"/>
               <a:t>Observe industry secure coding best practices for software development to avoid vulnerabilities (such practices might include a secure software development framework, coding standards, data input validation, least access possible, secure logging, and so on).</a:t>
             </a:r>
           </a:p>
           <a:p>
+            <a:pPr marL="0" indent="0">
+              <a:buNone/>
+            </a:pPr>
             <a:r>
               <a:rPr lang="en-US" dirty="0"/>
               <a:t>Address and fix significant security vulnerabilities within a reasonable time, or within a time frame established under existing disclosure arrangements between Intel and the Licensee, after becoming aware of the vulnerability.</a:t>
             </a:r>
           </a:p>
           <a:p>
+            <a:pPr marL="0" indent="0">
+              <a:buNone/>
+            </a:pPr>
             <a:r>
               <a:rPr lang="en-US" dirty="0"/>
               <a:t>Ensure that the licensed application installer, or the operating environment in which the application resides, includes the most current Platform Software (PSW) Installer for Intel SGX.</a:t>
             </a:r>
           </a:p>
           <a:p>
+            <a:pPr marL="0" indent="0">
+              <a:buNone/>
+            </a:pPr>
             <a:r>
               <a:rPr lang="en-US" dirty="0"/>
               <a:t>Ensure that end-users receive PSW updates via application update mechanism, or via the operating environment in which the application resides.</a:t>
             </a:r>
           </a:p>
           <a:p>
+            <a:pPr marL="0" indent="0">
+              <a:buNone/>
+            </a:pPr>
             <a:r>
               <a:rPr lang="en-US" dirty="0"/>
               <a:t>Observe best industry practices to: (</a:t>
@@ -35364,6 +35476,9 @@
             </a:r>
           </a:p>
           <a:p>
+            <a:pPr marL="0" indent="0">
+              <a:buNone/>
+            </a:pPr>
             <a:r>
               <a:rPr lang="en-US" dirty="0"/>
               <a:t>Construct Licensed Software Applications to enable complete removal on end user request, including removal of any sealed data.”</a:t>

--- a/docs/SGX Enclave Programming - Common Mistakes.pptx
+++ b/docs/SGX Enclave Programming - Common Mistakes.pptx
@@ -4742,15 +4742,7 @@
             </a:r>
             <a:r>
               <a:rPr lang="en-US" dirty="0"/>
-              <a:t>” </a:t>
-            </a:r>
-            <a:r>
-              <a:rPr lang="en-US" dirty="0" err="1"/>
-              <a:t>excersises</a:t>
-            </a:r>
-            <a:r>
-              <a:rPr lang="en-US" dirty="0"/>
-              <a:t> </a:t>
+              <a:t>” exercises </a:t>
             </a:r>
           </a:p>
           <a:p>
@@ -6341,7 +6333,7 @@
           <a:noFill/>
           <a:extLst>
             <a:ext uri="{909E8E84-426E-40dd-AFC4-6F175D3DCCD1}">
-              <a14:hiddenFill xmlns="" xmlns:a14="http://schemas.microsoft.com/office/drawing/2010/main">
+              <a14:hiddenFill xmlns:a14="http://schemas.microsoft.com/office/drawing/2010/main" xmlns="">
                 <a:solidFill>
                   <a:srgbClr val="FFFFFF"/>
                 </a:solidFill>
@@ -6401,7 +6393,7 @@
             </a:ln>
             <a:extLst>
               <a:ext uri="{91240B29-F687-4f45-9708-019B960494DF}">
-                <a14:hiddenLine xmlns="" xmlns:a14="http://schemas.microsoft.com/office/drawing/2010/main" w="9525">
+                <a14:hiddenLine xmlns:a14="http://schemas.microsoft.com/office/drawing/2010/main" xmlns="" w="9525">
                   <a:solidFill>
                     <a:srgbClr val="000000"/>
                   </a:solidFill>
@@ -6491,7 +6483,7 @@
             </a:ln>
             <a:extLst>
               <a:ext uri="{91240B29-F687-4f45-9708-019B960494DF}">
-                <a14:hiddenLine xmlns="" xmlns:a14="http://schemas.microsoft.com/office/drawing/2010/main" w="9525">
+                <a14:hiddenLine xmlns:a14="http://schemas.microsoft.com/office/drawing/2010/main" xmlns="" w="9525">
                   <a:solidFill>
                     <a:srgbClr val="000000"/>
                   </a:solidFill>
@@ -6581,7 +6573,7 @@
             </a:ln>
             <a:extLst>
               <a:ext uri="{91240B29-F687-4f45-9708-019B960494DF}">
-                <a14:hiddenLine xmlns="" xmlns:a14="http://schemas.microsoft.com/office/drawing/2010/main" w="9525">
+                <a14:hiddenLine xmlns:a14="http://schemas.microsoft.com/office/drawing/2010/main" xmlns="" w="9525">
                   <a:solidFill>
                     <a:srgbClr val="000000"/>
                   </a:solidFill>
@@ -6615,7 +6607,7 @@
             </a:ln>
             <a:extLst>
               <a:ext uri="{91240B29-F687-4f45-9708-019B960494DF}">
-                <a14:hiddenLine xmlns="" xmlns:a14="http://schemas.microsoft.com/office/drawing/2010/main" w="9525">
+                <a14:hiddenLine xmlns:a14="http://schemas.microsoft.com/office/drawing/2010/main" xmlns="" w="9525">
                   <a:solidFill>
                     <a:srgbClr val="000000"/>
                   </a:solidFill>
@@ -6705,7 +6697,7 @@
             </a:ln>
             <a:extLst>
               <a:ext uri="{91240B29-F687-4f45-9708-019B960494DF}">
-                <a14:hiddenLine xmlns="" xmlns:a14="http://schemas.microsoft.com/office/drawing/2010/main" w="9525">
+                <a14:hiddenLine xmlns:a14="http://schemas.microsoft.com/office/drawing/2010/main" xmlns="" w="9525">
                   <a:solidFill>
                     <a:srgbClr val="000000"/>
                   </a:solidFill>
@@ -6767,7 +6759,7 @@
             </a:ln>
             <a:extLst>
               <a:ext uri="{91240B29-F687-4f45-9708-019B960494DF}">
-                <a14:hiddenLine xmlns="" xmlns:a14="http://schemas.microsoft.com/office/drawing/2010/main" w="9525">
+                <a14:hiddenLine xmlns:a14="http://schemas.microsoft.com/office/drawing/2010/main" xmlns="" w="9525">
                   <a:solidFill>
                     <a:srgbClr val="000000"/>
                   </a:solidFill>
@@ -6829,7 +6821,7 @@
             </a:ln>
             <a:extLst>
               <a:ext uri="{91240B29-F687-4f45-9708-019B960494DF}">
-                <a14:hiddenLine xmlns="" xmlns:a14="http://schemas.microsoft.com/office/drawing/2010/main" w="9525">
+                <a14:hiddenLine xmlns:a14="http://schemas.microsoft.com/office/drawing/2010/main" xmlns="" w="9525">
                   <a:solidFill>
                     <a:srgbClr val="000000"/>
                   </a:solidFill>
@@ -6919,7 +6911,7 @@
             </a:ln>
             <a:extLst>
               <a:ext uri="{91240B29-F687-4f45-9708-019B960494DF}">
-                <a14:hiddenLine xmlns="" xmlns:a14="http://schemas.microsoft.com/office/drawing/2010/main" w="9525">
+                <a14:hiddenLine xmlns:a14="http://schemas.microsoft.com/office/drawing/2010/main" xmlns="" w="9525">
                   <a:solidFill>
                     <a:srgbClr val="000000"/>
                   </a:solidFill>
@@ -6981,7 +6973,7 @@
             </a:ln>
             <a:extLst>
               <a:ext uri="{91240B29-F687-4f45-9708-019B960494DF}">
-                <a14:hiddenLine xmlns="" xmlns:a14="http://schemas.microsoft.com/office/drawing/2010/main" w="9525">
+                <a14:hiddenLine xmlns:a14="http://schemas.microsoft.com/office/drawing/2010/main" xmlns="" w="9525">
                   <a:solidFill>
                     <a:srgbClr val="000000"/>
                   </a:solidFill>
@@ -7043,7 +7035,7 @@
             </a:ln>
             <a:extLst>
               <a:ext uri="{91240B29-F687-4f45-9708-019B960494DF}">
-                <a14:hiddenLine xmlns="" xmlns:a14="http://schemas.microsoft.com/office/drawing/2010/main" w="9525">
+                <a14:hiddenLine xmlns:a14="http://schemas.microsoft.com/office/drawing/2010/main" xmlns="" w="9525">
                   <a:solidFill>
                     <a:srgbClr val="000000"/>
                   </a:solidFill>
@@ -7133,7 +7125,7 @@
             </a:ln>
             <a:extLst>
               <a:ext uri="{91240B29-F687-4f45-9708-019B960494DF}">
-                <a14:hiddenLine xmlns="" xmlns:a14="http://schemas.microsoft.com/office/drawing/2010/main" w="9525">
+                <a14:hiddenLine xmlns:a14="http://schemas.microsoft.com/office/drawing/2010/main" xmlns="" w="9525">
                   <a:solidFill>
                     <a:srgbClr val="000000"/>
                   </a:solidFill>
@@ -7223,7 +7215,7 @@
             </a:ln>
             <a:extLst>
               <a:ext uri="{91240B29-F687-4f45-9708-019B960494DF}">
-                <a14:hiddenLine xmlns="" xmlns:a14="http://schemas.microsoft.com/office/drawing/2010/main" w="9525">
+                <a14:hiddenLine xmlns:a14="http://schemas.microsoft.com/office/drawing/2010/main" xmlns="" w="9525">
                   <a:solidFill>
                     <a:srgbClr val="000000"/>
                   </a:solidFill>
@@ -7285,7 +7277,7 @@
             </a:ln>
             <a:extLst>
               <a:ext uri="{91240B29-F687-4f45-9708-019B960494DF}">
-                <a14:hiddenLine xmlns="" xmlns:a14="http://schemas.microsoft.com/office/drawing/2010/main" w="9525">
+                <a14:hiddenLine xmlns:a14="http://schemas.microsoft.com/office/drawing/2010/main" xmlns="" w="9525">
                   <a:solidFill>
                     <a:srgbClr val="000000"/>
                   </a:solidFill>
@@ -7395,7 +7387,7 @@
             </a:ln>
             <a:extLst>
               <a:ext uri="{91240B29-F687-4f45-9708-019B960494DF}">
-                <a14:hiddenLine xmlns="" xmlns:a14="http://schemas.microsoft.com/office/drawing/2010/main" w="9525">
+                <a14:hiddenLine xmlns:a14="http://schemas.microsoft.com/office/drawing/2010/main" xmlns="" w="9525">
                   <a:solidFill>
                     <a:srgbClr val="000000"/>
                   </a:solidFill>
@@ -7457,7 +7449,7 @@
             </a:ln>
             <a:extLst>
               <a:ext uri="{91240B29-F687-4f45-9708-019B960494DF}">
-                <a14:hiddenLine xmlns="" xmlns:a14="http://schemas.microsoft.com/office/drawing/2010/main" w="9525">
+                <a14:hiddenLine xmlns:a14="http://schemas.microsoft.com/office/drawing/2010/main" xmlns="" w="9525">
                   <a:solidFill>
                     <a:srgbClr val="000000"/>
                   </a:solidFill>
@@ -7547,7 +7539,7 @@
             </a:ln>
             <a:extLst>
               <a:ext uri="{91240B29-F687-4f45-9708-019B960494DF}">
-                <a14:hiddenLine xmlns="" xmlns:a14="http://schemas.microsoft.com/office/drawing/2010/main" w="9525">
+                <a14:hiddenLine xmlns:a14="http://schemas.microsoft.com/office/drawing/2010/main" xmlns="" w="9525">
                   <a:solidFill>
                     <a:srgbClr val="000000"/>
                   </a:solidFill>
@@ -7637,7 +7629,7 @@
             </a:ln>
             <a:extLst>
               <a:ext uri="{91240B29-F687-4f45-9708-019B960494DF}">
-                <a14:hiddenLine xmlns="" xmlns:a14="http://schemas.microsoft.com/office/drawing/2010/main" w="9525">
+                <a14:hiddenLine xmlns:a14="http://schemas.microsoft.com/office/drawing/2010/main" xmlns="" w="9525">
                   <a:solidFill>
                     <a:srgbClr val="000000"/>
                   </a:solidFill>
@@ -7699,7 +7691,7 @@
             </a:ln>
             <a:extLst>
               <a:ext uri="{91240B29-F687-4f45-9708-019B960494DF}">
-                <a14:hiddenLine xmlns="" xmlns:a14="http://schemas.microsoft.com/office/drawing/2010/main" w="9525">
+                <a14:hiddenLine xmlns:a14="http://schemas.microsoft.com/office/drawing/2010/main" xmlns="" w="9525">
                   <a:solidFill>
                     <a:srgbClr val="000000"/>
                   </a:solidFill>
@@ -7789,7 +7781,7 @@
             </a:ln>
             <a:extLst>
               <a:ext uri="{91240B29-F687-4f45-9708-019B960494DF}">
-                <a14:hiddenLine xmlns="" xmlns:a14="http://schemas.microsoft.com/office/drawing/2010/main" w="9525">
+                <a14:hiddenLine xmlns:a14="http://schemas.microsoft.com/office/drawing/2010/main" xmlns="" w="9525">
                   <a:solidFill>
                     <a:srgbClr val="000000"/>
                   </a:solidFill>
@@ -7879,7 +7871,7 @@
             </a:ln>
             <a:extLst>
               <a:ext uri="{91240B29-F687-4f45-9708-019B960494DF}">
-                <a14:hiddenLine xmlns="" xmlns:a14="http://schemas.microsoft.com/office/drawing/2010/main" w="9525">
+                <a14:hiddenLine xmlns:a14="http://schemas.microsoft.com/office/drawing/2010/main" xmlns="" w="9525">
                   <a:solidFill>
                     <a:srgbClr val="000000"/>
                   </a:solidFill>
@@ -7935,7 +7927,7 @@
             </a:ln>
             <a:extLst>
               <a:ext uri="{91240B29-F687-4f45-9708-019B960494DF}">
-                <a14:hiddenLine xmlns="" xmlns:a14="http://schemas.microsoft.com/office/drawing/2010/main" w="9525">
+                <a14:hiddenLine xmlns:a14="http://schemas.microsoft.com/office/drawing/2010/main" xmlns="" w="9525">
                   <a:solidFill>
                     <a:srgbClr val="000000"/>
                   </a:solidFill>
@@ -8025,7 +8017,7 @@
             </a:ln>
             <a:extLst>
               <a:ext uri="{91240B29-F687-4f45-9708-019B960494DF}">
-                <a14:hiddenLine xmlns="" xmlns:a14="http://schemas.microsoft.com/office/drawing/2010/main" w="9525">
+                <a14:hiddenLine xmlns:a14="http://schemas.microsoft.com/office/drawing/2010/main" xmlns="" w="9525">
                   <a:solidFill>
                     <a:srgbClr val="000000"/>
                   </a:solidFill>
@@ -8081,7 +8073,7 @@
             </a:ln>
             <a:extLst>
               <a:ext uri="{91240B29-F687-4f45-9708-019B960494DF}">
-                <a14:hiddenLine xmlns="" xmlns:a14="http://schemas.microsoft.com/office/drawing/2010/main" w="9525">
+                <a14:hiddenLine xmlns:a14="http://schemas.microsoft.com/office/drawing/2010/main" xmlns="" w="9525">
                   <a:solidFill>
                     <a:srgbClr val="000000"/>
                   </a:solidFill>
@@ -8171,7 +8163,7 @@
             </a:ln>
             <a:extLst>
               <a:ext uri="{91240B29-F687-4f45-9708-019B960494DF}">
-                <a14:hiddenLine xmlns="" xmlns:a14="http://schemas.microsoft.com/office/drawing/2010/main" w="9525">
+                <a14:hiddenLine xmlns:a14="http://schemas.microsoft.com/office/drawing/2010/main" xmlns="" w="9525">
                   <a:solidFill>
                     <a:srgbClr val="000000"/>
                   </a:solidFill>
@@ -8239,7 +8231,7 @@
             </a:ln>
             <a:extLst>
               <a:ext uri="{91240B29-F687-4f45-9708-019B960494DF}">
-                <a14:hiddenLine xmlns="" xmlns:a14="http://schemas.microsoft.com/office/drawing/2010/main" w="9525">
+                <a14:hiddenLine xmlns:a14="http://schemas.microsoft.com/office/drawing/2010/main" xmlns="" w="9525">
                   <a:solidFill>
                     <a:srgbClr val="000000"/>
                   </a:solidFill>
@@ -8329,7 +8321,7 @@
             </a:ln>
             <a:extLst>
               <a:ext uri="{91240B29-F687-4f45-9708-019B960494DF}">
-                <a14:hiddenLine xmlns="" xmlns:a14="http://schemas.microsoft.com/office/drawing/2010/main" w="9525">
+                <a14:hiddenLine xmlns:a14="http://schemas.microsoft.com/office/drawing/2010/main" xmlns="" w="9525">
                   <a:solidFill>
                     <a:srgbClr val="000000"/>
                   </a:solidFill>
@@ -8397,7 +8389,7 @@
             </a:ln>
             <a:extLst>
               <a:ext uri="{91240B29-F687-4f45-9708-019B960494DF}">
-                <a14:hiddenLine xmlns="" xmlns:a14="http://schemas.microsoft.com/office/drawing/2010/main" w="9525">
+                <a14:hiddenLine xmlns:a14="http://schemas.microsoft.com/office/drawing/2010/main" xmlns="" w="9525">
                   <a:solidFill>
                     <a:srgbClr val="000000"/>
                   </a:solidFill>
@@ -8487,7 +8479,7 @@
             </a:ln>
             <a:extLst>
               <a:ext uri="{91240B29-F687-4f45-9708-019B960494DF}">
-                <a14:hiddenLine xmlns="" xmlns:a14="http://schemas.microsoft.com/office/drawing/2010/main" w="9525">
+                <a14:hiddenLine xmlns:a14="http://schemas.microsoft.com/office/drawing/2010/main" xmlns="" w="9525">
                   <a:solidFill>
                     <a:srgbClr val="000000"/>
                   </a:solidFill>
@@ -8521,7 +8513,7 @@
             </a:ln>
             <a:extLst>
               <a:ext uri="{91240B29-F687-4f45-9708-019B960494DF}">
-                <a14:hiddenLine xmlns="" xmlns:a14="http://schemas.microsoft.com/office/drawing/2010/main" w="9525">
+                <a14:hiddenLine xmlns:a14="http://schemas.microsoft.com/office/drawing/2010/main" xmlns="" w="9525">
                   <a:solidFill>
                     <a:srgbClr val="000000"/>
                   </a:solidFill>
@@ -8611,7 +8603,7 @@
             </a:ln>
             <a:extLst>
               <a:ext uri="{91240B29-F687-4f45-9708-019B960494DF}">
-                <a14:hiddenLine xmlns="" xmlns:a14="http://schemas.microsoft.com/office/drawing/2010/main" w="9525">
+                <a14:hiddenLine xmlns:a14="http://schemas.microsoft.com/office/drawing/2010/main" xmlns="" w="9525">
                   <a:solidFill>
                     <a:srgbClr val="000000"/>
                   </a:solidFill>
@@ -8673,7 +8665,7 @@
             </a:ln>
             <a:extLst>
               <a:ext uri="{91240B29-F687-4f45-9708-019B960494DF}">
-                <a14:hiddenLine xmlns="" xmlns:a14="http://schemas.microsoft.com/office/drawing/2010/main" w="9525">
+                <a14:hiddenLine xmlns:a14="http://schemas.microsoft.com/office/drawing/2010/main" xmlns="" w="9525">
                   <a:solidFill>
                     <a:srgbClr val="000000"/>
                   </a:solidFill>
@@ -8735,7 +8727,7 @@
             </a:ln>
             <a:extLst>
               <a:ext uri="{91240B29-F687-4f45-9708-019B960494DF}">
-                <a14:hiddenLine xmlns="" xmlns:a14="http://schemas.microsoft.com/office/drawing/2010/main" w="9525">
+                <a14:hiddenLine xmlns:a14="http://schemas.microsoft.com/office/drawing/2010/main" xmlns="" w="9525">
                   <a:solidFill>
                     <a:srgbClr val="000000"/>
                   </a:solidFill>
@@ -8825,7 +8817,7 @@
             </a:ln>
             <a:extLst>
               <a:ext uri="{91240B29-F687-4f45-9708-019B960494DF}">
-                <a14:hiddenLine xmlns="" xmlns:a14="http://schemas.microsoft.com/office/drawing/2010/main" w="9525">
+                <a14:hiddenLine xmlns:a14="http://schemas.microsoft.com/office/drawing/2010/main" xmlns="" w="9525">
                   <a:solidFill>
                     <a:srgbClr val="000000"/>
                   </a:solidFill>
@@ -8893,7 +8885,7 @@
             </a:ln>
             <a:extLst>
               <a:ext uri="{91240B29-F687-4f45-9708-019B960494DF}">
-                <a14:hiddenLine xmlns="" xmlns:a14="http://schemas.microsoft.com/office/drawing/2010/main" w="9525">
+                <a14:hiddenLine xmlns:a14="http://schemas.microsoft.com/office/drawing/2010/main" xmlns="" w="9525">
                   <a:solidFill>
                     <a:srgbClr val="000000"/>
                   </a:solidFill>
@@ -8955,7 +8947,7 @@
             </a:ln>
             <a:extLst>
               <a:ext uri="{91240B29-F687-4f45-9708-019B960494DF}">
-                <a14:hiddenLine xmlns="" xmlns:a14="http://schemas.microsoft.com/office/drawing/2010/main" w="9525">
+                <a14:hiddenLine xmlns:a14="http://schemas.microsoft.com/office/drawing/2010/main" xmlns="" w="9525">
                   <a:solidFill>
                     <a:srgbClr val="000000"/>
                   </a:solidFill>
@@ -9045,7 +9037,7 @@
             </a:ln>
             <a:extLst>
               <a:ext uri="{91240B29-F687-4f45-9708-019B960494DF}">
-                <a14:hiddenLine xmlns="" xmlns:a14="http://schemas.microsoft.com/office/drawing/2010/main" w="9525">
+                <a14:hiddenLine xmlns:a14="http://schemas.microsoft.com/office/drawing/2010/main" xmlns="" w="9525">
                   <a:solidFill>
                     <a:srgbClr val="000000"/>
                   </a:solidFill>
@@ -9107,7 +9099,7 @@
             </a:ln>
             <a:extLst>
               <a:ext uri="{91240B29-F687-4f45-9708-019B960494DF}">
-                <a14:hiddenLine xmlns="" xmlns:a14="http://schemas.microsoft.com/office/drawing/2010/main" w="9525">
+                <a14:hiddenLine xmlns:a14="http://schemas.microsoft.com/office/drawing/2010/main" xmlns="" w="9525">
                   <a:solidFill>
                     <a:srgbClr val="000000"/>
                   </a:solidFill>
@@ -9197,7 +9189,7 @@
             </a:ln>
             <a:extLst>
               <a:ext uri="{91240B29-F687-4f45-9708-019B960494DF}">
-                <a14:hiddenLine xmlns="" xmlns:a14="http://schemas.microsoft.com/office/drawing/2010/main" w="9525">
+                <a14:hiddenLine xmlns:a14="http://schemas.microsoft.com/office/drawing/2010/main" xmlns="" w="9525">
                   <a:solidFill>
                     <a:srgbClr val="000000"/>
                   </a:solidFill>
@@ -9259,7 +9251,7 @@
             </a:ln>
             <a:extLst>
               <a:ext uri="{91240B29-F687-4f45-9708-019B960494DF}">
-                <a14:hiddenLine xmlns="" xmlns:a14="http://schemas.microsoft.com/office/drawing/2010/main" w="9525">
+                <a14:hiddenLine xmlns:a14="http://schemas.microsoft.com/office/drawing/2010/main" xmlns="" w="9525">
                   <a:solidFill>
                     <a:srgbClr val="000000"/>
                   </a:solidFill>
@@ -9349,7 +9341,7 @@
             </a:ln>
             <a:extLst>
               <a:ext uri="{91240B29-F687-4f45-9708-019B960494DF}">
-                <a14:hiddenLine xmlns="" xmlns:a14="http://schemas.microsoft.com/office/drawing/2010/main" w="9525">
+                <a14:hiddenLine xmlns:a14="http://schemas.microsoft.com/office/drawing/2010/main" xmlns="" w="9525">
                   <a:solidFill>
                     <a:srgbClr val="000000"/>
                   </a:solidFill>
@@ -9383,7 +9375,7 @@
             </a:ln>
             <a:extLst>
               <a:ext uri="{91240B29-F687-4f45-9708-019B960494DF}">
-                <a14:hiddenLine xmlns="" xmlns:a14="http://schemas.microsoft.com/office/drawing/2010/main" w="9525">
+                <a14:hiddenLine xmlns:a14="http://schemas.microsoft.com/office/drawing/2010/main" xmlns="" w="9525">
                   <a:solidFill>
                     <a:srgbClr val="000000"/>
                   </a:solidFill>
@@ -9448,7 +9440,7 @@
             </a:ln>
             <a:extLst>
               <a:ext uri="{91240B29-F687-4f45-9708-019B960494DF}">
-                <a14:hiddenLine xmlns="" xmlns:a14="http://schemas.microsoft.com/office/drawing/2010/main" w="9525">
+                <a14:hiddenLine xmlns:a14="http://schemas.microsoft.com/office/drawing/2010/main" xmlns="" w="9525">
                   <a:solidFill>
                     <a:srgbClr val="000000"/>
                   </a:solidFill>
@@ -9538,7 +9530,7 @@
             </a:ln>
             <a:extLst>
               <a:ext uri="{91240B29-F687-4f45-9708-019B960494DF}">
-                <a14:hiddenLine xmlns="" xmlns:a14="http://schemas.microsoft.com/office/drawing/2010/main" w="9525">
+                <a14:hiddenLine xmlns:a14="http://schemas.microsoft.com/office/drawing/2010/main" xmlns="" w="9525">
                   <a:solidFill>
                     <a:srgbClr val="000000"/>
                   </a:solidFill>
@@ -9600,7 +9592,7 @@
             </a:ln>
             <a:extLst>
               <a:ext uri="{91240B29-F687-4f45-9708-019B960494DF}">
-                <a14:hiddenLine xmlns="" xmlns:a14="http://schemas.microsoft.com/office/drawing/2010/main" w="9525">
+                <a14:hiddenLine xmlns:a14="http://schemas.microsoft.com/office/drawing/2010/main" xmlns="" w="9525">
                   <a:solidFill>
                     <a:srgbClr val="000000"/>
                   </a:solidFill>
@@ -9690,7 +9682,7 @@
             </a:ln>
             <a:extLst>
               <a:ext uri="{91240B29-F687-4f45-9708-019B960494DF}">
-                <a14:hiddenLine xmlns="" xmlns:a14="http://schemas.microsoft.com/office/drawing/2010/main" w="9525">
+                <a14:hiddenLine xmlns:a14="http://schemas.microsoft.com/office/drawing/2010/main" xmlns="" w="9525">
                   <a:solidFill>
                     <a:srgbClr val="000000"/>
                   </a:solidFill>
@@ -9780,7 +9772,7 @@
             </a:ln>
             <a:extLst>
               <a:ext uri="{91240B29-F687-4f45-9708-019B960494DF}">
-                <a14:hiddenLine xmlns="" xmlns:a14="http://schemas.microsoft.com/office/drawing/2010/main" w="9525">
+                <a14:hiddenLine xmlns:a14="http://schemas.microsoft.com/office/drawing/2010/main" xmlns="" w="9525">
                   <a:solidFill>
                     <a:srgbClr val="000000"/>
                   </a:solidFill>
@@ -9845,7 +9837,7 @@
             </a:ln>
             <a:extLst>
               <a:ext uri="{91240B29-F687-4f45-9708-019B960494DF}">
-                <a14:hiddenLine xmlns="" xmlns:a14="http://schemas.microsoft.com/office/drawing/2010/main" w="9525">
+                <a14:hiddenLine xmlns:a14="http://schemas.microsoft.com/office/drawing/2010/main" xmlns="" w="9525">
                   <a:solidFill>
                     <a:srgbClr val="000000"/>
                   </a:solidFill>
@@ -9907,7 +9899,7 @@
             </a:ln>
             <a:extLst>
               <a:ext uri="{91240B29-F687-4f45-9708-019B960494DF}">
-                <a14:hiddenLine xmlns="" xmlns:a14="http://schemas.microsoft.com/office/drawing/2010/main" w="9525">
+                <a14:hiddenLine xmlns:a14="http://schemas.microsoft.com/office/drawing/2010/main" xmlns="" w="9525">
                   <a:solidFill>
                     <a:srgbClr val="000000"/>
                   </a:solidFill>
@@ -9997,7 +9989,7 @@
             </a:ln>
             <a:extLst>
               <a:ext uri="{91240B29-F687-4f45-9708-019B960494DF}">
-                <a14:hiddenLine xmlns="" xmlns:a14="http://schemas.microsoft.com/office/drawing/2010/main" w="9525">
+                <a14:hiddenLine xmlns:a14="http://schemas.microsoft.com/office/drawing/2010/main" xmlns="" w="9525">
                   <a:solidFill>
                     <a:srgbClr val="000000"/>
                   </a:solidFill>
@@ -10087,7 +10079,7 @@
             </a:ln>
             <a:extLst>
               <a:ext uri="{91240B29-F687-4f45-9708-019B960494DF}">
-                <a14:hiddenLine xmlns="" xmlns:a14="http://schemas.microsoft.com/office/drawing/2010/main" w="9525">
+                <a14:hiddenLine xmlns:a14="http://schemas.microsoft.com/office/drawing/2010/main" xmlns="" w="9525">
                   <a:solidFill>
                     <a:srgbClr val="000000"/>
                   </a:solidFill>
@@ -10149,7 +10141,7 @@
             </a:ln>
             <a:extLst>
               <a:ext uri="{91240B29-F687-4f45-9708-019B960494DF}">
-                <a14:hiddenLine xmlns="" xmlns:a14="http://schemas.microsoft.com/office/drawing/2010/main" w="9525">
+                <a14:hiddenLine xmlns:a14="http://schemas.microsoft.com/office/drawing/2010/main" xmlns="" w="9525">
                   <a:solidFill>
                     <a:srgbClr val="000000"/>
                   </a:solidFill>
@@ -10269,7 +10261,7 @@
             </a:ln>
             <a:extLst>
               <a:ext uri="{91240B29-F687-4f45-9708-019B960494DF}">
-                <a14:hiddenLine xmlns="" xmlns:a14="http://schemas.microsoft.com/office/drawing/2010/main" w="9525">
+                <a14:hiddenLine xmlns:a14="http://schemas.microsoft.com/office/drawing/2010/main" xmlns="" w="9525">
                   <a:solidFill>
                     <a:srgbClr val="000000"/>
                   </a:solidFill>
@@ -10337,7 +10329,7 @@
             </a:ln>
             <a:extLst>
               <a:ext uri="{91240B29-F687-4f45-9708-019B960494DF}">
-                <a14:hiddenLine xmlns="" xmlns:a14="http://schemas.microsoft.com/office/drawing/2010/main" w="9525">
+                <a14:hiddenLine xmlns:a14="http://schemas.microsoft.com/office/drawing/2010/main" xmlns="" w="9525">
                   <a:solidFill>
                     <a:srgbClr val="000000"/>
                   </a:solidFill>
@@ -10427,7 +10419,7 @@
             </a:ln>
             <a:extLst>
               <a:ext uri="{91240B29-F687-4f45-9708-019B960494DF}">
-                <a14:hiddenLine xmlns="" xmlns:a14="http://schemas.microsoft.com/office/drawing/2010/main" w="9525">
+                <a14:hiddenLine xmlns:a14="http://schemas.microsoft.com/office/drawing/2010/main" xmlns="" w="9525">
                   <a:solidFill>
                     <a:srgbClr val="000000"/>
                   </a:solidFill>
@@ -15234,7 +15226,7 @@
           <a:noFill/>
           <a:extLst>
             <a:ext uri="{909E8E84-426E-40dd-AFC4-6F175D3DCCD1}">
-              <a14:hiddenFill xmlns="" xmlns:a14="http://schemas.microsoft.com/office/drawing/2010/main">
+              <a14:hiddenFill xmlns:a14="http://schemas.microsoft.com/office/drawing/2010/main" xmlns="">
                 <a:solidFill>
                   <a:srgbClr val="FFFFFF"/>
                 </a:solidFill>
@@ -15308,7 +15300,7 @@
               </a:ln>
               <a:extLst>
                 <a:ext uri="{91240B29-F687-4f45-9708-019B960494DF}">
-                  <a14:hiddenLine xmlns="" xmlns:a14="http://schemas.microsoft.com/office/drawing/2010/main" w="9525">
+                  <a14:hiddenLine xmlns:a14="http://schemas.microsoft.com/office/drawing/2010/main" xmlns="" w="9525">
                     <a:solidFill>
                       <a:srgbClr val="000000"/>
                     </a:solidFill>
@@ -15398,7 +15390,7 @@
               </a:ln>
               <a:extLst>
                 <a:ext uri="{91240B29-F687-4f45-9708-019B960494DF}">
-                  <a14:hiddenLine xmlns="" xmlns:a14="http://schemas.microsoft.com/office/drawing/2010/main" w="9525">
+                  <a14:hiddenLine xmlns:a14="http://schemas.microsoft.com/office/drawing/2010/main" xmlns="" w="9525">
                     <a:solidFill>
                       <a:srgbClr val="000000"/>
                     </a:solidFill>
@@ -15488,7 +15480,7 @@
               </a:ln>
               <a:extLst>
                 <a:ext uri="{91240B29-F687-4f45-9708-019B960494DF}">
-                  <a14:hiddenLine xmlns="" xmlns:a14="http://schemas.microsoft.com/office/drawing/2010/main" w="9525">
+                  <a14:hiddenLine xmlns:a14="http://schemas.microsoft.com/office/drawing/2010/main" xmlns="" w="9525">
                     <a:solidFill>
                       <a:srgbClr val="000000"/>
                     </a:solidFill>
@@ -15550,7 +15542,7 @@
               </a:ln>
               <a:extLst>
                 <a:ext uri="{91240B29-F687-4f45-9708-019B960494DF}">
-                  <a14:hiddenLine xmlns="" xmlns:a14="http://schemas.microsoft.com/office/drawing/2010/main" w="9525">
+                  <a14:hiddenLine xmlns:a14="http://schemas.microsoft.com/office/drawing/2010/main" xmlns="" w="9525">
                     <a:solidFill>
                       <a:srgbClr val="000000"/>
                     </a:solidFill>
@@ -15640,7 +15632,7 @@
               </a:ln>
               <a:extLst>
                 <a:ext uri="{91240B29-F687-4f45-9708-019B960494DF}">
-                  <a14:hiddenLine xmlns="" xmlns:a14="http://schemas.microsoft.com/office/drawing/2010/main" w="9525">
+                  <a14:hiddenLine xmlns:a14="http://schemas.microsoft.com/office/drawing/2010/main" xmlns="" w="9525">
                     <a:solidFill>
                       <a:srgbClr val="000000"/>
                     </a:solidFill>
@@ -15702,7 +15694,7 @@
               </a:ln>
               <a:extLst>
                 <a:ext uri="{91240B29-F687-4f45-9708-019B960494DF}">
-                  <a14:hiddenLine xmlns="" xmlns:a14="http://schemas.microsoft.com/office/drawing/2010/main" w="9525">
+                  <a14:hiddenLine xmlns:a14="http://schemas.microsoft.com/office/drawing/2010/main" xmlns="" w="9525">
                     <a:solidFill>
                       <a:srgbClr val="000000"/>
                     </a:solidFill>
@@ -15764,7 +15756,7 @@
               </a:ln>
               <a:extLst>
                 <a:ext uri="{91240B29-F687-4f45-9708-019B960494DF}">
-                  <a14:hiddenLine xmlns="" xmlns:a14="http://schemas.microsoft.com/office/drawing/2010/main" w="9525">
+                  <a14:hiddenLine xmlns:a14="http://schemas.microsoft.com/office/drawing/2010/main" xmlns="" w="9525">
                     <a:solidFill>
                       <a:srgbClr val="000000"/>
                     </a:solidFill>
@@ -15854,7 +15846,7 @@
               </a:ln>
               <a:extLst>
                 <a:ext uri="{91240B29-F687-4f45-9708-019B960494DF}">
-                  <a14:hiddenLine xmlns="" xmlns:a14="http://schemas.microsoft.com/office/drawing/2010/main" w="9525">
+                  <a14:hiddenLine xmlns:a14="http://schemas.microsoft.com/office/drawing/2010/main" xmlns="" w="9525">
                     <a:solidFill>
                       <a:srgbClr val="000000"/>
                     </a:solidFill>
@@ -15944,7 +15936,7 @@
               </a:ln>
               <a:extLst>
                 <a:ext uri="{91240B29-F687-4f45-9708-019B960494DF}">
-                  <a14:hiddenLine xmlns="" xmlns:a14="http://schemas.microsoft.com/office/drawing/2010/main" w="9525">
+                  <a14:hiddenLine xmlns:a14="http://schemas.microsoft.com/office/drawing/2010/main" xmlns="" w="9525">
                     <a:solidFill>
                       <a:srgbClr val="000000"/>
                     </a:solidFill>
@@ -16006,7 +15998,7 @@
               </a:ln>
               <a:extLst>
                 <a:ext uri="{91240B29-F687-4f45-9708-019B960494DF}">
-                  <a14:hiddenLine xmlns="" xmlns:a14="http://schemas.microsoft.com/office/drawing/2010/main" w="9525">
+                  <a14:hiddenLine xmlns:a14="http://schemas.microsoft.com/office/drawing/2010/main" xmlns="" w="9525">
                     <a:solidFill>
                       <a:srgbClr val="000000"/>
                     </a:solidFill>
@@ -16116,7 +16108,7 @@
               </a:ln>
               <a:extLst>
                 <a:ext uri="{91240B29-F687-4f45-9708-019B960494DF}">
-                  <a14:hiddenLine xmlns="" xmlns:a14="http://schemas.microsoft.com/office/drawing/2010/main" w="9525">
+                  <a14:hiddenLine xmlns:a14="http://schemas.microsoft.com/office/drawing/2010/main" xmlns="" w="9525">
                     <a:solidFill>
                       <a:srgbClr val="000000"/>
                     </a:solidFill>
@@ -16200,7 +16192,7 @@
               </a:ln>
               <a:extLst>
                 <a:ext uri="{91240B29-F687-4f45-9708-019B960494DF}">
-                  <a14:hiddenLine xmlns="" xmlns:a14="http://schemas.microsoft.com/office/drawing/2010/main" w="9525">
+                  <a14:hiddenLine xmlns:a14="http://schemas.microsoft.com/office/drawing/2010/main" xmlns="" w="9525">
                     <a:solidFill>
                       <a:srgbClr val="000000"/>
                     </a:solidFill>
@@ -16262,7 +16254,7 @@
               </a:ln>
               <a:extLst>
                 <a:ext uri="{91240B29-F687-4f45-9708-019B960494DF}">
-                  <a14:hiddenLine xmlns="" xmlns:a14="http://schemas.microsoft.com/office/drawing/2010/main" w="9525">
+                  <a14:hiddenLine xmlns:a14="http://schemas.microsoft.com/office/drawing/2010/main" xmlns="" w="9525">
                     <a:solidFill>
                       <a:srgbClr val="000000"/>
                     </a:solidFill>
@@ -16324,7 +16316,7 @@
               </a:ln>
               <a:extLst>
                 <a:ext uri="{91240B29-F687-4f45-9708-019B960494DF}">
-                  <a14:hiddenLine xmlns="" xmlns:a14="http://schemas.microsoft.com/office/drawing/2010/main" w="9525">
+                  <a14:hiddenLine xmlns:a14="http://schemas.microsoft.com/office/drawing/2010/main" xmlns="" w="9525">
                     <a:solidFill>
                       <a:srgbClr val="000000"/>
                     </a:solidFill>
@@ -16414,7 +16406,7 @@
               </a:ln>
               <a:extLst>
                 <a:ext uri="{91240B29-F687-4f45-9708-019B960494DF}">
-                  <a14:hiddenLine xmlns="" xmlns:a14="http://schemas.microsoft.com/office/drawing/2010/main" w="9525">
+                  <a14:hiddenLine xmlns:a14="http://schemas.microsoft.com/office/drawing/2010/main" xmlns="" w="9525">
                     <a:solidFill>
                       <a:srgbClr val="000000"/>
                     </a:solidFill>
@@ -16448,7 +16440,7 @@
               </a:ln>
               <a:extLst>
                 <a:ext uri="{91240B29-F687-4f45-9708-019B960494DF}">
-                  <a14:hiddenLine xmlns="" xmlns:a14="http://schemas.microsoft.com/office/drawing/2010/main" w="9525">
+                  <a14:hiddenLine xmlns:a14="http://schemas.microsoft.com/office/drawing/2010/main" xmlns="" w="9525">
                     <a:solidFill>
                       <a:srgbClr val="000000"/>
                     </a:solidFill>
@@ -16513,7 +16505,7 @@
               </a:ln>
               <a:extLst>
                 <a:ext uri="{91240B29-F687-4f45-9708-019B960494DF}">
-                  <a14:hiddenLine xmlns="" xmlns:a14="http://schemas.microsoft.com/office/drawing/2010/main" w="9525">
+                  <a14:hiddenLine xmlns:a14="http://schemas.microsoft.com/office/drawing/2010/main" xmlns="" w="9525">
                     <a:solidFill>
                       <a:srgbClr val="000000"/>
                     </a:solidFill>
@@ -16603,7 +16595,7 @@
               </a:ln>
               <a:extLst>
                 <a:ext uri="{91240B29-F687-4f45-9708-019B960494DF}">
-                  <a14:hiddenLine xmlns="" xmlns:a14="http://schemas.microsoft.com/office/drawing/2010/main" w="9525">
+                  <a14:hiddenLine xmlns:a14="http://schemas.microsoft.com/office/drawing/2010/main" xmlns="" w="9525">
                     <a:solidFill>
                       <a:srgbClr val="000000"/>
                     </a:solidFill>
@@ -16665,7 +16657,7 @@
               </a:ln>
               <a:extLst>
                 <a:ext uri="{91240B29-F687-4f45-9708-019B960494DF}">
-                  <a14:hiddenLine xmlns="" xmlns:a14="http://schemas.microsoft.com/office/drawing/2010/main" w="9525">
+                  <a14:hiddenLine xmlns:a14="http://schemas.microsoft.com/office/drawing/2010/main" xmlns="" w="9525">
                     <a:solidFill>
                       <a:srgbClr val="000000"/>
                     </a:solidFill>
@@ -16755,7 +16747,7 @@
               </a:ln>
               <a:extLst>
                 <a:ext uri="{91240B29-F687-4f45-9708-019B960494DF}">
-                  <a14:hiddenLine xmlns="" xmlns:a14="http://schemas.microsoft.com/office/drawing/2010/main" w="9525">
+                  <a14:hiddenLine xmlns:a14="http://schemas.microsoft.com/office/drawing/2010/main" xmlns="" w="9525">
                     <a:solidFill>
                       <a:srgbClr val="000000"/>
                     </a:solidFill>
@@ -16820,7 +16812,7 @@
               </a:ln>
               <a:extLst>
                 <a:ext uri="{91240B29-F687-4f45-9708-019B960494DF}">
-                  <a14:hiddenLine xmlns="" xmlns:a14="http://schemas.microsoft.com/office/drawing/2010/main" w="9525">
+                  <a14:hiddenLine xmlns:a14="http://schemas.microsoft.com/office/drawing/2010/main" xmlns="" w="9525">
                     <a:solidFill>
                       <a:srgbClr val="000000"/>
                     </a:solidFill>
@@ -16882,7 +16874,7 @@
               </a:ln>
               <a:extLst>
                 <a:ext uri="{91240B29-F687-4f45-9708-019B960494DF}">
-                  <a14:hiddenLine xmlns="" xmlns:a14="http://schemas.microsoft.com/office/drawing/2010/main" w="9525">
+                  <a14:hiddenLine xmlns:a14="http://schemas.microsoft.com/office/drawing/2010/main" xmlns="" w="9525">
                     <a:solidFill>
                       <a:srgbClr val="000000"/>
                     </a:solidFill>
@@ -16972,7 +16964,7 @@
               </a:ln>
               <a:extLst>
                 <a:ext uri="{91240B29-F687-4f45-9708-019B960494DF}">
-                  <a14:hiddenLine xmlns="" xmlns:a14="http://schemas.microsoft.com/office/drawing/2010/main" w="9525">
+                  <a14:hiddenLine xmlns:a14="http://schemas.microsoft.com/office/drawing/2010/main" xmlns="" w="9525">
                     <a:solidFill>
                       <a:srgbClr val="000000"/>
                     </a:solidFill>
@@ -17062,7 +17054,7 @@
               </a:ln>
               <a:extLst>
                 <a:ext uri="{91240B29-F687-4f45-9708-019B960494DF}">
-                  <a14:hiddenLine xmlns="" xmlns:a14="http://schemas.microsoft.com/office/drawing/2010/main" w="9525">
+                  <a14:hiddenLine xmlns:a14="http://schemas.microsoft.com/office/drawing/2010/main" xmlns="" w="9525">
                     <a:solidFill>
                       <a:srgbClr val="000000"/>
                     </a:solidFill>
@@ -17127,7 +17119,7 @@
               </a:ln>
               <a:extLst>
                 <a:ext uri="{91240B29-F687-4f45-9708-019B960494DF}">
-                  <a14:hiddenLine xmlns="" xmlns:a14="http://schemas.microsoft.com/office/drawing/2010/main" w="9525">
+                  <a14:hiddenLine xmlns:a14="http://schemas.microsoft.com/office/drawing/2010/main" xmlns="" w="9525">
                     <a:solidFill>
                       <a:srgbClr val="000000"/>
                     </a:solidFill>
@@ -17247,7 +17239,7 @@
               </a:ln>
               <a:extLst>
                 <a:ext uri="{91240B29-F687-4f45-9708-019B960494DF}">
-                  <a14:hiddenLine xmlns="" xmlns:a14="http://schemas.microsoft.com/office/drawing/2010/main" w="9525">
+                  <a14:hiddenLine xmlns:a14="http://schemas.microsoft.com/office/drawing/2010/main" xmlns="" w="9525">
                     <a:solidFill>
                       <a:srgbClr val="000000"/>
                     </a:solidFill>
@@ -17345,7 +17337,7 @@
               </a:ln>
               <a:extLst>
                 <a:ext uri="{91240B29-F687-4f45-9708-019B960494DF}">
-                  <a14:hiddenLine xmlns="" xmlns:a14="http://schemas.microsoft.com/office/drawing/2010/main" w="9525">
+                  <a14:hiddenLine xmlns:a14="http://schemas.microsoft.com/office/drawing/2010/main" xmlns="" w="9525">
                     <a:solidFill>
                       <a:srgbClr val="000000"/>
                     </a:solidFill>
@@ -17460,7 +17452,7 @@
               </a:ln>
               <a:extLst>
                 <a:ext uri="{91240B29-F687-4f45-9708-019B960494DF}">
-                  <a14:hiddenLine xmlns="" xmlns:a14="http://schemas.microsoft.com/office/drawing/2010/main" w="9525">
+                  <a14:hiddenLine xmlns:a14="http://schemas.microsoft.com/office/drawing/2010/main" xmlns="" w="9525">
                     <a:solidFill>
                       <a:srgbClr val="000000"/>
                     </a:solidFill>
@@ -17550,7 +17542,7 @@
               </a:ln>
               <a:extLst>
                 <a:ext uri="{91240B29-F687-4f45-9708-019B960494DF}">
-                  <a14:hiddenLine xmlns="" xmlns:a14="http://schemas.microsoft.com/office/drawing/2010/main" w="9525">
+                  <a14:hiddenLine xmlns:a14="http://schemas.microsoft.com/office/drawing/2010/main" xmlns="" w="9525">
                     <a:solidFill>
                       <a:srgbClr val="000000"/>
                     </a:solidFill>
@@ -17615,7 +17607,7 @@
               </a:ln>
               <a:extLst>
                 <a:ext uri="{91240B29-F687-4f45-9708-019B960494DF}">
-                  <a14:hiddenLine xmlns="" xmlns:a14="http://schemas.microsoft.com/office/drawing/2010/main" w="9525">
+                  <a14:hiddenLine xmlns:a14="http://schemas.microsoft.com/office/drawing/2010/main" xmlns="" w="9525">
                     <a:solidFill>
                       <a:srgbClr val="000000"/>
                     </a:solidFill>
@@ -17705,7 +17697,7 @@
               </a:ln>
               <a:extLst>
                 <a:ext uri="{91240B29-F687-4f45-9708-019B960494DF}">
-                  <a14:hiddenLine xmlns="" xmlns:a14="http://schemas.microsoft.com/office/drawing/2010/main" w="9525">
+                  <a14:hiddenLine xmlns:a14="http://schemas.microsoft.com/office/drawing/2010/main" xmlns="" w="9525">
                     <a:solidFill>
                       <a:srgbClr val="000000"/>
                     </a:solidFill>
@@ -17773,7 +17765,7 @@
               </a:ln>
               <a:extLst>
                 <a:ext uri="{91240B29-F687-4f45-9708-019B960494DF}">
-                  <a14:hiddenLine xmlns="" xmlns:a14="http://schemas.microsoft.com/office/drawing/2010/main" w="9525">
+                  <a14:hiddenLine xmlns:a14="http://schemas.microsoft.com/office/drawing/2010/main" xmlns="" w="9525">
                     <a:solidFill>
                       <a:srgbClr val="000000"/>
                     </a:solidFill>
@@ -17863,7 +17855,7 @@
               </a:ln>
               <a:extLst>
                 <a:ext uri="{91240B29-F687-4f45-9708-019B960494DF}">
-                  <a14:hiddenLine xmlns="" xmlns:a14="http://schemas.microsoft.com/office/drawing/2010/main" w="9525">
+                  <a14:hiddenLine xmlns:a14="http://schemas.microsoft.com/office/drawing/2010/main" xmlns="" w="9525">
                     <a:solidFill>
                       <a:srgbClr val="000000"/>
                     </a:solidFill>
@@ -17931,7 +17923,7 @@
               </a:ln>
               <a:extLst>
                 <a:ext uri="{91240B29-F687-4f45-9708-019B960494DF}">
-                  <a14:hiddenLine xmlns="" xmlns:a14="http://schemas.microsoft.com/office/drawing/2010/main" w="9525">
+                  <a14:hiddenLine xmlns:a14="http://schemas.microsoft.com/office/drawing/2010/main" xmlns="" w="9525">
                     <a:solidFill>
                       <a:srgbClr val="000000"/>
                     </a:solidFill>
@@ -18021,7 +18013,7 @@
               </a:ln>
               <a:extLst>
                 <a:ext uri="{91240B29-F687-4f45-9708-019B960494DF}">
-                  <a14:hiddenLine xmlns="" xmlns:a14="http://schemas.microsoft.com/office/drawing/2010/main" w="9525">
+                  <a14:hiddenLine xmlns:a14="http://schemas.microsoft.com/office/drawing/2010/main" xmlns="" w="9525">
                     <a:solidFill>
                       <a:srgbClr val="000000"/>
                     </a:solidFill>
@@ -18055,7 +18047,7 @@
               </a:ln>
               <a:extLst>
                 <a:ext uri="{91240B29-F687-4f45-9708-019B960494DF}">
-                  <a14:hiddenLine xmlns="" xmlns:a14="http://schemas.microsoft.com/office/drawing/2010/main" w="9525">
+                  <a14:hiddenLine xmlns:a14="http://schemas.microsoft.com/office/drawing/2010/main" xmlns="" w="9525">
                     <a:solidFill>
                       <a:srgbClr val="000000"/>
                     </a:solidFill>
@@ -33889,6 +33881,16 @@
             </a:r>
           </a:p>
           <a:p>
+            <a:r>
+              <a:rPr lang="en-US" dirty="0"/>
+              <a:t>Note: most of really interesting things almost can not be found dynamically</a:t>
+            </a:r>
+          </a:p>
+          <a:p>
+            <a:pPr lvl="1"/>
+            <a:endParaRPr lang="en-US" dirty="0"/>
+          </a:p>
+          <a:p>
             <a:endParaRPr lang="en-US" dirty="0"/>
           </a:p>
         </p:txBody>
@@ -34057,6 +34059,37 @@
                                   </p:childTnLst>
                                 </p:cTn>
                               </p:par>
+                              <p:par>
+                                <p:cTn id="13" presetID="1" presetClass="entr" presetSubtype="0" fill="hold" nodeType="withEffect">
+                                  <p:stCondLst>
+                                    <p:cond delay="0"/>
+                                  </p:stCondLst>
+                                  <p:childTnLst>
+                                    <p:set>
+                                      <p:cBhvr>
+                                        <p:cTn id="14" dur="1" fill="hold">
+                                          <p:stCondLst>
+                                            <p:cond delay="0"/>
+                                          </p:stCondLst>
+                                        </p:cTn>
+                                        <p:tgtEl>
+                                          <p:spTgt spid="3">
+                                            <p:txEl>
+                                              <p:pRg st="3" end="3"/>
+                                            </p:txEl>
+                                          </p:spTgt>
+                                        </p:tgtEl>
+                                        <p:attrNameLst>
+                                          <p:attrName>style.visibility</p:attrName>
+                                        </p:attrNameLst>
+                                      </p:cBhvr>
+                                      <p:to>
+                                        <p:strVal val="visible"/>
+                                      </p:to>
+                                    </p:set>
+                                  </p:childTnLst>
+                                </p:cTn>
+                              </p:par>
                             </p:childTnLst>
                           </p:cTn>
                         </p:par>
@@ -34468,8 +34501,13 @@
           <a:p>
             <a:r>
               <a:rPr lang="en-US" dirty="0"/>
-              <a:t>Future work</a:t>
-            </a:r>
+              <a:t>Future work (</a:t>
+            </a:r>
+            <a:r>
+              <a:rPr lang="en-US"/>
+              <a:t>order doesn’t matter)</a:t>
+            </a:r>
+            <a:endParaRPr lang="en-US" dirty="0"/>
           </a:p>
         </p:txBody>
       </p:sp>
@@ -34496,7 +34534,7 @@
           <a:p>
             <a:r>
               <a:rPr lang="en-US" dirty="0"/>
-              <a:t>Porting it to Linux</a:t>
+              <a:t>Porting DVSE to Linux</a:t>
             </a:r>
           </a:p>
           <a:p>
@@ -34509,6 +34547,12 @@
             <a:r>
               <a:rPr lang="en-US" dirty="0"/>
               <a:t>Automatic deduction of the enclave ECALLs/OCALLs from binary analysis</a:t>
+            </a:r>
+          </a:p>
+          <a:p>
+            <a:r>
+              <a:rPr lang="en-US" dirty="0"/>
+              <a:t>Abstract interpretation and/or symbolic execution for fuzzing (again, enclave is small)</a:t>
             </a:r>
           </a:p>
         </p:txBody>

--- a/docs/SGX Enclave Programming - Common Mistakes.pptx
+++ b/docs/SGX Enclave Programming - Common Mistakes.pptx
@@ -856,21 +856,7 @@
           <a:p>
             <a:r>
               <a:rPr lang="en-US" dirty="0"/>
-              <a:t>Static analysis is back.</a:t>
-            </a:r>
-          </a:p>
-          <a:p>
-            <a:r>
-              <a:rPr lang="en-US" dirty="0"/>
-              <a:t>Side channel attacks are the special case: see SGX enclave writers guide </a:t>
-            </a:r>
-            <a:r>
-              <a:rPr lang="mr-IN" dirty="0"/>
-              <a:t>–</a:t>
-            </a:r>
-            <a:r>
-              <a:rPr lang="en-US" dirty="0"/>
-              <a:t> but you are more then welcome to explore this direction, it works</a:t>
+              <a:t>pure static analysis is back.</a:t>
             </a:r>
           </a:p>
           <a:p>
@@ -1464,12 +1450,6 @@
             </a:r>
           </a:p>
           <a:p>
-            <a:endParaRPr lang="en-US" dirty="0"/>
-          </a:p>
-          <a:p>
-            <a:endParaRPr lang="en-US" dirty="0"/>
-          </a:p>
-          <a:p>
             <a:r>
               <a:rPr lang="en-US" dirty="0"/>
               <a:t>First of all it appears that having processor with SGX support is not enough … (btw, by this link you’ll find the full list)</a:t>
@@ -1493,7 +1473,27 @@
           <a:p>
             <a:r>
               <a:rPr lang="en-US" dirty="0"/>
+              <a:t>Lars Richter (@</a:t>
+            </a:r>
+            <a:r>
+              <a:rPr lang="en-US" dirty="0" err="1"/>
+              <a:t>ayeks</a:t>
+            </a:r>
+            <a:r>
+              <a:rPr lang="en-US" dirty="0"/>
+              <a:t>) maintains a list of SGX enabled hardware, the link is here. This link is very useful because</a:t>
+            </a:r>
+          </a:p>
+          <a:p>
+            <a:r>
+              <a:rPr lang="en-US" dirty="0"/>
               <a:t>“SGX is turned off by default and must enabled via MSR.IA32_Feature_Control.SGX_Enable. Only the BIOS can make changes to the IA32_Feature_Control.”</a:t>
+            </a:r>
+          </a:p>
+          <a:p>
+            <a:r>
+              <a:rPr lang="en-US" b="1" dirty="0"/>
+              <a:t>For example Intel SGX SDK requires as the following for the hardware:</a:t>
             </a:r>
           </a:p>
           <a:p>
@@ -1511,6 +1511,9 @@
               <a:rPr lang="en-US" dirty="0"/>
               <a:t>I spent a week for finding a laptop (this one, Dell Inspiron 15 5578 2-in-1) that really supports it.</a:t>
             </a:r>
+          </a:p>
+          <a:p>
+            <a:endParaRPr lang="en-US" dirty="0"/>
           </a:p>
           <a:p>
             <a:endParaRPr lang="en-US" dirty="0"/>
@@ -1611,8 +1614,13 @@
           <a:p>
             <a:r>
               <a:rPr lang="en-US" dirty="0"/>
-              <a:t>PSW (platform software) is out of scope – it is kind of runtime environment</a:t>
-            </a:r>
+              <a:t>PSW (platform software) – it is kind of runtime environment which contains driver, architectural enclaves and the </a:t>
+            </a:r>
+            <a:r>
+              <a:rPr lang="en-US" dirty="0" err="1"/>
+              <a:t>aesm_service</a:t>
+            </a:r>
+            <a:endParaRPr lang="en-US" dirty="0"/>
           </a:p>
           <a:p>
             <a:r>
@@ -2246,18 +2254,6 @@
             </a:r>
           </a:p>
           <a:p>
-            <a:r>
-              <a:rPr lang="en-US" dirty="0"/>
-              <a:t>In this picture trusted section means  calls into the enclave, </a:t>
-            </a:r>
-          </a:p>
-          <a:p>
-            <a:r>
-              <a:rPr lang="en-US" dirty="0"/>
-              <a:t>And untrusted – calls out of the enclave to untrusted environment</a:t>
-            </a:r>
-          </a:p>
-          <a:p>
             <a:endParaRPr lang="en-US" dirty="0"/>
           </a:p>
         </p:txBody>
@@ -2726,13 +2722,13 @@
           <a:p>
             <a:r>
               <a:rPr lang="en-US" dirty="0"/>
-              <a:t>Blocks looking like red are untrusted and running in standard hackable mode. </a:t>
-            </a:r>
-          </a:p>
-          <a:p>
-            <a:r>
-              <a:rPr lang="en-US" dirty="0"/>
-              <a:t>Blocks looking green are trusted and running in enclave mode.</a:t>
+              <a:t>Blocks looking similar to red are untrusted and running in standard hackable mode. </a:t>
+            </a:r>
+          </a:p>
+          <a:p>
+            <a:r>
+              <a:rPr lang="en-US" dirty="0"/>
+              <a:t>Blocks looking similar to green are trusted and running in enclave mode.</a:t>
             </a:r>
           </a:p>
         </p:txBody>
@@ -3010,6 +3006,37 @@
               <a:t>And now let’s look how all these transitions are look like in the code.</a:t>
             </a:r>
           </a:p>
+          <a:p>
+            <a:endParaRPr lang="en-US" dirty="0"/>
+          </a:p>
+          <a:p>
+            <a:r>
+              <a:rPr lang="en-US" dirty="0"/>
+              <a:t>Show the call from user application, generated code, </a:t>
+            </a:r>
+            <a:r>
+              <a:rPr lang="en-US" dirty="0" err="1"/>
+              <a:t>enclu</a:t>
+            </a:r>
+            <a:r>
+              <a:rPr lang="en-US" dirty="0"/>
+              <a:t> in Visual studio</a:t>
+            </a:r>
+          </a:p>
+          <a:p>
+            <a:r>
+              <a:rPr lang="en-US" dirty="0"/>
+              <a:t>Show cross-references to </a:t>
+            </a:r>
+            <a:r>
+              <a:rPr lang="en-US" dirty="0" err="1"/>
+              <a:t>ecall</a:t>
+            </a:r>
+            <a:r>
+              <a:rPr lang="en-US" dirty="0"/>
+              <a:t> in IDA</a:t>
+            </a:r>
+          </a:p>
         </p:txBody>
       </p:sp>
       <p:sp>
@@ -3115,7 +3142,7 @@
           <a:p>
             <a:r>
               <a:rPr lang="en-US" dirty="0"/>
-              <a:t>Debugging flag is a part of the key derivation material – which makes pre-release build much more interesting target</a:t>
+              <a:t>Debugging flag is a part of the key derivation material – which makes release build much more interesting target</a:t>
             </a:r>
           </a:p>
           <a:p>
@@ -3127,14 +3154,11 @@
           <a:p>
             <a:r>
               <a:rPr lang="en-US" dirty="0"/>
-              <a:t>[insert here a link to the access to SGX development services to sign a release enclave]</a:t>
-            </a:r>
-          </a:p>
-          <a:p>
-            <a:r>
-              <a:rPr lang="en-US" dirty="0"/>
-              <a:t>[insert here the link to “DVSE”]</a:t>
-            </a:r>
+              <a:t>Unfortunately I can not distribute signed enclave.</a:t>
+            </a:r>
+          </a:p>
+          <a:p>
+            <a:endParaRPr lang="en-US" dirty="0"/>
           </a:p>
           <a:p>
             <a:endParaRPr lang="en-US" dirty="0"/>
@@ -3239,21 +3263,37 @@
             <a:pPr lvl="1"/>
             <a:r>
               <a:rPr lang="en-US" dirty="0"/>
-              <a:t>To my best knowledge all mistakes I am going to speak about were fixed in original enclaves</a:t>
+              <a:t>To my best knowledge all mistakes I am going to speak about were fixed in original enclaves (but I saw it enough times to make conclusion that these mistakes are common)</a:t>
+            </a:r>
+          </a:p>
+          <a:p>
+            <a:pPr marL="457200" marR="0" lvl="1" indent="0" algn="l" defTabSz="914400" rtl="0" eaLnBrk="1" fontAlgn="auto" latinLnBrk="0" hangingPunct="1">
+              <a:lnSpc>
+                <a:spcPct val="100000"/>
+              </a:lnSpc>
+              <a:spcBef>
+                <a:spcPts val="0"/>
+              </a:spcBef>
+              <a:spcAft>
+                <a:spcPts val="0"/>
+              </a:spcAft>
+              <a:buClrTx/>
+              <a:buSzTx/>
+              <a:buFontTx/>
+              <a:buNone/>
+              <a:tabLst/>
+              <a:defRPr/>
+            </a:pPr>
+            <a:r>
+              <a:rPr lang="en-US" dirty="0"/>
+              <a:t>Some of these mistakes deliberately are made a bit easier to exploit</a:t>
             </a:r>
           </a:p>
           <a:p>
             <a:pPr lvl="1"/>
             <a:r>
               <a:rPr lang="en-US" dirty="0"/>
-              <a:t>It doesn't mean that there are no other mistakes I made not intentionally</a:t>
-            </a:r>
-          </a:p>
-          <a:p>
-            <a:pPr lvl="1"/>
-            <a:r>
-              <a:rPr lang="en-US" dirty="0"/>
-              <a:t>Some of these mistakes deliberately are made a bit easier to exploit</a:t>
+              <a:t>It doesn't mean, however, that there are no other mistakes I made not intentionally</a:t>
             </a:r>
           </a:p>
           <a:p>
@@ -3263,7 +3303,7 @@
           <a:p>
             <a:r>
               <a:rPr lang="en-US" dirty="0"/>
-              <a:t>In order to write it I had to resurrect the bad programmer buried inside of myself since I stopped to work as such.</a:t>
+              <a:t>In order to write the DVSE I had to resurrect the bad programmer buried inside of myself since I stopped to work as such.</a:t>
             </a:r>
           </a:p>
           <a:p>
@@ -3275,13 +3315,23 @@
           <a:p>
             <a:r>
               <a:rPr lang="en-US" dirty="0"/>
-              <a:t>I even had an idea to publish it on behalf of imaginary programmer with complicated name taken from Russian literature – but abandoned it.</a:t>
-            </a:r>
-          </a:p>
-          <a:p>
-            <a:r>
-              <a:rPr lang="en-US" dirty="0"/>
-              <a:t>Whoever didn’t play – didn’t fake.</a:t>
+              <a:t>I even had an idea to publish it on behalf of imaginary programmer with complicated name taken from Russian literature such as </a:t>
+            </a:r>
+            <a:r>
+              <a:rPr lang="ru-RU" dirty="0" err="1"/>
+              <a:t>Васисуалий</a:t>
+            </a:r>
+            <a:r>
+              <a:rPr lang="ru-RU" dirty="0"/>
+              <a:t> </a:t>
+            </a:r>
+            <a:r>
+              <a:rPr lang="ru-RU" dirty="0" err="1"/>
+              <a:t>Лоханкин</a:t>
+            </a:r>
+            <a:r>
+              <a:rPr lang="en-US" dirty="0"/>
+              <a:t> – but abandoned it.</a:t>
             </a:r>
           </a:p>
         </p:txBody>
@@ -3372,7 +3422,7 @@
             </a:r>
             <a:r>
               <a:rPr lang="en-US" baseline="0" dirty="0"/>
-              <a:t> is a bit complicated and some of this talk will have to describe SGX and its SDK itself. There are a lot of good people that made a lot of presentations about it.</a:t>
+              <a:t> is a bit complicated and some of this talk will be dedicated to describing SGX and its SDK itself. There are a lot of good people that made a lot of presentations about it.</a:t>
             </a:r>
           </a:p>
           <a:p>
@@ -3630,7 +3680,7 @@
           <a:p>
             <a:r>
               <a:rPr lang="en-US" dirty="0"/>
-              <a:t>The application consists from client, server, and the evil DRM.</a:t>
+              <a:t>The application consists of client, server, and the evil DRM.</a:t>
             </a:r>
           </a:p>
           <a:p>
@@ -3651,13 +3701,6 @@
             <a:r>
               <a:rPr lang="en-US" dirty="0"/>
               <a:t>“Secure” media storage </a:t>
-            </a:r>
-          </a:p>
-          <a:p>
-            <a:pPr lvl="2"/>
-            <a:r>
-              <a:rPr lang="en-US" dirty="0"/>
-              <a:t>“Secure” subscription management</a:t>
             </a:r>
           </a:p>
           <a:p>
@@ -3754,19 +3797,19 @@
           <a:p>
             <a:r>
               <a:rPr lang="en-US" dirty="0"/>
-              <a:t>In the real life this kind of applications will be protected with obfuscation and other tricks in untrusted part. I decided to leave application protection out of scope – </a:t>
-            </a:r>
-          </a:p>
-          <a:p>
-            <a:r>
-              <a:rPr lang="en-US" dirty="0"/>
-              <a:t>Defeating it is not the point. I establishing some kind of pseudo-secure channel between enclave and the player implemented with additional layer of AES encryption, </a:t>
-            </a:r>
-          </a:p>
-          <a:p>
-            <a:r>
-              <a:rPr lang="en-US" dirty="0"/>
-              <a:t>But the main goal of this exercise is to create another application that will get all the enclave’s secrets and will be able to decrypt the movies.</a:t>
+              <a:t>In the real life this kind of applications will be protected with obfuscation, remote attestation and other tricks in untrusted part. I decided to leave application protection out of scope – </a:t>
+            </a:r>
+          </a:p>
+          <a:p>
+            <a:r>
+              <a:rPr lang="en-US" dirty="0"/>
+              <a:t>Defeating it is not the point. </a:t>
+            </a:r>
+          </a:p>
+          <a:p>
+            <a:r>
+              <a:rPr lang="en-US" dirty="0"/>
+              <a:t>The main goal of this exercise is to create another application that will get all the enclave’s secrets and will be able to decrypt the movies.</a:t>
             </a:r>
           </a:p>
         </p:txBody>
@@ -3862,6 +3905,29 @@
               <a:t>Server is out of scope too.</a:t>
             </a:r>
           </a:p>
+          <a:p>
+            <a:r>
+              <a:rPr lang="en-US" dirty="0"/>
+              <a:t>It is </a:t>
+            </a:r>
+          </a:p>
+          <a:p>
+            <a:pPr lvl="1"/>
+            <a:r>
+              <a:rPr lang="en-US" dirty="0"/>
+              <a:t>Very simple thing that gives all files encrypted according to configuration</a:t>
+            </a:r>
+          </a:p>
+          <a:p>
+            <a:pPr lvl="1"/>
+            <a:r>
+              <a:rPr lang="en-US"/>
+              <a:t>SSL with self-signed certificates (sha1 of the certificate is checked inside the enclave)</a:t>
+            </a:r>
+          </a:p>
+          <a:p>
+            <a:endParaRPr lang="en-US" dirty="0"/>
+          </a:p>
         </p:txBody>
       </p:sp>
       <p:sp>
@@ -5882,7 +5948,7 @@
           <a:p>
             <a:r>
               <a:rPr lang="en-US" dirty="0"/>
-              <a:t>SGX enclave is an isolated, signed, and attestable piece of code with well defined interfaces that allows to the programmer to execute it safely without of intervention of other parties, even most privileged such as BIOS, OS, hypervisor, SMM and Management Engine which nobody can debug and/or read/write its memory(unless it is in debug mode), bound to specific processor by unique </a:t>
+              <a:t>In short: SGX enclave is an isolated, signed, and attestable piece of code with well defined interfaces that allows to the programmer to execute it safely without of intervention of other parties, even most privileged such as BIOS, OS, hypervisor, SMM and Management Engine which nobody can debug and/or read/write its memory(unless it is in debug mode), bound to specific processor by unique </a:t>
             </a:r>
             <a:r>
               <a:rPr lang="en-US" dirty="0" err="1"/>
@@ -30656,14 +30722,14 @@
             <a:pPr lvl="1"/>
             <a:r>
               <a:rPr lang="en-US" dirty="0"/>
+              <a:t>Some of these mistakes deliberately are made a bit easier to exploit</a:t>
+            </a:r>
+          </a:p>
+          <a:p>
+            <a:pPr lvl="1"/>
+            <a:r>
+              <a:rPr lang="en-US" dirty="0"/>
               <a:t>Probably there are other not intentional mistakes</a:t>
-            </a:r>
-          </a:p>
-          <a:p>
-            <a:pPr lvl="1"/>
-            <a:r>
-              <a:rPr lang="en-US" dirty="0"/>
-              <a:t>Some of these mistakes deliberately are made a bit easier to exploit</a:t>
             </a:r>
           </a:p>
         </p:txBody>
@@ -34501,13 +34567,8 @@
           <a:p>
             <a:r>
               <a:rPr lang="en-US" dirty="0"/>
-              <a:t>Future work (</a:t>
-            </a:r>
-            <a:r>
-              <a:rPr lang="en-US"/>
-              <a:t>order doesn’t matter)</a:t>
-            </a:r>
-            <a:endParaRPr lang="en-US" dirty="0"/>
+              <a:t>Future work (order doesn’t matter)</a:t>
+            </a:r>
           </a:p>
         </p:txBody>
       </p:sp>
@@ -36316,7 +36377,7 @@
           <a:p>
             <a:r>
               <a:rPr lang="en-US" dirty="0"/>
-              <a:t>The first solution I know about where “secure” code is not “privileged”</a:t>
+              <a:t>The first solution I know about where “security anchor” code is not “privileged”</a:t>
             </a:r>
           </a:p>
           <a:p>

--- a/docs/SGX Enclave Programming - Common Mistakes.pptx
+++ b/docs/SGX Enclave Programming - Common Mistakes.pptx
@@ -5,7 +5,7 @@
     <p:sldMasterId id="2147483696" r:id="rId1"/>
   </p:sldMasterIdLst>
   <p:notesMasterIdLst>
-    <p:notesMasterId r:id="rId54"/>
+    <p:notesMasterId r:id="rId55"/>
   </p:notesMasterIdLst>
   <p:sldIdLst>
     <p:sldId id="256" r:id="rId2"/>
@@ -55,11 +55,12 @@
     <p:sldId id="284" r:id="rId46"/>
     <p:sldId id="261" r:id="rId47"/>
     <p:sldId id="282" r:id="rId48"/>
-    <p:sldId id="307" r:id="rId49"/>
-    <p:sldId id="291" r:id="rId50"/>
-    <p:sldId id="315" r:id="rId51"/>
-    <p:sldId id="269" r:id="rId52"/>
-    <p:sldId id="265" r:id="rId53"/>
+    <p:sldId id="317" r:id="rId49"/>
+    <p:sldId id="307" r:id="rId50"/>
+    <p:sldId id="291" r:id="rId51"/>
+    <p:sldId id="315" r:id="rId52"/>
+    <p:sldId id="269" r:id="rId53"/>
+    <p:sldId id="265" r:id="rId54"/>
   </p:sldIdLst>
   <p:sldSz cx="12192000" cy="6858000"/>
   <p:notesSz cx="6858000" cy="9144000"/>
@@ -3921,7 +3922,7 @@
           <a:p>
             <a:pPr lvl="1"/>
             <a:r>
-              <a:rPr lang="en-US"/>
+              <a:rPr lang="en-US" dirty="0"/>
               <a:t>SSL with self-signed certificates (sha1 of the certificate is checked inside the enclave)</a:t>
             </a:r>
           </a:p>
@@ -4012,7 +4013,7 @@
           <a:p>
             <a:r>
               <a:rPr lang="en-US" dirty="0"/>
-              <a:t>So here you can see a general usage instructions: install components, compile the code including the enclave in pre-release mode, add media to the media folder as wrote in the readme file, run client on the local machine.</a:t>
+              <a:t>So here you can see a general usage instructions: install components, compile the code including the enclave, run server and client on the local machine as wrote in readme.md. </a:t>
             </a:r>
           </a:p>
           <a:p>
@@ -4124,7 +4125,10 @@
             </a:r>
           </a:p>
           <a:p>
-            <a:endParaRPr lang="en-US" dirty="0"/>
+            <a:r>
+              <a:rPr lang="en-US" dirty="0"/>
+              <a:t>We speaking about:</a:t>
+            </a:r>
           </a:p>
           <a:p>
             <a:r>
@@ -4369,13 +4373,13 @@
             </a:r>
             <a:r>
               <a:rPr lang="en-US" dirty="0"/>
-              <a:t> and then we’ll use it only for sealing”</a:t>
-            </a:r>
-          </a:p>
-          <a:p>
-            <a:r>
-              <a:rPr lang="en-US" dirty="0"/>
-              <a:t>After taking this unfortunate decision the responsibility on this is your alone.</a:t>
+              <a:t> and then we’ll use it only for random number seeding”</a:t>
+            </a:r>
+          </a:p>
+          <a:p>
+            <a:r>
+              <a:rPr lang="en-US" dirty="0"/>
+              <a:t>After taking this unfortunate decision the responsibility on this is yours alone.</a:t>
             </a:r>
           </a:p>
           <a:p>
@@ -4519,17 +4523,6 @@
             </a:r>
           </a:p>
           <a:p>
-            <a:pPr lvl="1"/>
-            <a:r>
-              <a:rPr lang="en-US" dirty="0" err="1"/>
-              <a:t>Usercheck</a:t>
-            </a:r>
-            <a:r>
-              <a:rPr lang="en-US" dirty="0"/>
-              <a:t> modifiers in then EDL</a:t>
-            </a:r>
-          </a:p>
-          <a:p>
             <a:r>
               <a:rPr lang="en-US" dirty="0"/>
               <a:t>Well known vulnerabilities such as not checked inputs or buffer overflows(enclave will not make your code secure if it has mistakes inside )</a:t>
@@ -4714,7 +4707,7 @@
             <a:pPr lvl="1"/>
             <a:r>
               <a:rPr lang="en-US" dirty="0"/>
-              <a:t>I’d seen some of custom implementations of this idea, none of them made sense.</a:t>
+              <a:t>I’d seen some of custom implementations of this idea, none of them made sense, and all of them ended badly.</a:t>
             </a:r>
           </a:p>
           <a:p>
@@ -5041,12 +5034,152 @@
           <a:p>
             <a:r>
               <a:rPr lang="en-US" dirty="0"/>
-              <a:t>Intended vulnerability – will be under #ifdef – not checked index of the</a:t>
+              <a:t>Intended vulnerability – not checked index of the</a:t>
             </a:r>
             <a:r>
               <a:rPr lang="en-US" baseline="0" dirty="0"/>
-              <a:t> read buffer</a:t>
-            </a:r>
+              <a:t> read buffer which leads to the data exfiltration (which was stored in the enclave for all the enclave life time)</a:t>
+            </a:r>
+          </a:p>
+          <a:p>
+            <a:r>
+              <a:rPr lang="en-US" baseline="0" dirty="0"/>
+              <a:t>This vulnerability is easy to find manually, and I’ll show it to you.</a:t>
+            </a:r>
+          </a:p>
+          <a:p>
+            <a:r>
+              <a:rPr lang="en-US" baseline="0" dirty="0"/>
+              <a:t>1 – Run server, show config files(</a:t>
+            </a:r>
+            <a:r>
+              <a:rPr lang="en-US" baseline="0" dirty="0" err="1"/>
+              <a:t>epg</a:t>
+            </a:r>
+            <a:r>
+              <a:rPr lang="en-US" baseline="0" dirty="0"/>
+              <a:t> and coupons)</a:t>
+            </a:r>
+          </a:p>
+          <a:p>
+            <a:r>
+              <a:rPr lang="en-US" baseline="0" dirty="0"/>
+              <a:t>2 – Run client</a:t>
+            </a:r>
+          </a:p>
+          <a:p>
+            <a:r>
+              <a:rPr lang="en-US" baseline="0" dirty="0"/>
+              <a:t>3 – Mention coupons. Add library folder and </a:t>
+            </a:r>
+            <a:r>
+              <a:rPr lang="en-US" baseline="0" dirty="0" err="1"/>
+              <a:t>init</a:t>
+            </a:r>
+            <a:r>
+              <a:rPr lang="en-US" baseline="0" dirty="0"/>
+              <a:t> user</a:t>
+            </a:r>
+          </a:p>
+          <a:p>
+            <a:r>
+              <a:rPr lang="en-US" baseline="0" dirty="0"/>
+              <a:t>4 – Show the EPG</a:t>
+            </a:r>
+          </a:p>
+          <a:p>
+            <a:r>
+              <a:rPr lang="en-US" baseline="0" dirty="0"/>
+              <a:t>5 – Run the free cartoon and stop</a:t>
+            </a:r>
+          </a:p>
+          <a:p>
+            <a:endParaRPr lang="en-US" baseline="0" dirty="0"/>
+          </a:p>
+          <a:p>
+            <a:r>
+              <a:rPr lang="en-US" baseline="0" dirty="0"/>
+              <a:t>6 – Show where EPG is got in Visual Studio (app) and IDA (enclave)</a:t>
+            </a:r>
+          </a:p>
+          <a:p>
+            <a:r>
+              <a:rPr lang="en-US" baseline="0" dirty="0"/>
+              <a:t>7 – Read through the code</a:t>
+            </a:r>
+          </a:p>
+          <a:p>
+            <a:r>
+              <a:rPr lang="en-US" baseline="0" dirty="0"/>
+              <a:t>8 – Show the </a:t>
+            </a:r>
+            <a:r>
+              <a:rPr lang="en-US" baseline="0" dirty="0" err="1"/>
+              <a:t>memcpy</a:t>
+            </a:r>
+            <a:r>
+              <a:rPr lang="en-US" baseline="0" dirty="0"/>
+              <a:t> </a:t>
+            </a:r>
+          </a:p>
+          <a:p>
+            <a:r>
+              <a:rPr lang="en-US" baseline="0" dirty="0"/>
+              <a:t>9 – Show the enclave test</a:t>
+            </a:r>
+          </a:p>
+          <a:p>
+            <a:r>
+              <a:rPr lang="en-US" baseline="0" dirty="0"/>
+              <a:t>10  - Run it</a:t>
+            </a:r>
+          </a:p>
+          <a:p>
+            <a:r>
+              <a:rPr lang="en-US" baseline="0" dirty="0"/>
+              <a:t>11 – Show found coupons</a:t>
+            </a:r>
+          </a:p>
+          <a:p>
+            <a:r>
+              <a:rPr lang="en-US" baseline="0" dirty="0"/>
+              <a:t>12 – Show certificate details</a:t>
+            </a:r>
+          </a:p>
+          <a:p>
+            <a:endParaRPr lang="en-US" baseline="0" dirty="0"/>
+          </a:p>
+          <a:p>
+            <a:r>
+              <a:rPr lang="en-US" baseline="0" dirty="0"/>
+              <a:t>Note: revealing this vulnerability is easy, but it illustrates the following WKMs:</a:t>
+            </a:r>
+          </a:p>
+          <a:p>
+            <a:endParaRPr lang="en-US" baseline="0" dirty="0"/>
+          </a:p>
+          <a:p>
+            <a:r>
+              <a:rPr lang="en-US" baseline="0" dirty="0"/>
+              <a:t>1 – leaving secrets unattended and thus very bad design (secrets should be cleared immediately after usage, just for defense in depth – and enclave didn’t help us in anything)</a:t>
+            </a:r>
+          </a:p>
+          <a:p>
+            <a:r>
+              <a:rPr lang="en-US" baseline="0" dirty="0"/>
+              <a:t>2 – Standard vulnerabilities (and it can be found by fuzzing)</a:t>
+            </a:r>
+          </a:p>
+          <a:p>
+            <a:endParaRPr lang="en-US" baseline="0" dirty="0"/>
+          </a:p>
+          <a:p>
+            <a:endParaRPr lang="en-US" baseline="0" dirty="0"/>
+          </a:p>
+          <a:p>
+            <a:endParaRPr lang="en-US" baseline="0" dirty="0"/>
+          </a:p>
+          <a:p>
             <a:endParaRPr lang="en-US" dirty="0"/>
           </a:p>
         </p:txBody>
@@ -5525,7 +5658,7 @@
           <a:p>
             <a:fld id="{CD8728AD-2EC3-CF45-89B7-24476471A0CA}" type="slidenum">
               <a:rPr lang="ru-RU" smtClean="0"/>
-              <a:t>49</a:t>
+              <a:t>50</a:t>
             </a:fld>
             <a:endParaRPr lang="ru-RU"/>
           </a:p>
@@ -5629,7 +5762,7 @@
           <a:p>
             <a:fld id="{CD8728AD-2EC3-CF45-89B7-24476471A0CA}" type="slidenum">
               <a:rPr lang="ru-RU" smtClean="0"/>
-              <a:t>51</a:t>
+              <a:t>52</a:t>
             </a:fld>
             <a:endParaRPr lang="ru-RU"/>
           </a:p>
@@ -5723,7 +5856,7 @@
           <a:p>
             <a:fld id="{CD8728AD-2EC3-CF45-89B7-24476471A0CA}" type="slidenum">
               <a:rPr lang="ru-RU" smtClean="0"/>
-              <a:t>52</a:t>
+              <a:t>53</a:t>
             </a:fld>
             <a:endParaRPr lang="ru-RU"/>
           </a:p>
@@ -32829,17 +32962,6 @@
             </a:r>
           </a:p>
           <a:p>
-            <a:pPr lvl="1"/>
-            <a:r>
-              <a:rPr lang="en-US" dirty="0" err="1"/>
-              <a:t>Usercheck</a:t>
-            </a:r>
-            <a:r>
-              <a:rPr lang="en-US" dirty="0"/>
-              <a:t> modifiers in then EDL</a:t>
-            </a:r>
-          </a:p>
-          <a:p>
             <a:r>
               <a:rPr lang="en-US" dirty="0"/>
               <a:t>Well known vulnerabilities such as not checked inputs or buffer overflows(enclave will not make your code secure if it has mistakes inside )</a:t>
@@ -32975,15 +33097,33 @@
                                   </p:childTnLst>
                                 </p:cTn>
                               </p:par>
+                            </p:childTnLst>
+                          </p:cTn>
+                        </p:par>
+                      </p:childTnLst>
+                    </p:cTn>
+                  </p:par>
+                  <p:par>
+                    <p:cTn id="9" fill="hold">
+                      <p:stCondLst>
+                        <p:cond delay="indefinite"/>
+                      </p:stCondLst>
+                      <p:childTnLst>
+                        <p:par>
+                          <p:cTn id="10" fill="hold">
+                            <p:stCondLst>
+                              <p:cond delay="0"/>
+                            </p:stCondLst>
+                            <p:childTnLst>
                               <p:par>
-                                <p:cTn id="9" presetID="1" presetClass="entr" presetSubtype="0" fill="hold" nodeType="withEffect">
+                                <p:cTn id="11" presetID="1" presetClass="entr" presetSubtype="0" fill="hold" nodeType="clickEffect">
                                   <p:stCondLst>
                                     <p:cond delay="0"/>
                                   </p:stCondLst>
                                   <p:childTnLst>
                                     <p:set>
                                       <p:cBhvr>
-                                        <p:cTn id="10" dur="1" fill="hold">
+                                        <p:cTn id="12" dur="1" fill="hold">
                                           <p:stCondLst>
                                             <p:cond delay="0"/>
                                           </p:stCondLst>
@@ -33006,26 +33146,8 @@
                                   </p:childTnLst>
                                 </p:cTn>
                               </p:par>
-                            </p:childTnLst>
-                          </p:cTn>
-                        </p:par>
-                      </p:childTnLst>
-                    </p:cTn>
-                  </p:par>
-                  <p:par>
-                    <p:cTn id="11" fill="hold">
-                      <p:stCondLst>
-                        <p:cond delay="indefinite"/>
-                      </p:stCondLst>
-                      <p:childTnLst>
-                        <p:par>
-                          <p:cTn id="12" fill="hold">
-                            <p:stCondLst>
-                              <p:cond delay="0"/>
-                            </p:stCondLst>
-                            <p:childTnLst>
                               <p:par>
-                                <p:cTn id="13" presetID="1" presetClass="entr" presetSubtype="0" fill="hold" nodeType="clickEffect">
+                                <p:cTn id="13" presetID="1" presetClass="entr" presetSubtype="0" fill="hold" nodeType="withEffect">
                                   <p:stCondLst>
                                     <p:cond delay="0"/>
                                   </p:stCondLst>
@@ -33055,15 +33177,33 @@
                                   </p:childTnLst>
                                 </p:cTn>
                               </p:par>
+                            </p:childTnLst>
+                          </p:cTn>
+                        </p:par>
+                      </p:childTnLst>
+                    </p:cTn>
+                  </p:par>
+                  <p:par>
+                    <p:cTn id="15" fill="hold">
+                      <p:stCondLst>
+                        <p:cond delay="indefinite"/>
+                      </p:stCondLst>
+                      <p:childTnLst>
+                        <p:par>
+                          <p:cTn id="16" fill="hold">
+                            <p:stCondLst>
+                              <p:cond delay="0"/>
+                            </p:stCondLst>
+                            <p:childTnLst>
                               <p:par>
-                                <p:cTn id="15" presetID="1" presetClass="entr" presetSubtype="0" fill="hold" nodeType="withEffect">
+                                <p:cTn id="17" presetID="1" presetClass="entr" presetSubtype="0" fill="hold" nodeType="clickEffect">
                                   <p:stCondLst>
                                     <p:cond delay="0"/>
                                   </p:stCondLst>
                                   <p:childTnLst>
                                     <p:set>
                                       <p:cBhvr>
-                                        <p:cTn id="16" dur="1" fill="hold">
+                                        <p:cTn id="18" dur="1" fill="hold">
                                           <p:stCondLst>
                                             <p:cond delay="0"/>
                                           </p:stCondLst>
@@ -33072,55 +33212,6 @@
                                           <p:spTgt spid="3">
                                             <p:txEl>
                                               <p:pRg st="4" end="4"/>
-                                            </p:txEl>
-                                          </p:spTgt>
-                                        </p:tgtEl>
-                                        <p:attrNameLst>
-                                          <p:attrName>style.visibility</p:attrName>
-                                        </p:attrNameLst>
-                                      </p:cBhvr>
-                                      <p:to>
-                                        <p:strVal val="visible"/>
-                                      </p:to>
-                                    </p:set>
-                                  </p:childTnLst>
-                                </p:cTn>
-                              </p:par>
-                            </p:childTnLst>
-                          </p:cTn>
-                        </p:par>
-                      </p:childTnLst>
-                    </p:cTn>
-                  </p:par>
-                  <p:par>
-                    <p:cTn id="17" fill="hold">
-                      <p:stCondLst>
-                        <p:cond delay="indefinite"/>
-                      </p:stCondLst>
-                      <p:childTnLst>
-                        <p:par>
-                          <p:cTn id="18" fill="hold">
-                            <p:stCondLst>
-                              <p:cond delay="0"/>
-                            </p:stCondLst>
-                            <p:childTnLst>
-                              <p:par>
-                                <p:cTn id="19" presetID="1" presetClass="entr" presetSubtype="0" fill="hold" nodeType="clickEffect">
-                                  <p:stCondLst>
-                                    <p:cond delay="0"/>
-                                  </p:stCondLst>
-                                  <p:childTnLst>
-                                    <p:set>
-                                      <p:cBhvr>
-                                        <p:cTn id="20" dur="1" fill="hold">
-                                          <p:stCondLst>
-                                            <p:cond delay="0"/>
-                                          </p:stCondLst>
-                                        </p:cTn>
-                                        <p:tgtEl>
-                                          <p:spTgt spid="3">
-                                            <p:txEl>
-                                              <p:pRg st="5" end="5"/>
                                             </p:txEl>
                                           </p:spTgt>
                                         </p:tgtEl>
@@ -35107,7 +35198,13 @@
       </p:grpSpPr>
       <p:sp>
         <p:nvSpPr>
-          <p:cNvPr id="2" name="Title 1"/>
+          <p:cNvPr id="2" name="כותרת 1">
+            <a:extLst>
+              <a:ext uri="{FF2B5EF4-FFF2-40B4-BE49-F238E27FC236}">
+                <a16:creationId xmlns:a16="http://schemas.microsoft.com/office/drawing/2014/main" id="{E85A3F79-B5FD-453E-87B1-16E7A0A22C98}"/>
+              </a:ext>
+            </a:extLst>
+          </p:cNvPr>
           <p:cNvSpPr>
             <a:spLocks noGrp="1"/>
           </p:cNvSpPr>
@@ -35122,14 +35219,27 @@
           <a:p>
             <a:r>
               <a:rPr lang="en-US" dirty="0"/>
-              <a:t>backup</a:t>
-            </a:r>
-          </a:p>
-        </p:txBody>
-      </p:sp>
-      <p:sp>
-        <p:nvSpPr>
-          <p:cNvPr id="3" name="Content Placeholder 2"/>
+              <a:t>Thanks for watching </a:t>
+            </a:r>
+            <a:r>
+              <a:rPr lang="en-US" dirty="0">
+                <a:sym typeface="Wingdings" panose="05000000000000000000" pitchFamily="2" charset="2"/>
+              </a:rPr>
+              <a:t></a:t>
+            </a:r>
+            <a:endParaRPr lang="en-US" dirty="0"/>
+          </a:p>
+        </p:txBody>
+      </p:sp>
+      <p:sp>
+        <p:nvSpPr>
+          <p:cNvPr id="3" name="מציין מיקום תוכן 2">
+            <a:extLst>
+              <a:ext uri="{FF2B5EF4-FFF2-40B4-BE49-F238E27FC236}">
+                <a16:creationId xmlns:a16="http://schemas.microsoft.com/office/drawing/2014/main" id="{E296E813-5662-455A-8B30-6B4B8556C8BB}"/>
+              </a:ext>
+            </a:extLst>
+          </p:cNvPr>
           <p:cNvSpPr>
             <a:spLocks noGrp="1"/>
           </p:cNvSpPr>
@@ -35142,13 +35252,61 @@
           <a:bodyPr/>
           <a:lstStyle/>
           <a:p>
-            <a:endParaRPr lang="en-US"/>
-          </a:p>
-        </p:txBody>
-      </p:sp>
-      <p:sp>
-        <p:nvSpPr>
-          <p:cNvPr id="4" name="מציין מיקום של מספר שקופית 3"/>
+            <a:r>
+              <a:rPr lang="en-US" dirty="0"/>
+              <a:t>Feel free to contact me </a:t>
+            </a:r>
+          </a:p>
+          <a:p>
+            <a:pPr lvl="1"/>
+            <a:r>
+              <a:rPr lang="en-US" dirty="0">
+                <a:hlinkClick r:id="rId2"/>
+              </a:rPr>
+              <a:t>wireshrink@gmail.com</a:t>
+            </a:r>
+            <a:endParaRPr lang="en-US" dirty="0">
+              <a:hlinkClick r:id="rId3"/>
+            </a:endParaRPr>
+          </a:p>
+          <a:p>
+            <a:pPr lvl="1"/>
+            <a:r>
+              <a:rPr lang="en-US" dirty="0">
+                <a:hlinkClick r:id="rId3"/>
+              </a:rPr>
+              <a:t>@</a:t>
+            </a:r>
+            <a:r>
+              <a:rPr lang="en-US" dirty="0" err="1">
+                <a:hlinkClick r:id="rId3"/>
+              </a:rPr>
+              <a:t>wireshrink</a:t>
+            </a:r>
+            <a:r>
+              <a:rPr lang="en-US" dirty="0"/>
+              <a:t> (I’m not writing there, but you </a:t>
+            </a:r>
+            <a:r>
+              <a:rPr lang="en-US"/>
+              <a:t>can send PM</a:t>
+            </a:r>
+            <a:r>
+              <a:rPr lang="en-US" dirty="0"/>
+              <a:t>)</a:t>
+            </a:r>
+          </a:p>
+        </p:txBody>
+      </p:sp>
+      <p:sp>
+        <p:nvSpPr>
+          <p:cNvPr id="4" name="מציין מיקום של מספר שקופית 3">
+            <a:extLst>
+              <a:ext uri="{FF2B5EF4-FFF2-40B4-BE49-F238E27FC236}">
+                <a16:creationId xmlns:a16="http://schemas.microsoft.com/office/drawing/2014/main" id="{E56584D9-68B2-425F-9636-C9626FB3477A}"/>
+              </a:ext>
+            </a:extLst>
+          </p:cNvPr>
           <p:cNvSpPr>
             <a:spLocks noGrp="1"/>
           </p:cNvSpPr>
@@ -35172,7 +35330,7 @@
     </p:spTree>
     <p:extLst>
       <p:ext uri="{BB962C8B-B14F-4D97-AF65-F5344CB8AC3E}">
-        <p14:creationId xmlns:p14="http://schemas.microsoft.com/office/powerpoint/2010/main" val="811180702"/>
+        <p14:creationId xmlns:p14="http://schemas.microsoft.com/office/powerpoint/2010/main" val="1697630835"/>
       </p:ext>
     </p:extLst>
   </p:cSld>
@@ -35201,7 +35359,7 @@
       </p:grpSpPr>
       <p:sp>
         <p:nvSpPr>
-          <p:cNvPr id="2" name="Заголовок 1"/>
+          <p:cNvPr id="2" name="Title 1"/>
           <p:cNvSpPr>
             <a:spLocks noGrp="1"/>
           </p:cNvSpPr>
@@ -35216,96 +35374,33 @@
           <a:p>
             <a:r>
               <a:rPr lang="en-US" dirty="0"/>
-              <a:t>Note on SGX sealing key derivation material</a:t>
-            </a:r>
-            <a:endParaRPr lang="ru-RU" dirty="0"/>
-          </a:p>
-        </p:txBody>
-      </p:sp>
-      <p:pic>
-        <p:nvPicPr>
-          <p:cNvPr id="5" name="Рисунок 4"/>
-          <p:cNvPicPr>
-            <a:picLocks noChangeAspect="1"/>
-          </p:cNvPicPr>
-          <p:nvPr/>
-        </p:nvPicPr>
-        <p:blipFill rotWithShape="1">
-          <a:blip r:embed="rId3"/>
-          <a:srcRect l="20086" t="38769" r="24273" b="24513"/>
-          <a:stretch/>
-        </p:blipFill>
-        <p:spPr>
-          <a:xfrm>
-            <a:off x="684212" y="2128104"/>
-            <a:ext cx="8534400" cy="3615267"/>
-          </a:xfrm>
-          <a:prstGeom prst="rect">
-            <a:avLst/>
-          </a:prstGeom>
-        </p:spPr>
-      </p:pic>
-      <p:sp>
-        <p:nvSpPr>
-          <p:cNvPr id="6" name="TextBox 5"/>
-          <p:cNvSpPr txBox="1"/>
-          <p:nvPr/>
-        </p:nvSpPr>
-        <p:spPr>
-          <a:xfrm>
-            <a:off x="9556749" y="2249487"/>
-            <a:ext cx="2489982" cy="2585323"/>
-          </a:xfrm>
-          <a:prstGeom prst="rect">
-            <a:avLst/>
-          </a:prstGeom>
-          <a:noFill/>
-        </p:spPr>
-        <p:txBody>
-          <a:bodyPr wrap="square" rtlCol="0">
-            <a:spAutoFit/>
-          </a:bodyPr>
-          <a:lstStyle/>
-          <a:p>
-            <a:pPr marL="285750" indent="-285750">
-              <a:buFont typeface="Arial" charset="0"/>
-              <a:buChar char="•"/>
-            </a:pPr>
-            <a:r>
-              <a:rPr lang="en-US" dirty="0"/>
-              <a:t>+ Fuses, of course (CR_SEAL_FUSES in terms of SDM, the screenshot is from there)</a:t>
-            </a:r>
-          </a:p>
-          <a:p>
-            <a:pPr marL="285750" indent="-285750">
-              <a:buFont typeface="Arial" charset="0"/>
-              <a:buChar char="•"/>
-            </a:pPr>
-            <a:r>
-              <a:rPr lang="en-US" dirty="0"/>
-              <a:t>Note Sealing key </a:t>
-            </a:r>
-            <a:r>
-              <a:rPr lang="mr-IN" dirty="0"/>
-              <a:t>–</a:t>
-            </a:r>
-            <a:r>
-              <a:rPr lang="en-US" dirty="0"/>
-              <a:t> it is enclave or signer specific</a:t>
-            </a:r>
-          </a:p>
-          <a:p>
-            <a:pPr marL="285750" indent="-285750">
-              <a:buFont typeface="Arial" charset="0"/>
-              <a:buChar char="•"/>
-            </a:pPr>
-            <a:endParaRPr lang="ru-RU" dirty="0"/>
-          </a:p>
-        </p:txBody>
-      </p:sp>
-      <p:sp>
-        <p:nvSpPr>
-          <p:cNvPr id="3" name="מציין מיקום של מספר שקופית 2"/>
+              <a:t>backup</a:t>
+            </a:r>
+          </a:p>
+        </p:txBody>
+      </p:sp>
+      <p:sp>
+        <p:nvSpPr>
+          <p:cNvPr id="3" name="Content Placeholder 2"/>
+          <p:cNvSpPr>
+            <a:spLocks noGrp="1"/>
+          </p:cNvSpPr>
+          <p:nvPr>
+            <p:ph idx="1"/>
+          </p:nvPr>
+        </p:nvSpPr>
+        <p:spPr/>
+        <p:txBody>
+          <a:bodyPr/>
+          <a:lstStyle/>
+          <a:p>
+            <a:endParaRPr lang="en-US"/>
+          </a:p>
+        </p:txBody>
+      </p:sp>
+      <p:sp>
+        <p:nvSpPr>
+          <p:cNvPr id="4" name="מציין מיקום של מספר שקופית 3"/>
           <p:cNvSpPr>
             <a:spLocks noGrp="1"/>
           </p:cNvSpPr>
@@ -35329,7 +35424,7 @@
     </p:spTree>
     <p:extLst>
       <p:ext uri="{BB962C8B-B14F-4D97-AF65-F5344CB8AC3E}">
-        <p14:creationId xmlns:p14="http://schemas.microsoft.com/office/powerpoint/2010/main" val="1130062494"/>
+        <p14:creationId xmlns:p14="http://schemas.microsoft.com/office/powerpoint/2010/main" val="811180702"/>
       </p:ext>
     </p:extLst>
   </p:cSld>
@@ -35461,7 +35556,7 @@
       </p:grpSpPr>
       <p:sp>
         <p:nvSpPr>
-          <p:cNvPr id="2" name="כותרת 1"/>
+          <p:cNvPr id="2" name="Заголовок 1"/>
           <p:cNvSpPr>
             <a:spLocks noGrp="1"/>
           </p:cNvSpPr>
@@ -35476,127 +35571,96 @@
           <a:p>
             <a:r>
               <a:rPr lang="en-US" dirty="0"/>
-              <a:t>Why can’t I sign it myself</a:t>
-            </a:r>
-          </a:p>
-        </p:txBody>
-      </p:sp>
-      <p:sp>
-        <p:nvSpPr>
-          <p:cNvPr id="3" name="מציין מיקום תוכן 2"/>
-          <p:cNvSpPr>
-            <a:spLocks noGrp="1"/>
-          </p:cNvSpPr>
-          <p:nvPr>
-            <p:ph idx="1"/>
-          </p:nvPr>
-        </p:nvSpPr>
-        <p:spPr/>
-        <p:txBody>
-          <a:bodyPr>
-            <a:normAutofit fontScale="55000" lnSpcReduction="20000"/>
+              <a:t>Note on SGX sealing key derivation material</a:t>
+            </a:r>
+            <a:endParaRPr lang="ru-RU" dirty="0"/>
+          </a:p>
+        </p:txBody>
+      </p:sp>
+      <p:pic>
+        <p:nvPicPr>
+          <p:cNvPr id="5" name="Рисунок 4"/>
+          <p:cNvPicPr>
+            <a:picLocks noChangeAspect="1"/>
+          </p:cNvPicPr>
+          <p:nvPr/>
+        </p:nvPicPr>
+        <p:blipFill rotWithShape="1">
+          <a:blip r:embed="rId3"/>
+          <a:srcRect l="20086" t="38769" r="24273" b="24513"/>
+          <a:stretch/>
+        </p:blipFill>
+        <p:spPr>
+          <a:xfrm>
+            <a:off x="684212" y="2128104"/>
+            <a:ext cx="8534400" cy="3615267"/>
+          </a:xfrm>
+          <a:prstGeom prst="rect">
+            <a:avLst/>
+          </a:prstGeom>
+        </p:spPr>
+      </p:pic>
+      <p:sp>
+        <p:nvSpPr>
+          <p:cNvPr id="6" name="TextBox 5"/>
+          <p:cNvSpPr txBox="1"/>
+          <p:nvPr/>
+        </p:nvSpPr>
+        <p:spPr>
+          <a:xfrm>
+            <a:off x="9556749" y="2249487"/>
+            <a:ext cx="2489982" cy="2585323"/>
+          </a:xfrm>
+          <a:prstGeom prst="rect">
+            <a:avLst/>
+          </a:prstGeom>
+          <a:noFill/>
+        </p:spPr>
+        <p:txBody>
+          <a:bodyPr wrap="square" rtlCol="0">
+            <a:spAutoFit/>
           </a:bodyPr>
           <a:lstStyle/>
           <a:p>
-            <a:r>
-              <a:rPr lang="en-US" dirty="0">
-                <a:hlinkClick r:id="rId2"/>
-              </a:rPr>
-              <a:t>https://software.intel.com/en-us/license/intel-software-guard-extensions-licensee-guide</a:t>
-            </a:r>
-            <a:endParaRPr lang="en-US" dirty="0"/>
-          </a:p>
-          <a:p>
-            <a:pPr marL="0" indent="0">
-              <a:buNone/>
+            <a:pPr marL="285750" indent="-285750">
+              <a:buFont typeface="Arial" charset="0"/>
+              <a:buChar char="•"/>
             </a:pPr>
             <a:r>
               <a:rPr lang="en-US" dirty="0"/>
-              <a:t>“ In addition, Licensees should:</a:t>
-            </a:r>
-          </a:p>
-          <a:p>
-            <a:pPr marL="0" indent="0">
-              <a:buNone/>
+              <a:t>+ Fuses, of course (CR_SEAL_FUSES in terms of SDM, the screenshot is from there)</a:t>
+            </a:r>
+          </a:p>
+          <a:p>
+            <a:pPr marL="285750" indent="-285750">
+              <a:buFont typeface="Arial" charset="0"/>
+              <a:buChar char="•"/>
             </a:pPr>
             <a:r>
               <a:rPr lang="en-US" dirty="0"/>
-              <a:t>Observe industry secure coding best practices for software development to avoid vulnerabilities (such practices might include a secure software development framework, coding standards, data input validation, least access possible, secure logging, and so on).</a:t>
-            </a:r>
-          </a:p>
-          <a:p>
-            <a:pPr marL="0" indent="0">
-              <a:buNone/>
+              <a:t>Note Sealing key </a:t>
+            </a:r>
+            <a:r>
+              <a:rPr lang="mr-IN" dirty="0"/>
+              <a:t>–</a:t>
+            </a:r>
+            <a:r>
+              <a:rPr lang="en-US" dirty="0"/>
+              <a:t> it is enclave or signer specific</a:t>
+            </a:r>
+          </a:p>
+          <a:p>
+            <a:pPr marL="285750" indent="-285750">
+              <a:buFont typeface="Arial" charset="0"/>
+              <a:buChar char="•"/>
             </a:pPr>
-            <a:r>
-              <a:rPr lang="en-US" dirty="0"/>
-              <a:t>Address and fix significant security vulnerabilities within a reasonable time, or within a time frame established under existing disclosure arrangements between Intel and the Licensee, after becoming aware of the vulnerability.</a:t>
-            </a:r>
-          </a:p>
-          <a:p>
-            <a:pPr marL="0" indent="0">
-              <a:buNone/>
-            </a:pPr>
-            <a:r>
-              <a:rPr lang="en-US" dirty="0"/>
-              <a:t>Ensure that the licensed application installer, or the operating environment in which the application resides, includes the most current Platform Software (PSW) Installer for Intel SGX.</a:t>
-            </a:r>
-          </a:p>
-          <a:p>
-            <a:pPr marL="0" indent="0">
-              <a:buNone/>
-            </a:pPr>
-            <a:r>
-              <a:rPr lang="en-US" dirty="0"/>
-              <a:t>Ensure that end-users receive PSW updates via application update mechanism, or via the operating environment in which the application resides.</a:t>
-            </a:r>
-          </a:p>
-          <a:p>
-            <a:pPr marL="0" indent="0">
-              <a:buNone/>
-            </a:pPr>
-            <a:r>
-              <a:rPr lang="en-US" dirty="0"/>
-              <a:t>Observe best industry practices to: (</a:t>
-            </a:r>
-            <a:r>
-              <a:rPr lang="en-US" dirty="0" err="1"/>
-              <a:t>i</a:t>
-            </a:r>
-            <a:r>
-              <a:rPr lang="en-US" dirty="0"/>
-              <a:t>) not write malware, spyware or other nuisance software; (ii) </a:t>
-            </a:r>
-            <a:r>
-              <a:rPr lang="en-US" b="1" u="sng" dirty="0">
-                <a:solidFill>
-                  <a:srgbClr val="FF0000"/>
-                </a:solidFill>
-              </a:rPr>
-              <a:t>not write poorly designed software that contains significant security vulnerabilities or that fails to deliver its security promise</a:t>
-            </a:r>
-            <a:r>
-              <a:rPr lang="en-US" dirty="0"/>
-              <a:t>.</a:t>
-            </a:r>
-          </a:p>
-          <a:p>
-            <a:pPr marL="0" indent="0">
-              <a:buNone/>
-            </a:pPr>
-            <a:r>
-              <a:rPr lang="en-US" dirty="0"/>
-              <a:t>Construct Licensed Software Applications to enable complete removal on end user request, including removal of any sealed data.”</a:t>
-            </a:r>
-          </a:p>
-          <a:p>
-            <a:endParaRPr lang="en-US" dirty="0"/>
-          </a:p>
-        </p:txBody>
-      </p:sp>
-      <p:sp>
-        <p:nvSpPr>
-          <p:cNvPr id="4" name="מציין מיקום של מספר שקופית 3"/>
+            <a:endParaRPr lang="ru-RU" dirty="0"/>
+          </a:p>
+        </p:txBody>
+      </p:sp>
+      <p:sp>
+        <p:nvSpPr>
+          <p:cNvPr id="3" name="מציין מיקום של מספר שקופית 2"/>
           <p:cNvSpPr>
             <a:spLocks noGrp="1"/>
           </p:cNvSpPr>
@@ -35620,7 +35684,7 @@
     </p:spTree>
     <p:extLst>
       <p:ext uri="{BB962C8B-B14F-4D97-AF65-F5344CB8AC3E}">
-        <p14:creationId xmlns:p14="http://schemas.microsoft.com/office/powerpoint/2010/main" val="994950159"/>
+        <p14:creationId xmlns:p14="http://schemas.microsoft.com/office/powerpoint/2010/main" val="1130062494"/>
       </p:ext>
     </p:extLst>
   </p:cSld>
@@ -35649,7 +35713,7 @@
       </p:grpSpPr>
       <p:sp>
         <p:nvSpPr>
-          <p:cNvPr id="2" name="Title 1"/>
+          <p:cNvPr id="2" name="כותרת 1"/>
           <p:cNvSpPr>
             <a:spLocks noGrp="1"/>
           </p:cNvSpPr>
@@ -35664,14 +35728,14 @@
           <a:p>
             <a:r>
               <a:rPr lang="en-US" dirty="0"/>
-              <a:t>Note on involved crypto</a:t>
-            </a:r>
-          </a:p>
-        </p:txBody>
-      </p:sp>
-      <p:sp>
-        <p:nvSpPr>
-          <p:cNvPr id="3" name="Content Placeholder 2"/>
+              <a:t>Why can’t I sign it myself</a:t>
+            </a:r>
+          </a:p>
+        </p:txBody>
+      </p:sp>
+      <p:sp>
+        <p:nvSpPr>
+          <p:cNvPr id="3" name="מציין מיקום תוכן 2"/>
           <p:cNvSpPr>
             <a:spLocks noGrp="1"/>
           </p:cNvSpPr>
@@ -35681,19 +35745,104 @@
         </p:nvSpPr>
         <p:spPr/>
         <p:txBody>
-          <a:bodyPr/>
-          <a:lstStyle/>
-          <a:p>
-            <a:r>
-              <a:rPr lang="en-US" dirty="0"/>
-              <a:t>AES GCM is used for sealing data</a:t>
-            </a:r>
-          </a:p>
-          <a:p>
-            <a:r>
-              <a:rPr lang="en-US" dirty="0"/>
-              <a:t>EPID and other things are out of scope</a:t>
-            </a:r>
+          <a:bodyPr>
+            <a:normAutofit fontScale="55000" lnSpcReduction="20000"/>
+          </a:bodyPr>
+          <a:lstStyle/>
+          <a:p>
+            <a:r>
+              <a:rPr lang="en-US" dirty="0">
+                <a:hlinkClick r:id="rId2"/>
+              </a:rPr>
+              <a:t>https://software.intel.com/en-us/license/intel-software-guard-extensions-licensee-guide</a:t>
+            </a:r>
+            <a:endParaRPr lang="en-US" dirty="0"/>
+          </a:p>
+          <a:p>
+            <a:pPr marL="0" indent="0">
+              <a:buNone/>
+            </a:pPr>
+            <a:r>
+              <a:rPr lang="en-US" dirty="0"/>
+              <a:t>“ In addition, Licensees should:</a:t>
+            </a:r>
+          </a:p>
+          <a:p>
+            <a:pPr marL="0" indent="0">
+              <a:buNone/>
+            </a:pPr>
+            <a:r>
+              <a:rPr lang="en-US" dirty="0"/>
+              <a:t>Observe industry secure coding best practices for software development to avoid vulnerabilities (such practices might include a secure software development framework, coding standards, data input validation, least access possible, secure logging, and so on).</a:t>
+            </a:r>
+          </a:p>
+          <a:p>
+            <a:pPr marL="0" indent="0">
+              <a:buNone/>
+            </a:pPr>
+            <a:r>
+              <a:rPr lang="en-US" dirty="0"/>
+              <a:t>Address and fix significant security vulnerabilities within a reasonable time, or within a time frame established under existing disclosure arrangements between Intel and the Licensee, after becoming aware of the vulnerability.</a:t>
+            </a:r>
+          </a:p>
+          <a:p>
+            <a:pPr marL="0" indent="0">
+              <a:buNone/>
+            </a:pPr>
+            <a:r>
+              <a:rPr lang="en-US" dirty="0"/>
+              <a:t>Ensure that the licensed application installer, or the operating environment in which the application resides, includes the most current Platform Software (PSW) Installer for Intel SGX.</a:t>
+            </a:r>
+          </a:p>
+          <a:p>
+            <a:pPr marL="0" indent="0">
+              <a:buNone/>
+            </a:pPr>
+            <a:r>
+              <a:rPr lang="en-US" dirty="0"/>
+              <a:t>Ensure that end-users receive PSW updates via application update mechanism, or via the operating environment in which the application resides.</a:t>
+            </a:r>
+          </a:p>
+          <a:p>
+            <a:pPr marL="0" indent="0">
+              <a:buNone/>
+            </a:pPr>
+            <a:r>
+              <a:rPr lang="en-US" dirty="0"/>
+              <a:t>Observe best industry practices to: (</a:t>
+            </a:r>
+            <a:r>
+              <a:rPr lang="en-US" dirty="0" err="1"/>
+              <a:t>i</a:t>
+            </a:r>
+            <a:r>
+              <a:rPr lang="en-US" dirty="0"/>
+              <a:t>) not write malware, spyware or other nuisance software; (ii) </a:t>
+            </a:r>
+            <a:r>
+              <a:rPr lang="en-US" b="1" u="sng" dirty="0">
+                <a:solidFill>
+                  <a:srgbClr val="FF0000"/>
+                </a:solidFill>
+              </a:rPr>
+              <a:t>not write poorly designed software that contains significant security vulnerabilities or that fails to deliver its security promise</a:t>
+            </a:r>
+            <a:r>
+              <a:rPr lang="en-US" dirty="0"/>
+              <a:t>.</a:t>
+            </a:r>
+          </a:p>
+          <a:p>
+            <a:pPr marL="0" indent="0">
+              <a:buNone/>
+            </a:pPr>
+            <a:r>
+              <a:rPr lang="en-US" dirty="0"/>
+              <a:t>Construct Licensed Software Applications to enable complete removal on end user request, including removal of any sealed data.”</a:t>
+            </a:r>
+          </a:p>
+          <a:p>
+            <a:endParaRPr lang="en-US" dirty="0"/>
           </a:p>
         </p:txBody>
       </p:sp>
@@ -35723,7 +35872,7 @@
     </p:spTree>
     <p:extLst>
       <p:ext uri="{BB962C8B-B14F-4D97-AF65-F5344CB8AC3E}">
-        <p14:creationId xmlns:p14="http://schemas.microsoft.com/office/powerpoint/2010/main" val="2498105173"/>
+        <p14:creationId xmlns:p14="http://schemas.microsoft.com/office/powerpoint/2010/main" val="994950159"/>
       </p:ext>
     </p:extLst>
   </p:cSld>
@@ -35767,6 +35916,109 @@
           <a:p>
             <a:r>
               <a:rPr lang="en-US" dirty="0"/>
+              <a:t>Note on involved crypto</a:t>
+            </a:r>
+          </a:p>
+        </p:txBody>
+      </p:sp>
+      <p:sp>
+        <p:nvSpPr>
+          <p:cNvPr id="3" name="Content Placeholder 2"/>
+          <p:cNvSpPr>
+            <a:spLocks noGrp="1"/>
+          </p:cNvSpPr>
+          <p:nvPr>
+            <p:ph idx="1"/>
+          </p:nvPr>
+        </p:nvSpPr>
+        <p:spPr/>
+        <p:txBody>
+          <a:bodyPr/>
+          <a:lstStyle/>
+          <a:p>
+            <a:r>
+              <a:rPr lang="en-US" dirty="0"/>
+              <a:t>AES GCM is used for sealing data</a:t>
+            </a:r>
+          </a:p>
+          <a:p>
+            <a:r>
+              <a:rPr lang="en-US" dirty="0"/>
+              <a:t>EPID and other things are out of scope</a:t>
+            </a:r>
+          </a:p>
+        </p:txBody>
+      </p:sp>
+      <p:sp>
+        <p:nvSpPr>
+          <p:cNvPr id="4" name="מציין מיקום של מספר שקופית 3"/>
+          <p:cNvSpPr>
+            <a:spLocks noGrp="1"/>
+          </p:cNvSpPr>
+          <p:nvPr>
+            <p:ph type="sldNum" sz="quarter" idx="12"/>
+          </p:nvPr>
+        </p:nvSpPr>
+        <p:spPr/>
+        <p:txBody>
+          <a:bodyPr/>
+          <a:lstStyle/>
+          <a:p>
+            <a:fld id="{E49B20E1-BFBC-4C97-821D-580820242ED4}" type="slidenum">
+              <a:rPr lang="en-US" smtClean="0"/>
+              <a:t>52</a:t>
+            </a:fld>
+            <a:endParaRPr lang="en-US"/>
+          </a:p>
+        </p:txBody>
+      </p:sp>
+    </p:spTree>
+    <p:extLst>
+      <p:ext uri="{BB962C8B-B14F-4D97-AF65-F5344CB8AC3E}">
+        <p14:creationId xmlns:p14="http://schemas.microsoft.com/office/powerpoint/2010/main" val="2498105173"/>
+      </p:ext>
+    </p:extLst>
+  </p:cSld>
+  <p:clrMapOvr>
+    <a:masterClrMapping/>
+  </p:clrMapOvr>
+</p:sld>
+</file>
+
+<file path=ppt/slides/slide53.xml><?xml version="1.0" encoding="utf-8"?>
+<p:sld xmlns:a="http://schemas.openxmlformats.org/drawingml/2006/main" xmlns:r="http://schemas.openxmlformats.org/officeDocument/2006/relationships" xmlns:p="http://schemas.openxmlformats.org/presentationml/2006/main">
+  <p:cSld>
+    <p:spTree>
+      <p:nvGrpSpPr>
+        <p:cNvPr id="1" name=""/>
+        <p:cNvGrpSpPr/>
+        <p:nvPr/>
+      </p:nvGrpSpPr>
+      <p:grpSpPr>
+        <a:xfrm>
+          <a:off x="0" y="0"/>
+          <a:ext cx="0" cy="0"/>
+          <a:chOff x="0" y="0"/>
+          <a:chExt cx="0" cy="0"/>
+        </a:xfrm>
+      </p:grpSpPr>
+      <p:sp>
+        <p:nvSpPr>
+          <p:cNvPr id="2" name="Title 1"/>
+          <p:cNvSpPr>
+            <a:spLocks noGrp="1"/>
+          </p:cNvSpPr>
+          <p:nvPr>
+            <p:ph type="title"/>
+          </p:nvPr>
+        </p:nvSpPr>
+        <p:spPr/>
+        <p:txBody>
+          <a:bodyPr/>
+          <a:lstStyle/>
+          <a:p>
+            <a:r>
+              <a:rPr lang="en-US" dirty="0"/>
               <a:t>SGX instructions</a:t>
             </a:r>
           </a:p>
@@ -35982,7 +36234,7 @@
           <a:p>
             <a:fld id="{E49B20E1-BFBC-4C97-821D-580820242ED4}" type="slidenum">
               <a:rPr lang="en-US" smtClean="0"/>
-              <a:t>52</a:t>
+              <a:t>53</a:t>
             </a:fld>
             <a:endParaRPr lang="en-US"/>
           </a:p>

--- a/docs/SGX Enclave Programming - Common Mistakes.pptx
+++ b/docs/SGX Enclave Programming - Common Mistakes.pptx
@@ -35285,15 +35285,7 @@
             </a:r>
             <a:r>
               <a:rPr lang="en-US" dirty="0"/>
-              <a:t> (I’m not writing there, but you </a:t>
-            </a:r>
-            <a:r>
-              <a:rPr lang="en-US"/>
-              <a:t>can send PM</a:t>
-            </a:r>
-            <a:r>
-              <a:rPr lang="en-US" dirty="0"/>
-              <a:t>)</a:t>
+              <a:t> (I’m not writing there, but you can send PM)</a:t>
             </a:r>
           </a:p>
         </p:txBody>

--- a/docs/SGX Enclave Programming - Common Mistakes.pptx
+++ b/docs/SGX Enclave Programming - Common Mistakes.pptx
@@ -50,10 +50,10 @@
     <p:sldId id="296" r:id="rId41"/>
     <p:sldId id="280" r:id="rId42"/>
     <p:sldId id="281" r:id="rId43"/>
-    <p:sldId id="283" r:id="rId44"/>
+    <p:sldId id="284" r:id="rId44"/>
     <p:sldId id="316" r:id="rId45"/>
-    <p:sldId id="284" r:id="rId46"/>
-    <p:sldId id="261" r:id="rId47"/>
+    <p:sldId id="261" r:id="rId46"/>
+    <p:sldId id="283" r:id="rId47"/>
     <p:sldId id="282" r:id="rId48"/>
     <p:sldId id="317" r:id="rId49"/>
     <p:sldId id="307" r:id="rId50"/>
@@ -253,7 +253,7 @@
           <a:p>
             <a:fld id="{7A0F84C6-4B66-FC4F-9BD6-6F53B9E68AE3}" type="datetimeFigureOut">
               <a:rPr lang="ru-RU" smtClean="0"/>
-              <a:t>11.06.2017</a:t>
+              <a:t>14.06.17</a:t>
             </a:fld>
             <a:endParaRPr lang="ru-RU"/>
           </a:p>
@@ -5161,8 +5161,21 @@
           <a:p>
             <a:r>
               <a:rPr lang="en-US" baseline="0" dirty="0"/>
-              <a:t>1 – leaving secrets unattended and thus very bad design (secrets should be cleared immediately after usage, just for defense in depth – and enclave didn’t help us in anything)</a:t>
-            </a:r>
+              <a:t>1 – leaving secrets unattended and thus very bad design (secrets should be cleared immediately after usage, just for defense in depth – and enclave didn’t help us in anything</a:t>
+            </a:r>
+            <a:r>
+              <a:rPr lang="en-US" baseline="0" dirty="0" smtClean="0"/>
+              <a:t>). Here you have a </a:t>
+            </a:r>
+            <a:r>
+              <a:rPr lang="en-US" baseline="0" dirty="0" err="1" smtClean="0"/>
+              <a:t>ot</a:t>
+            </a:r>
+            <a:r>
+              <a:rPr lang="en-US" baseline="0" dirty="0" smtClean="0"/>
+              <a:t> of them.</a:t>
+            </a:r>
+            <a:endParaRPr lang="en-US" baseline="0" dirty="0"/>
           </a:p>
           <a:p>
             <a:r>
@@ -5171,6 +5184,99 @@
             </a:r>
           </a:p>
           <a:p>
+            <a:endParaRPr lang="en-US" baseline="0" dirty="0" smtClean="0"/>
+          </a:p>
+          <a:p>
+            <a:r>
+              <a:rPr lang="en-US" baseline="0" dirty="0" smtClean="0"/>
+              <a:t>This vulnerability probably looks a bit artificial, but I have a really good reason for showing it:</a:t>
+            </a:r>
+          </a:p>
+          <a:p>
+            <a:endParaRPr lang="en-US" baseline="0" dirty="0" smtClean="0"/>
+          </a:p>
+          <a:p>
+            <a:r>
+              <a:rPr lang="en-US" baseline="0" dirty="0" smtClean="0"/>
+              <a:t>1 </a:t>
+            </a:r>
+            <a:r>
+              <a:rPr lang="mr-IN" baseline="0" dirty="0" smtClean="0"/>
+              <a:t>–</a:t>
+            </a:r>
+            <a:r>
+              <a:rPr lang="en-US" baseline="0" dirty="0" smtClean="0"/>
+              <a:t> As an example of how small and harmless issue can undermine all the security model </a:t>
+            </a:r>
+          </a:p>
+          <a:p>
+            <a:r>
+              <a:rPr lang="en-US" baseline="0" dirty="0" smtClean="0"/>
+              <a:t>	There is a proverb in Russian, “don’t put all the eggs to the same basket”, with very clear meaning: don’t place all of your valuables at the same place.</a:t>
+            </a:r>
+          </a:p>
+          <a:p>
+            <a:r>
+              <a:rPr lang="en-US" baseline="0" dirty="0" smtClean="0"/>
+              <a:t>	In the boundaries of this analogy any kind of secure enclave, and it </a:t>
+            </a:r>
+            <a:r>
+              <a:rPr lang="en-US" baseline="0" dirty="0" err="1" smtClean="0"/>
+              <a:t>doesn</a:t>
+            </a:r>
+            <a:r>
+              <a:rPr lang="mr-IN" baseline="0" dirty="0" smtClean="0"/>
+              <a:t>’</a:t>
+            </a:r>
+            <a:r>
+              <a:rPr lang="en-US" baseline="0" dirty="0" smtClean="0"/>
+              <a:t>t matter how exactly it is implemented, is a basket with eggs. </a:t>
+            </a:r>
+          </a:p>
+          <a:p>
+            <a:r>
+              <a:rPr lang="en-US" baseline="0" dirty="0" smtClean="0"/>
+              <a:t>	Once you drop it </a:t>
+            </a:r>
+            <a:r>
+              <a:rPr lang="mr-IN" baseline="0" dirty="0" smtClean="0"/>
+              <a:t>–</a:t>
+            </a:r>
+            <a:r>
+              <a:rPr lang="en-US" baseline="0" dirty="0" smtClean="0"/>
+              <a:t> you break everything.</a:t>
+            </a:r>
+          </a:p>
+          <a:p>
+            <a:r>
+              <a:rPr lang="en-US" baseline="0" dirty="0" smtClean="0"/>
+              <a:t>2 </a:t>
+            </a:r>
+            <a:r>
+              <a:rPr lang="mr-IN" baseline="0" dirty="0" smtClean="0"/>
+              <a:t>–</a:t>
+            </a:r>
+            <a:r>
+              <a:rPr lang="en-US" baseline="0" dirty="0" smtClean="0"/>
+              <a:t> I had seen similar things in real life enclaves. They were a bit more complicated, but it is an </a:t>
+            </a:r>
+            <a:r>
+              <a:rPr lang="en-US" baseline="0" dirty="0" err="1" smtClean="0"/>
+              <a:t>exsercise</a:t>
+            </a:r>
+            <a:r>
+              <a:rPr lang="en-US" baseline="0" dirty="0" smtClean="0"/>
+              <a:t>, after all.</a:t>
+            </a:r>
+          </a:p>
+          <a:p>
+            <a:endParaRPr lang="en-US" baseline="0" dirty="0" smtClean="0"/>
+          </a:p>
+          <a:p>
+            <a:r>
+              <a:rPr lang="en-US" baseline="0" dirty="0" smtClean="0"/>
+              <a:t>	</a:t>
+            </a:r>
             <a:endParaRPr lang="en-US" baseline="0" dirty="0"/>
           </a:p>
           <a:p>
@@ -5265,9 +5371,114 @@
           <a:lstStyle/>
           <a:p>
             <a:r>
-              <a:rPr lang="en-US" dirty="0"/>
-              <a:t>Nothing new here except of old good and dumb enclave fuzzing – there are no tools that allow to use something more complicated.</a:t>
-            </a:r>
+              <a:rPr lang="en-US" dirty="0" smtClean="0"/>
+              <a:t>Automatic</a:t>
+            </a:r>
+            <a:r>
+              <a:rPr lang="en-US" baseline="0" dirty="0" smtClean="0"/>
+              <a:t> code analysis </a:t>
+            </a:r>
+            <a:r>
+              <a:rPr lang="mr-IN" baseline="0" dirty="0" smtClean="0"/>
+              <a:t>–</a:t>
+            </a:r>
+            <a:r>
+              <a:rPr lang="en-US" baseline="0" dirty="0" smtClean="0"/>
+              <a:t> such as </a:t>
+            </a:r>
+            <a:r>
+              <a:rPr lang="en-US" baseline="0" dirty="0" err="1" smtClean="0"/>
+              <a:t>Klocwork</a:t>
+            </a:r>
+            <a:r>
+              <a:rPr lang="en-US" baseline="0" dirty="0" smtClean="0"/>
+              <a:t>. It may give a good result if used with nightly builds every day.</a:t>
+            </a:r>
+          </a:p>
+          <a:p>
+            <a:r>
+              <a:rPr lang="en-US" baseline="0" dirty="0" smtClean="0"/>
+              <a:t>Manual review of all possible things gives best results </a:t>
+            </a:r>
+            <a:r>
+              <a:rPr lang="mr-IN" baseline="0" dirty="0" smtClean="0"/>
+              <a:t>–</a:t>
+            </a:r>
+            <a:r>
+              <a:rPr lang="en-US" baseline="0" dirty="0" smtClean="0"/>
+              <a:t> but with the results we have a problem:</a:t>
+            </a:r>
+          </a:p>
+          <a:p>
+            <a:r>
+              <a:rPr lang="en-US" baseline="0" dirty="0" smtClean="0"/>
+              <a:t> - the review should be conducted by very much qualified people</a:t>
+            </a:r>
+          </a:p>
+          <a:p>
+            <a:r>
+              <a:rPr lang="en-US" baseline="0" dirty="0" smtClean="0"/>
+              <a:t> - It is still probabilistic process, and something will always be overlooked</a:t>
+            </a:r>
+            <a:endParaRPr lang="en-US" dirty="0" smtClean="0"/>
+          </a:p>
+          <a:p>
+            <a:endParaRPr lang="en-US" dirty="0" smtClean="0"/>
+          </a:p>
+          <a:p>
+            <a:r>
+              <a:rPr lang="en-US" dirty="0" smtClean="0"/>
+              <a:t>Nothing </a:t>
+            </a:r>
+            <a:r>
+              <a:rPr lang="en-US" dirty="0"/>
+              <a:t>new here except of old good and dumb enclave fuzzing – there are no tools that allow to use something more complicated</a:t>
+            </a:r>
+            <a:r>
+              <a:rPr lang="en-US" dirty="0" smtClean="0"/>
+              <a:t>.</a:t>
+            </a:r>
+          </a:p>
+          <a:p>
+            <a:r>
+              <a:rPr lang="en-US" dirty="0" smtClean="0"/>
+              <a:t>The only hope here is that good enclave is small</a:t>
+            </a:r>
+            <a:r>
+              <a:rPr lang="en-US" baseline="0" dirty="0" smtClean="0"/>
+              <a:t> </a:t>
+            </a:r>
+            <a:r>
+              <a:rPr lang="mr-IN" baseline="0" dirty="0" smtClean="0"/>
+              <a:t>–</a:t>
+            </a:r>
+            <a:r>
+              <a:rPr lang="en-US" baseline="0" dirty="0" smtClean="0"/>
+              <a:t> and missing information can </a:t>
+            </a:r>
+            <a:r>
+              <a:rPr lang="en-US" baseline="0" smtClean="0"/>
+              <a:t>be obtained by code review. </a:t>
+            </a:r>
+            <a:endParaRPr lang="en-US" dirty="0" smtClean="0"/>
+          </a:p>
+          <a:p>
+            <a:endParaRPr lang="en-US" dirty="0" smtClean="0"/>
+          </a:p>
+          <a:p>
+            <a:r>
+              <a:rPr lang="en-US" dirty="0" smtClean="0"/>
+              <a:t>Somebody mentioned yesterday “Bad design guard” </a:t>
+            </a:r>
+            <a:r>
+              <a:rPr lang="mr-IN" dirty="0" smtClean="0"/>
+              <a:t>…</a:t>
+            </a:r>
+            <a:r>
+              <a:rPr lang="en-US" dirty="0" smtClean="0"/>
+              <a:t> We definitely need it here.</a:t>
+            </a:r>
+            <a:endParaRPr lang="en-US" dirty="0"/>
           </a:p>
           <a:p>
             <a:r>
@@ -5332,7 +5543,7 @@
       </p:grpSpPr>
       <p:sp>
         <p:nvSpPr>
-          <p:cNvPr id="2" name="Slide Image Placeholder 1"/>
+          <p:cNvPr id="2" name="מציין מיקום של תמונת שקופית 1"/>
           <p:cNvSpPr>
             <a:spLocks noGrp="1" noRot="1" noChangeAspect="1"/>
           </p:cNvSpPr>
@@ -5344,7 +5555,7 @@
       </p:sp>
       <p:sp>
         <p:nvSpPr>
-          <p:cNvPr id="3" name="Notes Placeholder 2"/>
+          <p:cNvPr id="3" name="מציין מיקום של הערות 2"/>
           <p:cNvSpPr>
             <a:spLocks noGrp="1"/>
           </p:cNvSpPr>
@@ -5359,14 +5570,21 @@
           <a:p>
             <a:r>
               <a:rPr lang="en-US" dirty="0"/>
-              <a:t>Special thanks : as in list.</a:t>
-            </a:r>
-          </a:p>
-        </p:txBody>
-      </p:sp>
-      <p:sp>
-        <p:nvSpPr>
-          <p:cNvPr id="4" name="Slide Number Placeholder 3"/>
+              <a:t>If you are reading these presenter notes – thank you very much </a:t>
+            </a:r>
+            <a:r>
+              <a:rPr lang="en-US" dirty="0">
+                <a:sym typeface="Wingdings" panose="05000000000000000000" pitchFamily="2" charset="2"/>
+              </a:rPr>
+              <a:t></a:t>
+            </a:r>
+            <a:endParaRPr lang="en-US" dirty="0"/>
+          </a:p>
+        </p:txBody>
+      </p:sp>
+      <p:sp>
+        <p:nvSpPr>
+          <p:cNvPr id="4" name="מציין מיקום של מספר שקופית 3"/>
           <p:cNvSpPr>
             <a:spLocks noGrp="1"/>
           </p:cNvSpPr>
@@ -5390,7 +5608,7 @@
     </p:spTree>
     <p:extLst>
       <p:ext uri="{BB962C8B-B14F-4D97-AF65-F5344CB8AC3E}">
-        <p14:creationId xmlns:p14="http://schemas.microsoft.com/office/powerpoint/2010/main" val="2457236627"/>
+        <p14:creationId xmlns:p14="http://schemas.microsoft.com/office/powerpoint/2010/main" val="2145637075"/>
       </p:ext>
     </p:extLst>
   </p:cSld>
@@ -5446,15 +5664,8 @@
           <a:p>
             <a:r>
               <a:rPr lang="en-US" dirty="0"/>
-              <a:t>If you are reading these presenter notes – thank you very much </a:t>
-            </a:r>
-            <a:r>
-              <a:rPr lang="en-US" dirty="0">
-                <a:sym typeface="Wingdings" panose="05000000000000000000" pitchFamily="2" charset="2"/>
-              </a:rPr>
-              <a:t></a:t>
-            </a:r>
-            <a:endParaRPr lang="en-US" dirty="0"/>
+              <a:t>Some useful links for the concerned fellow citizens</a:t>
+            </a:r>
           </a:p>
         </p:txBody>
       </p:sp>
@@ -5484,7 +5695,7 @@
     </p:spTree>
     <p:extLst>
       <p:ext uri="{BB962C8B-B14F-4D97-AF65-F5344CB8AC3E}">
-        <p14:creationId xmlns:p14="http://schemas.microsoft.com/office/powerpoint/2010/main" val="2145637075"/>
+        <p14:creationId xmlns:p14="http://schemas.microsoft.com/office/powerpoint/2010/main" val="1902725040"/>
       </p:ext>
     </p:extLst>
   </p:cSld>
@@ -5513,7 +5724,7 @@
       </p:grpSpPr>
       <p:sp>
         <p:nvSpPr>
-          <p:cNvPr id="2" name="מציין מיקום של תמונת שקופית 1"/>
+          <p:cNvPr id="2" name="Slide Image Placeholder 1"/>
           <p:cNvSpPr>
             <a:spLocks noGrp="1" noRot="1" noChangeAspect="1"/>
           </p:cNvSpPr>
@@ -5525,7 +5736,7 @@
       </p:sp>
       <p:sp>
         <p:nvSpPr>
-          <p:cNvPr id="3" name="מציין מיקום של הערות 2"/>
+          <p:cNvPr id="3" name="Notes Placeholder 2"/>
           <p:cNvSpPr>
             <a:spLocks noGrp="1"/>
           </p:cNvSpPr>
@@ -5540,14 +5751,14 @@
           <a:p>
             <a:r>
               <a:rPr lang="en-US" dirty="0"/>
-              <a:t>Some useful links for the concerned fellow citizens</a:t>
-            </a:r>
-          </a:p>
-        </p:txBody>
-      </p:sp>
-      <p:sp>
-        <p:nvSpPr>
-          <p:cNvPr id="4" name="מציין מיקום של מספר שקופית 3"/>
+              <a:t>Special thanks : as in list.</a:t>
+            </a:r>
+          </a:p>
+        </p:txBody>
+      </p:sp>
+      <p:sp>
+        <p:nvSpPr>
+          <p:cNvPr id="4" name="Slide Number Placeholder 3"/>
           <p:cNvSpPr>
             <a:spLocks noGrp="1"/>
           </p:cNvSpPr>
@@ -5571,7 +5782,7 @@
     </p:spTree>
     <p:extLst>
       <p:ext uri="{BB962C8B-B14F-4D97-AF65-F5344CB8AC3E}">
-        <p14:creationId xmlns:p14="http://schemas.microsoft.com/office/powerpoint/2010/main" val="1902725040"/>
+        <p14:creationId xmlns:p14="http://schemas.microsoft.com/office/powerpoint/2010/main" val="2457236627"/>
       </p:ext>
     </p:extLst>
   </p:cSld>
@@ -6532,7 +6743,7 @@
           <a:noFill/>
           <a:extLst>
             <a:ext uri="{909E8E84-426E-40dd-AFC4-6F175D3DCCD1}">
-              <a14:hiddenFill xmlns:a14="http://schemas.microsoft.com/office/drawing/2010/main" xmlns="">
+              <a14:hiddenFill xmlns="" xmlns:a14="http://schemas.microsoft.com/office/drawing/2010/main">
                 <a:solidFill>
                   <a:srgbClr val="FFFFFF"/>
                 </a:solidFill>
@@ -6592,7 +6803,7 @@
             </a:ln>
             <a:extLst>
               <a:ext uri="{91240B29-F687-4f45-9708-019B960494DF}">
-                <a14:hiddenLine xmlns:a14="http://schemas.microsoft.com/office/drawing/2010/main" xmlns="" w="9525">
+                <a14:hiddenLine xmlns="" xmlns:a14="http://schemas.microsoft.com/office/drawing/2010/main" w="9525">
                   <a:solidFill>
                     <a:srgbClr val="000000"/>
                   </a:solidFill>
@@ -6682,7 +6893,7 @@
             </a:ln>
             <a:extLst>
               <a:ext uri="{91240B29-F687-4f45-9708-019B960494DF}">
-                <a14:hiddenLine xmlns:a14="http://schemas.microsoft.com/office/drawing/2010/main" xmlns="" w="9525">
+                <a14:hiddenLine xmlns="" xmlns:a14="http://schemas.microsoft.com/office/drawing/2010/main" w="9525">
                   <a:solidFill>
                     <a:srgbClr val="000000"/>
                   </a:solidFill>
@@ -6772,7 +6983,7 @@
             </a:ln>
             <a:extLst>
               <a:ext uri="{91240B29-F687-4f45-9708-019B960494DF}">
-                <a14:hiddenLine xmlns:a14="http://schemas.microsoft.com/office/drawing/2010/main" xmlns="" w="9525">
+                <a14:hiddenLine xmlns="" xmlns:a14="http://schemas.microsoft.com/office/drawing/2010/main" w="9525">
                   <a:solidFill>
                     <a:srgbClr val="000000"/>
                   </a:solidFill>
@@ -6806,7 +7017,7 @@
             </a:ln>
             <a:extLst>
               <a:ext uri="{91240B29-F687-4f45-9708-019B960494DF}">
-                <a14:hiddenLine xmlns:a14="http://schemas.microsoft.com/office/drawing/2010/main" xmlns="" w="9525">
+                <a14:hiddenLine xmlns="" xmlns:a14="http://schemas.microsoft.com/office/drawing/2010/main" w="9525">
                   <a:solidFill>
                     <a:srgbClr val="000000"/>
                   </a:solidFill>
@@ -6896,7 +7107,7 @@
             </a:ln>
             <a:extLst>
               <a:ext uri="{91240B29-F687-4f45-9708-019B960494DF}">
-                <a14:hiddenLine xmlns:a14="http://schemas.microsoft.com/office/drawing/2010/main" xmlns="" w="9525">
+                <a14:hiddenLine xmlns="" xmlns:a14="http://schemas.microsoft.com/office/drawing/2010/main" w="9525">
                   <a:solidFill>
                     <a:srgbClr val="000000"/>
                   </a:solidFill>
@@ -6958,7 +7169,7 @@
             </a:ln>
             <a:extLst>
               <a:ext uri="{91240B29-F687-4f45-9708-019B960494DF}">
-                <a14:hiddenLine xmlns:a14="http://schemas.microsoft.com/office/drawing/2010/main" xmlns="" w="9525">
+                <a14:hiddenLine xmlns="" xmlns:a14="http://schemas.microsoft.com/office/drawing/2010/main" w="9525">
                   <a:solidFill>
                     <a:srgbClr val="000000"/>
                   </a:solidFill>
@@ -7020,7 +7231,7 @@
             </a:ln>
             <a:extLst>
               <a:ext uri="{91240B29-F687-4f45-9708-019B960494DF}">
-                <a14:hiddenLine xmlns:a14="http://schemas.microsoft.com/office/drawing/2010/main" xmlns="" w="9525">
+                <a14:hiddenLine xmlns="" xmlns:a14="http://schemas.microsoft.com/office/drawing/2010/main" w="9525">
                   <a:solidFill>
                     <a:srgbClr val="000000"/>
                   </a:solidFill>
@@ -7110,7 +7321,7 @@
             </a:ln>
             <a:extLst>
               <a:ext uri="{91240B29-F687-4f45-9708-019B960494DF}">
-                <a14:hiddenLine xmlns:a14="http://schemas.microsoft.com/office/drawing/2010/main" xmlns="" w="9525">
+                <a14:hiddenLine xmlns="" xmlns:a14="http://schemas.microsoft.com/office/drawing/2010/main" w="9525">
                   <a:solidFill>
                     <a:srgbClr val="000000"/>
                   </a:solidFill>
@@ -7172,7 +7383,7 @@
             </a:ln>
             <a:extLst>
               <a:ext uri="{91240B29-F687-4f45-9708-019B960494DF}">
-                <a14:hiddenLine xmlns:a14="http://schemas.microsoft.com/office/drawing/2010/main" xmlns="" w="9525">
+                <a14:hiddenLine xmlns="" xmlns:a14="http://schemas.microsoft.com/office/drawing/2010/main" w="9525">
                   <a:solidFill>
                     <a:srgbClr val="000000"/>
                   </a:solidFill>
@@ -7234,7 +7445,7 @@
             </a:ln>
             <a:extLst>
               <a:ext uri="{91240B29-F687-4f45-9708-019B960494DF}">
-                <a14:hiddenLine xmlns:a14="http://schemas.microsoft.com/office/drawing/2010/main" xmlns="" w="9525">
+                <a14:hiddenLine xmlns="" xmlns:a14="http://schemas.microsoft.com/office/drawing/2010/main" w="9525">
                   <a:solidFill>
                     <a:srgbClr val="000000"/>
                   </a:solidFill>
@@ -7324,7 +7535,7 @@
             </a:ln>
             <a:extLst>
               <a:ext uri="{91240B29-F687-4f45-9708-019B960494DF}">
-                <a14:hiddenLine xmlns:a14="http://schemas.microsoft.com/office/drawing/2010/main" xmlns="" w="9525">
+                <a14:hiddenLine xmlns="" xmlns:a14="http://schemas.microsoft.com/office/drawing/2010/main" w="9525">
                   <a:solidFill>
                     <a:srgbClr val="000000"/>
                   </a:solidFill>
@@ -7414,7 +7625,7 @@
             </a:ln>
             <a:extLst>
               <a:ext uri="{91240B29-F687-4f45-9708-019B960494DF}">
-                <a14:hiddenLine xmlns:a14="http://schemas.microsoft.com/office/drawing/2010/main" xmlns="" w="9525">
+                <a14:hiddenLine xmlns="" xmlns:a14="http://schemas.microsoft.com/office/drawing/2010/main" w="9525">
                   <a:solidFill>
                     <a:srgbClr val="000000"/>
                   </a:solidFill>
@@ -7476,7 +7687,7 @@
             </a:ln>
             <a:extLst>
               <a:ext uri="{91240B29-F687-4f45-9708-019B960494DF}">
-                <a14:hiddenLine xmlns:a14="http://schemas.microsoft.com/office/drawing/2010/main" xmlns="" w="9525">
+                <a14:hiddenLine xmlns="" xmlns:a14="http://schemas.microsoft.com/office/drawing/2010/main" w="9525">
                   <a:solidFill>
                     <a:srgbClr val="000000"/>
                   </a:solidFill>
@@ -7586,7 +7797,7 @@
             </a:ln>
             <a:extLst>
               <a:ext uri="{91240B29-F687-4f45-9708-019B960494DF}">
-                <a14:hiddenLine xmlns:a14="http://schemas.microsoft.com/office/drawing/2010/main" xmlns="" w="9525">
+                <a14:hiddenLine xmlns="" xmlns:a14="http://schemas.microsoft.com/office/drawing/2010/main" w="9525">
                   <a:solidFill>
                     <a:srgbClr val="000000"/>
                   </a:solidFill>
@@ -7648,7 +7859,7 @@
             </a:ln>
             <a:extLst>
               <a:ext uri="{91240B29-F687-4f45-9708-019B960494DF}">
-                <a14:hiddenLine xmlns:a14="http://schemas.microsoft.com/office/drawing/2010/main" xmlns="" w="9525">
+                <a14:hiddenLine xmlns="" xmlns:a14="http://schemas.microsoft.com/office/drawing/2010/main" w="9525">
                   <a:solidFill>
                     <a:srgbClr val="000000"/>
                   </a:solidFill>
@@ -7738,7 +7949,7 @@
             </a:ln>
             <a:extLst>
               <a:ext uri="{91240B29-F687-4f45-9708-019B960494DF}">
-                <a14:hiddenLine xmlns:a14="http://schemas.microsoft.com/office/drawing/2010/main" xmlns="" w="9525">
+                <a14:hiddenLine xmlns="" xmlns:a14="http://schemas.microsoft.com/office/drawing/2010/main" w="9525">
                   <a:solidFill>
                     <a:srgbClr val="000000"/>
                   </a:solidFill>
@@ -7828,7 +8039,7 @@
             </a:ln>
             <a:extLst>
               <a:ext uri="{91240B29-F687-4f45-9708-019B960494DF}">
-                <a14:hiddenLine xmlns:a14="http://schemas.microsoft.com/office/drawing/2010/main" xmlns="" w="9525">
+                <a14:hiddenLine xmlns="" xmlns:a14="http://schemas.microsoft.com/office/drawing/2010/main" w="9525">
                   <a:solidFill>
                     <a:srgbClr val="000000"/>
                   </a:solidFill>
@@ -7890,7 +8101,7 @@
             </a:ln>
             <a:extLst>
               <a:ext uri="{91240B29-F687-4f45-9708-019B960494DF}">
-                <a14:hiddenLine xmlns:a14="http://schemas.microsoft.com/office/drawing/2010/main" xmlns="" w="9525">
+                <a14:hiddenLine xmlns="" xmlns:a14="http://schemas.microsoft.com/office/drawing/2010/main" w="9525">
                   <a:solidFill>
                     <a:srgbClr val="000000"/>
                   </a:solidFill>
@@ -7980,7 +8191,7 @@
             </a:ln>
             <a:extLst>
               <a:ext uri="{91240B29-F687-4f45-9708-019B960494DF}">
-                <a14:hiddenLine xmlns:a14="http://schemas.microsoft.com/office/drawing/2010/main" xmlns="" w="9525">
+                <a14:hiddenLine xmlns="" xmlns:a14="http://schemas.microsoft.com/office/drawing/2010/main" w="9525">
                   <a:solidFill>
                     <a:srgbClr val="000000"/>
                   </a:solidFill>
@@ -8070,7 +8281,7 @@
             </a:ln>
             <a:extLst>
               <a:ext uri="{91240B29-F687-4f45-9708-019B960494DF}">
-                <a14:hiddenLine xmlns:a14="http://schemas.microsoft.com/office/drawing/2010/main" xmlns="" w="9525">
+                <a14:hiddenLine xmlns="" xmlns:a14="http://schemas.microsoft.com/office/drawing/2010/main" w="9525">
                   <a:solidFill>
                     <a:srgbClr val="000000"/>
                   </a:solidFill>
@@ -8126,7 +8337,7 @@
             </a:ln>
             <a:extLst>
               <a:ext uri="{91240B29-F687-4f45-9708-019B960494DF}">
-                <a14:hiddenLine xmlns:a14="http://schemas.microsoft.com/office/drawing/2010/main" xmlns="" w="9525">
+                <a14:hiddenLine xmlns="" xmlns:a14="http://schemas.microsoft.com/office/drawing/2010/main" w="9525">
                   <a:solidFill>
                     <a:srgbClr val="000000"/>
                   </a:solidFill>
@@ -8216,7 +8427,7 @@
             </a:ln>
             <a:extLst>
               <a:ext uri="{91240B29-F687-4f45-9708-019B960494DF}">
-                <a14:hiddenLine xmlns:a14="http://schemas.microsoft.com/office/drawing/2010/main" xmlns="" w="9525">
+                <a14:hiddenLine xmlns="" xmlns:a14="http://schemas.microsoft.com/office/drawing/2010/main" w="9525">
                   <a:solidFill>
                     <a:srgbClr val="000000"/>
                   </a:solidFill>
@@ -8272,7 +8483,7 @@
             </a:ln>
             <a:extLst>
               <a:ext uri="{91240B29-F687-4f45-9708-019B960494DF}">
-                <a14:hiddenLine xmlns:a14="http://schemas.microsoft.com/office/drawing/2010/main" xmlns="" w="9525">
+                <a14:hiddenLine xmlns="" xmlns:a14="http://schemas.microsoft.com/office/drawing/2010/main" w="9525">
                   <a:solidFill>
                     <a:srgbClr val="000000"/>
                   </a:solidFill>
@@ -8362,7 +8573,7 @@
             </a:ln>
             <a:extLst>
               <a:ext uri="{91240B29-F687-4f45-9708-019B960494DF}">
-                <a14:hiddenLine xmlns:a14="http://schemas.microsoft.com/office/drawing/2010/main" xmlns="" w="9525">
+                <a14:hiddenLine xmlns="" xmlns:a14="http://schemas.microsoft.com/office/drawing/2010/main" w="9525">
                   <a:solidFill>
                     <a:srgbClr val="000000"/>
                   </a:solidFill>
@@ -8430,7 +8641,7 @@
             </a:ln>
             <a:extLst>
               <a:ext uri="{91240B29-F687-4f45-9708-019B960494DF}">
-                <a14:hiddenLine xmlns:a14="http://schemas.microsoft.com/office/drawing/2010/main" xmlns="" w="9525">
+                <a14:hiddenLine xmlns="" xmlns:a14="http://schemas.microsoft.com/office/drawing/2010/main" w="9525">
                   <a:solidFill>
                     <a:srgbClr val="000000"/>
                   </a:solidFill>
@@ -8520,7 +8731,7 @@
             </a:ln>
             <a:extLst>
               <a:ext uri="{91240B29-F687-4f45-9708-019B960494DF}">
-                <a14:hiddenLine xmlns:a14="http://schemas.microsoft.com/office/drawing/2010/main" xmlns="" w="9525">
+                <a14:hiddenLine xmlns="" xmlns:a14="http://schemas.microsoft.com/office/drawing/2010/main" w="9525">
                   <a:solidFill>
                     <a:srgbClr val="000000"/>
                   </a:solidFill>
@@ -8588,7 +8799,7 @@
             </a:ln>
             <a:extLst>
               <a:ext uri="{91240B29-F687-4f45-9708-019B960494DF}">
-                <a14:hiddenLine xmlns:a14="http://schemas.microsoft.com/office/drawing/2010/main" xmlns="" w="9525">
+                <a14:hiddenLine xmlns="" xmlns:a14="http://schemas.microsoft.com/office/drawing/2010/main" w="9525">
                   <a:solidFill>
                     <a:srgbClr val="000000"/>
                   </a:solidFill>
@@ -8678,7 +8889,7 @@
             </a:ln>
             <a:extLst>
               <a:ext uri="{91240B29-F687-4f45-9708-019B960494DF}">
-                <a14:hiddenLine xmlns:a14="http://schemas.microsoft.com/office/drawing/2010/main" xmlns="" w="9525">
+                <a14:hiddenLine xmlns="" xmlns:a14="http://schemas.microsoft.com/office/drawing/2010/main" w="9525">
                   <a:solidFill>
                     <a:srgbClr val="000000"/>
                   </a:solidFill>
@@ -8712,7 +8923,7 @@
             </a:ln>
             <a:extLst>
               <a:ext uri="{91240B29-F687-4f45-9708-019B960494DF}">
-                <a14:hiddenLine xmlns:a14="http://schemas.microsoft.com/office/drawing/2010/main" xmlns="" w="9525">
+                <a14:hiddenLine xmlns="" xmlns:a14="http://schemas.microsoft.com/office/drawing/2010/main" w="9525">
                   <a:solidFill>
                     <a:srgbClr val="000000"/>
                   </a:solidFill>
@@ -8802,7 +9013,7 @@
             </a:ln>
             <a:extLst>
               <a:ext uri="{91240B29-F687-4f45-9708-019B960494DF}">
-                <a14:hiddenLine xmlns:a14="http://schemas.microsoft.com/office/drawing/2010/main" xmlns="" w="9525">
+                <a14:hiddenLine xmlns="" xmlns:a14="http://schemas.microsoft.com/office/drawing/2010/main" w="9525">
                   <a:solidFill>
                     <a:srgbClr val="000000"/>
                   </a:solidFill>
@@ -8864,7 +9075,7 @@
             </a:ln>
             <a:extLst>
               <a:ext uri="{91240B29-F687-4f45-9708-019B960494DF}">
-                <a14:hiddenLine xmlns:a14="http://schemas.microsoft.com/office/drawing/2010/main" xmlns="" w="9525">
+                <a14:hiddenLine xmlns="" xmlns:a14="http://schemas.microsoft.com/office/drawing/2010/main" w="9525">
                   <a:solidFill>
                     <a:srgbClr val="000000"/>
                   </a:solidFill>
@@ -8926,7 +9137,7 @@
             </a:ln>
             <a:extLst>
               <a:ext uri="{91240B29-F687-4f45-9708-019B960494DF}">
-                <a14:hiddenLine xmlns:a14="http://schemas.microsoft.com/office/drawing/2010/main" xmlns="" w="9525">
+                <a14:hiddenLine xmlns="" xmlns:a14="http://schemas.microsoft.com/office/drawing/2010/main" w="9525">
                   <a:solidFill>
                     <a:srgbClr val="000000"/>
                   </a:solidFill>
@@ -9016,7 +9227,7 @@
             </a:ln>
             <a:extLst>
               <a:ext uri="{91240B29-F687-4f45-9708-019B960494DF}">
-                <a14:hiddenLine xmlns:a14="http://schemas.microsoft.com/office/drawing/2010/main" xmlns="" w="9525">
+                <a14:hiddenLine xmlns="" xmlns:a14="http://schemas.microsoft.com/office/drawing/2010/main" w="9525">
                   <a:solidFill>
                     <a:srgbClr val="000000"/>
                   </a:solidFill>
@@ -9084,7 +9295,7 @@
             </a:ln>
             <a:extLst>
               <a:ext uri="{91240B29-F687-4f45-9708-019B960494DF}">
-                <a14:hiddenLine xmlns:a14="http://schemas.microsoft.com/office/drawing/2010/main" xmlns="" w="9525">
+                <a14:hiddenLine xmlns="" xmlns:a14="http://schemas.microsoft.com/office/drawing/2010/main" w="9525">
                   <a:solidFill>
                     <a:srgbClr val="000000"/>
                   </a:solidFill>
@@ -9146,7 +9357,7 @@
             </a:ln>
             <a:extLst>
               <a:ext uri="{91240B29-F687-4f45-9708-019B960494DF}">
-                <a14:hiddenLine xmlns:a14="http://schemas.microsoft.com/office/drawing/2010/main" xmlns="" w="9525">
+                <a14:hiddenLine xmlns="" xmlns:a14="http://schemas.microsoft.com/office/drawing/2010/main" w="9525">
                   <a:solidFill>
                     <a:srgbClr val="000000"/>
                   </a:solidFill>
@@ -9236,7 +9447,7 @@
             </a:ln>
             <a:extLst>
               <a:ext uri="{91240B29-F687-4f45-9708-019B960494DF}">
-                <a14:hiddenLine xmlns:a14="http://schemas.microsoft.com/office/drawing/2010/main" xmlns="" w="9525">
+                <a14:hiddenLine xmlns="" xmlns:a14="http://schemas.microsoft.com/office/drawing/2010/main" w="9525">
                   <a:solidFill>
                     <a:srgbClr val="000000"/>
                   </a:solidFill>
@@ -9298,7 +9509,7 @@
             </a:ln>
             <a:extLst>
               <a:ext uri="{91240B29-F687-4f45-9708-019B960494DF}">
-                <a14:hiddenLine xmlns:a14="http://schemas.microsoft.com/office/drawing/2010/main" xmlns="" w="9525">
+                <a14:hiddenLine xmlns="" xmlns:a14="http://schemas.microsoft.com/office/drawing/2010/main" w="9525">
                   <a:solidFill>
                     <a:srgbClr val="000000"/>
                   </a:solidFill>
@@ -9388,7 +9599,7 @@
             </a:ln>
             <a:extLst>
               <a:ext uri="{91240B29-F687-4f45-9708-019B960494DF}">
-                <a14:hiddenLine xmlns:a14="http://schemas.microsoft.com/office/drawing/2010/main" xmlns="" w="9525">
+                <a14:hiddenLine xmlns="" xmlns:a14="http://schemas.microsoft.com/office/drawing/2010/main" w="9525">
                   <a:solidFill>
                     <a:srgbClr val="000000"/>
                   </a:solidFill>
@@ -9450,7 +9661,7 @@
             </a:ln>
             <a:extLst>
               <a:ext uri="{91240B29-F687-4f45-9708-019B960494DF}">
-                <a14:hiddenLine xmlns:a14="http://schemas.microsoft.com/office/drawing/2010/main" xmlns="" w="9525">
+                <a14:hiddenLine xmlns="" xmlns:a14="http://schemas.microsoft.com/office/drawing/2010/main" w="9525">
                   <a:solidFill>
                     <a:srgbClr val="000000"/>
                   </a:solidFill>
@@ -9540,7 +9751,7 @@
             </a:ln>
             <a:extLst>
               <a:ext uri="{91240B29-F687-4f45-9708-019B960494DF}">
-                <a14:hiddenLine xmlns:a14="http://schemas.microsoft.com/office/drawing/2010/main" xmlns="" w="9525">
+                <a14:hiddenLine xmlns="" xmlns:a14="http://schemas.microsoft.com/office/drawing/2010/main" w="9525">
                   <a:solidFill>
                     <a:srgbClr val="000000"/>
                   </a:solidFill>
@@ -9574,7 +9785,7 @@
             </a:ln>
             <a:extLst>
               <a:ext uri="{91240B29-F687-4f45-9708-019B960494DF}">
-                <a14:hiddenLine xmlns:a14="http://schemas.microsoft.com/office/drawing/2010/main" xmlns="" w="9525">
+                <a14:hiddenLine xmlns="" xmlns:a14="http://schemas.microsoft.com/office/drawing/2010/main" w="9525">
                   <a:solidFill>
                     <a:srgbClr val="000000"/>
                   </a:solidFill>
@@ -9639,7 +9850,7 @@
             </a:ln>
             <a:extLst>
               <a:ext uri="{91240B29-F687-4f45-9708-019B960494DF}">
-                <a14:hiddenLine xmlns:a14="http://schemas.microsoft.com/office/drawing/2010/main" xmlns="" w="9525">
+                <a14:hiddenLine xmlns="" xmlns:a14="http://schemas.microsoft.com/office/drawing/2010/main" w="9525">
                   <a:solidFill>
                     <a:srgbClr val="000000"/>
                   </a:solidFill>
@@ -9729,7 +9940,7 @@
             </a:ln>
             <a:extLst>
               <a:ext uri="{91240B29-F687-4f45-9708-019B960494DF}">
-                <a14:hiddenLine xmlns:a14="http://schemas.microsoft.com/office/drawing/2010/main" xmlns="" w="9525">
+                <a14:hiddenLine xmlns="" xmlns:a14="http://schemas.microsoft.com/office/drawing/2010/main" w="9525">
                   <a:solidFill>
                     <a:srgbClr val="000000"/>
                   </a:solidFill>
@@ -9791,7 +10002,7 @@
             </a:ln>
             <a:extLst>
               <a:ext uri="{91240B29-F687-4f45-9708-019B960494DF}">
-                <a14:hiddenLine xmlns:a14="http://schemas.microsoft.com/office/drawing/2010/main" xmlns="" w="9525">
+                <a14:hiddenLine xmlns="" xmlns:a14="http://schemas.microsoft.com/office/drawing/2010/main" w="9525">
                   <a:solidFill>
                     <a:srgbClr val="000000"/>
                   </a:solidFill>
@@ -9881,7 +10092,7 @@
             </a:ln>
             <a:extLst>
               <a:ext uri="{91240B29-F687-4f45-9708-019B960494DF}">
-                <a14:hiddenLine xmlns:a14="http://schemas.microsoft.com/office/drawing/2010/main" xmlns="" w="9525">
+                <a14:hiddenLine xmlns="" xmlns:a14="http://schemas.microsoft.com/office/drawing/2010/main" w="9525">
                   <a:solidFill>
                     <a:srgbClr val="000000"/>
                   </a:solidFill>
@@ -9971,7 +10182,7 @@
             </a:ln>
             <a:extLst>
               <a:ext uri="{91240B29-F687-4f45-9708-019B960494DF}">
-                <a14:hiddenLine xmlns:a14="http://schemas.microsoft.com/office/drawing/2010/main" xmlns="" w="9525">
+                <a14:hiddenLine xmlns="" xmlns:a14="http://schemas.microsoft.com/office/drawing/2010/main" w="9525">
                   <a:solidFill>
                     <a:srgbClr val="000000"/>
                   </a:solidFill>
@@ -10036,7 +10247,7 @@
             </a:ln>
             <a:extLst>
               <a:ext uri="{91240B29-F687-4f45-9708-019B960494DF}">
-                <a14:hiddenLine xmlns:a14="http://schemas.microsoft.com/office/drawing/2010/main" xmlns="" w="9525">
+                <a14:hiddenLine xmlns="" xmlns:a14="http://schemas.microsoft.com/office/drawing/2010/main" w="9525">
                   <a:solidFill>
                     <a:srgbClr val="000000"/>
                   </a:solidFill>
@@ -10098,7 +10309,7 @@
             </a:ln>
             <a:extLst>
               <a:ext uri="{91240B29-F687-4f45-9708-019B960494DF}">
-                <a14:hiddenLine xmlns:a14="http://schemas.microsoft.com/office/drawing/2010/main" xmlns="" w="9525">
+                <a14:hiddenLine xmlns="" xmlns:a14="http://schemas.microsoft.com/office/drawing/2010/main" w="9525">
                   <a:solidFill>
                     <a:srgbClr val="000000"/>
                   </a:solidFill>
@@ -10188,7 +10399,7 @@
             </a:ln>
             <a:extLst>
               <a:ext uri="{91240B29-F687-4f45-9708-019B960494DF}">
-                <a14:hiddenLine xmlns:a14="http://schemas.microsoft.com/office/drawing/2010/main" xmlns="" w="9525">
+                <a14:hiddenLine xmlns="" xmlns:a14="http://schemas.microsoft.com/office/drawing/2010/main" w="9525">
                   <a:solidFill>
                     <a:srgbClr val="000000"/>
                   </a:solidFill>
@@ -10278,7 +10489,7 @@
             </a:ln>
             <a:extLst>
               <a:ext uri="{91240B29-F687-4f45-9708-019B960494DF}">
-                <a14:hiddenLine xmlns:a14="http://schemas.microsoft.com/office/drawing/2010/main" xmlns="" w="9525">
+                <a14:hiddenLine xmlns="" xmlns:a14="http://schemas.microsoft.com/office/drawing/2010/main" w="9525">
                   <a:solidFill>
                     <a:srgbClr val="000000"/>
                   </a:solidFill>
@@ -10340,7 +10551,7 @@
             </a:ln>
             <a:extLst>
               <a:ext uri="{91240B29-F687-4f45-9708-019B960494DF}">
-                <a14:hiddenLine xmlns:a14="http://schemas.microsoft.com/office/drawing/2010/main" xmlns="" w="9525">
+                <a14:hiddenLine xmlns="" xmlns:a14="http://schemas.microsoft.com/office/drawing/2010/main" w="9525">
                   <a:solidFill>
                     <a:srgbClr val="000000"/>
                   </a:solidFill>
@@ -10460,7 +10671,7 @@
             </a:ln>
             <a:extLst>
               <a:ext uri="{91240B29-F687-4f45-9708-019B960494DF}">
-                <a14:hiddenLine xmlns:a14="http://schemas.microsoft.com/office/drawing/2010/main" xmlns="" w="9525">
+                <a14:hiddenLine xmlns="" xmlns:a14="http://schemas.microsoft.com/office/drawing/2010/main" w="9525">
                   <a:solidFill>
                     <a:srgbClr val="000000"/>
                   </a:solidFill>
@@ -10528,7 +10739,7 @@
             </a:ln>
             <a:extLst>
               <a:ext uri="{91240B29-F687-4f45-9708-019B960494DF}">
-                <a14:hiddenLine xmlns:a14="http://schemas.microsoft.com/office/drawing/2010/main" xmlns="" w="9525">
+                <a14:hiddenLine xmlns="" xmlns:a14="http://schemas.microsoft.com/office/drawing/2010/main" w="9525">
                   <a:solidFill>
                     <a:srgbClr val="000000"/>
                   </a:solidFill>
@@ -10618,7 +10829,7 @@
             </a:ln>
             <a:extLst>
               <a:ext uri="{91240B29-F687-4f45-9708-019B960494DF}">
-                <a14:hiddenLine xmlns:a14="http://schemas.microsoft.com/office/drawing/2010/main" xmlns="" w="9525">
+                <a14:hiddenLine xmlns="" xmlns:a14="http://schemas.microsoft.com/office/drawing/2010/main" w="9525">
                   <a:solidFill>
                     <a:srgbClr val="000000"/>
                   </a:solidFill>
@@ -10758,7 +10969,7 @@
           <a:p>
             <a:fld id="{41DCBB70-9A08-4AA5-A271-721B6525CB9F}" type="datetime1">
               <a:rPr lang="en-US" smtClean="0"/>
-              <a:t>6/11/2017</a:t>
+              <a:t>6/14/17</a:t>
             </a:fld>
             <a:endParaRPr lang="en-US"/>
           </a:p>
@@ -11025,7 +11236,7 @@
           <a:p>
             <a:fld id="{9E661AA1-C993-49F4-84DE-675C7065B200}" type="datetime1">
               <a:rPr lang="en-US" smtClean="0"/>
-              <a:t>6/11/2017</a:t>
+              <a:t>6/14/17</a:t>
             </a:fld>
             <a:endParaRPr lang="en-US"/>
           </a:p>
@@ -11221,7 +11432,7 @@
           <a:p>
             <a:fld id="{35ED3023-723E-443F-8079-577C9EEE921C}" type="datetime1">
               <a:rPr lang="en-US" smtClean="0"/>
-              <a:t>6/11/2017</a:t>
+              <a:t>6/14/17</a:t>
             </a:fld>
             <a:endParaRPr lang="en-US"/>
           </a:p>
@@ -11484,7 +11695,7 @@
           <a:p>
             <a:fld id="{6B73FD1C-B51A-48F7-AC02-2F0D97D814F7}" type="datetime1">
               <a:rPr lang="en-US" smtClean="0"/>
-              <a:t>6/11/2017</a:t>
+              <a:t>6/14/17</a:t>
             </a:fld>
             <a:endParaRPr lang="en-US"/>
           </a:p>
@@ -11918,7 +12129,7 @@
           <a:p>
             <a:fld id="{FB8D9E83-F75A-43AD-B2ED-7E8CAF48F668}" type="datetime1">
               <a:rPr lang="en-US" smtClean="0"/>
-              <a:t>6/11/2017</a:t>
+              <a:t>6/14/17</a:t>
             </a:fld>
             <a:endParaRPr lang="en-US"/>
           </a:p>
@@ -12464,7 +12675,7 @@
           <a:p>
             <a:fld id="{768A83B0-3BAE-4E53-B5B7-0FF7FE737D64}" type="datetime1">
               <a:rPr lang="en-US" smtClean="0"/>
-              <a:t>6/11/2017</a:t>
+              <a:t>6/14/17</a:t>
             </a:fld>
             <a:endParaRPr lang="en-US"/>
           </a:p>
@@ -13184,7 +13395,7 @@
           <a:p>
             <a:fld id="{B16730D7-1777-41F9-B918-BBBB96CD566E}" type="datetime1">
               <a:rPr lang="en-US" smtClean="0"/>
-              <a:t>6/11/2017</a:t>
+              <a:t>6/14/17</a:t>
             </a:fld>
             <a:endParaRPr lang="en-US"/>
           </a:p>
@@ -13354,7 +13565,7 @@
           <a:p>
             <a:fld id="{6D09EAFD-48A8-461E-BE3C-44687419BF39}" type="datetime1">
               <a:rPr lang="en-US" smtClean="0"/>
-              <a:t>6/11/2017</a:t>
+              <a:t>6/14/17</a:t>
             </a:fld>
             <a:endParaRPr lang="en-US"/>
           </a:p>
@@ -13534,7 +13745,7 @@
           <a:p>
             <a:fld id="{8FD3B498-F311-4C43-B1BB-5A8293E0A9A4}" type="datetime1">
               <a:rPr lang="en-US" smtClean="0"/>
-              <a:t>6/11/2017</a:t>
+              <a:t>6/14/17</a:t>
             </a:fld>
             <a:endParaRPr lang="en-US"/>
           </a:p>
@@ -13704,7 +13915,7 @@
           <a:p>
             <a:fld id="{883771BF-CA23-432F-8D8B-D4805A2FDC25}" type="datetime1">
               <a:rPr lang="en-US" smtClean="0"/>
-              <a:t>6/11/2017</a:t>
+              <a:t>6/14/17</a:t>
             </a:fld>
             <a:endParaRPr lang="en-US"/>
           </a:p>
@@ -13954,7 +14165,7 @@
           <a:p>
             <a:fld id="{1D68C36A-6259-4E5A-A049-3DCA1D14583C}" type="datetime1">
               <a:rPr lang="en-US" smtClean="0"/>
-              <a:t>6/11/2017</a:t>
+              <a:t>6/14/17</a:t>
             </a:fld>
             <a:endParaRPr lang="en-US"/>
           </a:p>
@@ -14186,7 +14397,7 @@
           <a:p>
             <a:fld id="{F34191F4-FB8B-48CA-AE1C-459EE9927C52}" type="datetime1">
               <a:rPr lang="en-US" smtClean="0"/>
-              <a:t>6/11/2017</a:t>
+              <a:t>6/14/17</a:t>
             </a:fld>
             <a:endParaRPr lang="en-US"/>
           </a:p>
@@ -14567,7 +14778,7 @@
           <a:p>
             <a:fld id="{1A00DB3D-0C93-46F0-85AD-FA7B3F55FC09}" type="datetime1">
               <a:rPr lang="en-US" smtClean="0"/>
-              <a:t>6/11/2017</a:t>
+              <a:t>6/14/17</a:t>
             </a:fld>
             <a:endParaRPr lang="en-US"/>
           </a:p>
@@ -14685,7 +14896,7 @@
           <a:p>
             <a:fld id="{497B238E-31D3-4B1F-B348-185C972FE44A}" type="datetime1">
               <a:rPr lang="en-US" smtClean="0"/>
-              <a:t>6/11/2017</a:t>
+              <a:t>6/14/17</a:t>
             </a:fld>
             <a:endParaRPr lang="en-US"/>
           </a:p>
@@ -14780,7 +14991,7 @@
           <a:p>
             <a:fld id="{19582FB6-8FF1-4BD0-8894-95577FB7710C}" type="datetime1">
               <a:rPr lang="en-US" smtClean="0"/>
-              <a:t>6/11/2017</a:t>
+              <a:t>6/14/17</a:t>
             </a:fld>
             <a:endParaRPr lang="en-US"/>
           </a:p>
@@ -15029,7 +15240,7 @@
           <a:p>
             <a:fld id="{4DA5B7C6-DBC3-44D3-B529-A12A76EAA082}" type="datetime1">
               <a:rPr lang="en-US" smtClean="0"/>
-              <a:t>6/11/2017</a:t>
+              <a:t>6/14/17</a:t>
             </a:fld>
             <a:endParaRPr lang="en-US"/>
           </a:p>
@@ -15309,7 +15520,7 @@
           <a:p>
             <a:fld id="{A5E04D17-1D2A-4495-A1D2-AEA6C5658C0F}" type="datetime1">
               <a:rPr lang="en-US" smtClean="0"/>
-              <a:t>6/11/2017</a:t>
+              <a:t>6/14/17</a:t>
             </a:fld>
             <a:endParaRPr lang="en-US"/>
           </a:p>
@@ -15425,7 +15636,7 @@
           <a:noFill/>
           <a:extLst>
             <a:ext uri="{909E8E84-426E-40dd-AFC4-6F175D3DCCD1}">
-              <a14:hiddenFill xmlns:a14="http://schemas.microsoft.com/office/drawing/2010/main" xmlns="">
+              <a14:hiddenFill xmlns="" xmlns:a14="http://schemas.microsoft.com/office/drawing/2010/main">
                 <a:solidFill>
                   <a:srgbClr val="FFFFFF"/>
                 </a:solidFill>
@@ -15499,7 +15710,7 @@
               </a:ln>
               <a:extLst>
                 <a:ext uri="{91240B29-F687-4f45-9708-019B960494DF}">
-                  <a14:hiddenLine xmlns:a14="http://schemas.microsoft.com/office/drawing/2010/main" xmlns="" w="9525">
+                  <a14:hiddenLine xmlns="" xmlns:a14="http://schemas.microsoft.com/office/drawing/2010/main" w="9525">
                     <a:solidFill>
                       <a:srgbClr val="000000"/>
                     </a:solidFill>
@@ -15589,7 +15800,7 @@
               </a:ln>
               <a:extLst>
                 <a:ext uri="{91240B29-F687-4f45-9708-019B960494DF}">
-                  <a14:hiddenLine xmlns:a14="http://schemas.microsoft.com/office/drawing/2010/main" xmlns="" w="9525">
+                  <a14:hiddenLine xmlns="" xmlns:a14="http://schemas.microsoft.com/office/drawing/2010/main" w="9525">
                     <a:solidFill>
                       <a:srgbClr val="000000"/>
                     </a:solidFill>
@@ -15679,7 +15890,7 @@
               </a:ln>
               <a:extLst>
                 <a:ext uri="{91240B29-F687-4f45-9708-019B960494DF}">
-                  <a14:hiddenLine xmlns:a14="http://schemas.microsoft.com/office/drawing/2010/main" xmlns="" w="9525">
+                  <a14:hiddenLine xmlns="" xmlns:a14="http://schemas.microsoft.com/office/drawing/2010/main" w="9525">
                     <a:solidFill>
                       <a:srgbClr val="000000"/>
                     </a:solidFill>
@@ -15741,7 +15952,7 @@
               </a:ln>
               <a:extLst>
                 <a:ext uri="{91240B29-F687-4f45-9708-019B960494DF}">
-                  <a14:hiddenLine xmlns:a14="http://schemas.microsoft.com/office/drawing/2010/main" xmlns="" w="9525">
+                  <a14:hiddenLine xmlns="" xmlns:a14="http://schemas.microsoft.com/office/drawing/2010/main" w="9525">
                     <a:solidFill>
                       <a:srgbClr val="000000"/>
                     </a:solidFill>
@@ -15831,7 +16042,7 @@
               </a:ln>
               <a:extLst>
                 <a:ext uri="{91240B29-F687-4f45-9708-019B960494DF}">
-                  <a14:hiddenLine xmlns:a14="http://schemas.microsoft.com/office/drawing/2010/main" xmlns="" w="9525">
+                  <a14:hiddenLine xmlns="" xmlns:a14="http://schemas.microsoft.com/office/drawing/2010/main" w="9525">
                     <a:solidFill>
                       <a:srgbClr val="000000"/>
                     </a:solidFill>
@@ -15893,7 +16104,7 @@
               </a:ln>
               <a:extLst>
                 <a:ext uri="{91240B29-F687-4f45-9708-019B960494DF}">
-                  <a14:hiddenLine xmlns:a14="http://schemas.microsoft.com/office/drawing/2010/main" xmlns="" w="9525">
+                  <a14:hiddenLine xmlns="" xmlns:a14="http://schemas.microsoft.com/office/drawing/2010/main" w="9525">
                     <a:solidFill>
                       <a:srgbClr val="000000"/>
                     </a:solidFill>
@@ -15955,7 +16166,7 @@
               </a:ln>
               <a:extLst>
                 <a:ext uri="{91240B29-F687-4f45-9708-019B960494DF}">
-                  <a14:hiddenLine xmlns:a14="http://schemas.microsoft.com/office/drawing/2010/main" xmlns="" w="9525">
+                  <a14:hiddenLine xmlns="" xmlns:a14="http://schemas.microsoft.com/office/drawing/2010/main" w="9525">
                     <a:solidFill>
                       <a:srgbClr val="000000"/>
                     </a:solidFill>
@@ -16045,7 +16256,7 @@
               </a:ln>
               <a:extLst>
                 <a:ext uri="{91240B29-F687-4f45-9708-019B960494DF}">
-                  <a14:hiddenLine xmlns:a14="http://schemas.microsoft.com/office/drawing/2010/main" xmlns="" w="9525">
+                  <a14:hiddenLine xmlns="" xmlns:a14="http://schemas.microsoft.com/office/drawing/2010/main" w="9525">
                     <a:solidFill>
                       <a:srgbClr val="000000"/>
                     </a:solidFill>
@@ -16135,7 +16346,7 @@
               </a:ln>
               <a:extLst>
                 <a:ext uri="{91240B29-F687-4f45-9708-019B960494DF}">
-                  <a14:hiddenLine xmlns:a14="http://schemas.microsoft.com/office/drawing/2010/main" xmlns="" w="9525">
+                  <a14:hiddenLine xmlns="" xmlns:a14="http://schemas.microsoft.com/office/drawing/2010/main" w="9525">
                     <a:solidFill>
                       <a:srgbClr val="000000"/>
                     </a:solidFill>
@@ -16197,7 +16408,7 @@
               </a:ln>
               <a:extLst>
                 <a:ext uri="{91240B29-F687-4f45-9708-019B960494DF}">
-                  <a14:hiddenLine xmlns:a14="http://schemas.microsoft.com/office/drawing/2010/main" xmlns="" w="9525">
+                  <a14:hiddenLine xmlns="" xmlns:a14="http://schemas.microsoft.com/office/drawing/2010/main" w="9525">
                     <a:solidFill>
                       <a:srgbClr val="000000"/>
                     </a:solidFill>
@@ -16307,7 +16518,7 @@
               </a:ln>
               <a:extLst>
                 <a:ext uri="{91240B29-F687-4f45-9708-019B960494DF}">
-                  <a14:hiddenLine xmlns:a14="http://schemas.microsoft.com/office/drawing/2010/main" xmlns="" w="9525">
+                  <a14:hiddenLine xmlns="" xmlns:a14="http://schemas.microsoft.com/office/drawing/2010/main" w="9525">
                     <a:solidFill>
                       <a:srgbClr val="000000"/>
                     </a:solidFill>
@@ -16391,7 +16602,7 @@
               </a:ln>
               <a:extLst>
                 <a:ext uri="{91240B29-F687-4f45-9708-019B960494DF}">
-                  <a14:hiddenLine xmlns:a14="http://schemas.microsoft.com/office/drawing/2010/main" xmlns="" w="9525">
+                  <a14:hiddenLine xmlns="" xmlns:a14="http://schemas.microsoft.com/office/drawing/2010/main" w="9525">
                     <a:solidFill>
                       <a:srgbClr val="000000"/>
                     </a:solidFill>
@@ -16453,7 +16664,7 @@
               </a:ln>
               <a:extLst>
                 <a:ext uri="{91240B29-F687-4f45-9708-019B960494DF}">
-                  <a14:hiddenLine xmlns:a14="http://schemas.microsoft.com/office/drawing/2010/main" xmlns="" w="9525">
+                  <a14:hiddenLine xmlns="" xmlns:a14="http://schemas.microsoft.com/office/drawing/2010/main" w="9525">
                     <a:solidFill>
                       <a:srgbClr val="000000"/>
                     </a:solidFill>
@@ -16515,7 +16726,7 @@
               </a:ln>
               <a:extLst>
                 <a:ext uri="{91240B29-F687-4f45-9708-019B960494DF}">
-                  <a14:hiddenLine xmlns:a14="http://schemas.microsoft.com/office/drawing/2010/main" xmlns="" w="9525">
+                  <a14:hiddenLine xmlns="" xmlns:a14="http://schemas.microsoft.com/office/drawing/2010/main" w="9525">
                     <a:solidFill>
                       <a:srgbClr val="000000"/>
                     </a:solidFill>
@@ -16605,7 +16816,7 @@
               </a:ln>
               <a:extLst>
                 <a:ext uri="{91240B29-F687-4f45-9708-019B960494DF}">
-                  <a14:hiddenLine xmlns:a14="http://schemas.microsoft.com/office/drawing/2010/main" xmlns="" w="9525">
+                  <a14:hiddenLine xmlns="" xmlns:a14="http://schemas.microsoft.com/office/drawing/2010/main" w="9525">
                     <a:solidFill>
                       <a:srgbClr val="000000"/>
                     </a:solidFill>
@@ -16639,7 +16850,7 @@
               </a:ln>
               <a:extLst>
                 <a:ext uri="{91240B29-F687-4f45-9708-019B960494DF}">
-                  <a14:hiddenLine xmlns:a14="http://schemas.microsoft.com/office/drawing/2010/main" xmlns="" w="9525">
+                  <a14:hiddenLine xmlns="" xmlns:a14="http://schemas.microsoft.com/office/drawing/2010/main" w="9525">
                     <a:solidFill>
                       <a:srgbClr val="000000"/>
                     </a:solidFill>
@@ -16704,7 +16915,7 @@
               </a:ln>
               <a:extLst>
                 <a:ext uri="{91240B29-F687-4f45-9708-019B960494DF}">
-                  <a14:hiddenLine xmlns:a14="http://schemas.microsoft.com/office/drawing/2010/main" xmlns="" w="9525">
+                  <a14:hiddenLine xmlns="" xmlns:a14="http://schemas.microsoft.com/office/drawing/2010/main" w="9525">
                     <a:solidFill>
                       <a:srgbClr val="000000"/>
                     </a:solidFill>
@@ -16794,7 +17005,7 @@
               </a:ln>
               <a:extLst>
                 <a:ext uri="{91240B29-F687-4f45-9708-019B960494DF}">
-                  <a14:hiddenLine xmlns:a14="http://schemas.microsoft.com/office/drawing/2010/main" xmlns="" w="9525">
+                  <a14:hiddenLine xmlns="" xmlns:a14="http://schemas.microsoft.com/office/drawing/2010/main" w="9525">
                     <a:solidFill>
                       <a:srgbClr val="000000"/>
                     </a:solidFill>
@@ -16856,7 +17067,7 @@
               </a:ln>
               <a:extLst>
                 <a:ext uri="{91240B29-F687-4f45-9708-019B960494DF}">
-                  <a14:hiddenLine xmlns:a14="http://schemas.microsoft.com/office/drawing/2010/main" xmlns="" w="9525">
+                  <a14:hiddenLine xmlns="" xmlns:a14="http://schemas.microsoft.com/office/drawing/2010/main" w="9525">
                     <a:solidFill>
                       <a:srgbClr val="000000"/>
                     </a:solidFill>
@@ -16946,7 +17157,7 @@
               </a:ln>
               <a:extLst>
                 <a:ext uri="{91240B29-F687-4f45-9708-019B960494DF}">
-                  <a14:hiddenLine xmlns:a14="http://schemas.microsoft.com/office/drawing/2010/main" xmlns="" w="9525">
+                  <a14:hiddenLine xmlns="" xmlns:a14="http://schemas.microsoft.com/office/drawing/2010/main" w="9525">
                     <a:solidFill>
                       <a:srgbClr val="000000"/>
                     </a:solidFill>
@@ -17011,7 +17222,7 @@
               </a:ln>
               <a:extLst>
                 <a:ext uri="{91240B29-F687-4f45-9708-019B960494DF}">
-                  <a14:hiddenLine xmlns:a14="http://schemas.microsoft.com/office/drawing/2010/main" xmlns="" w="9525">
+                  <a14:hiddenLine xmlns="" xmlns:a14="http://schemas.microsoft.com/office/drawing/2010/main" w="9525">
                     <a:solidFill>
                       <a:srgbClr val="000000"/>
                     </a:solidFill>
@@ -17073,7 +17284,7 @@
               </a:ln>
               <a:extLst>
                 <a:ext uri="{91240B29-F687-4f45-9708-019B960494DF}">
-                  <a14:hiddenLine xmlns:a14="http://schemas.microsoft.com/office/drawing/2010/main" xmlns="" w="9525">
+                  <a14:hiddenLine xmlns="" xmlns:a14="http://schemas.microsoft.com/office/drawing/2010/main" w="9525">
                     <a:solidFill>
                       <a:srgbClr val="000000"/>
                     </a:solidFill>
@@ -17163,7 +17374,7 @@
               </a:ln>
               <a:extLst>
                 <a:ext uri="{91240B29-F687-4f45-9708-019B960494DF}">
-                  <a14:hiddenLine xmlns:a14="http://schemas.microsoft.com/office/drawing/2010/main" xmlns="" w="9525">
+                  <a14:hiddenLine xmlns="" xmlns:a14="http://schemas.microsoft.com/office/drawing/2010/main" w="9525">
                     <a:solidFill>
                       <a:srgbClr val="000000"/>
                     </a:solidFill>
@@ -17253,7 +17464,7 @@
               </a:ln>
               <a:extLst>
                 <a:ext uri="{91240B29-F687-4f45-9708-019B960494DF}">
-                  <a14:hiddenLine xmlns:a14="http://schemas.microsoft.com/office/drawing/2010/main" xmlns="" w="9525">
+                  <a14:hiddenLine xmlns="" xmlns:a14="http://schemas.microsoft.com/office/drawing/2010/main" w="9525">
                     <a:solidFill>
                       <a:srgbClr val="000000"/>
                     </a:solidFill>
@@ -17318,7 +17529,7 @@
               </a:ln>
               <a:extLst>
                 <a:ext uri="{91240B29-F687-4f45-9708-019B960494DF}">
-                  <a14:hiddenLine xmlns:a14="http://schemas.microsoft.com/office/drawing/2010/main" xmlns="" w="9525">
+                  <a14:hiddenLine xmlns="" xmlns:a14="http://schemas.microsoft.com/office/drawing/2010/main" w="9525">
                     <a:solidFill>
                       <a:srgbClr val="000000"/>
                     </a:solidFill>
@@ -17438,7 +17649,7 @@
               </a:ln>
               <a:extLst>
                 <a:ext uri="{91240B29-F687-4f45-9708-019B960494DF}">
-                  <a14:hiddenLine xmlns:a14="http://schemas.microsoft.com/office/drawing/2010/main" xmlns="" w="9525">
+                  <a14:hiddenLine xmlns="" xmlns:a14="http://schemas.microsoft.com/office/drawing/2010/main" w="9525">
                     <a:solidFill>
                       <a:srgbClr val="000000"/>
                     </a:solidFill>
@@ -17536,7 +17747,7 @@
               </a:ln>
               <a:extLst>
                 <a:ext uri="{91240B29-F687-4f45-9708-019B960494DF}">
-                  <a14:hiddenLine xmlns:a14="http://schemas.microsoft.com/office/drawing/2010/main" xmlns="" w="9525">
+                  <a14:hiddenLine xmlns="" xmlns:a14="http://schemas.microsoft.com/office/drawing/2010/main" w="9525">
                     <a:solidFill>
                       <a:srgbClr val="000000"/>
                     </a:solidFill>
@@ -17651,7 +17862,7 @@
               </a:ln>
               <a:extLst>
                 <a:ext uri="{91240B29-F687-4f45-9708-019B960494DF}">
-                  <a14:hiddenLine xmlns:a14="http://schemas.microsoft.com/office/drawing/2010/main" xmlns="" w="9525">
+                  <a14:hiddenLine xmlns="" xmlns:a14="http://schemas.microsoft.com/office/drawing/2010/main" w="9525">
                     <a:solidFill>
                       <a:srgbClr val="000000"/>
                     </a:solidFill>
@@ -17741,7 +17952,7 @@
               </a:ln>
               <a:extLst>
                 <a:ext uri="{91240B29-F687-4f45-9708-019B960494DF}">
-                  <a14:hiddenLine xmlns:a14="http://schemas.microsoft.com/office/drawing/2010/main" xmlns="" w="9525">
+                  <a14:hiddenLine xmlns="" xmlns:a14="http://schemas.microsoft.com/office/drawing/2010/main" w="9525">
                     <a:solidFill>
                       <a:srgbClr val="000000"/>
                     </a:solidFill>
@@ -17806,7 +18017,7 @@
               </a:ln>
               <a:extLst>
                 <a:ext uri="{91240B29-F687-4f45-9708-019B960494DF}">
-                  <a14:hiddenLine xmlns:a14="http://schemas.microsoft.com/office/drawing/2010/main" xmlns="" w="9525">
+                  <a14:hiddenLine xmlns="" xmlns:a14="http://schemas.microsoft.com/office/drawing/2010/main" w="9525">
                     <a:solidFill>
                       <a:srgbClr val="000000"/>
                     </a:solidFill>
@@ -17896,7 +18107,7 @@
               </a:ln>
               <a:extLst>
                 <a:ext uri="{91240B29-F687-4f45-9708-019B960494DF}">
-                  <a14:hiddenLine xmlns:a14="http://schemas.microsoft.com/office/drawing/2010/main" xmlns="" w="9525">
+                  <a14:hiddenLine xmlns="" xmlns:a14="http://schemas.microsoft.com/office/drawing/2010/main" w="9525">
                     <a:solidFill>
                       <a:srgbClr val="000000"/>
                     </a:solidFill>
@@ -17964,7 +18175,7 @@
               </a:ln>
               <a:extLst>
                 <a:ext uri="{91240B29-F687-4f45-9708-019B960494DF}">
-                  <a14:hiddenLine xmlns:a14="http://schemas.microsoft.com/office/drawing/2010/main" xmlns="" w="9525">
+                  <a14:hiddenLine xmlns="" xmlns:a14="http://schemas.microsoft.com/office/drawing/2010/main" w="9525">
                     <a:solidFill>
                       <a:srgbClr val="000000"/>
                     </a:solidFill>
@@ -18054,7 +18265,7 @@
               </a:ln>
               <a:extLst>
                 <a:ext uri="{91240B29-F687-4f45-9708-019B960494DF}">
-                  <a14:hiddenLine xmlns:a14="http://schemas.microsoft.com/office/drawing/2010/main" xmlns="" w="9525">
+                  <a14:hiddenLine xmlns="" xmlns:a14="http://schemas.microsoft.com/office/drawing/2010/main" w="9525">
                     <a:solidFill>
                       <a:srgbClr val="000000"/>
                     </a:solidFill>
@@ -18122,7 +18333,7 @@
               </a:ln>
               <a:extLst>
                 <a:ext uri="{91240B29-F687-4f45-9708-019B960494DF}">
-                  <a14:hiddenLine xmlns:a14="http://schemas.microsoft.com/office/drawing/2010/main" xmlns="" w="9525">
+                  <a14:hiddenLine xmlns="" xmlns:a14="http://schemas.microsoft.com/office/drawing/2010/main" w="9525">
                     <a:solidFill>
                       <a:srgbClr val="000000"/>
                     </a:solidFill>
@@ -18212,7 +18423,7 @@
               </a:ln>
               <a:extLst>
                 <a:ext uri="{91240B29-F687-4f45-9708-019B960494DF}">
-                  <a14:hiddenLine xmlns:a14="http://schemas.microsoft.com/office/drawing/2010/main" xmlns="" w="9525">
+                  <a14:hiddenLine xmlns="" xmlns:a14="http://schemas.microsoft.com/office/drawing/2010/main" w="9525">
                     <a:solidFill>
                       <a:srgbClr val="000000"/>
                     </a:solidFill>
@@ -18246,7 +18457,7 @@
               </a:ln>
               <a:extLst>
                 <a:ext uri="{91240B29-F687-4f45-9708-019B960494DF}">
-                  <a14:hiddenLine xmlns:a14="http://schemas.microsoft.com/office/drawing/2010/main" xmlns="" w="9525">
+                  <a14:hiddenLine xmlns="" xmlns:a14="http://schemas.microsoft.com/office/drawing/2010/main" w="9525">
                     <a:solidFill>
                       <a:srgbClr val="000000"/>
                     </a:solidFill>
@@ -18386,7 +18597,7 @@
           <a:p>
             <a:fld id="{0780C3C2-E360-4074-89B7-939D42F4D217}" type="datetime1">
               <a:rPr lang="en-US" smtClean="0"/>
-              <a:t>6/11/2017</a:t>
+              <a:t>6/14/17</a:t>
             </a:fld>
             <a:endParaRPr lang="en-US"/>
           </a:p>
@@ -34446,8 +34657,12 @@
               <a:t>Static code analysis tools such as </a:t>
             </a:r>
             <a:r>
-              <a:rPr lang="en-US" dirty="0" err="1"/>
+              <a:rPr lang="en-US" dirty="0" err="1" smtClean="0"/>
               <a:t>Klocwork</a:t>
+            </a:r>
+            <a:r>
+              <a:rPr lang="en-US" dirty="0" smtClean="0"/>
+              <a:t> </a:t>
             </a:r>
             <a:endParaRPr lang="en-US" dirty="0"/>
           </a:p>
@@ -34468,8 +34683,13 @@
           <a:p>
             <a:r>
               <a:rPr lang="en-US" dirty="0"/>
-              <a:t>Fuzzing the enclave (with a kind help of edger8r tool)</a:t>
-            </a:r>
+              <a:t>Fuzzing the enclave (with a kind help of edger8r </a:t>
+            </a:r>
+            <a:r>
+              <a:rPr lang="en-US" dirty="0" smtClean="0"/>
+              <a:t>tool, both from OCALL and ECALL sides)</a:t>
+            </a:r>
+            <a:endParaRPr lang="en-US" dirty="0"/>
           </a:p>
         </p:txBody>
       </p:sp>
@@ -34543,8 +34763,15 @@
           <a:p>
             <a:r>
               <a:rPr lang="en-US" dirty="0"/>
-              <a:t>Special thanks</a:t>
-            </a:r>
+              <a:t>BTW, Intel opened a bug bounty program </a:t>
+            </a:r>
+            <a:r>
+              <a:rPr lang="en-US" dirty="0">
+                <a:sym typeface="Wingdings" panose="05000000000000000000" pitchFamily="2" charset="2"/>
+              </a:rPr>
+              <a:t></a:t>
+            </a:r>
+            <a:endParaRPr lang="en-US" dirty="0"/>
           </a:p>
         </p:txBody>
       </p:sp>
@@ -34564,21 +34791,31 @@
           <a:lstStyle/>
           <a:p>
             <a:r>
-              <a:rPr lang="en-US" dirty="0"/>
-              <a:t>Lars Richter @ayeks.de</a:t>
-            </a:r>
-          </a:p>
-          <a:p>
-            <a:r>
-              <a:rPr lang="en-US" dirty="0"/>
-              <a:t>My colleagues – if you hear this – it was an honor to work with you and I wouldn’t find all these bugs alone.</a:t>
-            </a:r>
-          </a:p>
-          <a:p>
-            <a:r>
-              <a:rPr lang="en-US" dirty="0"/>
-              <a:t>Recon organizers. It’s an honor to present here.</a:t>
-            </a:r>
+              <a:rPr lang="en-US" dirty="0">
+                <a:hlinkClick r:id="rId3"/>
+              </a:rPr>
+              <a:t>https://security-center.intel.com/BugBountyProgram.aspx</a:t>
+            </a:r>
+            <a:endParaRPr lang="en-US" dirty="0"/>
+          </a:p>
+          <a:p>
+            <a:r>
+              <a:rPr lang="en-US" dirty="0"/>
+              <a:t>All the PSW is a critical part of the infrastructure</a:t>
+            </a:r>
+          </a:p>
+          <a:p>
+            <a:pPr lvl="1"/>
+            <a:r>
+              <a:rPr lang="en-US" dirty="0"/>
+              <a:t>Bugs which are found sooner are easier to cure</a:t>
+            </a:r>
+          </a:p>
+          <a:p>
+            <a:pPr marL="0" indent="0">
+              <a:buNone/>
+            </a:pPr>
+            <a:endParaRPr lang="en-US" dirty="0"/>
           </a:p>
         </p:txBody>
       </p:sp>
@@ -34608,7 +34845,7 @@
     </p:spTree>
     <p:extLst>
       <p:ext uri="{BB962C8B-B14F-4D97-AF65-F5344CB8AC3E}">
-        <p14:creationId xmlns:p14="http://schemas.microsoft.com/office/powerpoint/2010/main" val="3110051537"/>
+        <p14:creationId xmlns:p14="http://schemas.microsoft.com/office/powerpoint/2010/main" val="2106738480"/>
       </p:ext>
     </p:extLst>
   </p:cSld>
@@ -34640,7 +34877,7 @@
           <p:cNvPr id="2" name="כותרת 1">
             <a:extLst>
               <a:ext uri="{FF2B5EF4-FFF2-40B4-BE49-F238E27FC236}">
-                <a16:creationId xmlns:a16="http://schemas.microsoft.com/office/drawing/2014/main" id="{2441E693-AAC6-490E-AAB9-F3263105878D}"/>
+                <a16:creationId xmlns:a16="http://schemas.microsoft.com/office/drawing/2014/main" xmlns="" id="{2441E693-AAC6-490E-AAB9-F3263105878D}"/>
               </a:ext>
             </a:extLst>
           </p:cNvPr>
@@ -34668,7 +34905,7 @@
           <p:cNvPr id="3" name="מציין מיקום תוכן 2">
             <a:extLst>
               <a:ext uri="{FF2B5EF4-FFF2-40B4-BE49-F238E27FC236}">
-                <a16:creationId xmlns:a16="http://schemas.microsoft.com/office/drawing/2014/main" id="{40D7FADA-349C-4F46-A92A-84063BD0ED85}"/>
+                <a16:creationId xmlns:a16="http://schemas.microsoft.com/office/drawing/2014/main" xmlns="" id="{40D7FADA-349C-4F46-A92A-84063BD0ED85}"/>
               </a:ext>
             </a:extLst>
           </p:cNvPr>
@@ -34714,7 +34951,7 @@
           <p:cNvPr id="4" name="מציין מיקום של מספר שקופית 3">
             <a:extLst>
               <a:ext uri="{FF2B5EF4-FFF2-40B4-BE49-F238E27FC236}">
-                <a16:creationId xmlns:a16="http://schemas.microsoft.com/office/drawing/2014/main" id="{DCC7083C-F067-4A46-953F-24D561884803}"/>
+                <a16:creationId xmlns:a16="http://schemas.microsoft.com/office/drawing/2014/main" xmlns="" id="{DCC7083C-F067-4A46-953F-24D561884803}"/>
               </a:ext>
             </a:extLst>
           </p:cNvPr>
@@ -34785,15 +35022,8 @@
           <a:p>
             <a:r>
               <a:rPr lang="en-US" dirty="0"/>
-              <a:t>BTW, Intel opened a bug bounty program </a:t>
-            </a:r>
-            <a:r>
-              <a:rPr lang="en-US" dirty="0">
-                <a:sym typeface="Wingdings" panose="05000000000000000000" pitchFamily="2" charset="2"/>
-              </a:rPr>
-              <a:t></a:t>
-            </a:r>
-            <a:endParaRPr lang="en-US" dirty="0"/>
+              <a:t>enclave – USEFUL links</a:t>
+            </a:r>
           </a:p>
         </p:txBody>
       </p:sp>
@@ -34809,34 +35039,120 @@
         </p:nvSpPr>
         <p:spPr/>
         <p:txBody>
-          <a:bodyPr/>
+          <a:bodyPr>
+            <a:normAutofit fontScale="62500" lnSpcReduction="20000"/>
+          </a:bodyPr>
           <a:lstStyle/>
           <a:p>
+            <a:r>
+              <a:rPr lang="en-US" dirty="0"/>
+              <a:t>Where to start : </a:t>
+            </a:r>
             <a:r>
               <a:rPr lang="en-US" dirty="0">
                 <a:hlinkClick r:id="rId3"/>
               </a:rPr>
-              <a:t>https://security-center.intel.com/BugBountyProgram.aspx</a:t>
+              <a:t>https://software.intel.com/en-us/sgx</a:t>
+            </a:r>
+            <a:r>
+              <a:rPr lang="en-US" dirty="0"/>
+              <a:t> </a:t>
+            </a:r>
+          </a:p>
+          <a:p>
+            <a:r>
+              <a:rPr lang="en-US" dirty="0"/>
+              <a:t>ISCA 2015 SGX tutorial: </a:t>
+            </a:r>
+            <a:r>
+              <a:rPr lang="en-US" dirty="0">
+                <a:hlinkClick r:id="rId4"/>
+              </a:rPr>
+              <a:t>https://software.intel.com/sites/default/files/332680-002.pdf</a:t>
             </a:r>
             <a:endParaRPr lang="en-US" dirty="0"/>
           </a:p>
           <a:p>
             <a:r>
               <a:rPr lang="en-US" dirty="0"/>
-              <a:t>All the PSW is a critical part of the infrastructure</a:t>
+              <a:t>Good external analysis: </a:t>
+            </a:r>
+            <a:r>
+              <a:rPr lang="en-US" dirty="0">
+                <a:hlinkClick r:id="rId5"/>
+              </a:rPr>
+              <a:t>http://eprint.iacr.org/2016/086.pdf</a:t>
+            </a:r>
+            <a:r>
+              <a:rPr lang="en-US" dirty="0"/>
+              <a:t> </a:t>
+            </a:r>
+          </a:p>
+          <a:p>
+            <a:r>
+              <a:rPr lang="en-US" dirty="0"/>
+              <a:t>For HW - SDM is the best: Vol. 3D : </a:t>
+            </a:r>
+            <a:r>
+              <a:rPr lang="en-US" dirty="0">
+                <a:hlinkClick r:id="rId6"/>
+              </a:rPr>
+              <a:t>http://www.intel.com/content/dam/www/public/us/en/documents/manuals/64-ia-32-architectures-software-developer-manual-325462.pdf</a:t>
+            </a:r>
+            <a:r>
+              <a:rPr lang="en-US" dirty="0"/>
+              <a:t> </a:t>
+            </a:r>
+          </a:p>
+          <a:p>
+            <a:r>
+              <a:rPr lang="en-US" dirty="0"/>
+              <a:t>Linux SDK and platform software</a:t>
             </a:r>
           </a:p>
           <a:p>
             <a:pPr lvl="1"/>
             <a:r>
-              <a:rPr lang="en-US" dirty="0"/>
-              <a:t>Bugs which are found sooner are easier to cure</a:t>
-            </a:r>
-          </a:p>
-          <a:p>
-            <a:pPr marL="0" indent="0">
-              <a:buNone/>
-            </a:pPr>
+              <a:rPr lang="en-US" dirty="0">
+                <a:hlinkClick r:id="rId7"/>
+              </a:rPr>
+              <a:t>https://01.org/intel-softwareguard-extensions</a:t>
+            </a:r>
+            <a:r>
+              <a:rPr lang="en-US" dirty="0"/>
+              <a:t>  </a:t>
+            </a:r>
+          </a:p>
+          <a:p>
+            <a:pPr lvl="1"/>
+            <a:r>
+              <a:rPr lang="en-US" dirty="0">
+                <a:hlinkClick r:id="rId8"/>
+              </a:rPr>
+              <a:t>https://github.com/01org/linux-sgx</a:t>
+            </a:r>
+            <a:r>
+              <a:rPr lang="en-US" dirty="0"/>
+              <a:t> </a:t>
+            </a:r>
+          </a:p>
+          <a:p>
+            <a:r>
+              <a:rPr lang="en-US" dirty="0"/>
+              <a:t>Enclave writers guide </a:t>
+            </a:r>
+            <a:r>
+              <a:rPr lang="en-US" dirty="0">
+                <a:hlinkClick r:id="rId9"/>
+              </a:rPr>
+              <a:t>https://software.intel.com/sites/default/files/managed/ae/48/Software-Guard-Extensions-Enclave-Writers-Guide.pdf</a:t>
+            </a:r>
+            <a:r>
+              <a:rPr lang="en-US" dirty="0"/>
+              <a:t>   </a:t>
+            </a:r>
+          </a:p>
+          <a:p>
             <a:endParaRPr lang="en-US" dirty="0"/>
           </a:p>
         </p:txBody>
@@ -34867,7 +35183,7 @@
     </p:spTree>
     <p:extLst>
       <p:ext uri="{BB962C8B-B14F-4D97-AF65-F5344CB8AC3E}">
-        <p14:creationId xmlns:p14="http://schemas.microsoft.com/office/powerpoint/2010/main" val="2106738480"/>
+        <p14:creationId xmlns:p14="http://schemas.microsoft.com/office/powerpoint/2010/main" val="3255152671"/>
       </p:ext>
     </p:extLst>
   </p:cSld>
@@ -34911,7 +35227,7 @@
           <a:p>
             <a:r>
               <a:rPr lang="en-US" dirty="0"/>
-              <a:t>enclave – USEFUL links</a:t>
+              <a:t>Special thanks</a:t>
             </a:r>
           </a:p>
         </p:txBody>
@@ -34928,121 +35244,25 @@
         </p:nvSpPr>
         <p:spPr/>
         <p:txBody>
-          <a:bodyPr>
-            <a:normAutofit fontScale="62500" lnSpcReduction="20000"/>
-          </a:bodyPr>
+          <a:bodyPr/>
           <a:lstStyle/>
           <a:p>
             <a:r>
               <a:rPr lang="en-US" dirty="0"/>
-              <a:t>Where to start : </a:t>
-            </a:r>
-            <a:r>
-              <a:rPr lang="en-US" dirty="0">
-                <a:hlinkClick r:id="rId3"/>
-              </a:rPr>
-              <a:t>https://software.intel.com/en-us/sgx</a:t>
-            </a:r>
-            <a:r>
-              <a:rPr lang="en-US" dirty="0"/>
-              <a:t> </a:t>
-            </a:r>
-          </a:p>
-          <a:p>
-            <a:r>
-              <a:rPr lang="en-US" dirty="0"/>
-              <a:t>ISCA 2015 SGX tutorial: </a:t>
-            </a:r>
-            <a:r>
-              <a:rPr lang="en-US" dirty="0">
-                <a:hlinkClick r:id="rId4"/>
-              </a:rPr>
-              <a:t>https://software.intel.com/sites/default/files/332680-002.pdf</a:t>
-            </a:r>
-            <a:endParaRPr lang="en-US" dirty="0"/>
-          </a:p>
-          <a:p>
-            <a:r>
-              <a:rPr lang="en-US" dirty="0"/>
-              <a:t>Good external analysis: </a:t>
-            </a:r>
-            <a:r>
-              <a:rPr lang="en-US" dirty="0">
-                <a:hlinkClick r:id="rId5"/>
-              </a:rPr>
-              <a:t>http://eprint.iacr.org/2016/086.pdf</a:t>
-            </a:r>
-            <a:r>
-              <a:rPr lang="en-US" dirty="0"/>
-              <a:t> </a:t>
-            </a:r>
-          </a:p>
-          <a:p>
-            <a:r>
-              <a:rPr lang="en-US" dirty="0"/>
-              <a:t>For HW - SDM is the best: Vol. 3D : </a:t>
-            </a:r>
-            <a:r>
-              <a:rPr lang="en-US" dirty="0">
-                <a:hlinkClick r:id="rId6"/>
-              </a:rPr>
-              <a:t>http://www.intel.com/content/dam/www/public/us/en/documents/manuals/64-ia-32-architectures-software-developer-manual-325462.pdf</a:t>
-            </a:r>
-            <a:r>
-              <a:rPr lang="en-US" dirty="0"/>
-              <a:t> </a:t>
-            </a:r>
-          </a:p>
-          <a:p>
-            <a:r>
-              <a:rPr lang="en-US" dirty="0"/>
-              <a:t>Linux SDK and platform software</a:t>
-            </a:r>
-          </a:p>
-          <a:p>
-            <a:pPr lvl="1"/>
-            <a:r>
-              <a:rPr lang="en-US" dirty="0">
-                <a:hlinkClick r:id="rId7"/>
-              </a:rPr>
-              <a:t>https://01.org/intel-softwareguard-extensions</a:t>
-            </a:r>
-            <a:r>
-              <a:rPr lang="en-US" dirty="0"/>
-              <a:t>  </a:t>
-            </a:r>
-          </a:p>
-          <a:p>
-            <a:pPr lvl="1"/>
-            <a:r>
-              <a:rPr lang="en-US" dirty="0">
-                <a:hlinkClick r:id="rId8"/>
-              </a:rPr>
-              <a:t>https://github.com/01org/linux-sgx</a:t>
-            </a:r>
-            <a:r>
-              <a:rPr lang="en-US" dirty="0"/>
-              <a:t> </a:t>
-            </a:r>
-          </a:p>
-          <a:p>
-            <a:r>
-              <a:rPr lang="en-US" dirty="0"/>
-              <a:t>Enclave writers guide </a:t>
-            </a:r>
-            <a:r>
-              <a:rPr lang="en-US" dirty="0">
-                <a:hlinkClick r:id="rId9"/>
-              </a:rPr>
-              <a:t>https://software.intel.com/sites/default/files/managed/ae/48/Software-Guard-Extensions-Enclave-Writers-Guide.pdf</a:t>
-            </a:r>
-            <a:r>
-              <a:rPr lang="en-US" dirty="0"/>
-              <a:t>   </a:t>
-            </a:r>
-          </a:p>
-          <a:p>
-            <a:endParaRPr lang="en-US" dirty="0"/>
+              <a:t>Lars Richter @ayeks.de</a:t>
+            </a:r>
+          </a:p>
+          <a:p>
+            <a:r>
+              <a:rPr lang="en-US" dirty="0"/>
+              <a:t>My colleagues – if you hear this – it was an honor to work with you and I wouldn’t find all these bugs alone.</a:t>
+            </a:r>
+          </a:p>
+          <a:p>
+            <a:r>
+              <a:rPr lang="en-US" dirty="0"/>
+              <a:t>Recon organizers. It’s an honor to present here.</a:t>
+            </a:r>
           </a:p>
         </p:txBody>
       </p:sp>
@@ -35072,7 +35292,7 @@
     </p:spTree>
     <p:extLst>
       <p:ext uri="{BB962C8B-B14F-4D97-AF65-F5344CB8AC3E}">
-        <p14:creationId xmlns:p14="http://schemas.microsoft.com/office/powerpoint/2010/main" val="3255152671"/>
+        <p14:creationId xmlns:p14="http://schemas.microsoft.com/office/powerpoint/2010/main" val="3110051537"/>
       </p:ext>
     </p:extLst>
   </p:cSld>
@@ -35201,7 +35421,7 @@
           <p:cNvPr id="2" name="כותרת 1">
             <a:extLst>
               <a:ext uri="{FF2B5EF4-FFF2-40B4-BE49-F238E27FC236}">
-                <a16:creationId xmlns:a16="http://schemas.microsoft.com/office/drawing/2014/main" id="{E85A3F79-B5FD-453E-87B1-16E7A0A22C98}"/>
+                <a16:creationId xmlns:a16="http://schemas.microsoft.com/office/drawing/2014/main" xmlns="" id="{E85A3F79-B5FD-453E-87B1-16E7A0A22C98}"/>
               </a:ext>
             </a:extLst>
           </p:cNvPr>
@@ -35236,7 +35456,7 @@
           <p:cNvPr id="3" name="מציין מיקום תוכן 2">
             <a:extLst>
               <a:ext uri="{FF2B5EF4-FFF2-40B4-BE49-F238E27FC236}">
-                <a16:creationId xmlns:a16="http://schemas.microsoft.com/office/drawing/2014/main" id="{E296E813-5662-455A-8B30-6B4B8556C8BB}"/>
+                <a16:creationId xmlns:a16="http://schemas.microsoft.com/office/drawing/2014/main" xmlns="" id="{E296E813-5662-455A-8B30-6B4B8556C8BB}"/>
               </a:ext>
             </a:extLst>
           </p:cNvPr>
@@ -35295,7 +35515,7 @@
           <p:cNvPr id="4" name="מציין מיקום של מספר שקופית 3">
             <a:extLst>
               <a:ext uri="{FF2B5EF4-FFF2-40B4-BE49-F238E27FC236}">
-                <a16:creationId xmlns:a16="http://schemas.microsoft.com/office/drawing/2014/main" id="{E56584D9-68B2-425F-9636-C9626FB3477A}"/>
+                <a16:creationId xmlns:a16="http://schemas.microsoft.com/office/drawing/2014/main" xmlns="" id="{E56584D9-68B2-425F-9636-C9626FB3477A}"/>
               </a:ext>
             </a:extLst>
           </p:cNvPr>

--- a/docs/SGX Enclave Programming - Common Mistakes.pptx
+++ b/docs/SGX Enclave Programming - Common Mistakes.pptx
@@ -703,7 +703,31 @@
             <a:pPr lvl="1"/>
             <a:r>
               <a:rPr lang="en-US" dirty="0"/>
-              <a:t>SGX enclave is a code, written by programmers. They are making mistakes. I know that my English is bad, but I really mean that they are writing code now and making mistakes just now – it is never ending process and it will continue until something will not disappear: SGX or programmers </a:t>
+              <a:t>SGX enclave is a code, written by programmers. They are making mistakes. I know that my English is bad, but I really mean that they are writing code now and making mistakes just </a:t>
+            </a:r>
+            <a:r>
+              <a:rPr lang="en-US" dirty="0" smtClean="0"/>
+              <a:t>now, in this very moment</a:t>
+            </a:r>
+            <a:r>
+              <a:rPr lang="en-US" baseline="0" dirty="0" smtClean="0"/>
+              <a:t> (at least in countries were Sunday is a working day)</a:t>
+            </a:r>
+            <a:r>
+              <a:rPr lang="en-US" dirty="0" smtClean="0"/>
+              <a:t> </a:t>
+            </a:r>
+            <a:r>
+              <a:rPr lang="en-US" dirty="0"/>
+              <a:t>– </a:t>
+            </a:r>
+            <a:r>
+              <a:rPr lang="en-US" dirty="0" smtClean="0"/>
+              <a:t>and it </a:t>
+            </a:r>
+            <a:r>
+              <a:rPr lang="en-US" dirty="0"/>
+              <a:t>is never ending process and it will continue until something will not disappear: SGX or programmers </a:t>
             </a:r>
             <a:r>
               <a:rPr lang="en-US" dirty="0">
@@ -866,7 +890,15 @@
           <a:p>
             <a:r>
               <a:rPr lang="en-US" dirty="0"/>
-              <a:t>It also changes the focus of the attack: Attacks on SGX enclaves will be mostly focused on extracting of enclaves secrets and reusing enclaves capabilities rather then code execution - </a:t>
+              <a:t>It also changes the focus of the attack: </a:t>
+            </a:r>
+            <a:r>
+              <a:rPr lang="en-US" dirty="0" smtClean="0"/>
+              <a:t>really successful attacks </a:t>
+            </a:r>
+            <a:r>
+              <a:rPr lang="en-US" dirty="0"/>
+              <a:t>on SGX enclaves will be mostly focused on extracting of enclaves secrets and reusing enclaves capabilities rather then code execution - </a:t>
             </a:r>
           </a:p>
           <a:p>
@@ -976,26 +1008,101 @@
               <a:defRPr/>
             </a:pPr>
             <a:r>
-              <a:rPr lang="en-US" dirty="0"/>
-              <a:t>Side channel attacks are the special case: see SGX enclave writers guide </a:t>
-            </a:r>
-            <a:r>
-              <a:rPr lang="mr-IN" dirty="0"/>
+              <a:rPr lang="en-US" dirty="0" smtClean="0"/>
+              <a:t>As a part of changes in threat model </a:t>
+            </a:r>
+            <a:r>
+              <a:rPr lang="mr-IN" dirty="0" smtClean="0"/>
               <a:t>–</a:t>
             </a:r>
             <a:r>
-              <a:rPr lang="en-US" dirty="0"/>
-              <a:t> but you are more then welcome to explore this direction, it works</a:t>
-            </a:r>
-          </a:p>
-          <a:p>
-            <a:r>
-              <a:rPr lang="en-US" dirty="0"/>
-              <a:t>There are some articles published recently. I keeping this long quote here</a:t>
+              <a:rPr lang="en-US" baseline="0" dirty="0" smtClean="0"/>
+              <a:t> timing attacks are getting more and more important and this is a</a:t>
+            </a:r>
+            <a:r>
+              <a:rPr lang="en-US" dirty="0" smtClean="0"/>
+              <a:t> </a:t>
+            </a:r>
+          </a:p>
+          <a:p>
+            <a:pPr marL="0" marR="0" lvl="0" indent="0" algn="l" defTabSz="914400" rtl="0" eaLnBrk="1" fontAlgn="auto" latinLnBrk="0" hangingPunct="1">
+              <a:lnSpc>
+                <a:spcPct val="100000"/>
+              </a:lnSpc>
+              <a:spcBef>
+                <a:spcPts val="0"/>
+              </a:spcBef>
+              <a:spcAft>
+                <a:spcPts val="0"/>
+              </a:spcAft>
+              <a:buClrTx/>
+              <a:buSzTx/>
+              <a:buFontTx/>
+              <a:buNone/>
+              <a:tabLst/>
+              <a:defRPr/>
+            </a:pPr>
+            <a:r>
+              <a:rPr lang="en-US" dirty="0" smtClean="0"/>
+              <a:t>Very</a:t>
+            </a:r>
+            <a:r>
+              <a:rPr lang="en-US" baseline="0" dirty="0" smtClean="0"/>
+              <a:t> </a:t>
+            </a:r>
+            <a:r>
+              <a:rPr lang="en-US" dirty="0" smtClean="0"/>
+              <a:t>special case</a:t>
+            </a:r>
+            <a:r>
+              <a:rPr lang="en-US" baseline="0" dirty="0" smtClean="0"/>
+              <a:t> </a:t>
+            </a:r>
+            <a:r>
+              <a:rPr lang="mr-IN" dirty="0" smtClean="0"/>
+              <a:t>–</a:t>
+            </a:r>
+            <a:r>
+              <a:rPr lang="en-US" dirty="0" smtClean="0"/>
+              <a:t> </a:t>
+            </a:r>
+            <a:r>
+              <a:rPr lang="en-US" dirty="0"/>
+              <a:t>but you are more then welcome to explore this direction, it works</a:t>
+            </a:r>
+          </a:p>
+          <a:p>
+            <a:r>
+              <a:rPr lang="en-US" dirty="0"/>
+              <a:t>There are some articles published </a:t>
+            </a:r>
+            <a:r>
+              <a:rPr lang="en-US" dirty="0" smtClean="0"/>
+              <a:t>recently about it . </a:t>
+            </a:r>
+            <a:r>
+              <a:rPr lang="en-US" dirty="0"/>
+              <a:t>I keeping this long quote </a:t>
+            </a:r>
+            <a:r>
+              <a:rPr lang="en-US" dirty="0" smtClean="0"/>
+              <a:t>from the SGX enclave writers guide here</a:t>
+            </a:r>
+            <a:r>
+              <a:rPr lang="en-US" baseline="0" dirty="0" smtClean="0"/>
+              <a:t> </a:t>
             </a:r>
             <a:r>
               <a:rPr lang="en-US" baseline="0" dirty="0"/>
-              <a:t> for those that can not hear me and will be reading the presentation, it is exact quote from enclave writers guide – please don’t rush into reading it, the essence follows:</a:t>
+              <a:t>for those that can not hear me and will be reading the presentation, it is </a:t>
+            </a:r>
+            <a:r>
+              <a:rPr lang="en-US" baseline="0" dirty="0" smtClean="0"/>
+              <a:t>an exact quote. Please </a:t>
+            </a:r>
+            <a:r>
+              <a:rPr lang="en-US" baseline="0" dirty="0"/>
+              <a:t>don’t rush into reading it, the essence follows:</a:t>
             </a:r>
             <a:endParaRPr lang="en-US" dirty="0"/>
           </a:p>
@@ -4514,13 +4621,10 @@
               <a:t>Debug enclave sent to </a:t>
             </a:r>
             <a:r>
-              <a:rPr lang="en-US" dirty="0" err="1"/>
-              <a:t>to</a:t>
-            </a:r>
-            <a:r>
-              <a:rPr lang="en-US" dirty="0"/>
-              <a:t> production</a:t>
-            </a:r>
+              <a:rPr lang="en-US" dirty="0" smtClean="0"/>
+              <a:t>production</a:t>
+            </a:r>
+            <a:endParaRPr lang="en-US" dirty="0"/>
           </a:p>
           <a:p>
             <a:r>
@@ -4932,8 +5036,37 @@
           <a:p>
             <a:r>
               <a:rPr lang="en-US" dirty="0"/>
-              <a:t>Please note that most interesting things almost can not be found dynamically.</a:t>
-            </a:r>
+              <a:t>Please note that most interesting things almost can not be found dynamically</a:t>
+            </a:r>
+            <a:r>
+              <a:rPr lang="en-US" dirty="0" smtClean="0"/>
+              <a:t>.</a:t>
+            </a:r>
+          </a:p>
+          <a:p>
+            <a:r>
+              <a:rPr lang="en-US" dirty="0" smtClean="0"/>
+              <a:t>“Bad design guard” </a:t>
+            </a:r>
+            <a:r>
+              <a:rPr lang="mr-IN" dirty="0" smtClean="0"/>
+              <a:t>–</a:t>
+            </a:r>
+            <a:r>
+              <a:rPr lang="en-US" dirty="0" smtClean="0"/>
+              <a:t> wee really need</a:t>
+            </a:r>
+            <a:r>
+              <a:rPr lang="en-US" baseline="0" dirty="0" smtClean="0"/>
+              <a:t> it </a:t>
+            </a:r>
+            <a:r>
+              <a:rPr lang="en-US" baseline="0" dirty="0" smtClean="0">
+                <a:sym typeface="Wingdings"/>
+              </a:rPr>
+              <a:t></a:t>
+            </a:r>
+            <a:endParaRPr lang="en-US" dirty="0"/>
           </a:p>
         </p:txBody>
       </p:sp>
@@ -5105,8 +5238,29 @@
           <a:p>
             <a:r>
               <a:rPr lang="en-US" baseline="0" dirty="0"/>
-              <a:t>7 – Read through the code</a:t>
-            </a:r>
+              <a:t>7 – Read through the </a:t>
+            </a:r>
+            <a:r>
+              <a:rPr lang="en-US" baseline="0" dirty="0" smtClean="0"/>
+              <a:t>code of the </a:t>
+            </a:r>
+            <a:r>
+              <a:rPr lang="en-US" baseline="0" smtClean="0"/>
+              <a:t>Enclave test (show </a:t>
+            </a:r>
+            <a:r>
+              <a:rPr lang="en-US" baseline="0" dirty="0" smtClean="0"/>
+              <a:t>shortcuts: we using for the </a:t>
+            </a:r>
+            <a:r>
+              <a:rPr lang="en-US" baseline="0" smtClean="0"/>
+              <a:t>same EDL and even the same class for ECALLS, but the OCALLS are changed). </a:t>
+            </a:r>
+            <a:r>
+              <a:rPr lang="en-US" baseline="0" dirty="0" smtClean="0"/>
+              <a:t>Show generated files </a:t>
+            </a:r>
+            <a:endParaRPr lang="en-US" baseline="0" dirty="0"/>
           </a:p>
           <a:p>
             <a:r>
@@ -5454,11 +5608,7 @@
             </a:r>
             <a:r>
               <a:rPr lang="en-US" baseline="0" dirty="0" smtClean="0"/>
-              <a:t> and missing information can </a:t>
-            </a:r>
-            <a:r>
-              <a:rPr lang="en-US" baseline="0" smtClean="0"/>
-              <a:t>be obtained by code review. </a:t>
+              <a:t> and missing information can be obtained by code review. </a:t>
             </a:r>
             <a:endParaRPr lang="en-US" dirty="0" smtClean="0"/>
           </a:p>
@@ -32328,9 +32478,10 @@
           <a:p>
             <a:pPr lvl="1"/>
             <a:r>
-              <a:rPr lang="en-US" dirty="0"/>
-              <a:t>Call your crypto PhD, don’t do it yourself</a:t>
-            </a:r>
+              <a:rPr lang="en-US" dirty="0" smtClean="0"/>
+              <a:t>Writing crypto code all alone (call your crypto PhD to avoid this) </a:t>
+            </a:r>
+            <a:endParaRPr lang="en-US" dirty="0"/>
           </a:p>
         </p:txBody>
       </p:sp>

--- a/docs/SGX Enclave Programming - Common Mistakes.pptx
+++ b/docs/SGX Enclave Programming - Common Mistakes.pptx
@@ -5242,30 +5242,17 @@
             </a:r>
             <a:r>
               <a:rPr lang="en-US" baseline="0" dirty="0" smtClean="0"/>
-              <a:t>code of the </a:t>
-            </a:r>
-            <a:r>
-              <a:rPr lang="en-US" baseline="0" smtClean="0"/>
-              <a:t>Enclave test (show </a:t>
-            </a:r>
+              <a:t>code of the DVSE  </a:t>
+            </a:r>
+          </a:p>
+          <a:p>
             <a:r>
               <a:rPr lang="en-US" baseline="0" dirty="0" smtClean="0"/>
-              <a:t>shortcuts: we using for the </a:t>
-            </a:r>
-            <a:r>
-              <a:rPr lang="en-US" baseline="0" smtClean="0"/>
-              <a:t>same EDL and even the same class for ECALLS, but the OCALLS are changed). </a:t>
-            </a:r>
-            <a:r>
-              <a:rPr lang="en-US" baseline="0" dirty="0" smtClean="0"/>
-              <a:t>Show generated files </a:t>
-            </a:r>
-            <a:endParaRPr lang="en-US" baseline="0" dirty="0"/>
-          </a:p>
-          <a:p>
+              <a:t>8 </a:t>
+            </a:r>
             <a:r>
               <a:rPr lang="en-US" baseline="0" dirty="0"/>
-              <a:t>8 – Show the </a:t>
+              <a:t>– Show the </a:t>
             </a:r>
             <a:r>
               <a:rPr lang="en-US" baseline="0" dirty="0" err="1"/>
@@ -5279,25 +5266,72 @@
           <a:p>
             <a:r>
               <a:rPr lang="en-US" baseline="0" dirty="0"/>
-              <a:t>9 – Show the enclave test</a:t>
-            </a:r>
-          </a:p>
-          <a:p>
+              <a:t>9 – Show the enclave </a:t>
+            </a:r>
+            <a:r>
+              <a:rPr lang="en-US" baseline="0" dirty="0" smtClean="0"/>
+              <a:t>test</a:t>
+            </a:r>
+          </a:p>
+          <a:p>
+            <a:pPr marL="0" marR="0" indent="0" algn="l" defTabSz="914400" rtl="0" eaLnBrk="1" fontAlgn="auto" latinLnBrk="0" hangingPunct="1">
+              <a:lnSpc>
+                <a:spcPct val="100000"/>
+              </a:lnSpc>
+              <a:spcBef>
+                <a:spcPts val="0"/>
+              </a:spcBef>
+              <a:spcAft>
+                <a:spcPts val="0"/>
+              </a:spcAft>
+              <a:buClrTx/>
+              <a:buSzTx/>
+              <a:buFontTx/>
+              <a:buNone/>
+              <a:tabLst/>
+              <a:defRPr/>
+            </a:pPr>
+            <a:r>
+              <a:rPr lang="en-US" baseline="0" dirty="0" smtClean="0"/>
+              <a:t>10 </a:t>
+            </a:r>
+            <a:r>
+              <a:rPr lang="mr-IN" baseline="0" dirty="0" smtClean="0"/>
+              <a:t>–</a:t>
+            </a:r>
+            <a:r>
+              <a:rPr lang="en-US" baseline="0" dirty="0" smtClean="0"/>
+              <a:t> Show (show shortcuts: we using for the same EDL and even the same class for ECALLS, but the OCALLS are changed). Show generated files for Untrusted part.</a:t>
+            </a:r>
+          </a:p>
+          <a:p>
+            <a:r>
+              <a:rPr lang="en-US" baseline="0" dirty="0" smtClean="0"/>
+              <a:t>11  </a:t>
+            </a:r>
             <a:r>
               <a:rPr lang="en-US" baseline="0" dirty="0"/>
-              <a:t>10  - Run it</a:t>
-            </a:r>
-          </a:p>
-          <a:p>
+              <a:t>- Run it</a:t>
+            </a:r>
+          </a:p>
+          <a:p>
+            <a:r>
+              <a:rPr lang="en-US" baseline="0" dirty="0" smtClean="0"/>
+              <a:t>12 </a:t>
+            </a:r>
             <a:r>
               <a:rPr lang="en-US" baseline="0" dirty="0"/>
-              <a:t>11 – Show found coupons</a:t>
-            </a:r>
-          </a:p>
-          <a:p>
+              <a:t>– Show found coupons</a:t>
+            </a:r>
+          </a:p>
+          <a:p>
+            <a:r>
+              <a:rPr lang="en-US" baseline="0" dirty="0" smtClean="0"/>
+              <a:t>13 </a:t>
+            </a:r>
             <a:r>
               <a:rPr lang="en-US" baseline="0" dirty="0"/>
-              <a:t>12 – Show certificate details</a:t>
+              <a:t>– Show certificate details</a:t>
             </a:r>
           </a:p>
           <a:p>
@@ -5412,15 +5446,7 @@
             </a:r>
             <a:r>
               <a:rPr lang="en-US" baseline="0" dirty="0" smtClean="0"/>
-              <a:t> I had seen similar things in real life enclaves. They were a bit more complicated, but it is an </a:t>
-            </a:r>
-            <a:r>
-              <a:rPr lang="en-US" baseline="0" dirty="0" err="1" smtClean="0"/>
-              <a:t>exsercise</a:t>
-            </a:r>
-            <a:r>
-              <a:rPr lang="en-US" baseline="0" dirty="0" smtClean="0"/>
-              <a:t>, after all.</a:t>
+              <a:t> I had seen similar things in real life enclaves. They were a bit more complicated, but it is an exercise, after all.</a:t>
             </a:r>
           </a:p>
           <a:p>

--- a/docs/SGX Enclave Programming - Common Mistakes.pptx
+++ b/docs/SGX Enclave Programming - Common Mistakes.pptx
@@ -253,7 +253,7 @@
           <a:p>
             <a:fld id="{7A0F84C6-4B66-FC4F-9BD6-6F53B9E68AE3}" type="datetimeFigureOut">
               <a:rPr lang="ru-RU" smtClean="0"/>
-              <a:t>14.06.17</a:t>
+              <a:t>18.06.2017</a:t>
             </a:fld>
             <a:endParaRPr lang="ru-RU"/>
           </a:p>
@@ -567,13 +567,13 @@
           <a:p>
             <a:r>
               <a:rPr lang="en-GB" dirty="0"/>
-              <a:t>Each organization has its own dialect of English. That’s why there are 2 probably not too much understandable abbreviations on this slide: SGX and WKM. SGX is a software guard extensions of Intel. WKM is an opposite of BKM ( best known methods) and means, of course , worst known methods.</a:t>
+              <a:t>Each organization has its own dialect of English. That’s why there are 2 probably not too much understandable abbreviations on this slide: SGX and WKM. SGX is a software guard extensions of Intel and by extension I mean instruction set extension. WKM is an opposite to the BKM (or best known methods) and means, of course , worst known methods.</a:t>
             </a:r>
           </a:p>
           <a:p>
             <a:r>
               <a:rPr lang="en-GB" dirty="0"/>
-              <a:t>Today I going to talk about mistakes that can be done (and usually done) with SGX programming – and going to present a training target for hacking SGX enclaved software.</a:t>
+              <a:t>Today I going to talk about mistakes that can be done (and usually done) with SGX enclave programming – and going to present a training target for hacking SGX enclaved software.</a:t>
             </a:r>
             <a:endParaRPr lang="en-US" dirty="0"/>
           </a:p>
@@ -677,7 +677,7 @@
             <a:pPr lvl="1"/>
             <a:r>
               <a:rPr lang="en-US" dirty="0"/>
-              <a:t>SGX enclave is a perfect place to hide and isolate interesting activity</a:t>
+              <a:t>SGX enclave is a perfect place to hide and isolate interesting activity – and you can define word “interesting” as you like</a:t>
             </a:r>
           </a:p>
           <a:p>
@@ -703,31 +703,15 @@
             <a:pPr lvl="1"/>
             <a:r>
               <a:rPr lang="en-US" dirty="0"/>
-              <a:t>SGX enclave is a code, written by programmers. They are making mistakes. I know that my English is bad, but I really mean that they are writing code now and making mistakes just </a:t>
-            </a:r>
-            <a:r>
-              <a:rPr lang="en-US" dirty="0" smtClean="0"/>
-              <a:t>now, in this very moment</a:t>
-            </a:r>
-            <a:r>
-              <a:rPr lang="en-US" baseline="0" dirty="0" smtClean="0"/>
+              <a:t>SGX enclave is a code, written by programmers. They are making mistakes. I know that my English is bad, but I really mean that they are writing code now and making mistakes just now, in this very moment</a:t>
+            </a:r>
+            <a:r>
+              <a:rPr lang="en-US" baseline="0" dirty="0"/>
               <a:t> (at least in countries were Sunday is a working day)</a:t>
             </a:r>
             <a:r>
-              <a:rPr lang="en-US" dirty="0" smtClean="0"/>
-              <a:t> </a:t>
-            </a:r>
-            <a:r>
-              <a:rPr lang="en-US" dirty="0"/>
-              <a:t>– </a:t>
-            </a:r>
-            <a:r>
-              <a:rPr lang="en-US" dirty="0" smtClean="0"/>
-              <a:t>and it </a:t>
-            </a:r>
-            <a:r>
-              <a:rPr lang="en-US" dirty="0"/>
-              <a:t>is never ending process and it will continue until something will not disappear: SGX or programmers </a:t>
+              <a:rPr lang="en-US" dirty="0"/>
+              <a:t> – and it is never ending process and it will continue until something will not disappear: SGX or programmers </a:t>
             </a:r>
             <a:r>
               <a:rPr lang="en-US" dirty="0">
@@ -873,6 +857,9 @@
             </a:r>
           </a:p>
           <a:p>
+            <a:endParaRPr lang="en-US" dirty="0"/>
+          </a:p>
+          <a:p>
             <a:r>
               <a:rPr lang="en-US" dirty="0"/>
               <a:t>No memory access means actually no debugging. No debugging in offensive context means no smart fuzzing, which means that at least for SGX release enclaves </a:t>
@@ -890,15 +877,7 @@
           <a:p>
             <a:r>
               <a:rPr lang="en-US" dirty="0"/>
-              <a:t>It also changes the focus of the attack: </a:t>
-            </a:r>
-            <a:r>
-              <a:rPr lang="en-US" dirty="0" smtClean="0"/>
-              <a:t>really successful attacks </a:t>
-            </a:r>
-            <a:r>
-              <a:rPr lang="en-US" dirty="0"/>
-              <a:t>on SGX enclaves will be mostly focused on extracting of enclaves secrets and reusing enclaves capabilities rather then code execution - </a:t>
+              <a:t>It also changes the focus of the attack: really successful attacks on SGX enclaves will be mostly focused on extracting of enclaves secrets and reusing enclaves capabilities rather then code execution - </a:t>
             </a:r>
           </a:p>
           <a:p>
@@ -1008,101 +987,50 @@
               <a:defRPr/>
             </a:pPr>
             <a:r>
-              <a:rPr lang="en-US" dirty="0" smtClean="0"/>
+              <a:rPr lang="en-US" dirty="0"/>
               <a:t>As a part of changes in threat model </a:t>
             </a:r>
             <a:r>
-              <a:rPr lang="mr-IN" dirty="0" smtClean="0"/>
+              <a:rPr lang="mr-IN" dirty="0"/>
               <a:t>–</a:t>
             </a:r>
             <a:r>
-              <a:rPr lang="en-US" baseline="0" dirty="0" smtClean="0"/>
+              <a:rPr lang="en-US" baseline="0" dirty="0"/>
               <a:t> timing attacks are getting more and more important and this is a</a:t>
             </a:r>
             <a:r>
-              <a:rPr lang="en-US" dirty="0" smtClean="0"/>
+              <a:rPr lang="en-US" dirty="0"/>
+              <a:t> very</a:t>
+            </a:r>
+            <a:r>
+              <a:rPr lang="en-US" baseline="0" dirty="0"/>
               <a:t> </a:t>
             </a:r>
-          </a:p>
-          <a:p>
-            <a:pPr marL="0" marR="0" lvl="0" indent="0" algn="l" defTabSz="914400" rtl="0" eaLnBrk="1" fontAlgn="auto" latinLnBrk="0" hangingPunct="1">
-              <a:lnSpc>
-                <a:spcPct val="100000"/>
-              </a:lnSpc>
-              <a:spcBef>
-                <a:spcPts val="0"/>
-              </a:spcBef>
-              <a:spcAft>
-                <a:spcPts val="0"/>
-              </a:spcAft>
-              <a:buClrTx/>
-              <a:buSzTx/>
-              <a:buFontTx/>
-              <a:buNone/>
-              <a:tabLst/>
-              <a:defRPr/>
-            </a:pPr>
-            <a:r>
-              <a:rPr lang="en-US" dirty="0" smtClean="0"/>
-              <a:t>Very</a:t>
-            </a:r>
-            <a:r>
-              <a:rPr lang="en-US" baseline="0" dirty="0" smtClean="0"/>
+            <a:r>
+              <a:rPr lang="en-US" dirty="0"/>
+              <a:t>special case</a:t>
+            </a:r>
+            <a:r>
+              <a:rPr lang="en-US" baseline="0" dirty="0"/>
               <a:t> </a:t>
             </a:r>
             <a:r>
-              <a:rPr lang="en-US" dirty="0" smtClean="0"/>
-              <a:t>special case</a:t>
-            </a:r>
-            <a:r>
-              <a:rPr lang="en-US" baseline="0" dirty="0" smtClean="0"/>
-              <a:t> </a:t>
-            </a:r>
-            <a:r>
-              <a:rPr lang="mr-IN" dirty="0" smtClean="0"/>
+              <a:rPr lang="mr-IN" dirty="0"/>
               <a:t>–</a:t>
             </a:r>
             <a:r>
-              <a:rPr lang="en-US" dirty="0" smtClean="0"/>
-              <a:t> </a:t>
-            </a:r>
-            <a:r>
-              <a:rPr lang="en-US" dirty="0"/>
-              <a:t>but you are more then welcome to explore this direction, it works</a:t>
-            </a:r>
-          </a:p>
-          <a:p>
-            <a:r>
-              <a:rPr lang="en-US" dirty="0"/>
-              <a:t>There are some articles published </a:t>
-            </a:r>
-            <a:r>
-              <a:rPr lang="en-US" dirty="0" smtClean="0"/>
-              <a:t>recently about it . </a:t>
-            </a:r>
-            <a:r>
-              <a:rPr lang="en-US" dirty="0"/>
-              <a:t>I keeping this long quote </a:t>
-            </a:r>
-            <a:r>
-              <a:rPr lang="en-US" dirty="0" smtClean="0"/>
-              <a:t>from the SGX enclave writers guide here</a:t>
-            </a:r>
-            <a:r>
-              <a:rPr lang="en-US" baseline="0" dirty="0" smtClean="0"/>
-              <a:t> </a:t>
+              <a:rPr lang="en-US" dirty="0"/>
+              <a:t> but you are more then welcome to explore this direction, it works.</a:t>
+            </a:r>
+          </a:p>
+          <a:p>
+            <a:r>
+              <a:rPr lang="en-US" dirty="0"/>
+              <a:t>There are some articles published recently about it . I keeping this long and exact quote from the SGX enclave writers guide here</a:t>
             </a:r>
             <a:r>
               <a:rPr lang="en-US" baseline="0" dirty="0"/>
-              <a:t>for those that can not hear me and will be reading the presentation, it is </a:t>
-            </a:r>
-            <a:r>
-              <a:rPr lang="en-US" baseline="0" dirty="0" smtClean="0"/>
-              <a:t>an exact quote. Please </a:t>
-            </a:r>
-            <a:r>
-              <a:rPr lang="en-US" baseline="0" dirty="0"/>
-              <a:t>don’t rush into reading it, the essence follows:</a:t>
+              <a:t> for those that can not hear me and will be reading the presentation. Please don’t rush into reading it, the essence follows:</a:t>
             </a:r>
             <a:endParaRPr lang="en-US" dirty="0"/>
           </a:p>
@@ -1190,11 +1118,38 @@
           <a:p>
             <a:r>
               <a:rPr lang="en-US" dirty="0"/>
-              <a:t>Here it is - </a:t>
+              <a:t>Here it is – </a:t>
+            </a:r>
+          </a:p>
+          <a:p>
+            <a:endParaRPr lang="en-US" dirty="0"/>
+          </a:p>
+          <a:p>
+            <a:r>
+              <a:rPr lang="en-US" b="1" u="sng" dirty="0"/>
+              <a:t>The Intel® architecture aims to provide protection against software side channel attacks at the cache line granularity. The Intel SGX architecture does nothing to improve this position. </a:t>
+            </a:r>
+          </a:p>
+          <a:p>
+            <a:endParaRPr lang="en-US" b="1" u="sng" dirty="0"/>
+          </a:p>
+          <a:p>
+            <a:r>
+              <a:rPr lang="en-US" b="1" u="sng" dirty="0"/>
+              <a:t>More important, the application enclave should use an appropriate crypto implementation that is side-channel attack resistant inside the enclave if side-channel attacks are a concern. </a:t>
+            </a:r>
+          </a:p>
+          <a:p>
+            <a:endParaRPr lang="en-US" dirty="0"/>
+          </a:p>
+          <a:p>
+            <a:r>
+              <a:rPr lang="en-US" dirty="0"/>
+              <a:t>Let me translate it from </a:t>
             </a:r>
             <a:r>
               <a:rPr lang="en-US" baseline="0" dirty="0"/>
-              <a:t>in translation from English to Understandable: it is on responsibility of the programmer to care about it.</a:t>
+              <a:t>English to Understandable: it is on responsibility of the programmer to care about it.</a:t>
             </a:r>
             <a:endParaRPr lang="en-US" dirty="0"/>
           </a:p>
@@ -1304,7 +1259,30 @@
           <a:p>
             <a:r>
               <a:rPr lang="en-US" dirty="0"/>
+              <a:t>The following </a:t>
+            </a:r>
+            <a:r>
+              <a:rPr lang="en-US" dirty="0" err="1"/>
+              <a:t>skillz</a:t>
+            </a:r>
+            <a:r>
+              <a:rPr lang="en-US" dirty="0"/>
+              <a:t> are required for SGX enclaves reviewing:</a:t>
+            </a:r>
+          </a:p>
+          <a:p>
+            <a:endParaRPr lang="en-US" dirty="0"/>
+          </a:p>
+          <a:p>
+            <a:r>
+              <a:rPr lang="en-US" dirty="0"/>
               <a:t>Code review, both in source and binary level (meaning – old good reverse engineering), will be much more productive.</a:t>
+            </a:r>
+          </a:p>
+          <a:p>
+            <a:r>
+              <a:rPr lang="en-US" dirty="0"/>
+              <a:t>Dumb fuzzing, and</a:t>
             </a:r>
           </a:p>
           <a:p>
@@ -1397,7 +1375,15 @@
           <a:p>
             <a:r>
               <a:rPr lang="en-US" dirty="0"/>
-              <a:t>Target specifics</a:t>
+              <a:t>The following things really make all </a:t>
+            </a:r>
+            <a:r>
+              <a:rPr lang="en-US" dirty="0" err="1"/>
+              <a:t>thi</a:t>
+            </a:r>
+            <a:r>
+              <a:rPr lang="en-US" dirty="0"/>
+              <a:t> situation different:</a:t>
             </a:r>
           </a:p>
           <a:p>
@@ -1621,6 +1607,30 @@
             </a:r>
           </a:p>
           <a:p>
+            <a:r>
+              <a:rPr lang="en-US" dirty="0"/>
+              <a:t>Just try to imagine – you calling a support of specific hardware vendor and asking a question – does this specific system supports SGX on BIOS level.</a:t>
+            </a:r>
+          </a:p>
+          <a:p>
+            <a:r>
+              <a:rPr lang="en-US" dirty="0"/>
+              <a:t>They obviously don’t understand the question, and trying to clarify it: and they don’t ask what is SGX, they ask what is BIOS </a:t>
+            </a:r>
+            <a:r>
+              <a:rPr lang="en-US" dirty="0">
+                <a:sym typeface="Wingdings" panose="05000000000000000000" pitchFamily="2" charset="2"/>
+              </a:rPr>
+              <a:t></a:t>
+            </a:r>
+          </a:p>
+          <a:p>
+            <a:r>
+              <a:rPr lang="en-US" dirty="0"/>
+              <a:t> </a:t>
+            </a:r>
+          </a:p>
+          <a:p>
             <a:endParaRPr lang="en-US" dirty="0"/>
           </a:p>
           <a:p>
@@ -1733,14 +1743,13 @@
           <a:p>
             <a:r>
               <a:rPr lang="en-US" dirty="0"/>
-              <a:t>          SDK is actually for building the enclave and the application</a:t>
-            </a:r>
-          </a:p>
-          <a:p>
-            <a:pPr lvl="1"/>
-            <a:r>
-              <a:rPr lang="en-US" dirty="0"/>
-              <a:t>Predefined enclaves (quoting, licensing, provisioning)	</a:t>
+              <a:t>          Architectural enclaves (quoting, licensing and provisioning) are mostly related to enclave licensing and attestation features.</a:t>
+            </a:r>
+          </a:p>
+          <a:p>
+            <a:r>
+              <a:rPr lang="en-US" dirty="0"/>
+              <a:t>          SDK is actually for building the enclave and the application	</a:t>
             </a:r>
           </a:p>
           <a:p>
@@ -1753,6 +1762,9 @@
               <a:rPr lang="en-US" dirty="0"/>
               <a:t> is intended to orchestrate all of them</a:t>
             </a:r>
+          </a:p>
+          <a:p>
+            <a:endParaRPr lang="en-US" dirty="0"/>
           </a:p>
           <a:p>
             <a:r>
@@ -2542,6 +2554,22 @@
             </a:r>
           </a:p>
           <a:p>
+            <a:r>
+              <a:rPr lang="en-US" dirty="0"/>
+              <a:t>As you remember the enclave works with ring 3 privileges and can not execute system calls:</a:t>
+            </a:r>
+          </a:p>
+          <a:p>
+            <a:r>
+              <a:rPr lang="en-US" dirty="0" err="1"/>
+              <a:t>Ocalls</a:t>
+            </a:r>
+            <a:r>
+              <a:rPr lang="en-US" dirty="0"/>
+              <a:t> are intended to provide this service, but it requires leaving the enclave.</a:t>
+            </a:r>
+          </a:p>
+          <a:p>
             <a:endParaRPr lang="en-US" dirty="0"/>
           </a:p>
         </p:txBody>
@@ -3016,15 +3044,7 @@
           <a:p>
             <a:r>
               <a:rPr lang="en-US" dirty="0"/>
-              <a:t>Adding </a:t>
-            </a:r>
-            <a:r>
-              <a:rPr lang="en-US" dirty="0" err="1"/>
-              <a:t>Ocall</a:t>
-            </a:r>
-            <a:r>
-              <a:rPr lang="en-US" dirty="0"/>
-              <a:t> (call to untrusted service such as open file, which should require transfer from ring3 to ring 0) makes things a bit more complicated</a:t>
+              <a:t>Let’s add OCALL to this picture: (call to untrusted service such as open file, which should require transfer from ring3 to ring 0), it makes things a bit more complicated</a:t>
             </a:r>
           </a:p>
         </p:txBody>
@@ -3235,7 +3255,15 @@
           <a:p>
             <a:r>
               <a:rPr lang="en-US" dirty="0"/>
-              <a:t>First of all – link is here:</a:t>
+              <a:t>First of all – the link is here (</a:t>
+            </a:r>
+            <a:r>
+              <a:rPr lang="en-US" u="sng" dirty="0"/>
+              <a:t>mention if it is public for now</a:t>
+            </a:r>
+            <a:r>
+              <a:rPr lang="en-US" dirty="0"/>
+              <a:t>):</a:t>
             </a:r>
           </a:p>
           <a:p>
@@ -3262,7 +3290,7 @@
           <a:p>
             <a:r>
               <a:rPr lang="en-US" dirty="0"/>
-              <a:t>Unfortunately I can not distribute signed enclave.</a:t>
+              <a:t>Unfortunately I can not distribute signed enclave because of licensing issues.</a:t>
             </a:r>
           </a:p>
           <a:p>
@@ -3371,7 +3399,7 @@
             <a:pPr lvl="1"/>
             <a:r>
               <a:rPr lang="en-US" dirty="0"/>
-              <a:t>To my best knowledge all mistakes I am going to speak about were fixed in original enclaves (but I saw it enough times to make conclusion that these mistakes are common)</a:t>
+              <a:t>To my best knowledge all mistakes I am going to speak about were fixed in original enclaves (but I saw these mistakes enough times to make conclusion that these mistakes are common)</a:t>
             </a:r>
           </a:p>
           <a:p>
@@ -3530,13 +3558,13 @@
             </a:r>
             <a:r>
               <a:rPr lang="en-US" baseline="0" dirty="0"/>
-              <a:t> is a bit complicated and some of this talk will be dedicated to describing SGX and its SDK itself. There are a lot of good people that made a lot of presentations about it.</a:t>
+              <a:t> is a bit complicated and some of this talk will be dedicated to describing SGX itself and its SDK. There are a lot of good people that made a lot of presentations about it.</a:t>
             </a:r>
           </a:p>
           <a:p>
             <a:r>
               <a:rPr lang="en-US" baseline="0" dirty="0"/>
-              <a:t>In addition I’ll try to avoid spoilers in WKMs definitions.</a:t>
+              <a:t>In addition I’ll try to avoid spoilers in the details of specific WKMs implementation.</a:t>
             </a:r>
           </a:p>
           <a:p>
@@ -3815,11 +3843,8 @@
             <a:pPr lvl="2"/>
             <a:r>
               <a:rPr lang="en-US" dirty="0"/>
-              <a:t>“Secure” local library management</a:t>
-            </a:r>
-          </a:p>
-          <a:p>
-            <a:endParaRPr lang="en-US" dirty="0"/>
+              <a:t>“Secure” local library</a:t>
+            </a:r>
           </a:p>
         </p:txBody>
       </p:sp>
@@ -4023,7 +4048,7 @@
             <a:pPr lvl="1"/>
             <a:r>
               <a:rPr lang="en-US" dirty="0"/>
-              <a:t>Very simple thing that gives all files encrypted according to configuration</a:t>
+              <a:t>Very simple python script thing that gives all files encrypted according to configuration</a:t>
             </a:r>
           </a:p>
           <a:p>
@@ -4032,6 +4057,33 @@
               <a:rPr lang="en-US" dirty="0"/>
               <a:t>SSL with self-signed certificates (sha1 of the certificate is checked inside the enclave)</a:t>
             </a:r>
+          </a:p>
+          <a:p>
+            <a:pPr marL="457200" marR="0" lvl="1" indent="0" algn="l" defTabSz="914400" rtl="0" eaLnBrk="1" fontAlgn="auto" latinLnBrk="0" hangingPunct="1">
+              <a:lnSpc>
+                <a:spcPct val="100000"/>
+              </a:lnSpc>
+              <a:spcBef>
+                <a:spcPts val="0"/>
+              </a:spcBef>
+              <a:spcAft>
+                <a:spcPts val="0"/>
+              </a:spcAft>
+              <a:buClrTx/>
+              <a:buSzTx/>
+              <a:buFontTx/>
+              <a:buNone/>
+              <a:tabLst/>
+              <a:defRPr/>
+            </a:pPr>
+            <a:r>
+              <a:rPr lang="en-US" dirty="0"/>
+              <a:t>I added some public domain cartoons as a  media examples (At least I downloaded these cartoons from the internet site with this claim)</a:t>
+            </a:r>
+          </a:p>
+          <a:p>
+            <a:pPr lvl="1"/>
+            <a:endParaRPr lang="en-US" dirty="0"/>
           </a:p>
           <a:p>
             <a:endParaRPr lang="en-US" dirty="0"/>
@@ -4220,6 +4272,9 @@
             </a:r>
           </a:p>
           <a:p>
+            <a:endParaRPr lang="en-US" dirty="0"/>
+          </a:p>
+          <a:p>
             <a:r>
               <a:rPr lang="en-US" dirty="0"/>
               <a:t>System programming provides a lot of possibilities to shoot yourself in the leg.</a:t>
@@ -4246,7 +4301,7 @@
           <a:p>
             <a:r>
               <a:rPr lang="en-US" dirty="0"/>
-              <a:t>	Not too much spoilers ahead, but the general spirit of the things is kept</a:t>
+              <a:t>	Please do not expect too much implementation spoilers ahead, but the general spirit of the things is kept</a:t>
             </a:r>
           </a:p>
           <a:p>
@@ -4449,7 +4504,7 @@
             </a:pPr>
             <a:r>
               <a:rPr lang="en-US" dirty="0"/>
-              <a:t>Please verify every single line of the code, bad random is hard to catch.</a:t>
+              <a:t>Please verify every single line of the code, bad random is very hard to catch.</a:t>
             </a:r>
           </a:p>
           <a:p>
@@ -4480,7 +4535,7 @@
             </a:r>
             <a:r>
               <a:rPr lang="en-US" dirty="0"/>
-              <a:t> and then we’ll use it only for random number seeding”</a:t>
+              <a:t> instruction and then we’ll use it only for random number seeding”</a:t>
             </a:r>
           </a:p>
           <a:p>
@@ -4618,13 +4673,8 @@
             <a:pPr lvl="1"/>
             <a:r>
               <a:rPr lang="en-US" dirty="0"/>
-              <a:t>Debug enclave sent to </a:t>
-            </a:r>
-            <a:r>
-              <a:rPr lang="en-US" dirty="0" smtClean="0"/>
-              <a:t>production</a:t>
-            </a:r>
-            <a:endParaRPr lang="en-US" dirty="0"/>
+              <a:t>Debug enclave sent to production</a:t>
+            </a:r>
           </a:p>
           <a:p>
             <a:r>
@@ -5036,32 +5086,28 @@
           <a:p>
             <a:r>
               <a:rPr lang="en-US" dirty="0"/>
-              <a:t>Please note that most interesting things almost can not be found dynamically</a:t>
-            </a:r>
-            <a:r>
-              <a:rPr lang="en-US" dirty="0" smtClean="0"/>
-              <a:t>.</a:t>
-            </a:r>
-          </a:p>
-          <a:p>
-            <a:r>
-              <a:rPr lang="en-US" dirty="0" smtClean="0"/>
-              <a:t>“Bad design guard” </a:t>
-            </a:r>
-            <a:r>
-              <a:rPr lang="mr-IN" dirty="0" smtClean="0"/>
+              <a:t>Please note that most interesting things almost can not be found dynamically.</a:t>
+            </a:r>
+          </a:p>
+          <a:p>
+            <a:r>
+              <a:rPr lang="en-US" dirty="0"/>
+              <a:t>During the conference somebody mentioned “Bad design guard” </a:t>
+            </a:r>
+            <a:r>
+              <a:rPr lang="mr-IN" dirty="0"/>
               <a:t>–</a:t>
             </a:r>
             <a:r>
-              <a:rPr lang="en-US" dirty="0" smtClean="0"/>
-              <a:t> wee really need</a:t>
-            </a:r>
-            <a:r>
-              <a:rPr lang="en-US" baseline="0" dirty="0" smtClean="0"/>
+              <a:rPr lang="en-US" dirty="0"/>
+              <a:t> so wee really need</a:t>
+            </a:r>
+            <a:r>
+              <a:rPr lang="en-US" baseline="0" dirty="0"/>
               <a:t> it </a:t>
             </a:r>
             <a:r>
-              <a:rPr lang="en-US" baseline="0" dirty="0" smtClean="0">
+              <a:rPr lang="en-US" baseline="0" dirty="0">
                 <a:sym typeface="Wingdings"/>
               </a:rPr>
               <a:t></a:t>
@@ -5158,7 +5204,7 @@
           <a:p>
             <a:r>
               <a:rPr lang="en-US" dirty="0"/>
-              <a:t>All the rest you’ll have to find yourself – or contact me for the solution.</a:t>
+              <a:t>All the rest you’ll have to either find yourself, or contact me for the solution or wait until it will be published.</a:t>
             </a:r>
           </a:p>
           <a:p>
@@ -5238,21 +5284,13 @@
           <a:p>
             <a:r>
               <a:rPr lang="en-US" baseline="0" dirty="0"/>
-              <a:t>7 – Read through the </a:t>
-            </a:r>
-            <a:r>
-              <a:rPr lang="en-US" baseline="0" dirty="0" smtClean="0"/>
-              <a:t>code of the DVSE  </a:t>
-            </a:r>
-          </a:p>
-          <a:p>
-            <a:r>
-              <a:rPr lang="en-US" baseline="0" dirty="0" smtClean="0"/>
-              <a:t>8 </a:t>
-            </a:r>
+              <a:t>7 – Read through the code of the DVSE  </a:t>
+            </a:r>
+          </a:p>
+          <a:p>
             <a:r>
               <a:rPr lang="en-US" baseline="0" dirty="0"/>
-              <a:t>– Show the </a:t>
+              <a:t>8 – Show the </a:t>
             </a:r>
             <a:r>
               <a:rPr lang="en-US" baseline="0" dirty="0" err="1"/>
@@ -5266,11 +5304,7 @@
           <a:p>
             <a:r>
               <a:rPr lang="en-US" baseline="0" dirty="0"/>
-              <a:t>9 – Show the enclave </a:t>
-            </a:r>
-            <a:r>
-              <a:rPr lang="en-US" baseline="0" dirty="0" smtClean="0"/>
-              <a:t>test</a:t>
+              <a:t>9 – Show the enclave test</a:t>
             </a:r>
           </a:p>
           <a:p>
@@ -5292,46 +5326,34 @@
               <a:defRPr/>
             </a:pPr>
             <a:r>
-              <a:rPr lang="en-US" baseline="0" dirty="0" smtClean="0"/>
+              <a:rPr lang="en-US" baseline="0" dirty="0"/>
               <a:t>10 </a:t>
             </a:r>
             <a:r>
-              <a:rPr lang="mr-IN" baseline="0" dirty="0" smtClean="0"/>
+              <a:rPr lang="mr-IN" baseline="0" dirty="0"/>
               <a:t>–</a:t>
             </a:r>
             <a:r>
-              <a:rPr lang="en-US" baseline="0" dirty="0" smtClean="0"/>
+              <a:rPr lang="en-US" baseline="0" dirty="0"/>
               <a:t> Show (show shortcuts: we using for the same EDL and even the same class for ECALLS, but the OCALLS are changed). Show generated files for Untrusted part.</a:t>
             </a:r>
           </a:p>
           <a:p>
             <a:r>
-              <a:rPr lang="en-US" baseline="0" dirty="0" smtClean="0"/>
-              <a:t>11  </a:t>
-            </a:r>
-            <a:r>
               <a:rPr lang="en-US" baseline="0" dirty="0"/>
-              <a:t>- Run it</a:t>
-            </a:r>
-          </a:p>
-          <a:p>
-            <a:r>
-              <a:rPr lang="en-US" baseline="0" dirty="0" smtClean="0"/>
-              <a:t>12 </a:t>
-            </a:r>
+              <a:t>11  - Run it</a:t>
+            </a:r>
+          </a:p>
+          <a:p>
             <a:r>
               <a:rPr lang="en-US" baseline="0" dirty="0"/>
-              <a:t>– Show found coupons</a:t>
-            </a:r>
-          </a:p>
-          <a:p>
-            <a:r>
-              <a:rPr lang="en-US" baseline="0" dirty="0" smtClean="0"/>
-              <a:t>13 </a:t>
-            </a:r>
+              <a:t>12 – Show found coupons</a:t>
+            </a:r>
+          </a:p>
+          <a:p>
             <a:r>
               <a:rPr lang="en-US" baseline="0" dirty="0"/>
-              <a:t>– Show certificate details</a:t>
+              <a:t>13 – Show certificate details</a:t>
             </a:r>
           </a:p>
           <a:p>
@@ -5349,21 +5371,8 @@
           <a:p>
             <a:r>
               <a:rPr lang="en-US" baseline="0" dirty="0"/>
-              <a:t>1 – leaving secrets unattended and thus very bad design (secrets should be cleared immediately after usage, just for defense in depth – and enclave didn’t help us in anything</a:t>
-            </a:r>
-            <a:r>
-              <a:rPr lang="en-US" baseline="0" dirty="0" smtClean="0"/>
-              <a:t>). Here you have a </a:t>
-            </a:r>
-            <a:r>
-              <a:rPr lang="en-US" baseline="0" dirty="0" err="1" smtClean="0"/>
-              <a:t>ot</a:t>
-            </a:r>
-            <a:r>
-              <a:rPr lang="en-US" baseline="0" dirty="0" smtClean="0"/>
-              <a:t> of them.</a:t>
-            </a:r>
-            <a:endParaRPr lang="en-US" baseline="0" dirty="0"/>
+              <a:t>1 – leaving secrets unattended and thus very bad design (secrets should be cleared immediately after usage, just for defense in depth – and enclave didn’t help us in anything). Here you have a lot of secrets.</a:t>
+            </a:r>
           </a:p>
           <a:p>
             <a:r>
@@ -5372,92 +5381,91 @@
             </a:r>
           </a:p>
           <a:p>
-            <a:endParaRPr lang="en-US" baseline="0" dirty="0" smtClean="0"/>
-          </a:p>
-          <a:p>
-            <a:r>
-              <a:rPr lang="en-US" baseline="0" dirty="0" smtClean="0"/>
+            <a:endParaRPr lang="en-US" baseline="0" dirty="0"/>
+          </a:p>
+          <a:p>
+            <a:r>
+              <a:rPr lang="en-US" baseline="0" dirty="0"/>
               <a:t>This vulnerability probably looks a bit artificial, but I have a really good reason for showing it:</a:t>
             </a:r>
           </a:p>
           <a:p>
-            <a:endParaRPr lang="en-US" baseline="0" dirty="0" smtClean="0"/>
-          </a:p>
-          <a:p>
-            <a:r>
-              <a:rPr lang="en-US" baseline="0" dirty="0" smtClean="0"/>
+            <a:endParaRPr lang="en-US" baseline="0" dirty="0"/>
+          </a:p>
+          <a:p>
+            <a:r>
+              <a:rPr lang="en-US" baseline="0" dirty="0"/>
               <a:t>1 </a:t>
             </a:r>
             <a:r>
-              <a:rPr lang="mr-IN" baseline="0" dirty="0" smtClean="0"/>
+              <a:rPr lang="mr-IN" baseline="0" dirty="0"/>
               <a:t>–</a:t>
             </a:r>
             <a:r>
-              <a:rPr lang="en-US" baseline="0" dirty="0" smtClean="0"/>
+              <a:rPr lang="en-US" baseline="0" dirty="0"/>
               <a:t> As an example of how small and harmless issue can undermine all the security model </a:t>
             </a:r>
           </a:p>
           <a:p>
             <a:r>
-              <a:rPr lang="en-US" baseline="0" dirty="0" smtClean="0"/>
+              <a:rPr lang="en-US" baseline="0" dirty="0"/>
               <a:t>	There is a proverb in Russian, “don’t put all the eggs to the same basket”, with very clear meaning: don’t place all of your valuables at the same place.</a:t>
             </a:r>
           </a:p>
           <a:p>
             <a:r>
-              <a:rPr lang="en-US" baseline="0" dirty="0" smtClean="0"/>
+              <a:rPr lang="en-US" baseline="0" dirty="0"/>
               <a:t>	In the boundaries of this analogy any kind of secure enclave, and it </a:t>
             </a:r>
             <a:r>
-              <a:rPr lang="en-US" baseline="0" dirty="0" err="1" smtClean="0"/>
+              <a:rPr lang="en-US" baseline="0" dirty="0" err="1"/>
               <a:t>doesn</a:t>
             </a:r>
             <a:r>
-              <a:rPr lang="mr-IN" baseline="0" dirty="0" smtClean="0"/>
+              <a:rPr lang="mr-IN" baseline="0" dirty="0"/>
               <a:t>’</a:t>
             </a:r>
             <a:r>
-              <a:rPr lang="en-US" baseline="0" dirty="0" smtClean="0"/>
+              <a:rPr lang="en-US" baseline="0" dirty="0"/>
               <a:t>t matter how exactly it is implemented, is a basket with eggs. </a:t>
             </a:r>
           </a:p>
           <a:p>
             <a:r>
-              <a:rPr lang="en-US" baseline="0" dirty="0" smtClean="0"/>
+              <a:rPr lang="en-US" baseline="0" dirty="0"/>
               <a:t>	Once you drop it </a:t>
             </a:r>
             <a:r>
-              <a:rPr lang="mr-IN" baseline="0" dirty="0" smtClean="0"/>
+              <a:rPr lang="mr-IN" baseline="0" dirty="0"/>
               <a:t>–</a:t>
             </a:r>
             <a:r>
-              <a:rPr lang="en-US" baseline="0" dirty="0" smtClean="0"/>
+              <a:rPr lang="en-US" baseline="0" dirty="0"/>
               <a:t> you break everything.</a:t>
             </a:r>
           </a:p>
           <a:p>
             <a:r>
-              <a:rPr lang="en-US" baseline="0" dirty="0" smtClean="0"/>
+              <a:rPr lang="en-US" baseline="0" dirty="0"/>
               <a:t>2 </a:t>
             </a:r>
             <a:r>
-              <a:rPr lang="mr-IN" baseline="0" dirty="0" smtClean="0"/>
+              <a:rPr lang="mr-IN" baseline="0" dirty="0"/>
               <a:t>–</a:t>
             </a:r>
             <a:r>
-              <a:rPr lang="en-US" baseline="0" dirty="0" smtClean="0"/>
+              <a:rPr lang="en-US" baseline="0" dirty="0"/>
               <a:t> I had seen similar things in real life enclaves. They were a bit more complicated, but it is an exercise, after all.</a:t>
             </a:r>
           </a:p>
           <a:p>
-            <a:endParaRPr lang="en-US" baseline="0" dirty="0" smtClean="0"/>
-          </a:p>
-          <a:p>
-            <a:r>
-              <a:rPr lang="en-US" baseline="0" dirty="0" smtClean="0"/>
+            <a:endParaRPr lang="en-US" baseline="0" dirty="0"/>
+          </a:p>
+          <a:p>
+            <a:r>
+              <a:rPr lang="en-US" baseline="0" dirty="0"/>
               <a:t>	</a:t>
             </a:r>
-            <a:endParaRPr lang="en-US" baseline="0" dirty="0"/>
           </a:p>
           <a:p>
             <a:endParaRPr lang="en-US" baseline="0" dirty="0"/>
@@ -5550,116 +5558,119 @@
           <a:bodyPr/>
           <a:lstStyle/>
           <a:p>
-            <a:r>
-              <a:rPr lang="en-US" dirty="0" smtClean="0"/>
-              <a:t>Automatic</a:t>
-            </a:r>
-            <a:r>
-              <a:rPr lang="en-US" baseline="0" dirty="0" smtClean="0"/>
-              <a:t> code analysis </a:t>
-            </a:r>
-            <a:r>
-              <a:rPr lang="mr-IN" baseline="0" dirty="0" smtClean="0"/>
+            <a:endParaRPr lang="en-US" dirty="0"/>
+          </a:p>
+          <a:p>
+            <a:r>
+              <a:rPr lang="en-US" dirty="0"/>
+              <a:t>Let’s speak for a moment about prevention of these bugs.</a:t>
+            </a:r>
+          </a:p>
+          <a:p>
+            <a:r>
+              <a:rPr lang="en-US" dirty="0"/>
+              <a:t>Surprisingly automatic</a:t>
+            </a:r>
+            <a:r>
+              <a:rPr lang="en-US" baseline="0" dirty="0"/>
+              <a:t> code analysis tools </a:t>
+            </a:r>
+            <a:r>
+              <a:rPr lang="mr-IN" baseline="0" dirty="0"/>
               <a:t>–</a:t>
             </a:r>
             <a:r>
-              <a:rPr lang="en-US" baseline="0" dirty="0" smtClean="0"/>
+              <a:rPr lang="en-US" baseline="0" dirty="0"/>
               <a:t> such as </a:t>
             </a:r>
             <a:r>
-              <a:rPr lang="en-US" baseline="0" dirty="0" err="1" smtClean="0"/>
+              <a:rPr lang="en-US" baseline="0" dirty="0" err="1"/>
               <a:t>Klocwork</a:t>
             </a:r>
             <a:r>
-              <a:rPr lang="en-US" baseline="0" dirty="0" smtClean="0"/>
-              <a:t>. It may give a good result if used with nightly builds every day.</a:t>
-            </a:r>
-          </a:p>
-          <a:p>
-            <a:r>
-              <a:rPr lang="en-US" baseline="0" dirty="0" smtClean="0"/>
+              <a:rPr lang="en-US" baseline="0" dirty="0"/>
+              <a:t> - may give a good result if used with nightly builds every day.</a:t>
+            </a:r>
+          </a:p>
+          <a:p>
+            <a:r>
+              <a:rPr lang="en-US" baseline="0" dirty="0"/>
               <a:t>Manual review of all possible things gives best results </a:t>
             </a:r>
             <a:r>
-              <a:rPr lang="mr-IN" baseline="0" dirty="0" smtClean="0"/>
+              <a:rPr lang="mr-IN" baseline="0" dirty="0"/>
               <a:t>–</a:t>
             </a:r>
             <a:r>
-              <a:rPr lang="en-US" baseline="0" dirty="0" smtClean="0"/>
+              <a:rPr lang="en-US" baseline="0" dirty="0"/>
               <a:t> but with the results we have a problem:</a:t>
             </a:r>
           </a:p>
           <a:p>
             <a:r>
-              <a:rPr lang="en-US" baseline="0" dirty="0" smtClean="0"/>
+              <a:rPr lang="en-US" baseline="0" dirty="0"/>
               <a:t> - the review should be conducted by very much qualified people</a:t>
             </a:r>
           </a:p>
           <a:p>
             <a:r>
-              <a:rPr lang="en-US" baseline="0" dirty="0" smtClean="0"/>
+              <a:rPr lang="en-US" baseline="0" dirty="0"/>
               <a:t> - It is still probabilistic process, and something will always be overlooked</a:t>
             </a:r>
-            <a:endParaRPr lang="en-US" dirty="0" smtClean="0"/>
-          </a:p>
-          <a:p>
-            <a:endParaRPr lang="en-US" dirty="0" smtClean="0"/>
-          </a:p>
-          <a:p>
-            <a:r>
-              <a:rPr lang="en-US" dirty="0" smtClean="0"/>
-              <a:t>Nothing </a:t>
-            </a:r>
-            <a:r>
-              <a:rPr lang="en-US" dirty="0"/>
-              <a:t>new here except of old good and dumb enclave fuzzing – there are no tools that allow to use something more complicated</a:t>
-            </a:r>
-            <a:r>
-              <a:rPr lang="en-US" dirty="0" smtClean="0"/>
-              <a:t>.</a:t>
-            </a:r>
-          </a:p>
-          <a:p>
-            <a:r>
-              <a:rPr lang="en-US" dirty="0" smtClean="0"/>
+            <a:endParaRPr lang="en-US" dirty="0"/>
+          </a:p>
+          <a:p>
+            <a:r>
+              <a:rPr lang="en-US" dirty="0"/>
+              <a:t>As for fuzzing - </a:t>
+            </a:r>
+          </a:p>
+          <a:p>
+            <a:r>
+              <a:rPr lang="en-US" dirty="0"/>
+              <a:t>Nothing new here except of old good and dumb enclave fuzzing – there are no tools that allow to use something more complicated.</a:t>
+            </a:r>
+          </a:p>
+          <a:p>
+            <a:r>
+              <a:rPr lang="en-US" dirty="0"/>
               <a:t>The only hope here is that good enclave is small</a:t>
             </a:r>
             <a:r>
-              <a:rPr lang="en-US" baseline="0" dirty="0" smtClean="0"/>
+              <a:rPr lang="en-US" baseline="0" dirty="0"/>
               <a:t> </a:t>
             </a:r>
             <a:r>
-              <a:rPr lang="mr-IN" baseline="0" dirty="0" smtClean="0"/>
+              <a:rPr lang="mr-IN" baseline="0" dirty="0"/>
               <a:t>–</a:t>
             </a:r>
             <a:r>
-              <a:rPr lang="en-US" baseline="0" dirty="0" smtClean="0"/>
+              <a:rPr lang="en-US" baseline="0" dirty="0"/>
               <a:t> and missing information can be obtained by code review. </a:t>
             </a:r>
-            <a:endParaRPr lang="en-US" dirty="0" smtClean="0"/>
-          </a:p>
-          <a:p>
-            <a:endParaRPr lang="en-US" dirty="0" smtClean="0"/>
-          </a:p>
-          <a:p>
-            <a:r>
-              <a:rPr lang="en-US" dirty="0" smtClean="0"/>
-              <a:t>Somebody mentioned yesterday “Bad design guard” </a:t>
-            </a:r>
-            <a:r>
-              <a:rPr lang="mr-IN" dirty="0" smtClean="0"/>
+            <a:endParaRPr lang="en-US" dirty="0"/>
+          </a:p>
+          <a:p>
+            <a:endParaRPr lang="en-US" dirty="0"/>
+          </a:p>
+          <a:p>
+            <a:r>
+              <a:rPr lang="en-US" dirty="0"/>
+              <a:t>Again “Bad design guard” to rescue </a:t>
+            </a:r>
+            <a:r>
+              <a:rPr lang="mr-IN" dirty="0"/>
               <a:t>…</a:t>
             </a:r>
             <a:r>
-              <a:rPr lang="en-US" dirty="0" smtClean="0"/>
+              <a:rPr lang="en-US" dirty="0"/>
               <a:t> We definitely need it here.</a:t>
             </a:r>
-            <a:endParaRPr lang="en-US" dirty="0"/>
-          </a:p>
-          <a:p>
-            <a:r>
-              <a:rPr lang="en-US" dirty="0"/>
-              <a:t>Symbolic execution may be interesting in this context, may be next time …</a:t>
+          </a:p>
+          <a:p>
+            <a:r>
+              <a:rPr lang="en-US" dirty="0"/>
+              <a:t>In addition I think that symbolic execution may be interesting in this context, but I didn’t use it myself for this purpose.</a:t>
             </a:r>
           </a:p>
         </p:txBody>
@@ -6314,13 +6325,7 @@
           <a:p>
             <a:r>
               <a:rPr lang="en-US" dirty="0"/>
-              <a:t>Things like this are usually called “damn vulnerable”</a:t>
-            </a:r>
-          </a:p>
-          <a:p>
-            <a:r>
-              <a:rPr lang="en-US" dirty="0"/>
-              <a:t>All this presentation is intended to provide you a context around its usage</a:t>
+              <a:t>All this presentation is intended also to provide you a context around its usage</a:t>
             </a:r>
           </a:p>
           <a:p>
@@ -6439,7 +6444,23 @@
             <a:pPr fontAlgn="base"/>
             <a:r>
               <a:rPr lang="en-US" dirty="0"/>
-              <a:t> - Exists in 6th Generation Intel® Core™ Processor or newer</a:t>
+              <a:t> - Exists in 6th Generation Intel® Core™ Processor or newer (</a:t>
+            </a:r>
+            <a:r>
+              <a:rPr lang="en-US" dirty="0" err="1"/>
+              <a:t>SkyLake</a:t>
+            </a:r>
+            <a:r>
+              <a:rPr lang="en-US" dirty="0"/>
+              <a:t> and </a:t>
+            </a:r>
+            <a:r>
+              <a:rPr lang="en-US" dirty="0" err="1"/>
+              <a:t>CabyLake</a:t>
+            </a:r>
+            <a:r>
+              <a:rPr lang="en-US" dirty="0"/>
+              <a:t> for now)</a:t>
             </a:r>
           </a:p>
           <a:p>
@@ -6468,15 +6489,7 @@
           <a:p>
             <a:r>
               <a:rPr lang="en-US" dirty="0"/>
-              <a:t>In short: SGX enclave is an isolated, signed, and attestable piece of code with well defined interfaces that allows to the programmer to execute it safely without of intervention of other parties, even most privileged such as BIOS, OS, hypervisor, SMM and Management Engine which nobody can debug and/or read/write its memory(unless it is in debug mode), bound to specific processor by unique </a:t>
-            </a:r>
-            <a:r>
-              <a:rPr lang="en-US" dirty="0" err="1"/>
-              <a:t>processor+enclave</a:t>
-            </a:r>
-            <a:r>
-              <a:rPr lang="en-US" dirty="0"/>
-              <a:t> specific keys it uses.</a:t>
+              <a:t>In short: SGX enclave is an isolated, signed, and attestable piece of code with well defined interfaces that allows to the programmer to execute it safely without of intervention of other parties, even most privileged - such as BIOS, OS, hypervisor, SMM and Management Engine.</a:t>
             </a:r>
             <a:endParaRPr lang="ru-RU" dirty="0"/>
           </a:p>
@@ -6564,8 +6577,26 @@
           <a:p>
             <a:r>
               <a:rPr lang="en-US" dirty="0"/>
-              <a:t>First of all … I like it</a:t>
-            </a:r>
+              <a:t>First of all … I like it.</a:t>
+            </a:r>
+          </a:p>
+          <a:p>
+            <a:r>
+              <a:rPr lang="en-US" dirty="0"/>
+              <a:t>This is the first solution I know about where “security anchor” code is not “privileged”, which is definitely right thing</a:t>
+            </a:r>
+          </a:p>
+          <a:p>
+            <a:endParaRPr lang="en-US" dirty="0"/>
+          </a:p>
+          <a:p>
+            <a:r>
+              <a:rPr lang="en-US" dirty="0"/>
+              <a:t>And I think I reviewed enough SGX enclaves during my work @Intel  to be able to make some (hopefully representative) conclusions about common mistakes</a:t>
+            </a:r>
+          </a:p>
+          <a:p>
+            <a:endParaRPr lang="en-US" dirty="0"/>
           </a:p>
         </p:txBody>
       </p:sp>
@@ -6651,7 +6682,7 @@
           <a:p>
             <a:r>
               <a:rPr lang="en-US" dirty="0"/>
-              <a:t>One of the main ideas behind this invention is to reduce the attack surface of the application, which means creating some kind of code and data enclave which can not be accessed by privileged software with some additional security properties. If the software is designed properly - the attack surface of the application is reduced to defined enclave interfaces(instead of all the privileged software and all the application itself).  </a:t>
+              <a:t>One of the main ideas behind this invention is to reduce the attack surface of the application, which means creating some kind of code and data enclave which can not be accessed by privileged software with some additional security properties. If the software is designed properly - the attack surface of the application’s security anchor is reduced to defined enclave interfaces(instead of all the privileged software and all the application itself).  </a:t>
             </a:r>
           </a:p>
           <a:p>
@@ -6669,15 +6700,7 @@
           <a:p>
             <a:r>
               <a:rPr lang="en-US" dirty="0"/>
-              <a:t>Enclave has access to unique </a:t>
-            </a:r>
-            <a:r>
-              <a:rPr lang="en-US" dirty="0" err="1"/>
-              <a:t>platform+enclave</a:t>
-            </a:r>
-            <a:r>
-              <a:rPr lang="en-US" dirty="0"/>
-              <a:t> specific crypto keys (and nobody else, keys are derived from the enclaves content or materials used for its signing)</a:t>
+              <a:t>In addition SGX enclave is able to use unique cryptographic keys derived from processor specific fuses, enclave measurements and some other things (which means that the same enclave will not be able to decrypt the data encrypted on other system).</a:t>
             </a:r>
           </a:p>
           <a:p>
@@ -6782,7 +6805,15 @@
           <a:p>
             <a:r>
               <a:rPr lang="en-US" dirty="0"/>
-              <a:t>Loading only debug and whitelisted enclave (licensing enclave will decline others)</a:t>
+              <a:t>Loading only debug and whitelisted enclave (licensing enclave, the part of mandatory platform </a:t>
+            </a:r>
+            <a:r>
+              <a:rPr lang="en-US" dirty="0" err="1"/>
+              <a:t>woftware</a:t>
+            </a:r>
+            <a:r>
+              <a:rPr lang="en-US" dirty="0"/>
+              <a:t>, will decline others)</a:t>
             </a:r>
           </a:p>
           <a:p>
@@ -6801,7 +6832,7 @@
           <a:p>
             <a:r>
               <a:rPr lang="en-US" dirty="0"/>
-              <a:t>Enclave’s memory is encrypted (MEE is used in order to avoid HW attacks)</a:t>
+              <a:t>Enclave’s memory is encrypted (MEE also known as Memory Encryption Engine is used in order to avoid HW attacks)</a:t>
             </a:r>
           </a:p>
           <a:p>
@@ -6919,7 +6950,7 @@
           <a:noFill/>
           <a:extLst>
             <a:ext uri="{909E8E84-426E-40dd-AFC4-6F175D3DCCD1}">
-              <a14:hiddenFill xmlns="" xmlns:a14="http://schemas.microsoft.com/office/drawing/2010/main">
+              <a14:hiddenFill xmlns:a14="http://schemas.microsoft.com/office/drawing/2010/main" xmlns="">
                 <a:solidFill>
                   <a:srgbClr val="FFFFFF"/>
                 </a:solidFill>
@@ -6979,7 +7010,7 @@
             </a:ln>
             <a:extLst>
               <a:ext uri="{91240B29-F687-4f45-9708-019B960494DF}">
-                <a14:hiddenLine xmlns="" xmlns:a14="http://schemas.microsoft.com/office/drawing/2010/main" w="9525">
+                <a14:hiddenLine xmlns:a14="http://schemas.microsoft.com/office/drawing/2010/main" xmlns="" w="9525">
                   <a:solidFill>
                     <a:srgbClr val="000000"/>
                   </a:solidFill>
@@ -7069,7 +7100,7 @@
             </a:ln>
             <a:extLst>
               <a:ext uri="{91240B29-F687-4f45-9708-019B960494DF}">
-                <a14:hiddenLine xmlns="" xmlns:a14="http://schemas.microsoft.com/office/drawing/2010/main" w="9525">
+                <a14:hiddenLine xmlns:a14="http://schemas.microsoft.com/office/drawing/2010/main" xmlns="" w="9525">
                   <a:solidFill>
                     <a:srgbClr val="000000"/>
                   </a:solidFill>
@@ -7159,7 +7190,7 @@
             </a:ln>
             <a:extLst>
               <a:ext uri="{91240B29-F687-4f45-9708-019B960494DF}">
-                <a14:hiddenLine xmlns="" xmlns:a14="http://schemas.microsoft.com/office/drawing/2010/main" w="9525">
+                <a14:hiddenLine xmlns:a14="http://schemas.microsoft.com/office/drawing/2010/main" xmlns="" w="9525">
                   <a:solidFill>
                     <a:srgbClr val="000000"/>
                   </a:solidFill>
@@ -7193,7 +7224,7 @@
             </a:ln>
             <a:extLst>
               <a:ext uri="{91240B29-F687-4f45-9708-019B960494DF}">
-                <a14:hiddenLine xmlns="" xmlns:a14="http://schemas.microsoft.com/office/drawing/2010/main" w="9525">
+                <a14:hiddenLine xmlns:a14="http://schemas.microsoft.com/office/drawing/2010/main" xmlns="" w="9525">
                   <a:solidFill>
                     <a:srgbClr val="000000"/>
                   </a:solidFill>
@@ -7283,7 +7314,7 @@
             </a:ln>
             <a:extLst>
               <a:ext uri="{91240B29-F687-4f45-9708-019B960494DF}">
-                <a14:hiddenLine xmlns="" xmlns:a14="http://schemas.microsoft.com/office/drawing/2010/main" w="9525">
+                <a14:hiddenLine xmlns:a14="http://schemas.microsoft.com/office/drawing/2010/main" xmlns="" w="9525">
                   <a:solidFill>
                     <a:srgbClr val="000000"/>
                   </a:solidFill>
@@ -7345,7 +7376,7 @@
             </a:ln>
             <a:extLst>
               <a:ext uri="{91240B29-F687-4f45-9708-019B960494DF}">
-                <a14:hiddenLine xmlns="" xmlns:a14="http://schemas.microsoft.com/office/drawing/2010/main" w="9525">
+                <a14:hiddenLine xmlns:a14="http://schemas.microsoft.com/office/drawing/2010/main" xmlns="" w="9525">
                   <a:solidFill>
                     <a:srgbClr val="000000"/>
                   </a:solidFill>
@@ -7407,7 +7438,7 @@
             </a:ln>
             <a:extLst>
               <a:ext uri="{91240B29-F687-4f45-9708-019B960494DF}">
-                <a14:hiddenLine xmlns="" xmlns:a14="http://schemas.microsoft.com/office/drawing/2010/main" w="9525">
+                <a14:hiddenLine xmlns:a14="http://schemas.microsoft.com/office/drawing/2010/main" xmlns="" w="9525">
                   <a:solidFill>
                     <a:srgbClr val="000000"/>
                   </a:solidFill>
@@ -7497,7 +7528,7 @@
             </a:ln>
             <a:extLst>
               <a:ext uri="{91240B29-F687-4f45-9708-019B960494DF}">
-                <a14:hiddenLine xmlns="" xmlns:a14="http://schemas.microsoft.com/office/drawing/2010/main" w="9525">
+                <a14:hiddenLine xmlns:a14="http://schemas.microsoft.com/office/drawing/2010/main" xmlns="" w="9525">
                   <a:solidFill>
                     <a:srgbClr val="000000"/>
                   </a:solidFill>
@@ -7559,7 +7590,7 @@
             </a:ln>
             <a:extLst>
               <a:ext uri="{91240B29-F687-4f45-9708-019B960494DF}">
-                <a14:hiddenLine xmlns="" xmlns:a14="http://schemas.microsoft.com/office/drawing/2010/main" w="9525">
+                <a14:hiddenLine xmlns:a14="http://schemas.microsoft.com/office/drawing/2010/main" xmlns="" w="9525">
                   <a:solidFill>
                     <a:srgbClr val="000000"/>
                   </a:solidFill>
@@ -7621,7 +7652,7 @@
             </a:ln>
             <a:extLst>
               <a:ext uri="{91240B29-F687-4f45-9708-019B960494DF}">
-                <a14:hiddenLine xmlns="" xmlns:a14="http://schemas.microsoft.com/office/drawing/2010/main" w="9525">
+                <a14:hiddenLine xmlns:a14="http://schemas.microsoft.com/office/drawing/2010/main" xmlns="" w="9525">
                   <a:solidFill>
                     <a:srgbClr val="000000"/>
                   </a:solidFill>
@@ -7711,7 +7742,7 @@
             </a:ln>
             <a:extLst>
               <a:ext uri="{91240B29-F687-4f45-9708-019B960494DF}">
-                <a14:hiddenLine xmlns="" xmlns:a14="http://schemas.microsoft.com/office/drawing/2010/main" w="9525">
+                <a14:hiddenLine xmlns:a14="http://schemas.microsoft.com/office/drawing/2010/main" xmlns="" w="9525">
                   <a:solidFill>
                     <a:srgbClr val="000000"/>
                   </a:solidFill>
@@ -7801,7 +7832,7 @@
             </a:ln>
             <a:extLst>
               <a:ext uri="{91240B29-F687-4f45-9708-019B960494DF}">
-                <a14:hiddenLine xmlns="" xmlns:a14="http://schemas.microsoft.com/office/drawing/2010/main" w="9525">
+                <a14:hiddenLine xmlns:a14="http://schemas.microsoft.com/office/drawing/2010/main" xmlns="" w="9525">
                   <a:solidFill>
                     <a:srgbClr val="000000"/>
                   </a:solidFill>
@@ -7863,7 +7894,7 @@
             </a:ln>
             <a:extLst>
               <a:ext uri="{91240B29-F687-4f45-9708-019B960494DF}">
-                <a14:hiddenLine xmlns="" xmlns:a14="http://schemas.microsoft.com/office/drawing/2010/main" w="9525">
+                <a14:hiddenLine xmlns:a14="http://schemas.microsoft.com/office/drawing/2010/main" xmlns="" w="9525">
                   <a:solidFill>
                     <a:srgbClr val="000000"/>
                   </a:solidFill>
@@ -7973,7 +8004,7 @@
             </a:ln>
             <a:extLst>
               <a:ext uri="{91240B29-F687-4f45-9708-019B960494DF}">
-                <a14:hiddenLine xmlns="" xmlns:a14="http://schemas.microsoft.com/office/drawing/2010/main" w="9525">
+                <a14:hiddenLine xmlns:a14="http://schemas.microsoft.com/office/drawing/2010/main" xmlns="" w="9525">
                   <a:solidFill>
                     <a:srgbClr val="000000"/>
                   </a:solidFill>
@@ -8035,7 +8066,7 @@
             </a:ln>
             <a:extLst>
               <a:ext uri="{91240B29-F687-4f45-9708-019B960494DF}">
-                <a14:hiddenLine xmlns="" xmlns:a14="http://schemas.microsoft.com/office/drawing/2010/main" w="9525">
+                <a14:hiddenLine xmlns:a14="http://schemas.microsoft.com/office/drawing/2010/main" xmlns="" w="9525">
                   <a:solidFill>
                     <a:srgbClr val="000000"/>
                   </a:solidFill>
@@ -8125,7 +8156,7 @@
             </a:ln>
             <a:extLst>
               <a:ext uri="{91240B29-F687-4f45-9708-019B960494DF}">
-                <a14:hiddenLine xmlns="" xmlns:a14="http://schemas.microsoft.com/office/drawing/2010/main" w="9525">
+                <a14:hiddenLine xmlns:a14="http://schemas.microsoft.com/office/drawing/2010/main" xmlns="" w="9525">
                   <a:solidFill>
                     <a:srgbClr val="000000"/>
                   </a:solidFill>
@@ -8215,7 +8246,7 @@
             </a:ln>
             <a:extLst>
               <a:ext uri="{91240B29-F687-4f45-9708-019B960494DF}">
-                <a14:hiddenLine xmlns="" xmlns:a14="http://schemas.microsoft.com/office/drawing/2010/main" w="9525">
+                <a14:hiddenLine xmlns:a14="http://schemas.microsoft.com/office/drawing/2010/main" xmlns="" w="9525">
                   <a:solidFill>
                     <a:srgbClr val="000000"/>
                   </a:solidFill>
@@ -8277,7 +8308,7 @@
             </a:ln>
             <a:extLst>
               <a:ext uri="{91240B29-F687-4f45-9708-019B960494DF}">
-                <a14:hiddenLine xmlns="" xmlns:a14="http://schemas.microsoft.com/office/drawing/2010/main" w="9525">
+                <a14:hiddenLine xmlns:a14="http://schemas.microsoft.com/office/drawing/2010/main" xmlns="" w="9525">
                   <a:solidFill>
                     <a:srgbClr val="000000"/>
                   </a:solidFill>
@@ -8367,7 +8398,7 @@
             </a:ln>
             <a:extLst>
               <a:ext uri="{91240B29-F687-4f45-9708-019B960494DF}">
-                <a14:hiddenLine xmlns="" xmlns:a14="http://schemas.microsoft.com/office/drawing/2010/main" w="9525">
+                <a14:hiddenLine xmlns:a14="http://schemas.microsoft.com/office/drawing/2010/main" xmlns="" w="9525">
                   <a:solidFill>
                     <a:srgbClr val="000000"/>
                   </a:solidFill>
@@ -8457,7 +8488,7 @@
             </a:ln>
             <a:extLst>
               <a:ext uri="{91240B29-F687-4f45-9708-019B960494DF}">
-                <a14:hiddenLine xmlns="" xmlns:a14="http://schemas.microsoft.com/office/drawing/2010/main" w="9525">
+                <a14:hiddenLine xmlns:a14="http://schemas.microsoft.com/office/drawing/2010/main" xmlns="" w="9525">
                   <a:solidFill>
                     <a:srgbClr val="000000"/>
                   </a:solidFill>
@@ -8513,7 +8544,7 @@
             </a:ln>
             <a:extLst>
               <a:ext uri="{91240B29-F687-4f45-9708-019B960494DF}">
-                <a14:hiddenLine xmlns="" xmlns:a14="http://schemas.microsoft.com/office/drawing/2010/main" w="9525">
+                <a14:hiddenLine xmlns:a14="http://schemas.microsoft.com/office/drawing/2010/main" xmlns="" w="9525">
                   <a:solidFill>
                     <a:srgbClr val="000000"/>
                   </a:solidFill>
@@ -8603,7 +8634,7 @@
             </a:ln>
             <a:extLst>
               <a:ext uri="{91240B29-F687-4f45-9708-019B960494DF}">
-                <a14:hiddenLine xmlns="" xmlns:a14="http://schemas.microsoft.com/office/drawing/2010/main" w="9525">
+                <a14:hiddenLine xmlns:a14="http://schemas.microsoft.com/office/drawing/2010/main" xmlns="" w="9525">
                   <a:solidFill>
                     <a:srgbClr val="000000"/>
                   </a:solidFill>
@@ -8659,7 +8690,7 @@
             </a:ln>
             <a:extLst>
               <a:ext uri="{91240B29-F687-4f45-9708-019B960494DF}">
-                <a14:hiddenLine xmlns="" xmlns:a14="http://schemas.microsoft.com/office/drawing/2010/main" w="9525">
+                <a14:hiddenLine xmlns:a14="http://schemas.microsoft.com/office/drawing/2010/main" xmlns="" w="9525">
                   <a:solidFill>
                     <a:srgbClr val="000000"/>
                   </a:solidFill>
@@ -8749,7 +8780,7 @@
             </a:ln>
             <a:extLst>
               <a:ext uri="{91240B29-F687-4f45-9708-019B960494DF}">
-                <a14:hiddenLine xmlns="" xmlns:a14="http://schemas.microsoft.com/office/drawing/2010/main" w="9525">
+                <a14:hiddenLine xmlns:a14="http://schemas.microsoft.com/office/drawing/2010/main" xmlns="" w="9525">
                   <a:solidFill>
                     <a:srgbClr val="000000"/>
                   </a:solidFill>
@@ -8817,7 +8848,7 @@
             </a:ln>
             <a:extLst>
               <a:ext uri="{91240B29-F687-4f45-9708-019B960494DF}">
-                <a14:hiddenLine xmlns="" xmlns:a14="http://schemas.microsoft.com/office/drawing/2010/main" w="9525">
+                <a14:hiddenLine xmlns:a14="http://schemas.microsoft.com/office/drawing/2010/main" xmlns="" w="9525">
                   <a:solidFill>
                     <a:srgbClr val="000000"/>
                   </a:solidFill>
@@ -8907,7 +8938,7 @@
             </a:ln>
             <a:extLst>
               <a:ext uri="{91240B29-F687-4f45-9708-019B960494DF}">
-                <a14:hiddenLine xmlns="" xmlns:a14="http://schemas.microsoft.com/office/drawing/2010/main" w="9525">
+                <a14:hiddenLine xmlns:a14="http://schemas.microsoft.com/office/drawing/2010/main" xmlns="" w="9525">
                   <a:solidFill>
                     <a:srgbClr val="000000"/>
                   </a:solidFill>
@@ -8975,7 +9006,7 @@
             </a:ln>
             <a:extLst>
               <a:ext uri="{91240B29-F687-4f45-9708-019B960494DF}">
-                <a14:hiddenLine xmlns="" xmlns:a14="http://schemas.microsoft.com/office/drawing/2010/main" w="9525">
+                <a14:hiddenLine xmlns:a14="http://schemas.microsoft.com/office/drawing/2010/main" xmlns="" w="9525">
                   <a:solidFill>
                     <a:srgbClr val="000000"/>
                   </a:solidFill>
@@ -9065,7 +9096,7 @@
             </a:ln>
             <a:extLst>
               <a:ext uri="{91240B29-F687-4f45-9708-019B960494DF}">
-                <a14:hiddenLine xmlns="" xmlns:a14="http://schemas.microsoft.com/office/drawing/2010/main" w="9525">
+                <a14:hiddenLine xmlns:a14="http://schemas.microsoft.com/office/drawing/2010/main" xmlns="" w="9525">
                   <a:solidFill>
                     <a:srgbClr val="000000"/>
                   </a:solidFill>
@@ -9099,7 +9130,7 @@
             </a:ln>
             <a:extLst>
               <a:ext uri="{91240B29-F687-4f45-9708-019B960494DF}">
-                <a14:hiddenLine xmlns="" xmlns:a14="http://schemas.microsoft.com/office/drawing/2010/main" w="9525">
+                <a14:hiddenLine xmlns:a14="http://schemas.microsoft.com/office/drawing/2010/main" xmlns="" w="9525">
                   <a:solidFill>
                     <a:srgbClr val="000000"/>
                   </a:solidFill>
@@ -9189,7 +9220,7 @@
             </a:ln>
             <a:extLst>
               <a:ext uri="{91240B29-F687-4f45-9708-019B960494DF}">
-                <a14:hiddenLine xmlns="" xmlns:a14="http://schemas.microsoft.com/office/drawing/2010/main" w="9525">
+                <a14:hiddenLine xmlns:a14="http://schemas.microsoft.com/office/drawing/2010/main" xmlns="" w="9525">
                   <a:solidFill>
                     <a:srgbClr val="000000"/>
                   </a:solidFill>
@@ -9251,7 +9282,7 @@
             </a:ln>
             <a:extLst>
               <a:ext uri="{91240B29-F687-4f45-9708-019B960494DF}">
-                <a14:hiddenLine xmlns="" xmlns:a14="http://schemas.microsoft.com/office/drawing/2010/main" w="9525">
+                <a14:hiddenLine xmlns:a14="http://schemas.microsoft.com/office/drawing/2010/main" xmlns="" w="9525">
                   <a:solidFill>
                     <a:srgbClr val="000000"/>
                   </a:solidFill>
@@ -9313,7 +9344,7 @@
             </a:ln>
             <a:extLst>
               <a:ext uri="{91240B29-F687-4f45-9708-019B960494DF}">
-                <a14:hiddenLine xmlns="" xmlns:a14="http://schemas.microsoft.com/office/drawing/2010/main" w="9525">
+                <a14:hiddenLine xmlns:a14="http://schemas.microsoft.com/office/drawing/2010/main" xmlns="" w="9525">
                   <a:solidFill>
                     <a:srgbClr val="000000"/>
                   </a:solidFill>
@@ -9403,7 +9434,7 @@
             </a:ln>
             <a:extLst>
               <a:ext uri="{91240B29-F687-4f45-9708-019B960494DF}">
-                <a14:hiddenLine xmlns="" xmlns:a14="http://schemas.microsoft.com/office/drawing/2010/main" w="9525">
+                <a14:hiddenLine xmlns:a14="http://schemas.microsoft.com/office/drawing/2010/main" xmlns="" w="9525">
                   <a:solidFill>
                     <a:srgbClr val="000000"/>
                   </a:solidFill>
@@ -9471,7 +9502,7 @@
             </a:ln>
             <a:extLst>
               <a:ext uri="{91240B29-F687-4f45-9708-019B960494DF}">
-                <a14:hiddenLine xmlns="" xmlns:a14="http://schemas.microsoft.com/office/drawing/2010/main" w="9525">
+                <a14:hiddenLine xmlns:a14="http://schemas.microsoft.com/office/drawing/2010/main" xmlns="" w="9525">
                   <a:solidFill>
                     <a:srgbClr val="000000"/>
                   </a:solidFill>
@@ -9533,7 +9564,7 @@
             </a:ln>
             <a:extLst>
               <a:ext uri="{91240B29-F687-4f45-9708-019B960494DF}">
-                <a14:hiddenLine xmlns="" xmlns:a14="http://schemas.microsoft.com/office/drawing/2010/main" w="9525">
+                <a14:hiddenLine xmlns:a14="http://schemas.microsoft.com/office/drawing/2010/main" xmlns="" w="9525">
                   <a:solidFill>
                     <a:srgbClr val="000000"/>
                   </a:solidFill>
@@ -9623,7 +9654,7 @@
             </a:ln>
             <a:extLst>
               <a:ext uri="{91240B29-F687-4f45-9708-019B960494DF}">
-                <a14:hiddenLine xmlns="" xmlns:a14="http://schemas.microsoft.com/office/drawing/2010/main" w="9525">
+                <a14:hiddenLine xmlns:a14="http://schemas.microsoft.com/office/drawing/2010/main" xmlns="" w="9525">
                   <a:solidFill>
                     <a:srgbClr val="000000"/>
                   </a:solidFill>
@@ -9685,7 +9716,7 @@
             </a:ln>
             <a:extLst>
               <a:ext uri="{91240B29-F687-4f45-9708-019B960494DF}">
-                <a14:hiddenLine xmlns="" xmlns:a14="http://schemas.microsoft.com/office/drawing/2010/main" w="9525">
+                <a14:hiddenLine xmlns:a14="http://schemas.microsoft.com/office/drawing/2010/main" xmlns="" w="9525">
                   <a:solidFill>
                     <a:srgbClr val="000000"/>
                   </a:solidFill>
@@ -9775,7 +9806,7 @@
             </a:ln>
             <a:extLst>
               <a:ext uri="{91240B29-F687-4f45-9708-019B960494DF}">
-                <a14:hiddenLine xmlns="" xmlns:a14="http://schemas.microsoft.com/office/drawing/2010/main" w="9525">
+                <a14:hiddenLine xmlns:a14="http://schemas.microsoft.com/office/drawing/2010/main" xmlns="" w="9525">
                   <a:solidFill>
                     <a:srgbClr val="000000"/>
                   </a:solidFill>
@@ -9837,7 +9868,7 @@
             </a:ln>
             <a:extLst>
               <a:ext uri="{91240B29-F687-4f45-9708-019B960494DF}">
-                <a14:hiddenLine xmlns="" xmlns:a14="http://schemas.microsoft.com/office/drawing/2010/main" w="9525">
+                <a14:hiddenLine xmlns:a14="http://schemas.microsoft.com/office/drawing/2010/main" xmlns="" w="9525">
                   <a:solidFill>
                     <a:srgbClr val="000000"/>
                   </a:solidFill>
@@ -9927,7 +9958,7 @@
             </a:ln>
             <a:extLst>
               <a:ext uri="{91240B29-F687-4f45-9708-019B960494DF}">
-                <a14:hiddenLine xmlns="" xmlns:a14="http://schemas.microsoft.com/office/drawing/2010/main" w="9525">
+                <a14:hiddenLine xmlns:a14="http://schemas.microsoft.com/office/drawing/2010/main" xmlns="" w="9525">
                   <a:solidFill>
                     <a:srgbClr val="000000"/>
                   </a:solidFill>
@@ -9961,7 +9992,7 @@
             </a:ln>
             <a:extLst>
               <a:ext uri="{91240B29-F687-4f45-9708-019B960494DF}">
-                <a14:hiddenLine xmlns="" xmlns:a14="http://schemas.microsoft.com/office/drawing/2010/main" w="9525">
+                <a14:hiddenLine xmlns:a14="http://schemas.microsoft.com/office/drawing/2010/main" xmlns="" w="9525">
                   <a:solidFill>
                     <a:srgbClr val="000000"/>
                   </a:solidFill>
@@ -10026,7 +10057,7 @@
             </a:ln>
             <a:extLst>
               <a:ext uri="{91240B29-F687-4f45-9708-019B960494DF}">
-                <a14:hiddenLine xmlns="" xmlns:a14="http://schemas.microsoft.com/office/drawing/2010/main" w="9525">
+                <a14:hiddenLine xmlns:a14="http://schemas.microsoft.com/office/drawing/2010/main" xmlns="" w="9525">
                   <a:solidFill>
                     <a:srgbClr val="000000"/>
                   </a:solidFill>
@@ -10116,7 +10147,7 @@
             </a:ln>
             <a:extLst>
               <a:ext uri="{91240B29-F687-4f45-9708-019B960494DF}">
-                <a14:hiddenLine xmlns="" xmlns:a14="http://schemas.microsoft.com/office/drawing/2010/main" w="9525">
+                <a14:hiddenLine xmlns:a14="http://schemas.microsoft.com/office/drawing/2010/main" xmlns="" w="9525">
                   <a:solidFill>
                     <a:srgbClr val="000000"/>
                   </a:solidFill>
@@ -10178,7 +10209,7 @@
             </a:ln>
             <a:extLst>
               <a:ext uri="{91240B29-F687-4f45-9708-019B960494DF}">
-                <a14:hiddenLine xmlns="" xmlns:a14="http://schemas.microsoft.com/office/drawing/2010/main" w="9525">
+                <a14:hiddenLine xmlns:a14="http://schemas.microsoft.com/office/drawing/2010/main" xmlns="" w="9525">
                   <a:solidFill>
                     <a:srgbClr val="000000"/>
                   </a:solidFill>
@@ -10268,7 +10299,7 @@
             </a:ln>
             <a:extLst>
               <a:ext uri="{91240B29-F687-4f45-9708-019B960494DF}">
-                <a14:hiddenLine xmlns="" xmlns:a14="http://schemas.microsoft.com/office/drawing/2010/main" w="9525">
+                <a14:hiddenLine xmlns:a14="http://schemas.microsoft.com/office/drawing/2010/main" xmlns="" w="9525">
                   <a:solidFill>
                     <a:srgbClr val="000000"/>
                   </a:solidFill>
@@ -10358,7 +10389,7 @@
             </a:ln>
             <a:extLst>
               <a:ext uri="{91240B29-F687-4f45-9708-019B960494DF}">
-                <a14:hiddenLine xmlns="" xmlns:a14="http://schemas.microsoft.com/office/drawing/2010/main" w="9525">
+                <a14:hiddenLine xmlns:a14="http://schemas.microsoft.com/office/drawing/2010/main" xmlns="" w="9525">
                   <a:solidFill>
                     <a:srgbClr val="000000"/>
                   </a:solidFill>
@@ -10423,7 +10454,7 @@
             </a:ln>
             <a:extLst>
               <a:ext uri="{91240B29-F687-4f45-9708-019B960494DF}">
-                <a14:hiddenLine xmlns="" xmlns:a14="http://schemas.microsoft.com/office/drawing/2010/main" w="9525">
+                <a14:hiddenLine xmlns:a14="http://schemas.microsoft.com/office/drawing/2010/main" xmlns="" w="9525">
                   <a:solidFill>
                     <a:srgbClr val="000000"/>
                   </a:solidFill>
@@ -10485,7 +10516,7 @@
             </a:ln>
             <a:extLst>
               <a:ext uri="{91240B29-F687-4f45-9708-019B960494DF}">
-                <a14:hiddenLine xmlns="" xmlns:a14="http://schemas.microsoft.com/office/drawing/2010/main" w="9525">
+                <a14:hiddenLine xmlns:a14="http://schemas.microsoft.com/office/drawing/2010/main" xmlns="" w="9525">
                   <a:solidFill>
                     <a:srgbClr val="000000"/>
                   </a:solidFill>
@@ -10575,7 +10606,7 @@
             </a:ln>
             <a:extLst>
               <a:ext uri="{91240B29-F687-4f45-9708-019B960494DF}">
-                <a14:hiddenLine xmlns="" xmlns:a14="http://schemas.microsoft.com/office/drawing/2010/main" w="9525">
+                <a14:hiddenLine xmlns:a14="http://schemas.microsoft.com/office/drawing/2010/main" xmlns="" w="9525">
                   <a:solidFill>
                     <a:srgbClr val="000000"/>
                   </a:solidFill>
@@ -10665,7 +10696,7 @@
             </a:ln>
             <a:extLst>
               <a:ext uri="{91240B29-F687-4f45-9708-019B960494DF}">
-                <a14:hiddenLine xmlns="" xmlns:a14="http://schemas.microsoft.com/office/drawing/2010/main" w="9525">
+                <a14:hiddenLine xmlns:a14="http://schemas.microsoft.com/office/drawing/2010/main" xmlns="" w="9525">
                   <a:solidFill>
                     <a:srgbClr val="000000"/>
                   </a:solidFill>
@@ -10727,7 +10758,7 @@
             </a:ln>
             <a:extLst>
               <a:ext uri="{91240B29-F687-4f45-9708-019B960494DF}">
-                <a14:hiddenLine xmlns="" xmlns:a14="http://schemas.microsoft.com/office/drawing/2010/main" w="9525">
+                <a14:hiddenLine xmlns:a14="http://schemas.microsoft.com/office/drawing/2010/main" xmlns="" w="9525">
                   <a:solidFill>
                     <a:srgbClr val="000000"/>
                   </a:solidFill>
@@ -10847,7 +10878,7 @@
             </a:ln>
             <a:extLst>
               <a:ext uri="{91240B29-F687-4f45-9708-019B960494DF}">
-                <a14:hiddenLine xmlns="" xmlns:a14="http://schemas.microsoft.com/office/drawing/2010/main" w="9525">
+                <a14:hiddenLine xmlns:a14="http://schemas.microsoft.com/office/drawing/2010/main" xmlns="" w="9525">
                   <a:solidFill>
                     <a:srgbClr val="000000"/>
                   </a:solidFill>
@@ -10915,7 +10946,7 @@
             </a:ln>
             <a:extLst>
               <a:ext uri="{91240B29-F687-4f45-9708-019B960494DF}">
-                <a14:hiddenLine xmlns="" xmlns:a14="http://schemas.microsoft.com/office/drawing/2010/main" w="9525">
+                <a14:hiddenLine xmlns:a14="http://schemas.microsoft.com/office/drawing/2010/main" xmlns="" w="9525">
                   <a:solidFill>
                     <a:srgbClr val="000000"/>
                   </a:solidFill>
@@ -11005,7 +11036,7 @@
             </a:ln>
             <a:extLst>
               <a:ext uri="{91240B29-F687-4f45-9708-019B960494DF}">
-                <a14:hiddenLine xmlns="" xmlns:a14="http://schemas.microsoft.com/office/drawing/2010/main" w="9525">
+                <a14:hiddenLine xmlns:a14="http://schemas.microsoft.com/office/drawing/2010/main" xmlns="" w="9525">
                   <a:solidFill>
                     <a:srgbClr val="000000"/>
                   </a:solidFill>
@@ -11145,7 +11176,7 @@
           <a:p>
             <a:fld id="{41DCBB70-9A08-4AA5-A271-721B6525CB9F}" type="datetime1">
               <a:rPr lang="en-US" smtClean="0"/>
-              <a:t>6/14/17</a:t>
+              <a:t>6/18/2017</a:t>
             </a:fld>
             <a:endParaRPr lang="en-US"/>
           </a:p>
@@ -11412,7 +11443,7 @@
           <a:p>
             <a:fld id="{9E661AA1-C993-49F4-84DE-675C7065B200}" type="datetime1">
               <a:rPr lang="en-US" smtClean="0"/>
-              <a:t>6/14/17</a:t>
+              <a:t>6/18/2017</a:t>
             </a:fld>
             <a:endParaRPr lang="en-US"/>
           </a:p>
@@ -11608,7 +11639,7 @@
           <a:p>
             <a:fld id="{35ED3023-723E-443F-8079-577C9EEE921C}" type="datetime1">
               <a:rPr lang="en-US" smtClean="0"/>
-              <a:t>6/14/17</a:t>
+              <a:t>6/18/2017</a:t>
             </a:fld>
             <a:endParaRPr lang="en-US"/>
           </a:p>
@@ -11871,7 +11902,7 @@
           <a:p>
             <a:fld id="{6B73FD1C-B51A-48F7-AC02-2F0D97D814F7}" type="datetime1">
               <a:rPr lang="en-US" smtClean="0"/>
-              <a:t>6/14/17</a:t>
+              <a:t>6/18/2017</a:t>
             </a:fld>
             <a:endParaRPr lang="en-US"/>
           </a:p>
@@ -12305,7 +12336,7 @@
           <a:p>
             <a:fld id="{FB8D9E83-F75A-43AD-B2ED-7E8CAF48F668}" type="datetime1">
               <a:rPr lang="en-US" smtClean="0"/>
-              <a:t>6/14/17</a:t>
+              <a:t>6/18/2017</a:t>
             </a:fld>
             <a:endParaRPr lang="en-US"/>
           </a:p>
@@ -12851,7 +12882,7 @@
           <a:p>
             <a:fld id="{768A83B0-3BAE-4E53-B5B7-0FF7FE737D64}" type="datetime1">
               <a:rPr lang="en-US" smtClean="0"/>
-              <a:t>6/14/17</a:t>
+              <a:t>6/18/2017</a:t>
             </a:fld>
             <a:endParaRPr lang="en-US"/>
           </a:p>
@@ -13571,7 +13602,7 @@
           <a:p>
             <a:fld id="{B16730D7-1777-41F9-B918-BBBB96CD566E}" type="datetime1">
               <a:rPr lang="en-US" smtClean="0"/>
-              <a:t>6/14/17</a:t>
+              <a:t>6/18/2017</a:t>
             </a:fld>
             <a:endParaRPr lang="en-US"/>
           </a:p>
@@ -13741,7 +13772,7 @@
           <a:p>
             <a:fld id="{6D09EAFD-48A8-461E-BE3C-44687419BF39}" type="datetime1">
               <a:rPr lang="en-US" smtClean="0"/>
-              <a:t>6/14/17</a:t>
+              <a:t>6/18/2017</a:t>
             </a:fld>
             <a:endParaRPr lang="en-US"/>
           </a:p>
@@ -13921,7 +13952,7 @@
           <a:p>
             <a:fld id="{8FD3B498-F311-4C43-B1BB-5A8293E0A9A4}" type="datetime1">
               <a:rPr lang="en-US" smtClean="0"/>
-              <a:t>6/14/17</a:t>
+              <a:t>6/18/2017</a:t>
             </a:fld>
             <a:endParaRPr lang="en-US"/>
           </a:p>
@@ -14091,7 +14122,7 @@
           <a:p>
             <a:fld id="{883771BF-CA23-432F-8D8B-D4805A2FDC25}" type="datetime1">
               <a:rPr lang="en-US" smtClean="0"/>
-              <a:t>6/14/17</a:t>
+              <a:t>6/18/2017</a:t>
             </a:fld>
             <a:endParaRPr lang="en-US"/>
           </a:p>
@@ -14341,7 +14372,7 @@
           <a:p>
             <a:fld id="{1D68C36A-6259-4E5A-A049-3DCA1D14583C}" type="datetime1">
               <a:rPr lang="en-US" smtClean="0"/>
-              <a:t>6/14/17</a:t>
+              <a:t>6/18/2017</a:t>
             </a:fld>
             <a:endParaRPr lang="en-US"/>
           </a:p>
@@ -14573,7 +14604,7 @@
           <a:p>
             <a:fld id="{F34191F4-FB8B-48CA-AE1C-459EE9927C52}" type="datetime1">
               <a:rPr lang="en-US" smtClean="0"/>
-              <a:t>6/14/17</a:t>
+              <a:t>6/18/2017</a:t>
             </a:fld>
             <a:endParaRPr lang="en-US"/>
           </a:p>
@@ -14954,7 +14985,7 @@
           <a:p>
             <a:fld id="{1A00DB3D-0C93-46F0-85AD-FA7B3F55FC09}" type="datetime1">
               <a:rPr lang="en-US" smtClean="0"/>
-              <a:t>6/14/17</a:t>
+              <a:t>6/18/2017</a:t>
             </a:fld>
             <a:endParaRPr lang="en-US"/>
           </a:p>
@@ -15072,7 +15103,7 @@
           <a:p>
             <a:fld id="{497B238E-31D3-4B1F-B348-185C972FE44A}" type="datetime1">
               <a:rPr lang="en-US" smtClean="0"/>
-              <a:t>6/14/17</a:t>
+              <a:t>6/18/2017</a:t>
             </a:fld>
             <a:endParaRPr lang="en-US"/>
           </a:p>
@@ -15167,7 +15198,7 @@
           <a:p>
             <a:fld id="{19582FB6-8FF1-4BD0-8894-95577FB7710C}" type="datetime1">
               <a:rPr lang="en-US" smtClean="0"/>
-              <a:t>6/14/17</a:t>
+              <a:t>6/18/2017</a:t>
             </a:fld>
             <a:endParaRPr lang="en-US"/>
           </a:p>
@@ -15416,7 +15447,7 @@
           <a:p>
             <a:fld id="{4DA5B7C6-DBC3-44D3-B529-A12A76EAA082}" type="datetime1">
               <a:rPr lang="en-US" smtClean="0"/>
-              <a:t>6/14/17</a:t>
+              <a:t>6/18/2017</a:t>
             </a:fld>
             <a:endParaRPr lang="en-US"/>
           </a:p>
@@ -15696,7 +15727,7 @@
           <a:p>
             <a:fld id="{A5E04D17-1D2A-4495-A1D2-AEA6C5658C0F}" type="datetime1">
               <a:rPr lang="en-US" smtClean="0"/>
-              <a:t>6/14/17</a:t>
+              <a:t>6/18/2017</a:t>
             </a:fld>
             <a:endParaRPr lang="en-US"/>
           </a:p>
@@ -15812,7 +15843,7 @@
           <a:noFill/>
           <a:extLst>
             <a:ext uri="{909E8E84-426E-40dd-AFC4-6F175D3DCCD1}">
-              <a14:hiddenFill xmlns="" xmlns:a14="http://schemas.microsoft.com/office/drawing/2010/main">
+              <a14:hiddenFill xmlns:a14="http://schemas.microsoft.com/office/drawing/2010/main" xmlns="">
                 <a:solidFill>
                   <a:srgbClr val="FFFFFF"/>
                 </a:solidFill>
@@ -15886,7 +15917,7 @@
               </a:ln>
               <a:extLst>
                 <a:ext uri="{91240B29-F687-4f45-9708-019B960494DF}">
-                  <a14:hiddenLine xmlns="" xmlns:a14="http://schemas.microsoft.com/office/drawing/2010/main" w="9525">
+                  <a14:hiddenLine xmlns:a14="http://schemas.microsoft.com/office/drawing/2010/main" xmlns="" w="9525">
                     <a:solidFill>
                       <a:srgbClr val="000000"/>
                     </a:solidFill>
@@ -15976,7 +16007,7 @@
               </a:ln>
               <a:extLst>
                 <a:ext uri="{91240B29-F687-4f45-9708-019B960494DF}">
-                  <a14:hiddenLine xmlns="" xmlns:a14="http://schemas.microsoft.com/office/drawing/2010/main" w="9525">
+                  <a14:hiddenLine xmlns:a14="http://schemas.microsoft.com/office/drawing/2010/main" xmlns="" w="9525">
                     <a:solidFill>
                       <a:srgbClr val="000000"/>
                     </a:solidFill>
@@ -16066,7 +16097,7 @@
               </a:ln>
               <a:extLst>
                 <a:ext uri="{91240B29-F687-4f45-9708-019B960494DF}">
-                  <a14:hiddenLine xmlns="" xmlns:a14="http://schemas.microsoft.com/office/drawing/2010/main" w="9525">
+                  <a14:hiddenLine xmlns:a14="http://schemas.microsoft.com/office/drawing/2010/main" xmlns="" w="9525">
                     <a:solidFill>
                       <a:srgbClr val="000000"/>
                     </a:solidFill>
@@ -16128,7 +16159,7 @@
               </a:ln>
               <a:extLst>
                 <a:ext uri="{91240B29-F687-4f45-9708-019B960494DF}">
-                  <a14:hiddenLine xmlns="" xmlns:a14="http://schemas.microsoft.com/office/drawing/2010/main" w="9525">
+                  <a14:hiddenLine xmlns:a14="http://schemas.microsoft.com/office/drawing/2010/main" xmlns="" w="9525">
                     <a:solidFill>
                       <a:srgbClr val="000000"/>
                     </a:solidFill>
@@ -16218,7 +16249,7 @@
               </a:ln>
               <a:extLst>
                 <a:ext uri="{91240B29-F687-4f45-9708-019B960494DF}">
-                  <a14:hiddenLine xmlns="" xmlns:a14="http://schemas.microsoft.com/office/drawing/2010/main" w="9525">
+                  <a14:hiddenLine xmlns:a14="http://schemas.microsoft.com/office/drawing/2010/main" xmlns="" w="9525">
                     <a:solidFill>
                       <a:srgbClr val="000000"/>
                     </a:solidFill>
@@ -16280,7 +16311,7 @@
               </a:ln>
               <a:extLst>
                 <a:ext uri="{91240B29-F687-4f45-9708-019B960494DF}">
-                  <a14:hiddenLine xmlns="" xmlns:a14="http://schemas.microsoft.com/office/drawing/2010/main" w="9525">
+                  <a14:hiddenLine xmlns:a14="http://schemas.microsoft.com/office/drawing/2010/main" xmlns="" w="9525">
                     <a:solidFill>
                       <a:srgbClr val="000000"/>
                     </a:solidFill>
@@ -16342,7 +16373,7 @@
               </a:ln>
               <a:extLst>
                 <a:ext uri="{91240B29-F687-4f45-9708-019B960494DF}">
-                  <a14:hiddenLine xmlns="" xmlns:a14="http://schemas.microsoft.com/office/drawing/2010/main" w="9525">
+                  <a14:hiddenLine xmlns:a14="http://schemas.microsoft.com/office/drawing/2010/main" xmlns="" w="9525">
                     <a:solidFill>
                       <a:srgbClr val="000000"/>
                     </a:solidFill>
@@ -16432,7 +16463,7 @@
               </a:ln>
               <a:extLst>
                 <a:ext uri="{91240B29-F687-4f45-9708-019B960494DF}">
-                  <a14:hiddenLine xmlns="" xmlns:a14="http://schemas.microsoft.com/office/drawing/2010/main" w="9525">
+                  <a14:hiddenLine xmlns:a14="http://schemas.microsoft.com/office/drawing/2010/main" xmlns="" w="9525">
                     <a:solidFill>
                       <a:srgbClr val="000000"/>
                     </a:solidFill>
@@ -16522,7 +16553,7 @@
               </a:ln>
               <a:extLst>
                 <a:ext uri="{91240B29-F687-4f45-9708-019B960494DF}">
-                  <a14:hiddenLine xmlns="" xmlns:a14="http://schemas.microsoft.com/office/drawing/2010/main" w="9525">
+                  <a14:hiddenLine xmlns:a14="http://schemas.microsoft.com/office/drawing/2010/main" xmlns="" w="9525">
                     <a:solidFill>
                       <a:srgbClr val="000000"/>
                     </a:solidFill>
@@ -16584,7 +16615,7 @@
               </a:ln>
               <a:extLst>
                 <a:ext uri="{91240B29-F687-4f45-9708-019B960494DF}">
-                  <a14:hiddenLine xmlns="" xmlns:a14="http://schemas.microsoft.com/office/drawing/2010/main" w="9525">
+                  <a14:hiddenLine xmlns:a14="http://schemas.microsoft.com/office/drawing/2010/main" xmlns="" w="9525">
                     <a:solidFill>
                       <a:srgbClr val="000000"/>
                     </a:solidFill>
@@ -16694,7 +16725,7 @@
               </a:ln>
               <a:extLst>
                 <a:ext uri="{91240B29-F687-4f45-9708-019B960494DF}">
-                  <a14:hiddenLine xmlns="" xmlns:a14="http://schemas.microsoft.com/office/drawing/2010/main" w="9525">
+                  <a14:hiddenLine xmlns:a14="http://schemas.microsoft.com/office/drawing/2010/main" xmlns="" w="9525">
                     <a:solidFill>
                       <a:srgbClr val="000000"/>
                     </a:solidFill>
@@ -16778,7 +16809,7 @@
               </a:ln>
               <a:extLst>
                 <a:ext uri="{91240B29-F687-4f45-9708-019B960494DF}">
-                  <a14:hiddenLine xmlns="" xmlns:a14="http://schemas.microsoft.com/office/drawing/2010/main" w="9525">
+                  <a14:hiddenLine xmlns:a14="http://schemas.microsoft.com/office/drawing/2010/main" xmlns="" w="9525">
                     <a:solidFill>
                       <a:srgbClr val="000000"/>
                     </a:solidFill>
@@ -16840,7 +16871,7 @@
               </a:ln>
               <a:extLst>
                 <a:ext uri="{91240B29-F687-4f45-9708-019B960494DF}">
-                  <a14:hiddenLine xmlns="" xmlns:a14="http://schemas.microsoft.com/office/drawing/2010/main" w="9525">
+                  <a14:hiddenLine xmlns:a14="http://schemas.microsoft.com/office/drawing/2010/main" xmlns="" w="9525">
                     <a:solidFill>
                       <a:srgbClr val="000000"/>
                     </a:solidFill>
@@ -16902,7 +16933,7 @@
               </a:ln>
               <a:extLst>
                 <a:ext uri="{91240B29-F687-4f45-9708-019B960494DF}">
-                  <a14:hiddenLine xmlns="" xmlns:a14="http://schemas.microsoft.com/office/drawing/2010/main" w="9525">
+                  <a14:hiddenLine xmlns:a14="http://schemas.microsoft.com/office/drawing/2010/main" xmlns="" w="9525">
                     <a:solidFill>
                       <a:srgbClr val="000000"/>
                     </a:solidFill>
@@ -16992,7 +17023,7 @@
               </a:ln>
               <a:extLst>
                 <a:ext uri="{91240B29-F687-4f45-9708-019B960494DF}">
-                  <a14:hiddenLine xmlns="" xmlns:a14="http://schemas.microsoft.com/office/drawing/2010/main" w="9525">
+                  <a14:hiddenLine xmlns:a14="http://schemas.microsoft.com/office/drawing/2010/main" xmlns="" w="9525">
                     <a:solidFill>
                       <a:srgbClr val="000000"/>
                     </a:solidFill>
@@ -17026,7 +17057,7 @@
               </a:ln>
               <a:extLst>
                 <a:ext uri="{91240B29-F687-4f45-9708-019B960494DF}">
-                  <a14:hiddenLine xmlns="" xmlns:a14="http://schemas.microsoft.com/office/drawing/2010/main" w="9525">
+                  <a14:hiddenLine xmlns:a14="http://schemas.microsoft.com/office/drawing/2010/main" xmlns="" w="9525">
                     <a:solidFill>
                       <a:srgbClr val="000000"/>
                     </a:solidFill>
@@ -17091,7 +17122,7 @@
               </a:ln>
               <a:extLst>
                 <a:ext uri="{91240B29-F687-4f45-9708-019B960494DF}">
-                  <a14:hiddenLine xmlns="" xmlns:a14="http://schemas.microsoft.com/office/drawing/2010/main" w="9525">
+                  <a14:hiddenLine xmlns:a14="http://schemas.microsoft.com/office/drawing/2010/main" xmlns="" w="9525">
                     <a:solidFill>
                       <a:srgbClr val="000000"/>
                     </a:solidFill>
@@ -17181,7 +17212,7 @@
               </a:ln>
               <a:extLst>
                 <a:ext uri="{91240B29-F687-4f45-9708-019B960494DF}">
-                  <a14:hiddenLine xmlns="" xmlns:a14="http://schemas.microsoft.com/office/drawing/2010/main" w="9525">
+                  <a14:hiddenLine xmlns:a14="http://schemas.microsoft.com/office/drawing/2010/main" xmlns="" w="9525">
                     <a:solidFill>
                       <a:srgbClr val="000000"/>
                     </a:solidFill>
@@ -17243,7 +17274,7 @@
               </a:ln>
               <a:extLst>
                 <a:ext uri="{91240B29-F687-4f45-9708-019B960494DF}">
-                  <a14:hiddenLine xmlns="" xmlns:a14="http://schemas.microsoft.com/office/drawing/2010/main" w="9525">
+                  <a14:hiddenLine xmlns:a14="http://schemas.microsoft.com/office/drawing/2010/main" xmlns="" w="9525">
                     <a:solidFill>
                       <a:srgbClr val="000000"/>
                     </a:solidFill>
@@ -17333,7 +17364,7 @@
               </a:ln>
               <a:extLst>
                 <a:ext uri="{91240B29-F687-4f45-9708-019B960494DF}">
-                  <a14:hiddenLine xmlns="" xmlns:a14="http://schemas.microsoft.com/office/drawing/2010/main" w="9525">
+                  <a14:hiddenLine xmlns:a14="http://schemas.microsoft.com/office/drawing/2010/main" xmlns="" w="9525">
                     <a:solidFill>
                       <a:srgbClr val="000000"/>
                     </a:solidFill>
@@ -17398,7 +17429,7 @@
               </a:ln>
               <a:extLst>
                 <a:ext uri="{91240B29-F687-4f45-9708-019B960494DF}">
-                  <a14:hiddenLine xmlns="" xmlns:a14="http://schemas.microsoft.com/office/drawing/2010/main" w="9525">
+                  <a14:hiddenLine xmlns:a14="http://schemas.microsoft.com/office/drawing/2010/main" xmlns="" w="9525">
                     <a:solidFill>
                       <a:srgbClr val="000000"/>
                     </a:solidFill>
@@ -17460,7 +17491,7 @@
               </a:ln>
               <a:extLst>
                 <a:ext uri="{91240B29-F687-4f45-9708-019B960494DF}">
-                  <a14:hiddenLine xmlns="" xmlns:a14="http://schemas.microsoft.com/office/drawing/2010/main" w="9525">
+                  <a14:hiddenLine xmlns:a14="http://schemas.microsoft.com/office/drawing/2010/main" xmlns="" w="9525">
                     <a:solidFill>
                       <a:srgbClr val="000000"/>
                     </a:solidFill>
@@ -17550,7 +17581,7 @@
               </a:ln>
               <a:extLst>
                 <a:ext uri="{91240B29-F687-4f45-9708-019B960494DF}">
-                  <a14:hiddenLine xmlns="" xmlns:a14="http://schemas.microsoft.com/office/drawing/2010/main" w="9525">
+                  <a14:hiddenLine xmlns:a14="http://schemas.microsoft.com/office/drawing/2010/main" xmlns="" w="9525">
                     <a:solidFill>
                       <a:srgbClr val="000000"/>
                     </a:solidFill>
@@ -17640,7 +17671,7 @@
               </a:ln>
               <a:extLst>
                 <a:ext uri="{91240B29-F687-4f45-9708-019B960494DF}">
-                  <a14:hiddenLine xmlns="" xmlns:a14="http://schemas.microsoft.com/office/drawing/2010/main" w="9525">
+                  <a14:hiddenLine xmlns:a14="http://schemas.microsoft.com/office/drawing/2010/main" xmlns="" w="9525">
                     <a:solidFill>
                       <a:srgbClr val="000000"/>
                     </a:solidFill>
@@ -17705,7 +17736,7 @@
               </a:ln>
               <a:extLst>
                 <a:ext uri="{91240B29-F687-4f45-9708-019B960494DF}">
-                  <a14:hiddenLine xmlns="" xmlns:a14="http://schemas.microsoft.com/office/drawing/2010/main" w="9525">
+                  <a14:hiddenLine xmlns:a14="http://schemas.microsoft.com/office/drawing/2010/main" xmlns="" w="9525">
                     <a:solidFill>
                       <a:srgbClr val="000000"/>
                     </a:solidFill>
@@ -17825,7 +17856,7 @@
               </a:ln>
               <a:extLst>
                 <a:ext uri="{91240B29-F687-4f45-9708-019B960494DF}">
-                  <a14:hiddenLine xmlns="" xmlns:a14="http://schemas.microsoft.com/office/drawing/2010/main" w="9525">
+                  <a14:hiddenLine xmlns:a14="http://schemas.microsoft.com/office/drawing/2010/main" xmlns="" w="9525">
                     <a:solidFill>
                       <a:srgbClr val="000000"/>
                     </a:solidFill>
@@ -17923,7 +17954,7 @@
               </a:ln>
               <a:extLst>
                 <a:ext uri="{91240B29-F687-4f45-9708-019B960494DF}">
-                  <a14:hiddenLine xmlns="" xmlns:a14="http://schemas.microsoft.com/office/drawing/2010/main" w="9525">
+                  <a14:hiddenLine xmlns:a14="http://schemas.microsoft.com/office/drawing/2010/main" xmlns="" w="9525">
                     <a:solidFill>
                       <a:srgbClr val="000000"/>
                     </a:solidFill>
@@ -18038,7 +18069,7 @@
               </a:ln>
               <a:extLst>
                 <a:ext uri="{91240B29-F687-4f45-9708-019B960494DF}">
-                  <a14:hiddenLine xmlns="" xmlns:a14="http://schemas.microsoft.com/office/drawing/2010/main" w="9525">
+                  <a14:hiddenLine xmlns:a14="http://schemas.microsoft.com/office/drawing/2010/main" xmlns="" w="9525">
                     <a:solidFill>
                       <a:srgbClr val="000000"/>
                     </a:solidFill>
@@ -18128,7 +18159,7 @@
               </a:ln>
               <a:extLst>
                 <a:ext uri="{91240B29-F687-4f45-9708-019B960494DF}">
-                  <a14:hiddenLine xmlns="" xmlns:a14="http://schemas.microsoft.com/office/drawing/2010/main" w="9525">
+                  <a14:hiddenLine xmlns:a14="http://schemas.microsoft.com/office/drawing/2010/main" xmlns="" w="9525">
                     <a:solidFill>
                       <a:srgbClr val="000000"/>
                     </a:solidFill>
@@ -18193,7 +18224,7 @@
               </a:ln>
               <a:extLst>
                 <a:ext uri="{91240B29-F687-4f45-9708-019B960494DF}">
-                  <a14:hiddenLine xmlns="" xmlns:a14="http://schemas.microsoft.com/office/drawing/2010/main" w="9525">
+                  <a14:hiddenLine xmlns:a14="http://schemas.microsoft.com/office/drawing/2010/main" xmlns="" w="9525">
                     <a:solidFill>
                       <a:srgbClr val="000000"/>
                     </a:solidFill>
@@ -18283,7 +18314,7 @@
               </a:ln>
               <a:extLst>
                 <a:ext uri="{91240B29-F687-4f45-9708-019B960494DF}">
-                  <a14:hiddenLine xmlns="" xmlns:a14="http://schemas.microsoft.com/office/drawing/2010/main" w="9525">
+                  <a14:hiddenLine xmlns:a14="http://schemas.microsoft.com/office/drawing/2010/main" xmlns="" w="9525">
                     <a:solidFill>
                       <a:srgbClr val="000000"/>
                     </a:solidFill>
@@ -18351,7 +18382,7 @@
               </a:ln>
               <a:extLst>
                 <a:ext uri="{91240B29-F687-4f45-9708-019B960494DF}">
-                  <a14:hiddenLine xmlns="" xmlns:a14="http://schemas.microsoft.com/office/drawing/2010/main" w="9525">
+                  <a14:hiddenLine xmlns:a14="http://schemas.microsoft.com/office/drawing/2010/main" xmlns="" w="9525">
                     <a:solidFill>
                       <a:srgbClr val="000000"/>
                     </a:solidFill>
@@ -18441,7 +18472,7 @@
               </a:ln>
               <a:extLst>
                 <a:ext uri="{91240B29-F687-4f45-9708-019B960494DF}">
-                  <a14:hiddenLine xmlns="" xmlns:a14="http://schemas.microsoft.com/office/drawing/2010/main" w="9525">
+                  <a14:hiddenLine xmlns:a14="http://schemas.microsoft.com/office/drawing/2010/main" xmlns="" w="9525">
                     <a:solidFill>
                       <a:srgbClr val="000000"/>
                     </a:solidFill>
@@ -18509,7 +18540,7 @@
               </a:ln>
               <a:extLst>
                 <a:ext uri="{91240B29-F687-4f45-9708-019B960494DF}">
-                  <a14:hiddenLine xmlns="" xmlns:a14="http://schemas.microsoft.com/office/drawing/2010/main" w="9525">
+                  <a14:hiddenLine xmlns:a14="http://schemas.microsoft.com/office/drawing/2010/main" xmlns="" w="9525">
                     <a:solidFill>
                       <a:srgbClr val="000000"/>
                     </a:solidFill>
@@ -18599,7 +18630,7 @@
               </a:ln>
               <a:extLst>
                 <a:ext uri="{91240B29-F687-4f45-9708-019B960494DF}">
-                  <a14:hiddenLine xmlns="" xmlns:a14="http://schemas.microsoft.com/office/drawing/2010/main" w="9525">
+                  <a14:hiddenLine xmlns:a14="http://schemas.microsoft.com/office/drawing/2010/main" xmlns="" w="9525">
                     <a:solidFill>
                       <a:srgbClr val="000000"/>
                     </a:solidFill>
@@ -18633,7 +18664,7 @@
               </a:ln>
               <a:extLst>
                 <a:ext uri="{91240B29-F687-4f45-9708-019B960494DF}">
-                  <a14:hiddenLine xmlns="" xmlns:a14="http://schemas.microsoft.com/office/drawing/2010/main" w="9525">
+                  <a14:hiddenLine xmlns:a14="http://schemas.microsoft.com/office/drawing/2010/main" xmlns="" w="9525">
                     <a:solidFill>
                       <a:srgbClr val="000000"/>
                     </a:solidFill>
@@ -18773,7 +18804,7 @@
           <a:p>
             <a:fld id="{0780C3C2-E360-4074-89B7-939D42F4D217}" type="datetime1">
               <a:rPr lang="en-US" smtClean="0"/>
-              <a:t>6/14/17</a:t>
+              <a:t>6/18/2017</a:t>
             </a:fld>
             <a:endParaRPr lang="en-US"/>
           </a:p>
@@ -32119,6 +32150,13 @@
             </a:r>
           </a:p>
           <a:p>
+            <a:pPr lvl="1"/>
+            <a:r>
+              <a:rPr lang="en-US" dirty="0"/>
+              <a:t>I added some public domain cartoons as a  media examples</a:t>
+            </a:r>
+          </a:p>
+          <a:p>
             <a:endParaRPr lang="en-US" dirty="0"/>
           </a:p>
         </p:txBody>
@@ -32504,10 +32542,9 @@
           <a:p>
             <a:pPr lvl="1"/>
             <a:r>
-              <a:rPr lang="en-US" dirty="0" smtClean="0"/>
+              <a:rPr lang="en-US" dirty="0"/>
               <a:t>Writing crypto code all alone (call your crypto PhD to avoid this) </a:t>
             </a:r>
-            <a:endParaRPr lang="en-US" dirty="0"/>
           </a:p>
         </p:txBody>
       </p:sp>
@@ -34834,14 +34871,13 @@
               <a:t>Static code analysis tools such as </a:t>
             </a:r>
             <a:r>
-              <a:rPr lang="en-US" dirty="0" err="1" smtClean="0"/>
+              <a:rPr lang="en-US" dirty="0" err="1"/>
               <a:t>Klocwork</a:t>
             </a:r>
             <a:r>
-              <a:rPr lang="en-US" dirty="0" smtClean="0"/>
+              <a:rPr lang="en-US" dirty="0"/>
               <a:t> </a:t>
             </a:r>
-            <a:endParaRPr lang="en-US" dirty="0"/>
           </a:p>
           <a:p>
             <a:r>
@@ -34860,13 +34896,8 @@
           <a:p>
             <a:r>
               <a:rPr lang="en-US" dirty="0"/>
-              <a:t>Fuzzing the enclave (with a kind help of edger8r </a:t>
-            </a:r>
-            <a:r>
-              <a:rPr lang="en-US" dirty="0" smtClean="0"/>
-              <a:t>tool, both from OCALL and ECALL sides)</a:t>
-            </a:r>
-            <a:endParaRPr lang="en-US" dirty="0"/>
+              <a:t>Fuzzing the enclave (with a kind help of edger8r tool, both from OCALL and ECALL sides)</a:t>
+            </a:r>
           </a:p>
         </p:txBody>
       </p:sp>
@@ -35054,7 +35085,7 @@
           <p:cNvPr id="2" name="כותרת 1">
             <a:extLst>
               <a:ext uri="{FF2B5EF4-FFF2-40B4-BE49-F238E27FC236}">
-                <a16:creationId xmlns:a16="http://schemas.microsoft.com/office/drawing/2014/main" xmlns="" id="{2441E693-AAC6-490E-AAB9-F3263105878D}"/>
+                <a16:creationId xmlns:a16="http://schemas.microsoft.com/office/drawing/2014/main" id="{2441E693-AAC6-490E-AAB9-F3263105878D}"/>
               </a:ext>
             </a:extLst>
           </p:cNvPr>
@@ -35082,7 +35113,7 @@
           <p:cNvPr id="3" name="מציין מיקום תוכן 2">
             <a:extLst>
               <a:ext uri="{FF2B5EF4-FFF2-40B4-BE49-F238E27FC236}">
-                <a16:creationId xmlns:a16="http://schemas.microsoft.com/office/drawing/2014/main" xmlns="" id="{40D7FADA-349C-4F46-A92A-84063BD0ED85}"/>
+                <a16:creationId xmlns:a16="http://schemas.microsoft.com/office/drawing/2014/main" id="{40D7FADA-349C-4F46-A92A-84063BD0ED85}"/>
               </a:ext>
             </a:extLst>
           </p:cNvPr>
@@ -35128,7 +35159,7 @@
           <p:cNvPr id="4" name="מציין מיקום של מספר שקופית 3">
             <a:extLst>
               <a:ext uri="{FF2B5EF4-FFF2-40B4-BE49-F238E27FC236}">
-                <a16:creationId xmlns:a16="http://schemas.microsoft.com/office/drawing/2014/main" xmlns="" id="{DCC7083C-F067-4A46-953F-24D561884803}"/>
+                <a16:creationId xmlns:a16="http://schemas.microsoft.com/office/drawing/2014/main" id="{DCC7083C-F067-4A46-953F-24D561884803}"/>
               </a:ext>
             </a:extLst>
           </p:cNvPr>
@@ -35598,7 +35629,7 @@
           <p:cNvPr id="2" name="כותרת 1">
             <a:extLst>
               <a:ext uri="{FF2B5EF4-FFF2-40B4-BE49-F238E27FC236}">
-                <a16:creationId xmlns:a16="http://schemas.microsoft.com/office/drawing/2014/main" xmlns="" id="{E85A3F79-B5FD-453E-87B1-16E7A0A22C98}"/>
+                <a16:creationId xmlns:a16="http://schemas.microsoft.com/office/drawing/2014/main" id="{E85A3F79-B5FD-453E-87B1-16E7A0A22C98}"/>
               </a:ext>
             </a:extLst>
           </p:cNvPr>
@@ -35633,7 +35664,7 @@
           <p:cNvPr id="3" name="מציין מיקום תוכן 2">
             <a:extLst>
               <a:ext uri="{FF2B5EF4-FFF2-40B4-BE49-F238E27FC236}">
-                <a16:creationId xmlns:a16="http://schemas.microsoft.com/office/drawing/2014/main" xmlns="" id="{E296E813-5662-455A-8B30-6B4B8556C8BB}"/>
+                <a16:creationId xmlns:a16="http://schemas.microsoft.com/office/drawing/2014/main" id="{E296E813-5662-455A-8B30-6B4B8556C8BB}"/>
               </a:ext>
             </a:extLst>
           </p:cNvPr>
@@ -35682,7 +35713,7 @@
             </a:r>
             <a:r>
               <a:rPr lang="en-US" dirty="0"/>
-              <a:t> (I’m not writing there, but you can send PM)</a:t>
+              <a:t> (I’m not writing there, but you can send PM, and news about DVSE will appear there)</a:t>
             </a:r>
           </a:p>
         </p:txBody>
@@ -35692,7 +35723,7 @@
           <p:cNvPr id="4" name="מציין מיקום של מספר שקופית 3">
             <a:extLst>
               <a:ext uri="{FF2B5EF4-FFF2-40B4-BE49-F238E27FC236}">
-                <a16:creationId xmlns:a16="http://schemas.microsoft.com/office/drawing/2014/main" xmlns="" id="{E56584D9-68B2-425F-9636-C9626FB3477A}"/>
+                <a16:creationId xmlns:a16="http://schemas.microsoft.com/office/drawing/2014/main" id="{E56584D9-68B2-425F-9636-C9626FB3477A}"/>
               </a:ext>
             </a:extLst>
           </p:cNvPr>
@@ -37024,7 +37055,7 @@
           <a:p>
             <a:r>
               <a:rPr lang="en-US" dirty="0"/>
-              <a:t>I reviewed enough enclaves to make some (hopefully representative) conclusions </a:t>
+              <a:t>I reviewed enough enclaves to make some (hopefully representative) conclusions about common mistakes</a:t>
             </a:r>
           </a:p>
         </p:txBody>
